--- a/graphics/pp_diagrams.pptx
+++ b/graphics/pp_diagrams.pptx
@@ -3574,8 +3574,8 @@
           <a:p>
             <a:pPr algn="ctr"/>
             <a:r>
-              <a:rPr lang="en-US" sz="7000" b="1" dirty="0" err="1" smtClean="0"/>
-              <a:t>dwh_architecture</a:t>
+              <a:rPr lang="en-US" sz="7000" b="1" dirty="0"/>
+              <a:t>diagram_dwh_model1a</a:t>
             </a:r>
             <a:endParaRPr lang="id-ID" sz="7000" b="1" dirty="0">
               <a:solidFill>
@@ -3897,14 +3897,6 @@
               </a:rPr>
               <a:t>)</a:t>
             </a:r>
-            <a:endParaRPr lang="en-US" sz="1800" b="1" dirty="0">
-              <a:solidFill>
-                <a:schemeClr val="bg1"/>
-              </a:solidFill>
-              <a:latin typeface="Georgia" charset="0"/>
-              <a:ea typeface="Georgia" charset="0"/>
-              <a:cs typeface="Georgia" charset="0"/>
-            </a:endParaRPr>
           </a:p>
         </p:txBody>
       </p:sp>
@@ -5192,8 +5184,8 @@
         </p:nvSpPr>
         <p:spPr>
           <a:xfrm>
-            <a:off x="15708327" y="10522587"/>
-            <a:ext cx="5929535" cy="720000"/>
+            <a:off x="16295077" y="10522587"/>
+            <a:ext cx="5342785" cy="720000"/>
           </a:xfrm>
           <a:prstGeom prst="rect">
             <a:avLst/>

--- a/graphics/pp_diagrams.pptx
+++ b/graphics/pp_diagrams.pptx
@@ -5,13 +5,15 @@
     <p:sldMasterId id="2147483648" r:id="rId1"/>
   </p:sldMasterIdLst>
   <p:notesMasterIdLst>
-    <p:notesMasterId r:id="rId3"/>
+    <p:notesMasterId r:id="rId5"/>
   </p:notesMasterIdLst>
   <p:handoutMasterIdLst>
-    <p:handoutMasterId r:id="rId4"/>
+    <p:handoutMasterId r:id="rId6"/>
   </p:handoutMasterIdLst>
   <p:sldIdLst>
     <p:sldId id="671" r:id="rId2"/>
+    <p:sldId id="672" r:id="rId3"/>
+    <p:sldId id="673" r:id="rId4"/>
   </p:sldIdLst>
   <p:sldSz cx="24377650" cy="13716000"/>
   <p:notesSz cx="6858000" cy="9144000"/>
@@ -214,7 +216,7 @@
           <a:p>
             <a:fld id="{BF642B97-7661-5B4E-A65A-7F54031CCA56}" type="datetimeFigureOut">
               <a:rPr lang="en-US" smtClean="0"/>
-              <a:t>10/20/16</a:t>
+              <a:t>10/24/16</a:t>
             </a:fld>
             <a:endParaRPr lang="en-US"/>
           </a:p>
@@ -384,7 +386,7 @@
             <a:fld id="{EFC10EE1-B198-C942-8235-326C972CBB30}" type="datetimeFigureOut">
               <a:rPr lang="en-US" smtClean="0"/>
               <a:pPr/>
-              <a:t>10/20/16</a:t>
+              <a:t>10/24/16</a:t>
             </a:fld>
             <a:endParaRPr lang="en-US" dirty="0"/>
           </a:p>
@@ -5440,6 +5442,1485 @@
 </p:sld>
 </file>
 
+<file path=ppt/slides/slide2.xml><?xml version="1.0" encoding="utf-8"?>
+<p:sld xmlns:a="http://schemas.openxmlformats.org/drawingml/2006/main" xmlns:r="http://schemas.openxmlformats.org/officeDocument/2006/relationships" xmlns:p="http://schemas.openxmlformats.org/presentationml/2006/main">
+  <p:cSld>
+    <p:spTree>
+      <p:nvGrpSpPr>
+        <p:cNvPr id="1" name=""/>
+        <p:cNvGrpSpPr/>
+        <p:nvPr/>
+      </p:nvGrpSpPr>
+      <p:grpSpPr>
+        <a:xfrm>
+          <a:off x="0" y="0"/>
+          <a:ext cx="0" cy="0"/>
+          <a:chOff x="0" y="0"/>
+          <a:chExt cx="0" cy="0"/>
+        </a:xfrm>
+      </p:grpSpPr>
+      <p:sp>
+        <p:nvSpPr>
+          <p:cNvPr id="3" name="TextBox 2"/>
+          <p:cNvSpPr txBox="1"/>
+          <p:nvPr/>
+        </p:nvSpPr>
+        <p:spPr>
+          <a:xfrm>
+            <a:off x="4988825" y="483017"/>
+            <a:ext cx="14400000" cy="1169533"/>
+          </a:xfrm>
+          <a:prstGeom prst="rect">
+            <a:avLst/>
+          </a:prstGeom>
+          <a:noFill/>
+        </p:spPr>
+        <p:txBody>
+          <a:bodyPr wrap="square" lIns="91422" tIns="45711" rIns="91422" bIns="45711" rtlCol="0">
+            <a:spAutoFit/>
+          </a:bodyPr>
+          <a:lstStyle/>
+          <a:p>
+            <a:pPr algn="ctr"/>
+            <a:r>
+              <a:rPr lang="en-US" sz="7000" b="1" dirty="0" smtClean="0"/>
+              <a:t>diagram_hadoop201_model1</a:t>
+            </a:r>
+            <a:endParaRPr lang="id-ID" sz="7000" b="1" dirty="0">
+              <a:solidFill>
+                <a:schemeClr val="tx2"/>
+              </a:solidFill>
+              <a:latin typeface="Lato Regular"/>
+              <a:cs typeface="Lato Regular"/>
+            </a:endParaRPr>
+          </a:p>
+        </p:txBody>
+      </p:sp>
+      <p:sp>
+        <p:nvSpPr>
+          <p:cNvPr id="4" name="Rounded Rectangle 3"/>
+          <p:cNvSpPr/>
+          <p:nvPr/>
+        </p:nvSpPr>
+        <p:spPr>
+          <a:xfrm>
+            <a:off x="2531239" y="3896718"/>
+            <a:ext cx="1800000" cy="2880000"/>
+          </a:xfrm>
+          <a:prstGeom prst="roundRect">
+            <a:avLst/>
+          </a:prstGeom>
+          <a:solidFill>
+            <a:schemeClr val="accent4"/>
+          </a:solidFill>
+          <a:ln w="38100">
+            <a:solidFill>
+              <a:schemeClr val="tx2"/>
+            </a:solidFill>
+          </a:ln>
+        </p:spPr>
+        <p:style>
+          <a:lnRef idx="2">
+            <a:schemeClr val="accent1">
+              <a:shade val="50000"/>
+            </a:schemeClr>
+          </a:lnRef>
+          <a:fillRef idx="1">
+            <a:schemeClr val="accent1"/>
+          </a:fillRef>
+          <a:effectRef idx="0">
+            <a:schemeClr val="accent1"/>
+          </a:effectRef>
+          <a:fontRef idx="minor">
+            <a:schemeClr val="lt1"/>
+          </a:fontRef>
+        </p:style>
+        <p:txBody>
+          <a:bodyPr rtlCol="0" anchor="ctr"/>
+          <a:lstStyle/>
+          <a:p>
+            <a:pPr algn="ctr"/>
+            <a:r>
+              <a:rPr lang="en-US" sz="1800" b="1" dirty="0" err="1" smtClean="0">
+                <a:solidFill>
+                  <a:schemeClr val="bg1"/>
+                </a:solidFill>
+                <a:latin typeface="Georgia" charset="0"/>
+                <a:ea typeface="Georgia" charset="0"/>
+                <a:cs typeface="Georgia" charset="0"/>
+              </a:rPr>
+              <a:t>OperationalSource</a:t>
+            </a:r>
+            <a:endParaRPr lang="en-US" sz="1800" b="1" dirty="0" smtClean="0">
+              <a:solidFill>
+                <a:schemeClr val="bg1"/>
+              </a:solidFill>
+              <a:latin typeface="Georgia" charset="0"/>
+              <a:ea typeface="Georgia" charset="0"/>
+              <a:cs typeface="Georgia" charset="0"/>
+            </a:endParaRPr>
+          </a:p>
+          <a:p>
+            <a:pPr algn="ctr"/>
+            <a:r>
+              <a:rPr lang="en-US" sz="1800" b="1" dirty="0" smtClean="0">
+                <a:solidFill>
+                  <a:schemeClr val="bg1"/>
+                </a:solidFill>
+                <a:latin typeface="Georgia" charset="0"/>
+                <a:ea typeface="Georgia" charset="0"/>
+                <a:cs typeface="Georgia" charset="0"/>
+              </a:rPr>
+              <a:t>Systems</a:t>
+            </a:r>
+            <a:endParaRPr lang="en-US" sz="1800" b="1" dirty="0">
+              <a:solidFill>
+                <a:schemeClr val="bg1"/>
+              </a:solidFill>
+              <a:latin typeface="Georgia" charset="0"/>
+              <a:ea typeface="Georgia" charset="0"/>
+              <a:cs typeface="Georgia" charset="0"/>
+            </a:endParaRPr>
+          </a:p>
+        </p:txBody>
+      </p:sp>
+      <p:sp>
+        <p:nvSpPr>
+          <p:cNvPr id="5" name="Right Arrow 4"/>
+          <p:cNvSpPr/>
+          <p:nvPr/>
+        </p:nvSpPr>
+        <p:spPr>
+          <a:xfrm>
+            <a:off x="4331239" y="4738841"/>
+            <a:ext cx="3920713" cy="1195754"/>
+          </a:xfrm>
+          <a:prstGeom prst="rightArrow">
+            <a:avLst/>
+          </a:prstGeom>
+          <a:solidFill>
+            <a:schemeClr val="tx2">
+              <a:lumMod val="60000"/>
+              <a:lumOff val="40000"/>
+            </a:schemeClr>
+          </a:solidFill>
+          <a:ln w="38100">
+            <a:solidFill>
+              <a:schemeClr val="tx2"/>
+            </a:solidFill>
+          </a:ln>
+        </p:spPr>
+        <p:style>
+          <a:lnRef idx="2">
+            <a:schemeClr val="accent1">
+              <a:shade val="50000"/>
+            </a:schemeClr>
+          </a:lnRef>
+          <a:fillRef idx="1">
+            <a:schemeClr val="accent1"/>
+          </a:fillRef>
+          <a:effectRef idx="0">
+            <a:schemeClr val="accent1"/>
+          </a:effectRef>
+          <a:fontRef idx="minor">
+            <a:schemeClr val="lt1"/>
+          </a:fontRef>
+        </p:style>
+        <p:txBody>
+          <a:bodyPr rtlCol="0" anchor="ctr"/>
+          <a:lstStyle/>
+          <a:p>
+            <a:pPr algn="ctr"/>
+            <a:r>
+              <a:rPr lang="en-US" sz="1800" b="1" dirty="0" smtClean="0">
+                <a:latin typeface="Georgia" charset="0"/>
+                <a:ea typeface="Georgia" charset="0"/>
+                <a:cs typeface="Georgia" charset="0"/>
+              </a:rPr>
+              <a:t>Extract</a:t>
+            </a:r>
+            <a:endParaRPr lang="en-US" sz="1800" b="1" dirty="0">
+              <a:latin typeface="Georgia" charset="0"/>
+              <a:ea typeface="Georgia" charset="0"/>
+              <a:cs typeface="Georgia" charset="0"/>
+            </a:endParaRPr>
+          </a:p>
+        </p:txBody>
+      </p:sp>
+      <p:sp>
+        <p:nvSpPr>
+          <p:cNvPr id="6" name="Rounded Rectangle 5"/>
+          <p:cNvSpPr/>
+          <p:nvPr/>
+        </p:nvSpPr>
+        <p:spPr>
+          <a:xfrm>
+            <a:off x="8251952" y="3896718"/>
+            <a:ext cx="1800000" cy="2880000"/>
+          </a:xfrm>
+          <a:prstGeom prst="roundRect">
+            <a:avLst/>
+          </a:prstGeom>
+          <a:solidFill>
+            <a:schemeClr val="accent3"/>
+          </a:solidFill>
+          <a:ln w="38100">
+            <a:solidFill>
+              <a:schemeClr val="tx2"/>
+            </a:solidFill>
+          </a:ln>
+        </p:spPr>
+        <p:style>
+          <a:lnRef idx="2">
+            <a:schemeClr val="accent1">
+              <a:shade val="50000"/>
+            </a:schemeClr>
+          </a:lnRef>
+          <a:fillRef idx="1">
+            <a:schemeClr val="accent1"/>
+          </a:fillRef>
+          <a:effectRef idx="0">
+            <a:schemeClr val="accent1"/>
+          </a:effectRef>
+          <a:fontRef idx="minor">
+            <a:schemeClr val="lt1"/>
+          </a:fontRef>
+        </p:style>
+        <p:txBody>
+          <a:bodyPr rtlCol="0" anchor="ctr"/>
+          <a:lstStyle/>
+          <a:p>
+            <a:pPr algn="ctr"/>
+            <a:r>
+              <a:rPr lang="en-US" sz="1800" b="1" dirty="0" smtClean="0">
+                <a:solidFill>
+                  <a:schemeClr val="bg1"/>
+                </a:solidFill>
+                <a:latin typeface="Georgia" charset="0"/>
+                <a:ea typeface="Georgia" charset="0"/>
+                <a:cs typeface="Georgia" charset="0"/>
+              </a:rPr>
+              <a:t>Data Staging Area</a:t>
+            </a:r>
+            <a:endParaRPr lang="en-US" sz="1800" b="1" dirty="0">
+              <a:solidFill>
+                <a:schemeClr val="bg1"/>
+              </a:solidFill>
+              <a:latin typeface="Georgia" charset="0"/>
+              <a:ea typeface="Georgia" charset="0"/>
+              <a:cs typeface="Georgia" charset="0"/>
+            </a:endParaRPr>
+          </a:p>
+        </p:txBody>
+      </p:sp>
+      <p:sp>
+        <p:nvSpPr>
+          <p:cNvPr id="7" name="Right Arrow 6"/>
+          <p:cNvSpPr/>
+          <p:nvPr/>
+        </p:nvSpPr>
+        <p:spPr>
+          <a:xfrm>
+            <a:off x="10051952" y="4738841"/>
+            <a:ext cx="3920713" cy="1195754"/>
+          </a:xfrm>
+          <a:prstGeom prst="rightArrow">
+            <a:avLst/>
+          </a:prstGeom>
+          <a:solidFill>
+            <a:schemeClr val="tx2">
+              <a:lumMod val="60000"/>
+              <a:lumOff val="40000"/>
+            </a:schemeClr>
+          </a:solidFill>
+          <a:ln w="38100">
+            <a:solidFill>
+              <a:schemeClr val="tx2"/>
+            </a:solidFill>
+          </a:ln>
+        </p:spPr>
+        <p:style>
+          <a:lnRef idx="2">
+            <a:schemeClr val="accent1">
+              <a:shade val="50000"/>
+            </a:schemeClr>
+          </a:lnRef>
+          <a:fillRef idx="1">
+            <a:schemeClr val="accent1"/>
+          </a:fillRef>
+          <a:effectRef idx="0">
+            <a:schemeClr val="accent1"/>
+          </a:effectRef>
+          <a:fontRef idx="minor">
+            <a:schemeClr val="lt1"/>
+          </a:fontRef>
+        </p:style>
+        <p:txBody>
+          <a:bodyPr rtlCol="0" anchor="ctr"/>
+          <a:lstStyle/>
+          <a:p>
+            <a:pPr algn="ctr"/>
+            <a:r>
+              <a:rPr lang="en-US" sz="1800" b="1" dirty="0" smtClean="0">
+                <a:latin typeface="Georgia" charset="0"/>
+                <a:ea typeface="Georgia" charset="0"/>
+                <a:cs typeface="Georgia" charset="0"/>
+              </a:rPr>
+              <a:t>Load</a:t>
+            </a:r>
+            <a:endParaRPr lang="en-US" sz="1800" b="1" dirty="0">
+              <a:latin typeface="Georgia" charset="0"/>
+              <a:ea typeface="Georgia" charset="0"/>
+              <a:cs typeface="Georgia" charset="0"/>
+            </a:endParaRPr>
+          </a:p>
+        </p:txBody>
+      </p:sp>
+      <p:sp>
+        <p:nvSpPr>
+          <p:cNvPr id="9" name="Rounded Rectangle 8"/>
+          <p:cNvSpPr/>
+          <p:nvPr/>
+        </p:nvSpPr>
+        <p:spPr>
+          <a:xfrm>
+            <a:off x="13972665" y="3896718"/>
+            <a:ext cx="1800000" cy="2880000"/>
+          </a:xfrm>
+          <a:prstGeom prst="roundRect">
+            <a:avLst/>
+          </a:prstGeom>
+          <a:solidFill>
+            <a:schemeClr val="accent2"/>
+          </a:solidFill>
+          <a:ln w="38100">
+            <a:solidFill>
+              <a:schemeClr val="tx2"/>
+            </a:solidFill>
+          </a:ln>
+        </p:spPr>
+        <p:style>
+          <a:lnRef idx="2">
+            <a:schemeClr val="accent1">
+              <a:shade val="50000"/>
+            </a:schemeClr>
+          </a:lnRef>
+          <a:fillRef idx="1">
+            <a:schemeClr val="accent1"/>
+          </a:fillRef>
+          <a:effectRef idx="0">
+            <a:schemeClr val="accent1"/>
+          </a:effectRef>
+          <a:fontRef idx="minor">
+            <a:schemeClr val="lt1"/>
+          </a:fontRef>
+        </p:style>
+        <p:txBody>
+          <a:bodyPr rtlCol="0" anchor="ctr"/>
+          <a:lstStyle/>
+          <a:p>
+            <a:pPr algn="ctr"/>
+            <a:r>
+              <a:rPr lang="en-US" sz="1800" b="1" dirty="0" smtClean="0">
+                <a:solidFill>
+                  <a:schemeClr val="bg1"/>
+                </a:solidFill>
+                <a:latin typeface="Georgia" charset="0"/>
+                <a:ea typeface="Georgia" charset="0"/>
+                <a:cs typeface="Georgia" charset="0"/>
+              </a:rPr>
+              <a:t>DWH</a:t>
+            </a:r>
+            <a:endParaRPr lang="en-US" sz="1800" b="1" dirty="0">
+              <a:solidFill>
+                <a:schemeClr val="bg1"/>
+              </a:solidFill>
+              <a:latin typeface="Georgia" charset="0"/>
+              <a:ea typeface="Georgia" charset="0"/>
+              <a:cs typeface="Georgia" charset="0"/>
+            </a:endParaRPr>
+          </a:p>
+        </p:txBody>
+      </p:sp>
+      <p:sp>
+        <p:nvSpPr>
+          <p:cNvPr id="10" name="Rectangle 9"/>
+          <p:cNvSpPr/>
+          <p:nvPr/>
+        </p:nvSpPr>
+        <p:spPr>
+          <a:xfrm>
+            <a:off x="12201272" y="8300886"/>
+            <a:ext cx="5342785" cy="720000"/>
+          </a:xfrm>
+          <a:prstGeom prst="rect">
+            <a:avLst/>
+          </a:prstGeom>
+          <a:solidFill>
+            <a:schemeClr val="accent2"/>
+          </a:solidFill>
+          <a:ln w="38100">
+            <a:solidFill>
+              <a:schemeClr val="tx2"/>
+            </a:solidFill>
+          </a:ln>
+          <a:effectLst/>
+        </p:spPr>
+        <p:style>
+          <a:lnRef idx="2">
+            <a:schemeClr val="accent1">
+              <a:shade val="50000"/>
+            </a:schemeClr>
+          </a:lnRef>
+          <a:fillRef idx="1">
+            <a:schemeClr val="accent1"/>
+          </a:fillRef>
+          <a:effectRef idx="0">
+            <a:schemeClr val="accent1"/>
+          </a:effectRef>
+          <a:fontRef idx="minor">
+            <a:schemeClr val="lt1"/>
+          </a:fontRef>
+        </p:style>
+        <p:txBody>
+          <a:bodyPr rtlCol="0" anchor="ctr"/>
+          <a:lstStyle/>
+          <a:p>
+            <a:pPr algn="ctr"/>
+            <a:r>
+              <a:rPr lang="en-US" sz="1800" b="1" dirty="0" smtClean="0">
+                <a:latin typeface="Georgia" charset="0"/>
+                <a:ea typeface="Georgia" charset="0"/>
+                <a:cs typeface="Georgia" charset="0"/>
+              </a:rPr>
+              <a:t>Data Analysis &amp;</a:t>
+            </a:r>
+          </a:p>
+          <a:p>
+            <a:pPr algn="ctr"/>
+            <a:r>
+              <a:rPr lang="en-US" sz="1800" b="1" dirty="0" smtClean="0">
+                <a:latin typeface="Georgia" charset="0"/>
+                <a:ea typeface="Georgia" charset="0"/>
+                <a:cs typeface="Georgia" charset="0"/>
+              </a:rPr>
+              <a:t>Visualization Tools</a:t>
+            </a:r>
+            <a:endParaRPr lang="en-US" sz="1800" b="1" dirty="0">
+              <a:latin typeface="Georgia" charset="0"/>
+              <a:ea typeface="Georgia" charset="0"/>
+              <a:cs typeface="Georgia" charset="0"/>
+            </a:endParaRPr>
+          </a:p>
+        </p:txBody>
+      </p:sp>
+      <p:sp>
+        <p:nvSpPr>
+          <p:cNvPr id="11" name="Right Arrow 10"/>
+          <p:cNvSpPr/>
+          <p:nvPr/>
+        </p:nvSpPr>
+        <p:spPr>
+          <a:xfrm rot="16200000">
+            <a:off x="14110581" y="6940924"/>
+            <a:ext cx="1524168" cy="1195754"/>
+          </a:xfrm>
+          <a:prstGeom prst="rightArrow">
+            <a:avLst/>
+          </a:prstGeom>
+          <a:solidFill>
+            <a:schemeClr val="tx2">
+              <a:lumMod val="60000"/>
+              <a:lumOff val="40000"/>
+            </a:schemeClr>
+          </a:solidFill>
+          <a:ln w="38100">
+            <a:solidFill>
+              <a:schemeClr val="tx2"/>
+            </a:solidFill>
+          </a:ln>
+        </p:spPr>
+        <p:style>
+          <a:lnRef idx="2">
+            <a:schemeClr val="accent1">
+              <a:shade val="50000"/>
+            </a:schemeClr>
+          </a:lnRef>
+          <a:fillRef idx="1">
+            <a:schemeClr val="accent1"/>
+          </a:fillRef>
+          <a:effectRef idx="0">
+            <a:schemeClr val="accent1"/>
+          </a:effectRef>
+          <a:fontRef idx="minor">
+            <a:schemeClr val="lt1"/>
+          </a:fontRef>
+        </p:style>
+        <p:txBody>
+          <a:bodyPr rtlCol="0" anchor="ctr"/>
+          <a:lstStyle/>
+          <a:p>
+            <a:pPr algn="ctr"/>
+            <a:endParaRPr lang="en-US" sz="1800" b="1" dirty="0">
+              <a:latin typeface="Georgia" charset="0"/>
+              <a:ea typeface="Georgia" charset="0"/>
+              <a:cs typeface="Georgia" charset="0"/>
+            </a:endParaRPr>
+          </a:p>
+        </p:txBody>
+      </p:sp>
+    </p:spTree>
+    <p:extLst>
+      <p:ext uri="{BB962C8B-B14F-4D97-AF65-F5344CB8AC3E}">
+        <p14:creationId xmlns:p14="http://schemas.microsoft.com/office/powerpoint/2010/main" val="564175251"/>
+      </p:ext>
+    </p:extLst>
+  </p:cSld>
+  <p:clrMapOvr>
+    <a:masterClrMapping/>
+  </p:clrMapOvr>
+  <mc:AlternateContent xmlns:mc="http://schemas.openxmlformats.org/markup-compatibility/2006" xmlns:p14="http://schemas.microsoft.com/office/powerpoint/2010/main">
+    <mc:Choice Requires="p14">
+      <p:transition spd="slow" p14:dur="1500" advClick="0" advTm="3000">
+        <p14:reveal/>
+      </p:transition>
+    </mc:Choice>
+    <mc:Fallback xmlns="">
+      <p:transition xmlns:p14="http://schemas.microsoft.com/office/powerpoint/2010/main" spd="slow" advClick="0" advTm="3000">
+        <p:fade/>
+      </p:transition>
+    </mc:Fallback>
+  </mc:AlternateContent>
+</p:sld>
+</file>
+
+<file path=ppt/slides/slide3.xml><?xml version="1.0" encoding="utf-8"?>
+<p:sld xmlns:a="http://schemas.openxmlformats.org/drawingml/2006/main" xmlns:r="http://schemas.openxmlformats.org/officeDocument/2006/relationships" xmlns:p="http://schemas.openxmlformats.org/presentationml/2006/main">
+  <p:cSld>
+    <p:spTree>
+      <p:nvGrpSpPr>
+        <p:cNvPr id="1" name=""/>
+        <p:cNvGrpSpPr/>
+        <p:nvPr/>
+      </p:nvGrpSpPr>
+      <p:grpSpPr>
+        <a:xfrm>
+          <a:off x="0" y="0"/>
+          <a:ext cx="0" cy="0"/>
+          <a:chOff x="0" y="0"/>
+          <a:chExt cx="0" cy="0"/>
+        </a:xfrm>
+      </p:grpSpPr>
+      <p:sp>
+        <p:nvSpPr>
+          <p:cNvPr id="3" name="TextBox 2"/>
+          <p:cNvSpPr txBox="1"/>
+          <p:nvPr/>
+        </p:nvSpPr>
+        <p:spPr>
+          <a:xfrm>
+            <a:off x="4988825" y="483017"/>
+            <a:ext cx="14400000" cy="1169533"/>
+          </a:xfrm>
+          <a:prstGeom prst="rect">
+            <a:avLst/>
+          </a:prstGeom>
+          <a:noFill/>
+        </p:spPr>
+        <p:txBody>
+          <a:bodyPr wrap="square" lIns="91422" tIns="45711" rIns="91422" bIns="45711" rtlCol="0">
+            <a:spAutoFit/>
+          </a:bodyPr>
+          <a:lstStyle/>
+          <a:p>
+            <a:pPr algn="ctr"/>
+            <a:r>
+              <a:rPr lang="en-US" sz="7000" b="1" dirty="0" smtClean="0"/>
+              <a:t>diagram_hadoop201_model2</a:t>
+            </a:r>
+            <a:endParaRPr lang="id-ID" sz="7000" b="1" dirty="0">
+              <a:solidFill>
+                <a:schemeClr val="tx2"/>
+              </a:solidFill>
+              <a:latin typeface="Lato Regular"/>
+              <a:cs typeface="Lato Regular"/>
+            </a:endParaRPr>
+          </a:p>
+        </p:txBody>
+      </p:sp>
+      <p:sp>
+        <p:nvSpPr>
+          <p:cNvPr id="4" name="Rounded Rectangle 3"/>
+          <p:cNvSpPr/>
+          <p:nvPr/>
+        </p:nvSpPr>
+        <p:spPr>
+          <a:xfrm>
+            <a:off x="2531239" y="3896718"/>
+            <a:ext cx="1800000" cy="2880000"/>
+          </a:xfrm>
+          <a:prstGeom prst="roundRect">
+            <a:avLst/>
+          </a:prstGeom>
+          <a:solidFill>
+            <a:schemeClr val="accent4"/>
+          </a:solidFill>
+          <a:ln w="38100">
+            <a:solidFill>
+              <a:schemeClr val="tx2"/>
+            </a:solidFill>
+          </a:ln>
+        </p:spPr>
+        <p:style>
+          <a:lnRef idx="2">
+            <a:schemeClr val="accent1">
+              <a:shade val="50000"/>
+            </a:schemeClr>
+          </a:lnRef>
+          <a:fillRef idx="1">
+            <a:schemeClr val="accent1"/>
+          </a:fillRef>
+          <a:effectRef idx="0">
+            <a:schemeClr val="accent1"/>
+          </a:effectRef>
+          <a:fontRef idx="minor">
+            <a:schemeClr val="lt1"/>
+          </a:fontRef>
+        </p:style>
+        <p:txBody>
+          <a:bodyPr rtlCol="0" anchor="ctr"/>
+          <a:lstStyle/>
+          <a:p>
+            <a:pPr algn="ctr"/>
+            <a:r>
+              <a:rPr lang="en-US" sz="1800" b="1" dirty="0" err="1" smtClean="0">
+                <a:solidFill>
+                  <a:schemeClr val="bg1"/>
+                </a:solidFill>
+                <a:latin typeface="Georgia" charset="0"/>
+                <a:ea typeface="Georgia" charset="0"/>
+                <a:cs typeface="Georgia" charset="0"/>
+              </a:rPr>
+              <a:t>OperationalSource</a:t>
+            </a:r>
+            <a:endParaRPr lang="en-US" sz="1800" b="1" dirty="0" smtClean="0">
+              <a:solidFill>
+                <a:schemeClr val="bg1"/>
+              </a:solidFill>
+              <a:latin typeface="Georgia" charset="0"/>
+              <a:ea typeface="Georgia" charset="0"/>
+              <a:cs typeface="Georgia" charset="0"/>
+            </a:endParaRPr>
+          </a:p>
+          <a:p>
+            <a:pPr algn="ctr"/>
+            <a:r>
+              <a:rPr lang="en-US" sz="1800" b="1" dirty="0" smtClean="0">
+                <a:solidFill>
+                  <a:schemeClr val="bg1"/>
+                </a:solidFill>
+                <a:latin typeface="Georgia" charset="0"/>
+                <a:ea typeface="Georgia" charset="0"/>
+                <a:cs typeface="Georgia" charset="0"/>
+              </a:rPr>
+              <a:t>Systems</a:t>
+            </a:r>
+            <a:endParaRPr lang="en-US" sz="1800" b="1" dirty="0">
+              <a:solidFill>
+                <a:schemeClr val="bg1"/>
+              </a:solidFill>
+              <a:latin typeface="Georgia" charset="0"/>
+              <a:ea typeface="Georgia" charset="0"/>
+              <a:cs typeface="Georgia" charset="0"/>
+            </a:endParaRPr>
+          </a:p>
+        </p:txBody>
+      </p:sp>
+      <p:sp>
+        <p:nvSpPr>
+          <p:cNvPr id="5" name="Right Arrow 4"/>
+          <p:cNvSpPr/>
+          <p:nvPr/>
+        </p:nvSpPr>
+        <p:spPr>
+          <a:xfrm>
+            <a:off x="4331239" y="4738841"/>
+            <a:ext cx="2340000" cy="1195754"/>
+          </a:xfrm>
+          <a:prstGeom prst="rightArrow">
+            <a:avLst/>
+          </a:prstGeom>
+          <a:solidFill>
+            <a:schemeClr val="tx2">
+              <a:lumMod val="60000"/>
+              <a:lumOff val="40000"/>
+            </a:schemeClr>
+          </a:solidFill>
+          <a:ln w="38100">
+            <a:solidFill>
+              <a:schemeClr val="tx2"/>
+            </a:solidFill>
+          </a:ln>
+        </p:spPr>
+        <p:style>
+          <a:lnRef idx="2">
+            <a:schemeClr val="accent1">
+              <a:shade val="50000"/>
+            </a:schemeClr>
+          </a:lnRef>
+          <a:fillRef idx="1">
+            <a:schemeClr val="accent1"/>
+          </a:fillRef>
+          <a:effectRef idx="0">
+            <a:schemeClr val="accent1"/>
+          </a:effectRef>
+          <a:fontRef idx="minor">
+            <a:schemeClr val="lt1"/>
+          </a:fontRef>
+        </p:style>
+        <p:txBody>
+          <a:bodyPr rtlCol="0" anchor="ctr"/>
+          <a:lstStyle/>
+          <a:p>
+            <a:pPr algn="ctr"/>
+            <a:r>
+              <a:rPr lang="en-US" sz="1800" b="1" dirty="0" err="1" smtClean="0">
+                <a:latin typeface="Georgia" charset="0"/>
+                <a:ea typeface="Georgia" charset="0"/>
+                <a:cs typeface="Georgia" charset="0"/>
+              </a:rPr>
+              <a:t>Sqoop</a:t>
+            </a:r>
+            <a:endParaRPr lang="en-US" sz="1800" b="1" dirty="0">
+              <a:latin typeface="Georgia" charset="0"/>
+              <a:ea typeface="Georgia" charset="0"/>
+              <a:cs typeface="Georgia" charset="0"/>
+            </a:endParaRPr>
+          </a:p>
+        </p:txBody>
+      </p:sp>
+      <p:sp>
+        <p:nvSpPr>
+          <p:cNvPr id="12" name="Rounded Rectangle 11"/>
+          <p:cNvSpPr/>
+          <p:nvPr/>
+        </p:nvSpPr>
+        <p:spPr>
+          <a:xfrm>
+            <a:off x="2531239" y="7220886"/>
+            <a:ext cx="1800000" cy="2880000"/>
+          </a:xfrm>
+          <a:prstGeom prst="roundRect">
+            <a:avLst/>
+          </a:prstGeom>
+          <a:solidFill>
+            <a:schemeClr val="accent4"/>
+          </a:solidFill>
+          <a:ln w="38100">
+            <a:solidFill>
+              <a:schemeClr val="tx2"/>
+            </a:solidFill>
+          </a:ln>
+        </p:spPr>
+        <p:style>
+          <a:lnRef idx="2">
+            <a:schemeClr val="accent1">
+              <a:shade val="50000"/>
+            </a:schemeClr>
+          </a:lnRef>
+          <a:fillRef idx="1">
+            <a:schemeClr val="accent1"/>
+          </a:fillRef>
+          <a:effectRef idx="0">
+            <a:schemeClr val="accent1"/>
+          </a:effectRef>
+          <a:fontRef idx="minor">
+            <a:schemeClr val="lt1"/>
+          </a:fontRef>
+        </p:style>
+        <p:txBody>
+          <a:bodyPr rtlCol="0" anchor="ctr"/>
+          <a:lstStyle/>
+          <a:p>
+            <a:pPr algn="ctr"/>
+            <a:r>
+              <a:rPr lang="en-US" sz="1800" b="1" dirty="0" smtClean="0">
+                <a:solidFill>
+                  <a:schemeClr val="bg1"/>
+                </a:solidFill>
+                <a:latin typeface="Georgia" charset="0"/>
+                <a:ea typeface="Georgia" charset="0"/>
+                <a:cs typeface="Georgia" charset="0"/>
+              </a:rPr>
+              <a:t>Logs</a:t>
+            </a:r>
+            <a:endParaRPr lang="en-US" sz="1800" b="1" dirty="0">
+              <a:solidFill>
+                <a:schemeClr val="bg1"/>
+              </a:solidFill>
+              <a:latin typeface="Georgia" charset="0"/>
+              <a:ea typeface="Georgia" charset="0"/>
+              <a:cs typeface="Georgia" charset="0"/>
+            </a:endParaRPr>
+          </a:p>
+        </p:txBody>
+      </p:sp>
+      <p:sp>
+        <p:nvSpPr>
+          <p:cNvPr id="13" name="Right Arrow 12"/>
+          <p:cNvSpPr>
+            <a:spLocks/>
+          </p:cNvSpPr>
+          <p:nvPr/>
+        </p:nvSpPr>
+        <p:spPr>
+          <a:xfrm>
+            <a:off x="4331239" y="8063009"/>
+            <a:ext cx="2340000" cy="1195754"/>
+          </a:xfrm>
+          <a:prstGeom prst="rightArrow">
+            <a:avLst/>
+          </a:prstGeom>
+          <a:solidFill>
+            <a:schemeClr val="tx2">
+              <a:lumMod val="60000"/>
+              <a:lumOff val="40000"/>
+            </a:schemeClr>
+          </a:solidFill>
+          <a:ln w="38100">
+            <a:solidFill>
+              <a:schemeClr val="tx2"/>
+            </a:solidFill>
+          </a:ln>
+        </p:spPr>
+        <p:style>
+          <a:lnRef idx="2">
+            <a:schemeClr val="accent1">
+              <a:shade val="50000"/>
+            </a:schemeClr>
+          </a:lnRef>
+          <a:fillRef idx="1">
+            <a:schemeClr val="accent1"/>
+          </a:fillRef>
+          <a:effectRef idx="0">
+            <a:schemeClr val="accent1"/>
+          </a:effectRef>
+          <a:fontRef idx="minor">
+            <a:schemeClr val="lt1"/>
+          </a:fontRef>
+        </p:style>
+        <p:txBody>
+          <a:bodyPr rtlCol="0" anchor="ctr"/>
+          <a:lstStyle/>
+          <a:p>
+            <a:pPr algn="ctr"/>
+            <a:r>
+              <a:rPr lang="en-US" sz="1800" b="1" dirty="0" smtClean="0">
+                <a:latin typeface="Georgia" charset="0"/>
+                <a:ea typeface="Georgia" charset="0"/>
+                <a:cs typeface="Georgia" charset="0"/>
+              </a:rPr>
+              <a:t>Flume/Kafka</a:t>
+            </a:r>
+            <a:endParaRPr lang="en-US" sz="1800" b="1" dirty="0">
+              <a:latin typeface="Georgia" charset="0"/>
+              <a:ea typeface="Georgia" charset="0"/>
+              <a:cs typeface="Georgia" charset="0"/>
+            </a:endParaRPr>
+          </a:p>
+        </p:txBody>
+      </p:sp>
+      <p:sp>
+        <p:nvSpPr>
+          <p:cNvPr id="14" name="Rounded Rectangle 13"/>
+          <p:cNvSpPr/>
+          <p:nvPr/>
+        </p:nvSpPr>
+        <p:spPr>
+          <a:xfrm>
+            <a:off x="6671239" y="4738841"/>
+            <a:ext cx="9000000" cy="4519922"/>
+          </a:xfrm>
+          <a:prstGeom prst="roundRect">
+            <a:avLst/>
+          </a:prstGeom>
+          <a:solidFill>
+            <a:schemeClr val="accent1"/>
+          </a:solidFill>
+          <a:ln w="38100">
+            <a:solidFill>
+              <a:schemeClr val="tx1"/>
+            </a:solidFill>
+          </a:ln>
+        </p:spPr>
+        <p:style>
+          <a:lnRef idx="2">
+            <a:schemeClr val="accent1">
+              <a:shade val="50000"/>
+            </a:schemeClr>
+          </a:lnRef>
+          <a:fillRef idx="1">
+            <a:schemeClr val="accent1"/>
+          </a:fillRef>
+          <a:effectRef idx="0">
+            <a:schemeClr val="accent1"/>
+          </a:effectRef>
+          <a:fontRef idx="minor">
+            <a:schemeClr val="lt1"/>
+          </a:fontRef>
+        </p:style>
+        <p:txBody>
+          <a:bodyPr rtlCol="0" anchor="ctr"/>
+          <a:lstStyle/>
+          <a:p>
+            <a:pPr algn="ctr"/>
+            <a:endParaRPr lang="en-US"/>
+          </a:p>
+        </p:txBody>
+      </p:sp>
+      <p:sp>
+        <p:nvSpPr>
+          <p:cNvPr id="15" name="Rounded Rectangle 14"/>
+          <p:cNvSpPr/>
+          <p:nvPr/>
+        </p:nvSpPr>
+        <p:spPr>
+          <a:xfrm>
+            <a:off x="7031239" y="5882937"/>
+            <a:ext cx="1440000" cy="2160000"/>
+          </a:xfrm>
+          <a:prstGeom prst="roundRect">
+            <a:avLst/>
+          </a:prstGeom>
+          <a:solidFill>
+            <a:schemeClr val="accent2"/>
+          </a:solidFill>
+          <a:ln w="38100">
+            <a:solidFill>
+              <a:schemeClr val="tx1"/>
+            </a:solidFill>
+          </a:ln>
+        </p:spPr>
+        <p:style>
+          <a:lnRef idx="2">
+            <a:schemeClr val="accent1">
+              <a:shade val="50000"/>
+            </a:schemeClr>
+          </a:lnRef>
+          <a:fillRef idx="1">
+            <a:schemeClr val="accent1"/>
+          </a:fillRef>
+          <a:effectRef idx="0">
+            <a:schemeClr val="accent1"/>
+          </a:effectRef>
+          <a:fontRef idx="minor">
+            <a:schemeClr val="lt1"/>
+          </a:fontRef>
+        </p:style>
+        <p:txBody>
+          <a:bodyPr rtlCol="0" anchor="ctr"/>
+          <a:lstStyle/>
+          <a:p>
+            <a:pPr algn="ctr"/>
+            <a:r>
+              <a:rPr lang="en-US" sz="1800" b="1" dirty="0" smtClean="0">
+                <a:latin typeface="Georgia" charset="0"/>
+                <a:ea typeface="Georgia" charset="0"/>
+                <a:cs typeface="Georgia" charset="0"/>
+              </a:rPr>
+              <a:t>HDFS</a:t>
+            </a:r>
+            <a:endParaRPr lang="en-US" sz="1800" b="1" dirty="0">
+              <a:latin typeface="Georgia" charset="0"/>
+              <a:ea typeface="Georgia" charset="0"/>
+              <a:cs typeface="Georgia" charset="0"/>
+            </a:endParaRPr>
+          </a:p>
+        </p:txBody>
+      </p:sp>
+      <p:sp>
+        <p:nvSpPr>
+          <p:cNvPr id="16" name="Right Arrow 15"/>
+          <p:cNvSpPr/>
+          <p:nvPr/>
+        </p:nvSpPr>
+        <p:spPr>
+          <a:xfrm>
+            <a:off x="8471239" y="6400925"/>
+            <a:ext cx="5394554" cy="1195754"/>
+          </a:xfrm>
+          <a:prstGeom prst="rightArrow">
+            <a:avLst/>
+          </a:prstGeom>
+          <a:solidFill>
+            <a:schemeClr val="accent2"/>
+          </a:solidFill>
+          <a:ln w="38100">
+            <a:solidFill>
+              <a:schemeClr val="tx2"/>
+            </a:solidFill>
+          </a:ln>
+        </p:spPr>
+        <p:style>
+          <a:lnRef idx="2">
+            <a:schemeClr val="accent1">
+              <a:shade val="50000"/>
+            </a:schemeClr>
+          </a:lnRef>
+          <a:fillRef idx="1">
+            <a:schemeClr val="accent1"/>
+          </a:fillRef>
+          <a:effectRef idx="0">
+            <a:schemeClr val="accent1"/>
+          </a:effectRef>
+          <a:fontRef idx="minor">
+            <a:schemeClr val="lt1"/>
+          </a:fontRef>
+        </p:style>
+        <p:txBody>
+          <a:bodyPr rtlCol="0" anchor="ctr"/>
+          <a:lstStyle/>
+          <a:p>
+            <a:pPr algn="ctr"/>
+            <a:r>
+              <a:rPr lang="en-US" sz="1800" b="1" dirty="0" smtClean="0">
+                <a:latin typeface="Georgia" charset="0"/>
+                <a:ea typeface="Georgia" charset="0"/>
+                <a:cs typeface="Georgia" charset="0"/>
+              </a:rPr>
+              <a:t>Transformation</a:t>
+            </a:r>
+            <a:endParaRPr lang="en-US" sz="1800" b="1" dirty="0">
+              <a:latin typeface="Georgia" charset="0"/>
+              <a:ea typeface="Georgia" charset="0"/>
+              <a:cs typeface="Georgia" charset="0"/>
+            </a:endParaRPr>
+          </a:p>
+        </p:txBody>
+      </p:sp>
+      <p:sp>
+        <p:nvSpPr>
+          <p:cNvPr id="17" name="Rounded Rectangle 16"/>
+          <p:cNvSpPr/>
+          <p:nvPr/>
+        </p:nvSpPr>
+        <p:spPr>
+          <a:xfrm>
+            <a:off x="13865793" y="5882937"/>
+            <a:ext cx="1440000" cy="2160000"/>
+          </a:xfrm>
+          <a:prstGeom prst="roundRect">
+            <a:avLst/>
+          </a:prstGeom>
+          <a:solidFill>
+            <a:schemeClr val="accent2"/>
+          </a:solidFill>
+          <a:ln w="38100">
+            <a:solidFill>
+              <a:schemeClr val="tx1"/>
+            </a:solidFill>
+          </a:ln>
+        </p:spPr>
+        <p:style>
+          <a:lnRef idx="2">
+            <a:schemeClr val="accent1">
+              <a:shade val="50000"/>
+            </a:schemeClr>
+          </a:lnRef>
+          <a:fillRef idx="1">
+            <a:schemeClr val="accent1"/>
+          </a:fillRef>
+          <a:effectRef idx="0">
+            <a:schemeClr val="accent1"/>
+          </a:effectRef>
+          <a:fontRef idx="minor">
+            <a:schemeClr val="lt1"/>
+          </a:fontRef>
+        </p:style>
+        <p:txBody>
+          <a:bodyPr rtlCol="0" anchor="ctr"/>
+          <a:lstStyle/>
+          <a:p>
+            <a:pPr algn="ctr"/>
+            <a:r>
+              <a:rPr lang="en-US" sz="1800" b="1" dirty="0" smtClean="0">
+                <a:latin typeface="Georgia" charset="0"/>
+                <a:ea typeface="Georgia" charset="0"/>
+                <a:cs typeface="Georgia" charset="0"/>
+              </a:rPr>
+              <a:t>Hive</a:t>
+            </a:r>
+          </a:p>
+          <a:p>
+            <a:pPr algn="ctr"/>
+            <a:r>
+              <a:rPr lang="en-US" sz="1800" b="1" dirty="0" smtClean="0">
+                <a:latin typeface="Georgia" charset="0"/>
+                <a:ea typeface="Georgia" charset="0"/>
+                <a:cs typeface="Georgia" charset="0"/>
+              </a:rPr>
+              <a:t>Impala</a:t>
+            </a:r>
+          </a:p>
+          <a:p>
+            <a:pPr algn="ctr"/>
+            <a:r>
+              <a:rPr lang="en-US" sz="1800" b="1" dirty="0" smtClean="0">
+                <a:latin typeface="Georgia" charset="0"/>
+                <a:ea typeface="Georgia" charset="0"/>
+                <a:cs typeface="Georgia" charset="0"/>
+              </a:rPr>
+              <a:t>Spark</a:t>
+            </a:r>
+          </a:p>
+          <a:p>
+            <a:pPr algn="ctr"/>
+            <a:r>
+              <a:rPr lang="en-US" sz="1800" b="1" dirty="0" err="1" smtClean="0">
+                <a:latin typeface="Georgia" charset="0"/>
+                <a:ea typeface="Georgia" charset="0"/>
+                <a:cs typeface="Georgia" charset="0"/>
+              </a:rPr>
+              <a:t>HBase</a:t>
+            </a:r>
+            <a:endParaRPr lang="en-US" sz="1800" b="1" dirty="0">
+              <a:latin typeface="Georgia" charset="0"/>
+              <a:ea typeface="Georgia" charset="0"/>
+              <a:cs typeface="Georgia" charset="0"/>
+            </a:endParaRPr>
+          </a:p>
+        </p:txBody>
+      </p:sp>
+      <p:sp>
+        <p:nvSpPr>
+          <p:cNvPr id="18" name="Rounded Rectangle 17"/>
+          <p:cNvSpPr/>
+          <p:nvPr/>
+        </p:nvSpPr>
+        <p:spPr>
+          <a:xfrm>
+            <a:off x="17111239" y="5522937"/>
+            <a:ext cx="1800000" cy="2880000"/>
+          </a:xfrm>
+          <a:prstGeom prst="roundRect">
+            <a:avLst/>
+          </a:prstGeom>
+          <a:solidFill>
+            <a:schemeClr val="accent3"/>
+          </a:solidFill>
+          <a:ln w="38100">
+            <a:solidFill>
+              <a:schemeClr val="tx2"/>
+            </a:solidFill>
+          </a:ln>
+        </p:spPr>
+        <p:style>
+          <a:lnRef idx="2">
+            <a:schemeClr val="accent1">
+              <a:shade val="50000"/>
+            </a:schemeClr>
+          </a:lnRef>
+          <a:fillRef idx="1">
+            <a:schemeClr val="accent1"/>
+          </a:fillRef>
+          <a:effectRef idx="0">
+            <a:schemeClr val="accent1"/>
+          </a:effectRef>
+          <a:fontRef idx="minor">
+            <a:schemeClr val="lt1"/>
+          </a:fontRef>
+        </p:style>
+        <p:txBody>
+          <a:bodyPr rtlCol="0" anchor="ctr"/>
+          <a:lstStyle/>
+          <a:p>
+            <a:pPr algn="ctr"/>
+            <a:r>
+              <a:rPr lang="en-US" sz="1800" b="1" dirty="0" smtClean="0">
+                <a:solidFill>
+                  <a:schemeClr val="bg1"/>
+                </a:solidFill>
+                <a:latin typeface="Georgia" charset="0"/>
+                <a:ea typeface="Georgia" charset="0"/>
+                <a:cs typeface="Georgia" charset="0"/>
+              </a:rPr>
+              <a:t>DWH</a:t>
+            </a:r>
+            <a:endParaRPr lang="en-US" sz="1800" b="1" dirty="0">
+              <a:solidFill>
+                <a:schemeClr val="bg1"/>
+              </a:solidFill>
+              <a:latin typeface="Georgia" charset="0"/>
+              <a:ea typeface="Georgia" charset="0"/>
+              <a:cs typeface="Georgia" charset="0"/>
+            </a:endParaRPr>
+          </a:p>
+        </p:txBody>
+      </p:sp>
+      <p:sp>
+        <p:nvSpPr>
+          <p:cNvPr id="8" name="Left-Right Arrow 7"/>
+          <p:cNvSpPr/>
+          <p:nvPr/>
+        </p:nvSpPr>
+        <p:spPr>
+          <a:xfrm>
+            <a:off x="15671239" y="6649944"/>
+            <a:ext cx="1440000" cy="900000"/>
+          </a:xfrm>
+          <a:prstGeom prst="leftRightArrow">
+            <a:avLst/>
+          </a:prstGeom>
+          <a:solidFill>
+            <a:schemeClr val="tx2">
+              <a:lumMod val="60000"/>
+              <a:lumOff val="40000"/>
+            </a:schemeClr>
+          </a:solidFill>
+          <a:ln w="38100">
+            <a:solidFill>
+              <a:schemeClr val="tx2"/>
+            </a:solidFill>
+          </a:ln>
+        </p:spPr>
+        <p:style>
+          <a:lnRef idx="2">
+            <a:schemeClr val="accent1">
+              <a:shade val="50000"/>
+            </a:schemeClr>
+          </a:lnRef>
+          <a:fillRef idx="1">
+            <a:schemeClr val="accent1"/>
+          </a:fillRef>
+          <a:effectRef idx="0">
+            <a:schemeClr val="accent1"/>
+          </a:effectRef>
+          <a:fontRef idx="minor">
+            <a:schemeClr val="lt1"/>
+          </a:fontRef>
+        </p:style>
+        <p:txBody>
+          <a:bodyPr rot="0" spcFirstLastPara="0" vertOverflow="overflow" horzOverflow="overflow" vert="horz" wrap="square" lIns="91440" tIns="45720" rIns="91440" bIns="45720" numCol="1" spcCol="0" rtlCol="0" fromWordArt="0" anchor="ctr" anchorCtr="0" forceAA="0" compatLnSpc="1">
+            <a:prstTxWarp prst="textNoShape">
+              <a:avLst/>
+            </a:prstTxWarp>
+            <a:noAutofit/>
+          </a:bodyPr>
+          <a:lstStyle/>
+          <a:p>
+            <a:pPr algn="ctr"/>
+            <a:r>
+              <a:rPr lang="en-US" sz="1800" b="1" dirty="0" err="1" smtClean="0">
+                <a:latin typeface="Georgia" charset="0"/>
+                <a:ea typeface="Georgia" charset="0"/>
+                <a:cs typeface="Georgia" charset="0"/>
+              </a:rPr>
+              <a:t>Sqoop</a:t>
+            </a:r>
+            <a:endParaRPr lang="en-US" sz="1800" b="1" dirty="0" smtClean="0">
+              <a:latin typeface="Georgia" charset="0"/>
+              <a:ea typeface="Georgia" charset="0"/>
+              <a:cs typeface="Georgia" charset="0"/>
+            </a:endParaRPr>
+          </a:p>
+        </p:txBody>
+      </p:sp>
+      <p:sp>
+        <p:nvSpPr>
+          <p:cNvPr id="20" name="Rectangle 19"/>
+          <p:cNvSpPr/>
+          <p:nvPr/>
+        </p:nvSpPr>
+        <p:spPr>
+          <a:xfrm>
+            <a:off x="13865793" y="2835695"/>
+            <a:ext cx="5045446" cy="720000"/>
+          </a:xfrm>
+          <a:prstGeom prst="rect">
+            <a:avLst/>
+          </a:prstGeom>
+          <a:solidFill>
+            <a:schemeClr val="accent2"/>
+          </a:solidFill>
+          <a:ln w="38100">
+            <a:solidFill>
+              <a:schemeClr val="tx2"/>
+            </a:solidFill>
+          </a:ln>
+          <a:effectLst/>
+        </p:spPr>
+        <p:style>
+          <a:lnRef idx="2">
+            <a:schemeClr val="accent1">
+              <a:shade val="50000"/>
+            </a:schemeClr>
+          </a:lnRef>
+          <a:fillRef idx="1">
+            <a:schemeClr val="accent1"/>
+          </a:fillRef>
+          <a:effectRef idx="0">
+            <a:schemeClr val="accent1"/>
+          </a:effectRef>
+          <a:fontRef idx="minor">
+            <a:schemeClr val="lt1"/>
+          </a:fontRef>
+        </p:style>
+        <p:txBody>
+          <a:bodyPr rtlCol="0" anchor="ctr"/>
+          <a:lstStyle/>
+          <a:p>
+            <a:pPr algn="ctr"/>
+            <a:r>
+              <a:rPr lang="en-US" sz="1800" b="1" dirty="0" smtClean="0">
+                <a:latin typeface="Georgia" charset="0"/>
+                <a:ea typeface="Georgia" charset="0"/>
+                <a:cs typeface="Georgia" charset="0"/>
+              </a:rPr>
+              <a:t>Analysis Tools</a:t>
+            </a:r>
+            <a:endParaRPr lang="en-US" sz="1800" b="1" dirty="0">
+              <a:latin typeface="Georgia" charset="0"/>
+              <a:ea typeface="Georgia" charset="0"/>
+              <a:cs typeface="Georgia" charset="0"/>
+            </a:endParaRPr>
+          </a:p>
+        </p:txBody>
+      </p:sp>
+      <p:sp>
+        <p:nvSpPr>
+          <p:cNvPr id="21" name="Right Arrow 20"/>
+          <p:cNvSpPr/>
+          <p:nvPr/>
+        </p:nvSpPr>
+        <p:spPr>
+          <a:xfrm rot="5400000">
+            <a:off x="14013670" y="3549391"/>
+            <a:ext cx="1144246" cy="1195754"/>
+          </a:xfrm>
+          <a:prstGeom prst="rightArrow">
+            <a:avLst/>
+          </a:prstGeom>
+          <a:solidFill>
+            <a:schemeClr val="tx2">
+              <a:lumMod val="60000"/>
+              <a:lumOff val="40000"/>
+            </a:schemeClr>
+          </a:solidFill>
+          <a:ln w="38100">
+            <a:solidFill>
+              <a:schemeClr val="tx2"/>
+            </a:solidFill>
+          </a:ln>
+        </p:spPr>
+        <p:style>
+          <a:lnRef idx="2">
+            <a:schemeClr val="accent1">
+              <a:shade val="50000"/>
+            </a:schemeClr>
+          </a:lnRef>
+          <a:fillRef idx="1">
+            <a:schemeClr val="accent1"/>
+          </a:fillRef>
+          <a:effectRef idx="0">
+            <a:schemeClr val="accent1"/>
+          </a:effectRef>
+          <a:fontRef idx="minor">
+            <a:schemeClr val="lt1"/>
+          </a:fontRef>
+        </p:style>
+        <p:txBody>
+          <a:bodyPr rtlCol="0" anchor="ctr"/>
+          <a:lstStyle/>
+          <a:p>
+            <a:pPr algn="ctr"/>
+            <a:endParaRPr lang="en-US" sz="1800" b="1" dirty="0">
+              <a:latin typeface="Georgia" charset="0"/>
+              <a:ea typeface="Georgia" charset="0"/>
+              <a:cs typeface="Georgia" charset="0"/>
+            </a:endParaRPr>
+          </a:p>
+        </p:txBody>
+      </p:sp>
+      <p:sp>
+        <p:nvSpPr>
+          <p:cNvPr id="22" name="Right Arrow 21"/>
+          <p:cNvSpPr/>
+          <p:nvPr/>
+        </p:nvSpPr>
+        <p:spPr>
+          <a:xfrm rot="5400000">
+            <a:off x="17037343" y="3951164"/>
+            <a:ext cx="1947792" cy="1195754"/>
+          </a:xfrm>
+          <a:prstGeom prst="rightArrow">
+            <a:avLst/>
+          </a:prstGeom>
+          <a:solidFill>
+            <a:schemeClr val="tx2">
+              <a:lumMod val="60000"/>
+              <a:lumOff val="40000"/>
+            </a:schemeClr>
+          </a:solidFill>
+          <a:ln w="38100">
+            <a:solidFill>
+              <a:schemeClr val="tx2"/>
+            </a:solidFill>
+          </a:ln>
+        </p:spPr>
+        <p:style>
+          <a:lnRef idx="2">
+            <a:schemeClr val="accent1">
+              <a:shade val="50000"/>
+            </a:schemeClr>
+          </a:lnRef>
+          <a:fillRef idx="1">
+            <a:schemeClr val="accent1"/>
+          </a:fillRef>
+          <a:effectRef idx="0">
+            <a:schemeClr val="accent1"/>
+          </a:effectRef>
+          <a:fontRef idx="minor">
+            <a:schemeClr val="lt1"/>
+          </a:fontRef>
+        </p:style>
+        <p:txBody>
+          <a:bodyPr rtlCol="0" anchor="ctr"/>
+          <a:lstStyle/>
+          <a:p>
+            <a:pPr algn="ctr"/>
+            <a:endParaRPr lang="en-US" sz="1800" b="1" dirty="0">
+              <a:latin typeface="Georgia" charset="0"/>
+              <a:ea typeface="Georgia" charset="0"/>
+              <a:cs typeface="Georgia" charset="0"/>
+            </a:endParaRPr>
+          </a:p>
+        </p:txBody>
+      </p:sp>
+    </p:spTree>
+    <p:extLst>
+      <p:ext uri="{BB962C8B-B14F-4D97-AF65-F5344CB8AC3E}">
+        <p14:creationId xmlns:p14="http://schemas.microsoft.com/office/powerpoint/2010/main" val="2113860088"/>
+      </p:ext>
+    </p:extLst>
+  </p:cSld>
+  <p:clrMapOvr>
+    <a:masterClrMapping/>
+  </p:clrMapOvr>
+  <mc:AlternateContent xmlns:mc="http://schemas.openxmlformats.org/markup-compatibility/2006" xmlns:p14="http://schemas.microsoft.com/office/powerpoint/2010/main">
+    <mc:Choice Requires="p14">
+      <p:transition spd="slow" p14:dur="1500" advClick="0" advTm="3000">
+        <p14:reveal/>
+      </p:transition>
+    </mc:Choice>
+    <mc:Fallback xmlns="">
+      <p:transition xmlns:p14="http://schemas.microsoft.com/office/powerpoint/2010/main" spd="slow" advClick="0" advTm="3000">
+        <p:fade/>
+      </p:transition>
+    </mc:Fallback>
+  </mc:AlternateContent>
+</p:sld>
+</file>
+
 <file path=ppt/theme/theme1.xml><?xml version="1.0" encoding="utf-8"?>
 <a:theme xmlns:a="http://schemas.openxmlformats.org/drawingml/2006/main" name="Default Theme">
   <a:themeElements>
@@ -5632,6 +7113,47 @@
     </a:fmtScheme>
   </a:themeElements>
   <a:objectDefaults>
+    <a:spDef>
+      <a:spPr>
+        <a:solidFill>
+          <a:schemeClr val="tx2">
+            <a:lumMod val="60000"/>
+            <a:lumOff val="40000"/>
+          </a:schemeClr>
+        </a:solidFill>
+        <a:ln w="38100">
+          <a:solidFill>
+            <a:schemeClr val="tx2"/>
+          </a:solidFill>
+        </a:ln>
+      </a:spPr>
+      <a:bodyPr rtlCol="0" anchor="ctr"/>
+      <a:lstStyle>
+        <a:defPPr algn="ctr">
+          <a:defRPr sz="1800" b="1" dirty="0" err="1" smtClean="0">
+            <a:latin typeface="Georgia" charset="0"/>
+            <a:ea typeface="Georgia" charset="0"/>
+            <a:cs typeface="Georgia" charset="0"/>
+          </a:defRPr>
+        </a:defPPr>
+      </a:lstStyle>
+      <a:style>
+        <a:lnRef idx="2">
+          <a:schemeClr val="accent1">
+            <a:shade val="50000"/>
+          </a:schemeClr>
+        </a:lnRef>
+        <a:fillRef idx="1">
+          <a:schemeClr val="accent1"/>
+        </a:fillRef>
+        <a:effectRef idx="0">
+          <a:schemeClr val="accent1"/>
+        </a:effectRef>
+        <a:fontRef idx="minor">
+          <a:schemeClr val="lt1"/>
+        </a:fontRef>
+      </a:style>
+    </a:spDef>
     <a:lnDef>
       <a:spPr>
         <a:ln w="38100">

--- a/graphics/pp_diagrams.pptx
+++ b/graphics/pp_diagrams.pptx
@@ -5,15 +5,16 @@
     <p:sldMasterId id="2147483648" r:id="rId1"/>
   </p:sldMasterIdLst>
   <p:notesMasterIdLst>
-    <p:notesMasterId r:id="rId5"/>
+    <p:notesMasterId r:id="rId6"/>
   </p:notesMasterIdLst>
   <p:handoutMasterIdLst>
-    <p:handoutMasterId r:id="rId6"/>
+    <p:handoutMasterId r:id="rId7"/>
   </p:handoutMasterIdLst>
   <p:sldIdLst>
     <p:sldId id="671" r:id="rId2"/>
     <p:sldId id="672" r:id="rId3"/>
     <p:sldId id="673" r:id="rId4"/>
+    <p:sldId id="674" r:id="rId5"/>
   </p:sldIdLst>
   <p:sldSz cx="24377650" cy="13716000"/>
   <p:notesSz cx="6858000" cy="9144000"/>
@@ -216,7 +217,7 @@
           <a:p>
             <a:fld id="{BF642B97-7661-5B4E-A65A-7F54031CCA56}" type="datetimeFigureOut">
               <a:rPr lang="en-US" smtClean="0"/>
-              <a:t>10/24/16</a:t>
+              <a:t>10/25/16</a:t>
             </a:fld>
             <a:endParaRPr lang="en-US"/>
           </a:p>
@@ -386,7 +387,7 @@
             <a:fld id="{EFC10EE1-B198-C942-8235-326C972CBB30}" type="datetimeFigureOut">
               <a:rPr lang="en-US" smtClean="0"/>
               <a:pPr/>
-              <a:t>10/24/16</a:t>
+              <a:t>10/25/16</a:t>
             </a:fld>
             <a:endParaRPr lang="en-US" dirty="0"/>
           </a:p>
@@ -6900,6 +6901,549 @@
     <p:extLst>
       <p:ext uri="{BB962C8B-B14F-4D97-AF65-F5344CB8AC3E}">
         <p14:creationId xmlns:p14="http://schemas.microsoft.com/office/powerpoint/2010/main" val="2113860088"/>
+      </p:ext>
+    </p:extLst>
+  </p:cSld>
+  <p:clrMapOvr>
+    <a:masterClrMapping/>
+  </p:clrMapOvr>
+  <mc:AlternateContent xmlns:mc="http://schemas.openxmlformats.org/markup-compatibility/2006" xmlns:p14="http://schemas.microsoft.com/office/powerpoint/2010/main">
+    <mc:Choice Requires="p14">
+      <p:transition spd="slow" p14:dur="1500" advClick="0" advTm="3000">
+        <p14:reveal/>
+      </p:transition>
+    </mc:Choice>
+    <mc:Fallback xmlns="">
+      <p:transition xmlns:p14="http://schemas.microsoft.com/office/powerpoint/2010/main" spd="slow" advClick="0" advTm="3000">
+        <p:fade/>
+      </p:transition>
+    </mc:Fallback>
+  </mc:AlternateContent>
+</p:sld>
+</file>
+
+<file path=ppt/slides/slide4.xml><?xml version="1.0" encoding="utf-8"?>
+<p:sld xmlns:a="http://schemas.openxmlformats.org/drawingml/2006/main" xmlns:r="http://schemas.openxmlformats.org/officeDocument/2006/relationships" xmlns:p="http://schemas.openxmlformats.org/presentationml/2006/main">
+  <p:cSld>
+    <p:spTree>
+      <p:nvGrpSpPr>
+        <p:cNvPr id="1" name=""/>
+        <p:cNvGrpSpPr/>
+        <p:nvPr/>
+      </p:nvGrpSpPr>
+      <p:grpSpPr>
+        <a:xfrm>
+          <a:off x="0" y="0"/>
+          <a:ext cx="0" cy="0"/>
+          <a:chOff x="0" y="0"/>
+          <a:chExt cx="0" cy="0"/>
+        </a:xfrm>
+      </p:grpSpPr>
+      <p:sp>
+        <p:nvSpPr>
+          <p:cNvPr id="3" name="TextBox 2"/>
+          <p:cNvSpPr txBox="1"/>
+          <p:nvPr/>
+        </p:nvSpPr>
+        <p:spPr>
+          <a:xfrm>
+            <a:off x="4988825" y="483017"/>
+            <a:ext cx="14400000" cy="1169533"/>
+          </a:xfrm>
+          <a:prstGeom prst="rect">
+            <a:avLst/>
+          </a:prstGeom>
+          <a:noFill/>
+        </p:spPr>
+        <p:txBody>
+          <a:bodyPr wrap="square" lIns="91422" tIns="45711" rIns="91422" bIns="45711" rtlCol="0">
+            <a:spAutoFit/>
+          </a:bodyPr>
+          <a:lstStyle/>
+          <a:p>
+            <a:pPr algn="ctr"/>
+            <a:r>
+              <a:rPr lang="en-US" sz="7000" b="1" dirty="0" smtClean="0"/>
+              <a:t>diagram_hadoop201_model3</a:t>
+            </a:r>
+            <a:endParaRPr lang="id-ID" sz="7000" b="1" dirty="0">
+              <a:solidFill>
+                <a:schemeClr val="tx2"/>
+              </a:solidFill>
+              <a:latin typeface="Lato Regular"/>
+              <a:cs typeface="Lato Regular"/>
+            </a:endParaRPr>
+          </a:p>
+        </p:txBody>
+      </p:sp>
+      <p:sp>
+        <p:nvSpPr>
+          <p:cNvPr id="4" name="Rectangle 3"/>
+          <p:cNvSpPr/>
+          <p:nvPr/>
+        </p:nvSpPr>
+        <p:spPr>
+          <a:xfrm>
+            <a:off x="7083762" y="7384249"/>
+            <a:ext cx="3600000" cy="2340000"/>
+          </a:xfrm>
+          <a:prstGeom prst="rect">
+            <a:avLst/>
+          </a:prstGeom>
+          <a:solidFill>
+            <a:schemeClr val="accent2"/>
+          </a:solidFill>
+          <a:ln w="38100">
+            <a:solidFill>
+              <a:schemeClr val="tx2"/>
+            </a:solidFill>
+          </a:ln>
+          <a:effectLst/>
+        </p:spPr>
+        <p:style>
+          <a:lnRef idx="2">
+            <a:schemeClr val="accent1">
+              <a:shade val="50000"/>
+            </a:schemeClr>
+          </a:lnRef>
+          <a:fillRef idx="1">
+            <a:schemeClr val="accent1"/>
+          </a:fillRef>
+          <a:effectRef idx="0">
+            <a:schemeClr val="accent1"/>
+          </a:effectRef>
+          <a:fontRef idx="minor">
+            <a:schemeClr val="lt1"/>
+          </a:fontRef>
+        </p:style>
+        <p:txBody>
+          <a:bodyPr rtlCol="0" anchor="ctr"/>
+          <a:lstStyle/>
+          <a:p>
+            <a:pPr algn="ctr"/>
+            <a:r>
+              <a:rPr lang="en-US" sz="1800" b="1" smtClean="0">
+                <a:latin typeface="Georgia" charset="0"/>
+                <a:ea typeface="Georgia" charset="0"/>
+                <a:cs typeface="Georgia" charset="0"/>
+              </a:rPr>
+              <a:t>USER_HISTORY</a:t>
+            </a:r>
+            <a:endParaRPr lang="en-US" sz="1800" b="1" dirty="0">
+              <a:latin typeface="Georgia" charset="0"/>
+              <a:ea typeface="Georgia" charset="0"/>
+              <a:cs typeface="Georgia" charset="0"/>
+            </a:endParaRPr>
+          </a:p>
+        </p:txBody>
+      </p:sp>
+      <p:sp>
+        <p:nvSpPr>
+          <p:cNvPr id="5" name="Right Arrow 4"/>
+          <p:cNvSpPr/>
+          <p:nvPr/>
+        </p:nvSpPr>
+        <p:spPr>
+          <a:xfrm>
+            <a:off x="3483762" y="7956372"/>
+            <a:ext cx="3600000" cy="1195754"/>
+          </a:xfrm>
+          <a:prstGeom prst="rightArrow">
+            <a:avLst/>
+          </a:prstGeom>
+          <a:solidFill>
+            <a:schemeClr val="tx2">
+              <a:lumMod val="60000"/>
+              <a:lumOff val="40000"/>
+            </a:schemeClr>
+          </a:solidFill>
+          <a:ln w="38100">
+            <a:solidFill>
+              <a:schemeClr val="tx2"/>
+            </a:solidFill>
+          </a:ln>
+        </p:spPr>
+        <p:style>
+          <a:lnRef idx="2">
+            <a:schemeClr val="accent1">
+              <a:shade val="50000"/>
+            </a:schemeClr>
+          </a:lnRef>
+          <a:fillRef idx="1">
+            <a:schemeClr val="accent1"/>
+          </a:fillRef>
+          <a:effectRef idx="0">
+            <a:schemeClr val="accent1"/>
+          </a:effectRef>
+          <a:fontRef idx="minor">
+            <a:schemeClr val="lt1"/>
+          </a:fontRef>
+        </p:style>
+        <p:txBody>
+          <a:bodyPr rtlCol="0" anchor="ctr"/>
+          <a:lstStyle/>
+          <a:p>
+            <a:pPr algn="ctr"/>
+            <a:r>
+              <a:rPr lang="en-US" sz="1800" b="1" dirty="0" smtClean="0">
+                <a:latin typeface="Georgia" charset="0"/>
+                <a:ea typeface="Georgia" charset="0"/>
+                <a:cs typeface="Georgia" charset="0"/>
+              </a:rPr>
+              <a:t>Ingest Pipeline</a:t>
+            </a:r>
+            <a:endParaRPr lang="en-US" sz="1800" b="1" dirty="0">
+              <a:latin typeface="Georgia" charset="0"/>
+              <a:ea typeface="Georgia" charset="0"/>
+              <a:cs typeface="Georgia" charset="0"/>
+            </a:endParaRPr>
+          </a:p>
+        </p:txBody>
+      </p:sp>
+      <p:sp>
+        <p:nvSpPr>
+          <p:cNvPr id="6" name="Right Arrow 5"/>
+          <p:cNvSpPr/>
+          <p:nvPr/>
+        </p:nvSpPr>
+        <p:spPr>
+          <a:xfrm>
+            <a:off x="10683762" y="7956372"/>
+            <a:ext cx="3600000" cy="1195754"/>
+          </a:xfrm>
+          <a:prstGeom prst="rightArrow">
+            <a:avLst/>
+          </a:prstGeom>
+          <a:solidFill>
+            <a:schemeClr val="tx2">
+              <a:lumMod val="60000"/>
+              <a:lumOff val="40000"/>
+            </a:schemeClr>
+          </a:solidFill>
+          <a:ln w="38100">
+            <a:solidFill>
+              <a:schemeClr val="tx2"/>
+            </a:solidFill>
+          </a:ln>
+        </p:spPr>
+        <p:style>
+          <a:lnRef idx="2">
+            <a:schemeClr val="accent1">
+              <a:shade val="50000"/>
+            </a:schemeClr>
+          </a:lnRef>
+          <a:fillRef idx="1">
+            <a:schemeClr val="accent1"/>
+          </a:fillRef>
+          <a:effectRef idx="0">
+            <a:schemeClr val="accent1"/>
+          </a:effectRef>
+          <a:fontRef idx="minor">
+            <a:schemeClr val="lt1"/>
+          </a:fontRef>
+        </p:style>
+        <p:txBody>
+          <a:bodyPr rtlCol="0" anchor="ctr"/>
+          <a:lstStyle/>
+          <a:p>
+            <a:pPr algn="ctr"/>
+            <a:r>
+              <a:rPr lang="en-US" sz="1800" b="1" dirty="0" smtClean="0">
+                <a:latin typeface="Georgia" charset="0"/>
+                <a:ea typeface="Georgia" charset="0"/>
+                <a:cs typeface="Georgia" charset="0"/>
+              </a:rPr>
+              <a:t>One Record User</a:t>
+            </a:r>
+            <a:endParaRPr lang="en-US" sz="1800" b="1" dirty="0">
+              <a:latin typeface="Georgia" charset="0"/>
+              <a:ea typeface="Georgia" charset="0"/>
+              <a:cs typeface="Georgia" charset="0"/>
+            </a:endParaRPr>
+          </a:p>
+        </p:txBody>
+      </p:sp>
+      <p:sp>
+        <p:nvSpPr>
+          <p:cNvPr id="8" name="Rectangle 7"/>
+          <p:cNvSpPr/>
+          <p:nvPr/>
+        </p:nvSpPr>
+        <p:spPr>
+          <a:xfrm>
+            <a:off x="14283762" y="7384249"/>
+            <a:ext cx="3600000" cy="2340000"/>
+          </a:xfrm>
+          <a:prstGeom prst="rect">
+            <a:avLst/>
+          </a:prstGeom>
+          <a:solidFill>
+            <a:schemeClr val="accent2"/>
+          </a:solidFill>
+          <a:ln w="38100">
+            <a:solidFill>
+              <a:schemeClr val="tx2"/>
+            </a:solidFill>
+          </a:ln>
+          <a:effectLst/>
+        </p:spPr>
+        <p:style>
+          <a:lnRef idx="2">
+            <a:schemeClr val="accent1">
+              <a:shade val="50000"/>
+            </a:schemeClr>
+          </a:lnRef>
+          <a:fillRef idx="1">
+            <a:schemeClr val="accent1"/>
+          </a:fillRef>
+          <a:effectRef idx="0">
+            <a:schemeClr val="accent1"/>
+          </a:effectRef>
+          <a:fontRef idx="minor">
+            <a:schemeClr val="lt1"/>
+          </a:fontRef>
+        </p:style>
+        <p:txBody>
+          <a:bodyPr rtlCol="0" anchor="ctr"/>
+          <a:lstStyle/>
+          <a:p>
+            <a:pPr algn="ctr"/>
+            <a:r>
+              <a:rPr lang="en-US" sz="1800" b="1" dirty="0" smtClean="0">
+                <a:latin typeface="Georgia" charset="0"/>
+                <a:ea typeface="Georgia" charset="0"/>
+                <a:cs typeface="Georgia" charset="0"/>
+              </a:rPr>
+              <a:t>USER</a:t>
+            </a:r>
+            <a:endParaRPr lang="en-US" sz="1800" b="1" dirty="0">
+              <a:latin typeface="Georgia" charset="0"/>
+              <a:ea typeface="Georgia" charset="0"/>
+              <a:cs typeface="Georgia" charset="0"/>
+            </a:endParaRPr>
+          </a:p>
+        </p:txBody>
+      </p:sp>
+      <p:pic>
+        <p:nvPicPr>
+          <p:cNvPr id="9" name="Picture 8"/>
+          <p:cNvPicPr>
+            <a:picLocks noChangeAspect="1"/>
+          </p:cNvPicPr>
+          <p:nvPr/>
+        </p:nvPicPr>
+        <p:blipFill>
+          <a:blip r:embed="rId2">
+            <a:extLst>
+              <a:ext uri="{28A0092B-C50C-407E-A947-70E740481C1C}">
+                <a14:useLocalDpi xmlns:a14="http://schemas.microsoft.com/office/drawing/2010/main" val="0"/>
+              </a:ext>
+            </a:extLst>
+          </a:blip>
+          <a:stretch>
+            <a:fillRect/>
+          </a:stretch>
+        </p:blipFill>
+        <p:spPr>
+          <a:xfrm>
+            <a:off x="10143762" y="3689599"/>
+            <a:ext cx="1080000" cy="1080000"/>
+          </a:xfrm>
+          <a:prstGeom prst="rect">
+            <a:avLst/>
+          </a:prstGeom>
+        </p:spPr>
+      </p:pic>
+      <p:pic>
+        <p:nvPicPr>
+          <p:cNvPr id="10" name="Picture 9"/>
+          <p:cNvPicPr>
+            <a:picLocks noChangeAspect="1"/>
+          </p:cNvPicPr>
+          <p:nvPr/>
+        </p:nvPicPr>
+        <p:blipFill>
+          <a:blip r:embed="rId2">
+            <a:extLst>
+              <a:ext uri="{28A0092B-C50C-407E-A947-70E740481C1C}">
+                <a14:useLocalDpi xmlns:a14="http://schemas.microsoft.com/office/drawing/2010/main" val="0"/>
+              </a:ext>
+            </a:extLst>
+          </a:blip>
+          <a:stretch>
+            <a:fillRect/>
+          </a:stretch>
+        </p:blipFill>
+        <p:spPr>
+          <a:xfrm>
+            <a:off x="13743762" y="3689599"/>
+            <a:ext cx="1080000" cy="1080000"/>
+          </a:xfrm>
+          <a:prstGeom prst="rect">
+            <a:avLst/>
+          </a:prstGeom>
+        </p:spPr>
+      </p:pic>
+      <p:cxnSp>
+        <p:nvCxnSpPr>
+          <p:cNvPr id="11" name="Straight Connector 10"/>
+          <p:cNvCxnSpPr>
+            <a:stCxn id="9" idx="2"/>
+            <a:endCxn id="4" idx="0"/>
+          </p:cNvCxnSpPr>
+          <p:nvPr/>
+        </p:nvCxnSpPr>
+        <p:spPr>
+          <a:xfrm flipH="1">
+            <a:off x="8883762" y="4769599"/>
+            <a:ext cx="1800000" cy="2614650"/>
+          </a:xfrm>
+          <a:prstGeom prst="line">
+            <a:avLst/>
+          </a:prstGeom>
+          <a:ln w="38100">
+            <a:solidFill>
+              <a:schemeClr val="tx2"/>
+            </a:solidFill>
+            <a:tailEnd type="triangle" w="lg" len="lg"/>
+          </a:ln>
+        </p:spPr>
+        <p:style>
+          <a:lnRef idx="1">
+            <a:schemeClr val="accent1"/>
+          </a:lnRef>
+          <a:fillRef idx="0">
+            <a:schemeClr val="accent1"/>
+          </a:fillRef>
+          <a:effectRef idx="0">
+            <a:schemeClr val="accent1"/>
+          </a:effectRef>
+          <a:fontRef idx="minor">
+            <a:schemeClr val="tx1"/>
+          </a:fontRef>
+        </p:style>
+      </p:cxnSp>
+      <p:cxnSp>
+        <p:nvCxnSpPr>
+          <p:cNvPr id="14" name="Straight Connector 13"/>
+          <p:cNvCxnSpPr>
+            <a:stCxn id="10" idx="2"/>
+            <a:endCxn id="8" idx="0"/>
+          </p:cNvCxnSpPr>
+          <p:nvPr/>
+        </p:nvCxnSpPr>
+        <p:spPr>
+          <a:xfrm>
+            <a:off x="14283762" y="4769599"/>
+            <a:ext cx="1800000" cy="2614650"/>
+          </a:xfrm>
+          <a:prstGeom prst="line">
+            <a:avLst/>
+          </a:prstGeom>
+          <a:ln w="38100">
+            <a:solidFill>
+              <a:schemeClr val="tx2"/>
+            </a:solidFill>
+            <a:tailEnd type="triangle" w="lg" len="lg"/>
+          </a:ln>
+        </p:spPr>
+        <p:style>
+          <a:lnRef idx="1">
+            <a:schemeClr val="accent1"/>
+          </a:lnRef>
+          <a:fillRef idx="0">
+            <a:schemeClr val="accent1"/>
+          </a:fillRef>
+          <a:effectRef idx="0">
+            <a:schemeClr val="accent1"/>
+          </a:effectRef>
+          <a:fontRef idx="minor">
+            <a:schemeClr val="tx1"/>
+          </a:fontRef>
+        </p:style>
+      </p:cxnSp>
+      <p:sp>
+        <p:nvSpPr>
+          <p:cNvPr id="17" name="TextBox 16"/>
+          <p:cNvSpPr txBox="1"/>
+          <p:nvPr/>
+        </p:nvSpPr>
+        <p:spPr>
+          <a:xfrm>
+            <a:off x="9476285" y="3218872"/>
+            <a:ext cx="2414954" cy="369332"/>
+          </a:xfrm>
+          <a:prstGeom prst="rect">
+            <a:avLst/>
+          </a:prstGeom>
+          <a:noFill/>
+        </p:spPr>
+        <p:txBody>
+          <a:bodyPr wrap="square" rtlCol="0" anchor="ctr">
+            <a:spAutoFit/>
+          </a:bodyPr>
+          <a:lstStyle/>
+          <a:p>
+            <a:pPr algn="ctr"/>
+            <a:r>
+              <a:rPr lang="en-US" sz="1800" b="1" dirty="0" smtClean="0">
+                <a:latin typeface="Georgia" charset="0"/>
+                <a:ea typeface="Georgia" charset="0"/>
+                <a:cs typeface="Georgia" charset="0"/>
+              </a:rPr>
+              <a:t>Querying history</a:t>
+            </a:r>
+            <a:endParaRPr lang="en-US" sz="1800" b="1" dirty="0">
+              <a:latin typeface="Georgia" charset="0"/>
+              <a:ea typeface="Georgia" charset="0"/>
+              <a:cs typeface="Georgia" charset="0"/>
+            </a:endParaRPr>
+          </a:p>
+        </p:txBody>
+      </p:sp>
+      <p:sp>
+        <p:nvSpPr>
+          <p:cNvPr id="18" name="TextBox 17"/>
+          <p:cNvSpPr txBox="1"/>
+          <p:nvPr/>
+        </p:nvSpPr>
+        <p:spPr>
+          <a:xfrm>
+            <a:off x="13076285" y="3218872"/>
+            <a:ext cx="2414954" cy="369332"/>
+          </a:xfrm>
+          <a:prstGeom prst="rect">
+            <a:avLst/>
+          </a:prstGeom>
+          <a:noFill/>
+        </p:spPr>
+        <p:txBody>
+          <a:bodyPr wrap="square" rtlCol="0" anchor="ctr">
+            <a:spAutoFit/>
+          </a:bodyPr>
+          <a:lstStyle/>
+          <a:p>
+            <a:pPr algn="ctr"/>
+            <a:r>
+              <a:rPr lang="en-US" sz="1800" b="1" smtClean="0">
+                <a:latin typeface="Georgia" charset="0"/>
+                <a:ea typeface="Georgia" charset="0"/>
+                <a:cs typeface="Georgia" charset="0"/>
+              </a:rPr>
+              <a:t>Querying today</a:t>
+            </a:r>
+            <a:endParaRPr lang="en-US" sz="1800" b="1" dirty="0">
+              <a:latin typeface="Georgia" charset="0"/>
+              <a:ea typeface="Georgia" charset="0"/>
+              <a:cs typeface="Georgia" charset="0"/>
+            </a:endParaRPr>
+          </a:p>
+        </p:txBody>
+      </p:sp>
+    </p:spTree>
+    <p:extLst>
+      <p:ext uri="{BB962C8B-B14F-4D97-AF65-F5344CB8AC3E}">
+        <p14:creationId xmlns:p14="http://schemas.microsoft.com/office/powerpoint/2010/main" val="1022433225"/>
       </p:ext>
     </p:extLst>
   </p:cSld>

--- a/graphics/pp_diagrams.pptx
+++ b/graphics/pp_diagrams.pptx
@@ -5,16 +5,17 @@
     <p:sldMasterId id="2147483648" r:id="rId1"/>
   </p:sldMasterIdLst>
   <p:notesMasterIdLst>
-    <p:notesMasterId r:id="rId6"/>
+    <p:notesMasterId r:id="rId7"/>
   </p:notesMasterIdLst>
   <p:handoutMasterIdLst>
-    <p:handoutMasterId r:id="rId7"/>
+    <p:handoutMasterId r:id="rId8"/>
   </p:handoutMasterIdLst>
   <p:sldIdLst>
     <p:sldId id="671" r:id="rId2"/>
     <p:sldId id="672" r:id="rId3"/>
     <p:sldId id="673" r:id="rId4"/>
     <p:sldId id="674" r:id="rId5"/>
+    <p:sldId id="675" r:id="rId6"/>
   </p:sldIdLst>
   <p:sldSz cx="24377650" cy="13716000"/>
   <p:notesSz cx="6858000" cy="9144000"/>
@@ -6919,6 +6920,13 @@
       </p:transition>
     </mc:Fallback>
   </mc:AlternateContent>
+  <p:timing>
+    <p:tnLst>
+      <p:par>
+        <p:cTn id="1" dur="indefinite" restart="never" nodeType="tmRoot"/>
+      </p:par>
+    </p:tnLst>
+  </p:timing>
 </p:sld>
 </file>
 
@@ -7462,6 +7470,1709 @@
       </p:transition>
     </mc:Fallback>
   </mc:AlternateContent>
+  <p:timing>
+    <p:tnLst>
+      <p:par>
+        <p:cTn id="1" dur="indefinite" restart="never" nodeType="tmRoot"/>
+      </p:par>
+    </p:tnLst>
+  </p:timing>
+</p:sld>
+</file>
+
+<file path=ppt/slides/slide5.xml><?xml version="1.0" encoding="utf-8"?>
+<p:sld xmlns:a="http://schemas.openxmlformats.org/drawingml/2006/main" xmlns:r="http://schemas.openxmlformats.org/officeDocument/2006/relationships" xmlns:p="http://schemas.openxmlformats.org/presentationml/2006/main">
+  <p:cSld>
+    <p:spTree>
+      <p:nvGrpSpPr>
+        <p:cNvPr id="1" name=""/>
+        <p:cNvGrpSpPr/>
+        <p:nvPr/>
+      </p:nvGrpSpPr>
+      <p:grpSpPr>
+        <a:xfrm>
+          <a:off x="0" y="0"/>
+          <a:ext cx="0" cy="0"/>
+          <a:chOff x="0" y="0"/>
+          <a:chExt cx="0" cy="0"/>
+        </a:xfrm>
+      </p:grpSpPr>
+      <p:sp>
+        <p:nvSpPr>
+          <p:cNvPr id="3" name="TextBox 2"/>
+          <p:cNvSpPr txBox="1"/>
+          <p:nvPr/>
+        </p:nvSpPr>
+        <p:spPr>
+          <a:xfrm>
+            <a:off x="4988825" y="483017"/>
+            <a:ext cx="14400000" cy="1169533"/>
+          </a:xfrm>
+          <a:prstGeom prst="rect">
+            <a:avLst/>
+          </a:prstGeom>
+          <a:noFill/>
+        </p:spPr>
+        <p:txBody>
+          <a:bodyPr wrap="square" lIns="91422" tIns="45711" rIns="91422" bIns="45711" rtlCol="0">
+            <a:spAutoFit/>
+          </a:bodyPr>
+          <a:lstStyle/>
+          <a:p>
+            <a:pPr algn="ctr"/>
+            <a:r>
+              <a:rPr lang="en-US" sz="7000" b="1" smtClean="0"/>
+              <a:t>diagram_hadoop201_model4</a:t>
+            </a:r>
+            <a:endParaRPr lang="id-ID" sz="7000" b="1" dirty="0">
+              <a:solidFill>
+                <a:schemeClr val="tx2"/>
+              </a:solidFill>
+              <a:latin typeface="Lato Regular"/>
+              <a:cs typeface="Lato Regular"/>
+            </a:endParaRPr>
+          </a:p>
+        </p:txBody>
+      </p:sp>
+      <p:sp>
+        <p:nvSpPr>
+          <p:cNvPr id="4" name="Oval 3"/>
+          <p:cNvSpPr/>
+          <p:nvPr/>
+        </p:nvSpPr>
+        <p:spPr>
+          <a:xfrm>
+            <a:off x="10756578" y="1852246"/>
+            <a:ext cx="1260000" cy="1260000"/>
+          </a:xfrm>
+          <a:prstGeom prst="ellipse">
+            <a:avLst/>
+          </a:prstGeom>
+          <a:solidFill>
+            <a:schemeClr val="tx2">
+              <a:lumMod val="60000"/>
+              <a:lumOff val="40000"/>
+            </a:schemeClr>
+          </a:solidFill>
+          <a:ln w="38100">
+            <a:solidFill>
+              <a:schemeClr val="tx2"/>
+            </a:solidFill>
+          </a:ln>
+        </p:spPr>
+        <p:style>
+          <a:lnRef idx="2">
+            <a:schemeClr val="accent1">
+              <a:shade val="50000"/>
+            </a:schemeClr>
+          </a:lnRef>
+          <a:fillRef idx="1">
+            <a:schemeClr val="accent1"/>
+          </a:fillRef>
+          <a:effectRef idx="0">
+            <a:schemeClr val="accent1"/>
+          </a:effectRef>
+          <a:fontRef idx="minor">
+            <a:schemeClr val="lt1"/>
+          </a:fontRef>
+        </p:style>
+        <p:txBody>
+          <a:bodyPr rtlCol="0" anchor="ctr"/>
+          <a:lstStyle/>
+          <a:p>
+            <a:pPr algn="ctr"/>
+            <a:r>
+              <a:rPr lang="en-US" sz="1800" b="1" dirty="0" smtClean="0">
+                <a:latin typeface="Georgia" charset="0"/>
+                <a:ea typeface="Georgia" charset="0"/>
+                <a:cs typeface="Georgia" charset="0"/>
+              </a:rPr>
+              <a:t>Start</a:t>
+            </a:r>
+          </a:p>
+        </p:txBody>
+      </p:sp>
+      <p:sp>
+        <p:nvSpPr>
+          <p:cNvPr id="5" name="Rectangle 4"/>
+          <p:cNvSpPr/>
+          <p:nvPr/>
+        </p:nvSpPr>
+        <p:spPr>
+          <a:xfrm>
+            <a:off x="5986578" y="3311942"/>
+            <a:ext cx="10800000" cy="540000"/>
+          </a:xfrm>
+          <a:prstGeom prst="rect">
+            <a:avLst/>
+          </a:prstGeom>
+          <a:solidFill>
+            <a:schemeClr val="accent3"/>
+          </a:solidFill>
+          <a:ln w="38100">
+            <a:solidFill>
+              <a:schemeClr val="tx2"/>
+            </a:solidFill>
+          </a:ln>
+          <a:effectLst/>
+        </p:spPr>
+        <p:style>
+          <a:lnRef idx="2">
+            <a:schemeClr val="accent1">
+              <a:shade val="50000"/>
+            </a:schemeClr>
+          </a:lnRef>
+          <a:fillRef idx="1">
+            <a:schemeClr val="accent1"/>
+          </a:fillRef>
+          <a:effectRef idx="0">
+            <a:schemeClr val="accent1"/>
+          </a:effectRef>
+          <a:fontRef idx="minor">
+            <a:schemeClr val="lt1"/>
+          </a:fontRef>
+        </p:style>
+        <p:txBody>
+          <a:bodyPr rtlCol="0" anchor="ctr"/>
+          <a:lstStyle/>
+          <a:p>
+            <a:pPr algn="ctr"/>
+            <a:r>
+              <a:rPr lang="en-US" sz="1800" b="1" dirty="0" smtClean="0">
+                <a:latin typeface="Georgia" charset="0"/>
+                <a:ea typeface="Georgia" charset="0"/>
+                <a:cs typeface="Georgia" charset="0"/>
+              </a:rPr>
+              <a:t>Fork</a:t>
+            </a:r>
+            <a:endParaRPr lang="en-US" sz="1800" b="1" dirty="0">
+              <a:latin typeface="Georgia" charset="0"/>
+              <a:ea typeface="Georgia" charset="0"/>
+              <a:cs typeface="Georgia" charset="0"/>
+            </a:endParaRPr>
+          </a:p>
+        </p:txBody>
+      </p:sp>
+      <p:cxnSp>
+        <p:nvCxnSpPr>
+          <p:cNvPr id="7" name="Straight Connector 6"/>
+          <p:cNvCxnSpPr>
+            <a:stCxn id="4" idx="4"/>
+            <a:endCxn id="5" idx="0"/>
+          </p:cNvCxnSpPr>
+          <p:nvPr/>
+        </p:nvCxnSpPr>
+        <p:spPr>
+          <a:xfrm>
+            <a:off x="11386578" y="3112246"/>
+            <a:ext cx="0" cy="199696"/>
+          </a:xfrm>
+          <a:prstGeom prst="line">
+            <a:avLst/>
+          </a:prstGeom>
+          <a:ln w="38100">
+            <a:solidFill>
+              <a:schemeClr val="tx2"/>
+            </a:solidFill>
+          </a:ln>
+        </p:spPr>
+        <p:style>
+          <a:lnRef idx="1">
+            <a:schemeClr val="accent1"/>
+          </a:lnRef>
+          <a:fillRef idx="0">
+            <a:schemeClr val="accent1"/>
+          </a:fillRef>
+          <a:effectRef idx="0">
+            <a:schemeClr val="accent1"/>
+          </a:effectRef>
+          <a:fontRef idx="minor">
+            <a:schemeClr val="tx1"/>
+          </a:fontRef>
+        </p:style>
+      </p:cxnSp>
+      <p:sp>
+        <p:nvSpPr>
+          <p:cNvPr id="9" name="Rectangle 8"/>
+          <p:cNvSpPr/>
+          <p:nvPr/>
+        </p:nvSpPr>
+        <p:spPr>
+          <a:xfrm>
+            <a:off x="5986578" y="4051638"/>
+            <a:ext cx="2880000" cy="1080000"/>
+          </a:xfrm>
+          <a:prstGeom prst="rect">
+            <a:avLst/>
+          </a:prstGeom>
+          <a:solidFill>
+            <a:schemeClr val="accent2"/>
+          </a:solidFill>
+          <a:ln w="38100">
+            <a:solidFill>
+              <a:schemeClr val="tx2"/>
+            </a:solidFill>
+          </a:ln>
+          <a:effectLst/>
+        </p:spPr>
+        <p:style>
+          <a:lnRef idx="2">
+            <a:schemeClr val="accent1">
+              <a:shade val="50000"/>
+            </a:schemeClr>
+          </a:lnRef>
+          <a:fillRef idx="1">
+            <a:schemeClr val="accent1"/>
+          </a:fillRef>
+          <a:effectRef idx="0">
+            <a:schemeClr val="accent1"/>
+          </a:effectRef>
+          <a:fontRef idx="minor">
+            <a:schemeClr val="lt1"/>
+          </a:fontRef>
+        </p:style>
+        <p:txBody>
+          <a:bodyPr rtlCol="0" anchor="ctr"/>
+          <a:lstStyle/>
+          <a:p>
+            <a:pPr algn="ctr"/>
+            <a:r>
+              <a:rPr lang="en-US" sz="1800" b="1" dirty="0" err="1" smtClean="0">
+                <a:latin typeface="Georgia" charset="0"/>
+                <a:ea typeface="Georgia" charset="0"/>
+                <a:cs typeface="Georgia" charset="0"/>
+              </a:rPr>
+              <a:t>Sqoop</a:t>
+            </a:r>
+            <a:r>
+              <a:rPr lang="en-US" sz="1800" b="1" dirty="0" smtClean="0">
+                <a:latin typeface="Georgia" charset="0"/>
+                <a:ea typeface="Georgia" charset="0"/>
+                <a:cs typeface="Georgia" charset="0"/>
+              </a:rPr>
+              <a:t> import TABLE1</a:t>
+            </a:r>
+            <a:endParaRPr lang="en-US" sz="1800" b="1" dirty="0">
+              <a:latin typeface="Georgia" charset="0"/>
+              <a:ea typeface="Georgia" charset="0"/>
+              <a:cs typeface="Georgia" charset="0"/>
+            </a:endParaRPr>
+          </a:p>
+        </p:txBody>
+      </p:sp>
+      <p:sp>
+        <p:nvSpPr>
+          <p:cNvPr id="11" name="Rectangle 10"/>
+          <p:cNvSpPr/>
+          <p:nvPr/>
+        </p:nvSpPr>
+        <p:spPr>
+          <a:xfrm>
+            <a:off x="9946578" y="4051638"/>
+            <a:ext cx="2880000" cy="1080000"/>
+          </a:xfrm>
+          <a:prstGeom prst="rect">
+            <a:avLst/>
+          </a:prstGeom>
+          <a:solidFill>
+            <a:schemeClr val="accent2"/>
+          </a:solidFill>
+          <a:ln w="38100">
+            <a:solidFill>
+              <a:schemeClr val="tx2"/>
+            </a:solidFill>
+          </a:ln>
+          <a:effectLst/>
+        </p:spPr>
+        <p:style>
+          <a:lnRef idx="2">
+            <a:schemeClr val="accent1">
+              <a:shade val="50000"/>
+            </a:schemeClr>
+          </a:lnRef>
+          <a:fillRef idx="1">
+            <a:schemeClr val="accent1"/>
+          </a:fillRef>
+          <a:effectRef idx="0">
+            <a:schemeClr val="accent1"/>
+          </a:effectRef>
+          <a:fontRef idx="minor">
+            <a:schemeClr val="lt1"/>
+          </a:fontRef>
+        </p:style>
+        <p:txBody>
+          <a:bodyPr rtlCol="0" anchor="ctr"/>
+          <a:lstStyle/>
+          <a:p>
+            <a:pPr algn="ctr"/>
+            <a:r>
+              <a:rPr lang="en-US" sz="1800" b="1" dirty="0" err="1" smtClean="0">
+                <a:latin typeface="Georgia" charset="0"/>
+                <a:ea typeface="Georgia" charset="0"/>
+                <a:cs typeface="Georgia" charset="0"/>
+              </a:rPr>
+              <a:t>Sqoop</a:t>
+            </a:r>
+            <a:r>
+              <a:rPr lang="en-US" sz="1800" b="1" dirty="0" smtClean="0">
+                <a:latin typeface="Georgia" charset="0"/>
+                <a:ea typeface="Georgia" charset="0"/>
+                <a:cs typeface="Georgia" charset="0"/>
+              </a:rPr>
+              <a:t> import TABLE2</a:t>
+            </a:r>
+            <a:endParaRPr lang="en-US" sz="1800" b="1" dirty="0">
+              <a:latin typeface="Georgia" charset="0"/>
+              <a:ea typeface="Georgia" charset="0"/>
+              <a:cs typeface="Georgia" charset="0"/>
+            </a:endParaRPr>
+          </a:p>
+        </p:txBody>
+      </p:sp>
+      <p:sp>
+        <p:nvSpPr>
+          <p:cNvPr id="12" name="Rectangle 11"/>
+          <p:cNvSpPr/>
+          <p:nvPr/>
+        </p:nvSpPr>
+        <p:spPr>
+          <a:xfrm>
+            <a:off x="13906578" y="4051638"/>
+            <a:ext cx="2880000" cy="1080000"/>
+          </a:xfrm>
+          <a:prstGeom prst="rect">
+            <a:avLst/>
+          </a:prstGeom>
+          <a:solidFill>
+            <a:schemeClr val="accent2"/>
+          </a:solidFill>
+          <a:ln w="38100">
+            <a:solidFill>
+              <a:schemeClr val="tx2"/>
+            </a:solidFill>
+          </a:ln>
+          <a:effectLst/>
+        </p:spPr>
+        <p:style>
+          <a:lnRef idx="2">
+            <a:schemeClr val="accent1">
+              <a:shade val="50000"/>
+            </a:schemeClr>
+          </a:lnRef>
+          <a:fillRef idx="1">
+            <a:schemeClr val="accent1"/>
+          </a:fillRef>
+          <a:effectRef idx="0">
+            <a:schemeClr val="accent1"/>
+          </a:effectRef>
+          <a:fontRef idx="minor">
+            <a:schemeClr val="lt1"/>
+          </a:fontRef>
+        </p:style>
+        <p:txBody>
+          <a:bodyPr rtlCol="0" anchor="ctr"/>
+          <a:lstStyle/>
+          <a:p>
+            <a:pPr algn="ctr"/>
+            <a:r>
+              <a:rPr lang="en-US" sz="1800" b="1" dirty="0" err="1" smtClean="0">
+                <a:latin typeface="Georgia" charset="0"/>
+                <a:ea typeface="Georgia" charset="0"/>
+                <a:cs typeface="Georgia" charset="0"/>
+              </a:rPr>
+              <a:t>Sqoop</a:t>
+            </a:r>
+            <a:r>
+              <a:rPr lang="en-US" sz="1800" b="1" dirty="0" smtClean="0">
+                <a:latin typeface="Georgia" charset="0"/>
+                <a:ea typeface="Georgia" charset="0"/>
+                <a:cs typeface="Georgia" charset="0"/>
+              </a:rPr>
+              <a:t> import TABLE3</a:t>
+            </a:r>
+            <a:endParaRPr lang="en-US" sz="1800" b="1" dirty="0">
+              <a:latin typeface="Georgia" charset="0"/>
+              <a:ea typeface="Georgia" charset="0"/>
+              <a:cs typeface="Georgia" charset="0"/>
+            </a:endParaRPr>
+          </a:p>
+        </p:txBody>
+      </p:sp>
+      <p:cxnSp>
+        <p:nvCxnSpPr>
+          <p:cNvPr id="14" name="Straight Connector 13"/>
+          <p:cNvCxnSpPr>
+            <a:stCxn id="9" idx="0"/>
+          </p:cNvCxnSpPr>
+          <p:nvPr/>
+        </p:nvCxnSpPr>
+        <p:spPr>
+          <a:xfrm flipV="1">
+            <a:off x="7426578" y="3851942"/>
+            <a:ext cx="0" cy="199696"/>
+          </a:xfrm>
+          <a:prstGeom prst="line">
+            <a:avLst/>
+          </a:prstGeom>
+          <a:ln w="38100">
+            <a:solidFill>
+              <a:schemeClr val="tx2"/>
+            </a:solidFill>
+          </a:ln>
+        </p:spPr>
+        <p:style>
+          <a:lnRef idx="1">
+            <a:schemeClr val="accent1"/>
+          </a:lnRef>
+          <a:fillRef idx="0">
+            <a:schemeClr val="accent1"/>
+          </a:fillRef>
+          <a:effectRef idx="0">
+            <a:schemeClr val="accent1"/>
+          </a:effectRef>
+          <a:fontRef idx="minor">
+            <a:schemeClr val="tx1"/>
+          </a:fontRef>
+        </p:style>
+      </p:cxnSp>
+      <p:cxnSp>
+        <p:nvCxnSpPr>
+          <p:cNvPr id="16" name="Straight Connector 15"/>
+          <p:cNvCxnSpPr>
+            <a:stCxn id="11" idx="0"/>
+            <a:endCxn id="5" idx="2"/>
+          </p:cNvCxnSpPr>
+          <p:nvPr/>
+        </p:nvCxnSpPr>
+        <p:spPr>
+          <a:xfrm flipV="1">
+            <a:off x="11386578" y="3851942"/>
+            <a:ext cx="0" cy="199696"/>
+          </a:xfrm>
+          <a:prstGeom prst="line">
+            <a:avLst/>
+          </a:prstGeom>
+          <a:ln w="38100">
+            <a:solidFill>
+              <a:schemeClr val="tx2"/>
+            </a:solidFill>
+          </a:ln>
+        </p:spPr>
+        <p:style>
+          <a:lnRef idx="1">
+            <a:schemeClr val="accent1"/>
+          </a:lnRef>
+          <a:fillRef idx="0">
+            <a:schemeClr val="accent1"/>
+          </a:fillRef>
+          <a:effectRef idx="0">
+            <a:schemeClr val="accent1"/>
+          </a:effectRef>
+          <a:fontRef idx="minor">
+            <a:schemeClr val="tx1"/>
+          </a:fontRef>
+        </p:style>
+      </p:cxnSp>
+      <p:cxnSp>
+        <p:nvCxnSpPr>
+          <p:cNvPr id="18" name="Straight Connector 17"/>
+          <p:cNvCxnSpPr>
+            <a:stCxn id="12" idx="0"/>
+          </p:cNvCxnSpPr>
+          <p:nvPr/>
+        </p:nvCxnSpPr>
+        <p:spPr>
+          <a:xfrm flipV="1">
+            <a:off x="15346578" y="3851942"/>
+            <a:ext cx="0" cy="199696"/>
+          </a:xfrm>
+          <a:prstGeom prst="line">
+            <a:avLst/>
+          </a:prstGeom>
+          <a:ln w="38100">
+            <a:solidFill>
+              <a:schemeClr val="tx2"/>
+            </a:solidFill>
+          </a:ln>
+        </p:spPr>
+        <p:style>
+          <a:lnRef idx="1">
+            <a:schemeClr val="accent1"/>
+          </a:lnRef>
+          <a:fillRef idx="0">
+            <a:schemeClr val="accent1"/>
+          </a:fillRef>
+          <a:effectRef idx="0">
+            <a:schemeClr val="accent1"/>
+          </a:effectRef>
+          <a:fontRef idx="minor">
+            <a:schemeClr val="tx1"/>
+          </a:fontRef>
+        </p:style>
+      </p:cxnSp>
+      <p:sp>
+        <p:nvSpPr>
+          <p:cNvPr id="19" name="Rectangle 18"/>
+          <p:cNvSpPr/>
+          <p:nvPr/>
+        </p:nvSpPr>
+        <p:spPr>
+          <a:xfrm>
+            <a:off x="5986578" y="5331334"/>
+            <a:ext cx="2880000" cy="1080000"/>
+          </a:xfrm>
+          <a:prstGeom prst="rect">
+            <a:avLst/>
+          </a:prstGeom>
+          <a:solidFill>
+            <a:schemeClr val="accent3">
+              <a:lumMod val="60000"/>
+              <a:lumOff val="40000"/>
+            </a:schemeClr>
+          </a:solidFill>
+          <a:ln w="38100">
+            <a:solidFill>
+              <a:schemeClr val="tx2"/>
+            </a:solidFill>
+          </a:ln>
+          <a:effectLst/>
+        </p:spPr>
+        <p:style>
+          <a:lnRef idx="2">
+            <a:schemeClr val="accent1">
+              <a:shade val="50000"/>
+            </a:schemeClr>
+          </a:lnRef>
+          <a:fillRef idx="1">
+            <a:schemeClr val="accent1"/>
+          </a:fillRef>
+          <a:effectRef idx="0">
+            <a:schemeClr val="accent1"/>
+          </a:effectRef>
+          <a:fontRef idx="minor">
+            <a:schemeClr val="lt1"/>
+          </a:fontRef>
+        </p:style>
+        <p:txBody>
+          <a:bodyPr rtlCol="0" anchor="ctr"/>
+          <a:lstStyle/>
+          <a:p>
+            <a:pPr algn="ctr"/>
+            <a:r>
+              <a:rPr lang="en-US" sz="1800" b="1" dirty="0">
+                <a:latin typeface="Georgia" charset="0"/>
+                <a:ea typeface="Georgia" charset="0"/>
+                <a:cs typeface="Georgia" charset="0"/>
+              </a:rPr>
+              <a:t>M</a:t>
+            </a:r>
+            <a:r>
+              <a:rPr lang="en-US" sz="1800" b="1" dirty="0" smtClean="0">
+                <a:latin typeface="Georgia" charset="0"/>
+                <a:ea typeface="Georgia" charset="0"/>
+                <a:cs typeface="Georgia" charset="0"/>
+              </a:rPr>
+              <a:t>erge</a:t>
+            </a:r>
+            <a:endParaRPr lang="en-US" sz="1800" b="1" dirty="0">
+              <a:latin typeface="Georgia" charset="0"/>
+              <a:ea typeface="Georgia" charset="0"/>
+              <a:cs typeface="Georgia" charset="0"/>
+            </a:endParaRPr>
+          </a:p>
+        </p:txBody>
+      </p:sp>
+      <p:sp>
+        <p:nvSpPr>
+          <p:cNvPr id="20" name="Rectangle 19"/>
+          <p:cNvSpPr/>
+          <p:nvPr/>
+        </p:nvSpPr>
+        <p:spPr>
+          <a:xfrm>
+            <a:off x="13906578" y="5331334"/>
+            <a:ext cx="2880000" cy="1080000"/>
+          </a:xfrm>
+          <a:prstGeom prst="rect">
+            <a:avLst/>
+          </a:prstGeom>
+          <a:solidFill>
+            <a:schemeClr val="accent3">
+              <a:lumMod val="60000"/>
+              <a:lumOff val="40000"/>
+            </a:schemeClr>
+          </a:solidFill>
+          <a:ln w="38100">
+            <a:solidFill>
+              <a:schemeClr val="tx2"/>
+            </a:solidFill>
+          </a:ln>
+          <a:effectLst/>
+        </p:spPr>
+        <p:style>
+          <a:lnRef idx="2">
+            <a:schemeClr val="accent1">
+              <a:shade val="50000"/>
+            </a:schemeClr>
+          </a:lnRef>
+          <a:fillRef idx="1">
+            <a:schemeClr val="accent1"/>
+          </a:fillRef>
+          <a:effectRef idx="0">
+            <a:schemeClr val="accent1"/>
+          </a:effectRef>
+          <a:fontRef idx="minor">
+            <a:schemeClr val="lt1"/>
+          </a:fontRef>
+        </p:style>
+        <p:txBody>
+          <a:bodyPr rtlCol="0" anchor="ctr"/>
+          <a:lstStyle/>
+          <a:p>
+            <a:pPr algn="ctr"/>
+            <a:r>
+              <a:rPr lang="en-US" sz="1800" b="1" dirty="0">
+                <a:latin typeface="Georgia" charset="0"/>
+                <a:ea typeface="Georgia" charset="0"/>
+                <a:cs typeface="Georgia" charset="0"/>
+              </a:rPr>
+              <a:t>P</a:t>
+            </a:r>
+            <a:r>
+              <a:rPr lang="en-US" sz="1800" b="1" dirty="0" smtClean="0">
+                <a:latin typeface="Georgia" charset="0"/>
+                <a:ea typeface="Georgia" charset="0"/>
+                <a:cs typeface="Georgia" charset="0"/>
+              </a:rPr>
+              <a:t>artition</a:t>
+            </a:r>
+            <a:endParaRPr lang="en-US" sz="1800" b="1" dirty="0">
+              <a:latin typeface="Georgia" charset="0"/>
+              <a:ea typeface="Georgia" charset="0"/>
+              <a:cs typeface="Georgia" charset="0"/>
+            </a:endParaRPr>
+          </a:p>
+        </p:txBody>
+      </p:sp>
+      <p:sp>
+        <p:nvSpPr>
+          <p:cNvPr id="21" name="Rectangle 20"/>
+          <p:cNvSpPr/>
+          <p:nvPr/>
+        </p:nvSpPr>
+        <p:spPr>
+          <a:xfrm>
+            <a:off x="5986578" y="6611030"/>
+            <a:ext cx="10800000" cy="540000"/>
+          </a:xfrm>
+          <a:prstGeom prst="rect">
+            <a:avLst/>
+          </a:prstGeom>
+          <a:solidFill>
+            <a:schemeClr val="accent3"/>
+          </a:solidFill>
+          <a:ln w="38100">
+            <a:solidFill>
+              <a:schemeClr val="tx2"/>
+            </a:solidFill>
+          </a:ln>
+          <a:effectLst/>
+        </p:spPr>
+        <p:style>
+          <a:lnRef idx="2">
+            <a:schemeClr val="accent1">
+              <a:shade val="50000"/>
+            </a:schemeClr>
+          </a:lnRef>
+          <a:fillRef idx="1">
+            <a:schemeClr val="accent1"/>
+          </a:fillRef>
+          <a:effectRef idx="0">
+            <a:schemeClr val="accent1"/>
+          </a:effectRef>
+          <a:fontRef idx="minor">
+            <a:schemeClr val="lt1"/>
+          </a:fontRef>
+        </p:style>
+        <p:txBody>
+          <a:bodyPr rtlCol="0" anchor="ctr"/>
+          <a:lstStyle/>
+          <a:p>
+            <a:pPr algn="ctr"/>
+            <a:r>
+              <a:rPr lang="en-US" sz="1800" b="1" dirty="0" smtClean="0">
+                <a:latin typeface="Georgia" charset="0"/>
+                <a:ea typeface="Georgia" charset="0"/>
+                <a:cs typeface="Georgia" charset="0"/>
+              </a:rPr>
+              <a:t>Join</a:t>
+            </a:r>
+            <a:endParaRPr lang="en-US" sz="1800" b="1" dirty="0">
+              <a:latin typeface="Georgia" charset="0"/>
+              <a:ea typeface="Georgia" charset="0"/>
+              <a:cs typeface="Georgia" charset="0"/>
+            </a:endParaRPr>
+          </a:p>
+        </p:txBody>
+      </p:sp>
+      <p:cxnSp>
+        <p:nvCxnSpPr>
+          <p:cNvPr id="23" name="Straight Connector 22"/>
+          <p:cNvCxnSpPr>
+            <a:stCxn id="9" idx="2"/>
+            <a:endCxn id="19" idx="0"/>
+          </p:cNvCxnSpPr>
+          <p:nvPr/>
+        </p:nvCxnSpPr>
+        <p:spPr>
+          <a:xfrm>
+            <a:off x="7426578" y="5131638"/>
+            <a:ext cx="0" cy="199696"/>
+          </a:xfrm>
+          <a:prstGeom prst="line">
+            <a:avLst/>
+          </a:prstGeom>
+          <a:ln w="38100">
+            <a:solidFill>
+              <a:schemeClr val="tx2"/>
+            </a:solidFill>
+          </a:ln>
+        </p:spPr>
+        <p:style>
+          <a:lnRef idx="1">
+            <a:schemeClr val="accent1"/>
+          </a:lnRef>
+          <a:fillRef idx="0">
+            <a:schemeClr val="accent1"/>
+          </a:fillRef>
+          <a:effectRef idx="0">
+            <a:schemeClr val="accent1"/>
+          </a:effectRef>
+          <a:fontRef idx="minor">
+            <a:schemeClr val="tx1"/>
+          </a:fontRef>
+        </p:style>
+      </p:cxnSp>
+      <p:cxnSp>
+        <p:nvCxnSpPr>
+          <p:cNvPr id="25" name="Straight Connector 24"/>
+          <p:cNvCxnSpPr>
+            <a:stCxn id="12" idx="2"/>
+            <a:endCxn id="20" idx="0"/>
+          </p:cNvCxnSpPr>
+          <p:nvPr/>
+        </p:nvCxnSpPr>
+        <p:spPr>
+          <a:xfrm>
+            <a:off x="15346578" y="5131638"/>
+            <a:ext cx="0" cy="199696"/>
+          </a:xfrm>
+          <a:prstGeom prst="line">
+            <a:avLst/>
+          </a:prstGeom>
+          <a:ln w="38100">
+            <a:solidFill>
+              <a:schemeClr val="tx2"/>
+            </a:solidFill>
+          </a:ln>
+        </p:spPr>
+        <p:style>
+          <a:lnRef idx="1">
+            <a:schemeClr val="accent1"/>
+          </a:lnRef>
+          <a:fillRef idx="0">
+            <a:schemeClr val="accent1"/>
+          </a:fillRef>
+          <a:effectRef idx="0">
+            <a:schemeClr val="accent1"/>
+          </a:effectRef>
+          <a:fontRef idx="minor">
+            <a:schemeClr val="tx1"/>
+          </a:fontRef>
+        </p:style>
+      </p:cxnSp>
+      <p:cxnSp>
+        <p:nvCxnSpPr>
+          <p:cNvPr id="27" name="Straight Connector 26"/>
+          <p:cNvCxnSpPr>
+            <a:stCxn id="20" idx="2"/>
+          </p:cNvCxnSpPr>
+          <p:nvPr/>
+        </p:nvCxnSpPr>
+        <p:spPr>
+          <a:xfrm>
+            <a:off x="15346578" y="6411334"/>
+            <a:ext cx="0" cy="199696"/>
+          </a:xfrm>
+          <a:prstGeom prst="line">
+            <a:avLst/>
+          </a:prstGeom>
+          <a:ln w="38100">
+            <a:solidFill>
+              <a:schemeClr val="tx2"/>
+            </a:solidFill>
+          </a:ln>
+        </p:spPr>
+        <p:style>
+          <a:lnRef idx="1">
+            <a:schemeClr val="accent1"/>
+          </a:lnRef>
+          <a:fillRef idx="0">
+            <a:schemeClr val="accent1"/>
+          </a:fillRef>
+          <a:effectRef idx="0">
+            <a:schemeClr val="accent1"/>
+          </a:effectRef>
+          <a:fontRef idx="minor">
+            <a:schemeClr val="tx1"/>
+          </a:fontRef>
+        </p:style>
+      </p:cxnSp>
+      <p:cxnSp>
+        <p:nvCxnSpPr>
+          <p:cNvPr id="29" name="Straight Connector 28"/>
+          <p:cNvCxnSpPr>
+            <a:stCxn id="19" idx="2"/>
+          </p:cNvCxnSpPr>
+          <p:nvPr/>
+        </p:nvCxnSpPr>
+        <p:spPr>
+          <a:xfrm>
+            <a:off x="7426578" y="6411334"/>
+            <a:ext cx="0" cy="199696"/>
+          </a:xfrm>
+          <a:prstGeom prst="line">
+            <a:avLst/>
+          </a:prstGeom>
+          <a:ln w="38100">
+            <a:solidFill>
+              <a:schemeClr val="tx2"/>
+            </a:solidFill>
+          </a:ln>
+        </p:spPr>
+        <p:style>
+          <a:lnRef idx="1">
+            <a:schemeClr val="accent1"/>
+          </a:lnRef>
+          <a:fillRef idx="0">
+            <a:schemeClr val="accent1"/>
+          </a:fillRef>
+          <a:effectRef idx="0">
+            <a:schemeClr val="accent1"/>
+          </a:effectRef>
+          <a:fontRef idx="minor">
+            <a:schemeClr val="tx1"/>
+          </a:fontRef>
+        </p:style>
+      </p:cxnSp>
+      <p:cxnSp>
+        <p:nvCxnSpPr>
+          <p:cNvPr id="31" name="Straight Connector 30"/>
+          <p:cNvCxnSpPr>
+            <a:stCxn id="11" idx="2"/>
+            <a:endCxn id="21" idx="0"/>
+          </p:cNvCxnSpPr>
+          <p:nvPr/>
+        </p:nvCxnSpPr>
+        <p:spPr>
+          <a:xfrm>
+            <a:off x="11386578" y="5131638"/>
+            <a:ext cx="0" cy="1479392"/>
+          </a:xfrm>
+          <a:prstGeom prst="line">
+            <a:avLst/>
+          </a:prstGeom>
+          <a:ln w="38100">
+            <a:solidFill>
+              <a:schemeClr val="tx2"/>
+            </a:solidFill>
+          </a:ln>
+        </p:spPr>
+        <p:style>
+          <a:lnRef idx="1">
+            <a:schemeClr val="accent1"/>
+          </a:lnRef>
+          <a:fillRef idx="0">
+            <a:schemeClr val="accent1"/>
+          </a:fillRef>
+          <a:effectRef idx="0">
+            <a:schemeClr val="accent1"/>
+          </a:effectRef>
+          <a:fontRef idx="minor">
+            <a:schemeClr val="tx1"/>
+          </a:fontRef>
+        </p:style>
+      </p:cxnSp>
+      <p:sp>
+        <p:nvSpPr>
+          <p:cNvPr id="32" name="Rectangle 31"/>
+          <p:cNvSpPr/>
+          <p:nvPr/>
+        </p:nvSpPr>
+        <p:spPr>
+          <a:xfrm>
+            <a:off x="5986578" y="7350726"/>
+            <a:ext cx="10800000" cy="540000"/>
+          </a:xfrm>
+          <a:prstGeom prst="rect">
+            <a:avLst/>
+          </a:prstGeom>
+          <a:solidFill>
+            <a:schemeClr val="accent3"/>
+          </a:solidFill>
+          <a:ln w="38100">
+            <a:solidFill>
+              <a:schemeClr val="tx2"/>
+            </a:solidFill>
+          </a:ln>
+          <a:effectLst/>
+        </p:spPr>
+        <p:style>
+          <a:lnRef idx="2">
+            <a:schemeClr val="accent1">
+              <a:shade val="50000"/>
+            </a:schemeClr>
+          </a:lnRef>
+          <a:fillRef idx="1">
+            <a:schemeClr val="accent1"/>
+          </a:fillRef>
+          <a:effectRef idx="0">
+            <a:schemeClr val="accent1"/>
+          </a:effectRef>
+          <a:fontRef idx="minor">
+            <a:schemeClr val="lt1"/>
+          </a:fontRef>
+        </p:style>
+        <p:txBody>
+          <a:bodyPr rtlCol="0" anchor="ctr"/>
+          <a:lstStyle/>
+          <a:p>
+            <a:pPr algn="ctr"/>
+            <a:r>
+              <a:rPr lang="en-US" sz="1800" b="1" dirty="0" smtClean="0">
+                <a:latin typeface="Georgia" charset="0"/>
+                <a:ea typeface="Georgia" charset="0"/>
+                <a:cs typeface="Georgia" charset="0"/>
+              </a:rPr>
+              <a:t>Fork</a:t>
+            </a:r>
+            <a:endParaRPr lang="en-US" sz="1800" b="1" dirty="0">
+              <a:latin typeface="Georgia" charset="0"/>
+              <a:ea typeface="Georgia" charset="0"/>
+              <a:cs typeface="Georgia" charset="0"/>
+            </a:endParaRPr>
+          </a:p>
+        </p:txBody>
+      </p:sp>
+      <p:sp>
+        <p:nvSpPr>
+          <p:cNvPr id="33" name="Rectangle 32"/>
+          <p:cNvSpPr/>
+          <p:nvPr/>
+        </p:nvSpPr>
+        <p:spPr>
+          <a:xfrm>
+            <a:off x="7876578" y="8090422"/>
+            <a:ext cx="2880000" cy="1080000"/>
+          </a:xfrm>
+          <a:prstGeom prst="rect">
+            <a:avLst/>
+          </a:prstGeom>
+          <a:solidFill>
+            <a:schemeClr val="accent2"/>
+          </a:solidFill>
+          <a:ln w="38100">
+            <a:solidFill>
+              <a:schemeClr val="tx2"/>
+            </a:solidFill>
+          </a:ln>
+          <a:effectLst/>
+        </p:spPr>
+        <p:style>
+          <a:lnRef idx="2">
+            <a:schemeClr val="accent1">
+              <a:shade val="50000"/>
+            </a:schemeClr>
+          </a:lnRef>
+          <a:fillRef idx="1">
+            <a:schemeClr val="accent1"/>
+          </a:fillRef>
+          <a:effectRef idx="0">
+            <a:schemeClr val="accent1"/>
+          </a:effectRef>
+          <a:fontRef idx="minor">
+            <a:schemeClr val="lt1"/>
+          </a:fontRef>
+        </p:style>
+        <p:txBody>
+          <a:bodyPr rtlCol="0" anchor="ctr"/>
+          <a:lstStyle/>
+          <a:p>
+            <a:pPr algn="ctr"/>
+            <a:r>
+              <a:rPr lang="en-US" sz="1800" b="1" dirty="0" smtClean="0">
+                <a:latin typeface="Georgia" charset="0"/>
+                <a:ea typeface="Georgia" charset="0"/>
+                <a:cs typeface="Georgia" charset="0"/>
+              </a:rPr>
+              <a:t>TABLE1 count</a:t>
+            </a:r>
+            <a:endParaRPr lang="en-US" sz="1800" b="1" dirty="0">
+              <a:latin typeface="Georgia" charset="0"/>
+              <a:ea typeface="Georgia" charset="0"/>
+              <a:cs typeface="Georgia" charset="0"/>
+            </a:endParaRPr>
+          </a:p>
+        </p:txBody>
+      </p:sp>
+      <p:sp>
+        <p:nvSpPr>
+          <p:cNvPr id="34" name="Rectangle 33"/>
+          <p:cNvSpPr/>
+          <p:nvPr/>
+        </p:nvSpPr>
+        <p:spPr>
+          <a:xfrm>
+            <a:off x="12016578" y="8090422"/>
+            <a:ext cx="2880000" cy="1080000"/>
+          </a:xfrm>
+          <a:prstGeom prst="rect">
+            <a:avLst/>
+          </a:prstGeom>
+          <a:solidFill>
+            <a:schemeClr val="accent2"/>
+          </a:solidFill>
+          <a:ln w="38100">
+            <a:solidFill>
+              <a:schemeClr val="tx2"/>
+            </a:solidFill>
+          </a:ln>
+          <a:effectLst/>
+        </p:spPr>
+        <p:style>
+          <a:lnRef idx="2">
+            <a:schemeClr val="accent1">
+              <a:shade val="50000"/>
+            </a:schemeClr>
+          </a:lnRef>
+          <a:fillRef idx="1">
+            <a:schemeClr val="accent1"/>
+          </a:fillRef>
+          <a:effectRef idx="0">
+            <a:schemeClr val="accent1"/>
+          </a:effectRef>
+          <a:fontRef idx="minor">
+            <a:schemeClr val="lt1"/>
+          </a:fontRef>
+        </p:style>
+        <p:txBody>
+          <a:bodyPr rtlCol="0" anchor="ctr"/>
+          <a:lstStyle/>
+          <a:p>
+            <a:pPr algn="ctr"/>
+            <a:r>
+              <a:rPr lang="en-US" sz="1800" b="1" dirty="0" smtClean="0">
+                <a:latin typeface="Georgia" charset="0"/>
+                <a:ea typeface="Georgia" charset="0"/>
+                <a:cs typeface="Georgia" charset="0"/>
+              </a:rPr>
+              <a:t>TABLE2-3 </a:t>
+            </a:r>
+            <a:r>
+              <a:rPr lang="en-US" sz="1800" b="1" dirty="0" smtClean="0">
+                <a:latin typeface="Georgia" charset="0"/>
+                <a:ea typeface="Georgia" charset="0"/>
+                <a:cs typeface="Georgia" charset="0"/>
+              </a:rPr>
+              <a:t>average</a:t>
+            </a:r>
+            <a:endParaRPr lang="en-US" sz="1800" b="1" dirty="0">
+              <a:latin typeface="Georgia" charset="0"/>
+              <a:ea typeface="Georgia" charset="0"/>
+              <a:cs typeface="Georgia" charset="0"/>
+            </a:endParaRPr>
+          </a:p>
+        </p:txBody>
+      </p:sp>
+      <p:sp>
+        <p:nvSpPr>
+          <p:cNvPr id="35" name="Rectangle 34"/>
+          <p:cNvSpPr/>
+          <p:nvPr/>
+        </p:nvSpPr>
+        <p:spPr>
+          <a:xfrm>
+            <a:off x="5986578" y="9370118"/>
+            <a:ext cx="10800000" cy="540000"/>
+          </a:xfrm>
+          <a:prstGeom prst="rect">
+            <a:avLst/>
+          </a:prstGeom>
+          <a:solidFill>
+            <a:schemeClr val="accent3"/>
+          </a:solidFill>
+          <a:ln w="38100">
+            <a:solidFill>
+              <a:schemeClr val="tx2"/>
+            </a:solidFill>
+          </a:ln>
+          <a:effectLst/>
+        </p:spPr>
+        <p:style>
+          <a:lnRef idx="2">
+            <a:schemeClr val="accent1">
+              <a:shade val="50000"/>
+            </a:schemeClr>
+          </a:lnRef>
+          <a:fillRef idx="1">
+            <a:schemeClr val="accent1"/>
+          </a:fillRef>
+          <a:effectRef idx="0">
+            <a:schemeClr val="accent1"/>
+          </a:effectRef>
+          <a:fontRef idx="minor">
+            <a:schemeClr val="lt1"/>
+          </a:fontRef>
+        </p:style>
+        <p:txBody>
+          <a:bodyPr rtlCol="0" anchor="ctr"/>
+          <a:lstStyle/>
+          <a:p>
+            <a:pPr algn="ctr"/>
+            <a:r>
+              <a:rPr lang="en-US" sz="1800" b="1" dirty="0" smtClean="0">
+                <a:latin typeface="Georgia" charset="0"/>
+                <a:ea typeface="Georgia" charset="0"/>
+                <a:cs typeface="Georgia" charset="0"/>
+              </a:rPr>
+              <a:t>Join</a:t>
+            </a:r>
+            <a:endParaRPr lang="en-US" sz="1800" b="1" dirty="0">
+              <a:latin typeface="Georgia" charset="0"/>
+              <a:ea typeface="Georgia" charset="0"/>
+              <a:cs typeface="Georgia" charset="0"/>
+            </a:endParaRPr>
+          </a:p>
+        </p:txBody>
+      </p:sp>
+      <p:sp>
+        <p:nvSpPr>
+          <p:cNvPr id="36" name="Rectangle 35"/>
+          <p:cNvSpPr/>
+          <p:nvPr/>
+        </p:nvSpPr>
+        <p:spPr>
+          <a:xfrm>
+            <a:off x="5986578" y="10133248"/>
+            <a:ext cx="10800000" cy="540000"/>
+          </a:xfrm>
+          <a:prstGeom prst="rect">
+            <a:avLst/>
+          </a:prstGeom>
+          <a:solidFill>
+            <a:schemeClr val="accent3"/>
+          </a:solidFill>
+          <a:ln w="38100">
+            <a:solidFill>
+              <a:schemeClr val="tx2"/>
+            </a:solidFill>
+          </a:ln>
+          <a:effectLst/>
+        </p:spPr>
+        <p:style>
+          <a:lnRef idx="2">
+            <a:schemeClr val="accent1">
+              <a:shade val="50000"/>
+            </a:schemeClr>
+          </a:lnRef>
+          <a:fillRef idx="1">
+            <a:schemeClr val="accent1"/>
+          </a:fillRef>
+          <a:effectRef idx="0">
+            <a:schemeClr val="accent1"/>
+          </a:effectRef>
+          <a:fontRef idx="minor">
+            <a:schemeClr val="lt1"/>
+          </a:fontRef>
+        </p:style>
+        <p:txBody>
+          <a:bodyPr rtlCol="0" anchor="ctr"/>
+          <a:lstStyle/>
+          <a:p>
+            <a:pPr algn="ctr"/>
+            <a:r>
+              <a:rPr lang="en-US" sz="1800" b="1" dirty="0" smtClean="0">
+                <a:latin typeface="Georgia" charset="0"/>
+                <a:ea typeface="Georgia" charset="0"/>
+                <a:cs typeface="Georgia" charset="0"/>
+              </a:rPr>
+              <a:t>Fork</a:t>
+            </a:r>
+            <a:endParaRPr lang="en-US" sz="1800" b="1" dirty="0">
+              <a:latin typeface="Georgia" charset="0"/>
+              <a:ea typeface="Georgia" charset="0"/>
+              <a:cs typeface="Georgia" charset="0"/>
+            </a:endParaRPr>
+          </a:p>
+        </p:txBody>
+      </p:sp>
+      <p:sp>
+        <p:nvSpPr>
+          <p:cNvPr id="37" name="Rectangle 36"/>
+          <p:cNvSpPr/>
+          <p:nvPr/>
+        </p:nvSpPr>
+        <p:spPr>
+          <a:xfrm>
+            <a:off x="7876578" y="10896378"/>
+            <a:ext cx="2880000" cy="1080000"/>
+          </a:xfrm>
+          <a:prstGeom prst="rect">
+            <a:avLst/>
+          </a:prstGeom>
+          <a:solidFill>
+            <a:schemeClr val="accent2"/>
+          </a:solidFill>
+          <a:ln w="38100">
+            <a:solidFill>
+              <a:schemeClr val="tx2"/>
+            </a:solidFill>
+          </a:ln>
+          <a:effectLst/>
+        </p:spPr>
+        <p:style>
+          <a:lnRef idx="2">
+            <a:schemeClr val="accent1">
+              <a:shade val="50000"/>
+            </a:schemeClr>
+          </a:lnRef>
+          <a:fillRef idx="1">
+            <a:schemeClr val="accent1"/>
+          </a:fillRef>
+          <a:effectRef idx="0">
+            <a:schemeClr val="accent1"/>
+          </a:effectRef>
+          <a:fontRef idx="minor">
+            <a:schemeClr val="lt1"/>
+          </a:fontRef>
+        </p:style>
+        <p:txBody>
+          <a:bodyPr rtlCol="0" anchor="ctr"/>
+          <a:lstStyle/>
+          <a:p>
+            <a:pPr algn="ctr"/>
+            <a:r>
+              <a:rPr lang="en-US" sz="1800" b="1" dirty="0" err="1" smtClean="0">
+                <a:latin typeface="Georgia" charset="0"/>
+                <a:ea typeface="Georgia" charset="0"/>
+                <a:cs typeface="Georgia" charset="0"/>
+              </a:rPr>
+              <a:t>Sqoop</a:t>
+            </a:r>
+            <a:r>
+              <a:rPr lang="en-US" sz="1800" b="1" dirty="0" smtClean="0">
+                <a:latin typeface="Georgia" charset="0"/>
+                <a:ea typeface="Georgia" charset="0"/>
+                <a:cs typeface="Georgia" charset="0"/>
+              </a:rPr>
+              <a:t> export </a:t>
+            </a:r>
+          </a:p>
+          <a:p>
+            <a:pPr algn="ctr"/>
+            <a:r>
+              <a:rPr lang="en-US" sz="1800" b="1" dirty="0" smtClean="0">
+                <a:latin typeface="Georgia" charset="0"/>
+                <a:ea typeface="Georgia" charset="0"/>
+                <a:cs typeface="Georgia" charset="0"/>
+              </a:rPr>
+              <a:t>TABLE1 count</a:t>
+            </a:r>
+            <a:endParaRPr lang="en-US" sz="1800" b="1" dirty="0">
+              <a:latin typeface="Georgia" charset="0"/>
+              <a:ea typeface="Georgia" charset="0"/>
+              <a:cs typeface="Georgia" charset="0"/>
+            </a:endParaRPr>
+          </a:p>
+        </p:txBody>
+      </p:sp>
+      <p:sp>
+        <p:nvSpPr>
+          <p:cNvPr id="38" name="Rectangle 37"/>
+          <p:cNvSpPr/>
+          <p:nvPr/>
+        </p:nvSpPr>
+        <p:spPr>
+          <a:xfrm>
+            <a:off x="12016578" y="10896378"/>
+            <a:ext cx="2880000" cy="1080000"/>
+          </a:xfrm>
+          <a:prstGeom prst="rect">
+            <a:avLst/>
+          </a:prstGeom>
+          <a:solidFill>
+            <a:schemeClr val="accent2"/>
+          </a:solidFill>
+          <a:ln w="38100">
+            <a:solidFill>
+              <a:schemeClr val="tx2"/>
+            </a:solidFill>
+          </a:ln>
+          <a:effectLst/>
+        </p:spPr>
+        <p:style>
+          <a:lnRef idx="2">
+            <a:schemeClr val="accent1">
+              <a:shade val="50000"/>
+            </a:schemeClr>
+          </a:lnRef>
+          <a:fillRef idx="1">
+            <a:schemeClr val="accent1"/>
+          </a:fillRef>
+          <a:effectRef idx="0">
+            <a:schemeClr val="accent1"/>
+          </a:effectRef>
+          <a:fontRef idx="minor">
+            <a:schemeClr val="lt1"/>
+          </a:fontRef>
+        </p:style>
+        <p:txBody>
+          <a:bodyPr rtlCol="0" anchor="ctr"/>
+          <a:lstStyle/>
+          <a:p>
+            <a:pPr algn="ctr"/>
+            <a:r>
+              <a:rPr lang="en-US" sz="1800" b="1" dirty="0" err="1" smtClean="0">
+                <a:latin typeface="Georgia" charset="0"/>
+                <a:ea typeface="Georgia" charset="0"/>
+                <a:cs typeface="Georgia" charset="0"/>
+              </a:rPr>
+              <a:t>Sqoop</a:t>
+            </a:r>
+            <a:r>
+              <a:rPr lang="en-US" sz="1800" b="1" dirty="0" smtClean="0">
+                <a:latin typeface="Georgia" charset="0"/>
+                <a:ea typeface="Georgia" charset="0"/>
+                <a:cs typeface="Georgia" charset="0"/>
+              </a:rPr>
+              <a:t> export </a:t>
+            </a:r>
+          </a:p>
+          <a:p>
+            <a:pPr algn="ctr"/>
+            <a:r>
+              <a:rPr lang="en-US" sz="1800" b="1" dirty="0" smtClean="0">
+                <a:latin typeface="Georgia" charset="0"/>
+                <a:ea typeface="Georgia" charset="0"/>
+                <a:cs typeface="Georgia" charset="0"/>
+              </a:rPr>
+              <a:t>TABLE2-3 </a:t>
+            </a:r>
+            <a:r>
+              <a:rPr lang="en-US" sz="1800" b="1" dirty="0" smtClean="0">
+                <a:latin typeface="Georgia" charset="0"/>
+                <a:ea typeface="Georgia" charset="0"/>
+                <a:cs typeface="Georgia" charset="0"/>
+              </a:rPr>
+              <a:t>average</a:t>
+            </a:r>
+            <a:endParaRPr lang="en-US" sz="1800" b="1" dirty="0">
+              <a:latin typeface="Georgia" charset="0"/>
+              <a:ea typeface="Georgia" charset="0"/>
+              <a:cs typeface="Georgia" charset="0"/>
+            </a:endParaRPr>
+          </a:p>
+        </p:txBody>
+      </p:sp>
+      <p:cxnSp>
+        <p:nvCxnSpPr>
+          <p:cNvPr id="40" name="Straight Connector 39"/>
+          <p:cNvCxnSpPr>
+            <a:stCxn id="33" idx="0"/>
+          </p:cNvCxnSpPr>
+          <p:nvPr/>
+        </p:nvCxnSpPr>
+        <p:spPr>
+          <a:xfrm flipV="1">
+            <a:off x="9316578" y="7890726"/>
+            <a:ext cx="0" cy="199696"/>
+          </a:xfrm>
+          <a:prstGeom prst="line">
+            <a:avLst/>
+          </a:prstGeom>
+          <a:ln w="38100">
+            <a:solidFill>
+              <a:schemeClr val="tx2"/>
+            </a:solidFill>
+          </a:ln>
+        </p:spPr>
+        <p:style>
+          <a:lnRef idx="1">
+            <a:schemeClr val="accent1"/>
+          </a:lnRef>
+          <a:fillRef idx="0">
+            <a:schemeClr val="accent1"/>
+          </a:fillRef>
+          <a:effectRef idx="0">
+            <a:schemeClr val="accent1"/>
+          </a:effectRef>
+          <a:fontRef idx="minor">
+            <a:schemeClr val="tx1"/>
+          </a:fontRef>
+        </p:style>
+      </p:cxnSp>
+      <p:cxnSp>
+        <p:nvCxnSpPr>
+          <p:cNvPr id="42" name="Straight Connector 41"/>
+          <p:cNvCxnSpPr>
+            <a:stCxn id="34" idx="0"/>
+          </p:cNvCxnSpPr>
+          <p:nvPr/>
+        </p:nvCxnSpPr>
+        <p:spPr>
+          <a:xfrm flipV="1">
+            <a:off x="13456578" y="7890726"/>
+            <a:ext cx="0" cy="199696"/>
+          </a:xfrm>
+          <a:prstGeom prst="line">
+            <a:avLst/>
+          </a:prstGeom>
+          <a:ln w="38100">
+            <a:solidFill>
+              <a:schemeClr val="tx2"/>
+            </a:solidFill>
+          </a:ln>
+        </p:spPr>
+        <p:style>
+          <a:lnRef idx="1">
+            <a:schemeClr val="accent1"/>
+          </a:lnRef>
+          <a:fillRef idx="0">
+            <a:schemeClr val="accent1"/>
+          </a:fillRef>
+          <a:effectRef idx="0">
+            <a:schemeClr val="accent1"/>
+          </a:effectRef>
+          <a:fontRef idx="minor">
+            <a:schemeClr val="tx1"/>
+          </a:fontRef>
+        </p:style>
+      </p:cxnSp>
+      <p:cxnSp>
+        <p:nvCxnSpPr>
+          <p:cNvPr id="44" name="Straight Connector 43"/>
+          <p:cNvCxnSpPr>
+            <a:stCxn id="33" idx="2"/>
+          </p:cNvCxnSpPr>
+          <p:nvPr/>
+        </p:nvCxnSpPr>
+        <p:spPr>
+          <a:xfrm>
+            <a:off x="9316578" y="9170422"/>
+            <a:ext cx="0" cy="199696"/>
+          </a:xfrm>
+          <a:prstGeom prst="line">
+            <a:avLst/>
+          </a:prstGeom>
+          <a:ln w="38100">
+            <a:solidFill>
+              <a:schemeClr val="tx2"/>
+            </a:solidFill>
+          </a:ln>
+        </p:spPr>
+        <p:style>
+          <a:lnRef idx="1">
+            <a:schemeClr val="accent1"/>
+          </a:lnRef>
+          <a:fillRef idx="0">
+            <a:schemeClr val="accent1"/>
+          </a:fillRef>
+          <a:effectRef idx="0">
+            <a:schemeClr val="accent1"/>
+          </a:effectRef>
+          <a:fontRef idx="minor">
+            <a:schemeClr val="tx1"/>
+          </a:fontRef>
+        </p:style>
+      </p:cxnSp>
+      <p:cxnSp>
+        <p:nvCxnSpPr>
+          <p:cNvPr id="46" name="Straight Connector 45"/>
+          <p:cNvCxnSpPr>
+            <a:stCxn id="34" idx="2"/>
+          </p:cNvCxnSpPr>
+          <p:nvPr/>
+        </p:nvCxnSpPr>
+        <p:spPr>
+          <a:xfrm>
+            <a:off x="13456578" y="9170422"/>
+            <a:ext cx="0" cy="199696"/>
+          </a:xfrm>
+          <a:prstGeom prst="line">
+            <a:avLst/>
+          </a:prstGeom>
+          <a:ln w="38100">
+            <a:solidFill>
+              <a:schemeClr val="tx2"/>
+            </a:solidFill>
+          </a:ln>
+        </p:spPr>
+        <p:style>
+          <a:lnRef idx="1">
+            <a:schemeClr val="accent1"/>
+          </a:lnRef>
+          <a:fillRef idx="0">
+            <a:schemeClr val="accent1"/>
+          </a:fillRef>
+          <a:effectRef idx="0">
+            <a:schemeClr val="accent1"/>
+          </a:effectRef>
+          <a:fontRef idx="minor">
+            <a:schemeClr val="tx1"/>
+          </a:fontRef>
+        </p:style>
+      </p:cxnSp>
+      <p:cxnSp>
+        <p:nvCxnSpPr>
+          <p:cNvPr id="48" name="Straight Connector 47"/>
+          <p:cNvCxnSpPr>
+            <a:stCxn id="35" idx="2"/>
+            <a:endCxn id="36" idx="0"/>
+          </p:cNvCxnSpPr>
+          <p:nvPr/>
+        </p:nvCxnSpPr>
+        <p:spPr>
+          <a:xfrm>
+            <a:off x="11386578" y="9910118"/>
+            <a:ext cx="0" cy="223130"/>
+          </a:xfrm>
+          <a:prstGeom prst="line">
+            <a:avLst/>
+          </a:prstGeom>
+          <a:ln w="38100">
+            <a:solidFill>
+              <a:schemeClr val="tx2"/>
+            </a:solidFill>
+          </a:ln>
+        </p:spPr>
+        <p:style>
+          <a:lnRef idx="1">
+            <a:schemeClr val="accent1"/>
+          </a:lnRef>
+          <a:fillRef idx="0">
+            <a:schemeClr val="accent1"/>
+          </a:fillRef>
+          <a:effectRef idx="0">
+            <a:schemeClr val="accent1"/>
+          </a:effectRef>
+          <a:fontRef idx="minor">
+            <a:schemeClr val="tx1"/>
+          </a:fontRef>
+        </p:style>
+      </p:cxnSp>
+      <p:cxnSp>
+        <p:nvCxnSpPr>
+          <p:cNvPr id="52" name="Straight Connector 51"/>
+          <p:cNvCxnSpPr>
+            <a:stCxn id="37" idx="0"/>
+          </p:cNvCxnSpPr>
+          <p:nvPr/>
+        </p:nvCxnSpPr>
+        <p:spPr>
+          <a:xfrm flipV="1">
+            <a:off x="9316578" y="10673248"/>
+            <a:ext cx="0" cy="223130"/>
+          </a:xfrm>
+          <a:prstGeom prst="line">
+            <a:avLst/>
+          </a:prstGeom>
+          <a:ln w="38100">
+            <a:solidFill>
+              <a:schemeClr val="tx2"/>
+            </a:solidFill>
+          </a:ln>
+        </p:spPr>
+        <p:style>
+          <a:lnRef idx="1">
+            <a:schemeClr val="accent1"/>
+          </a:lnRef>
+          <a:fillRef idx="0">
+            <a:schemeClr val="accent1"/>
+          </a:fillRef>
+          <a:effectRef idx="0">
+            <a:schemeClr val="accent1"/>
+          </a:effectRef>
+          <a:fontRef idx="minor">
+            <a:schemeClr val="tx1"/>
+          </a:fontRef>
+        </p:style>
+      </p:cxnSp>
+      <p:cxnSp>
+        <p:nvCxnSpPr>
+          <p:cNvPr id="54" name="Straight Connector 53"/>
+          <p:cNvCxnSpPr>
+            <a:stCxn id="38" idx="0"/>
+          </p:cNvCxnSpPr>
+          <p:nvPr/>
+        </p:nvCxnSpPr>
+        <p:spPr>
+          <a:xfrm flipV="1">
+            <a:off x="13456578" y="10673248"/>
+            <a:ext cx="0" cy="223130"/>
+          </a:xfrm>
+          <a:prstGeom prst="line">
+            <a:avLst/>
+          </a:prstGeom>
+          <a:ln w="38100">
+            <a:solidFill>
+              <a:schemeClr val="tx2"/>
+            </a:solidFill>
+          </a:ln>
+        </p:spPr>
+        <p:style>
+          <a:lnRef idx="1">
+            <a:schemeClr val="accent1"/>
+          </a:lnRef>
+          <a:fillRef idx="0">
+            <a:schemeClr val="accent1"/>
+          </a:fillRef>
+          <a:effectRef idx="0">
+            <a:schemeClr val="accent1"/>
+          </a:effectRef>
+          <a:fontRef idx="minor">
+            <a:schemeClr val="tx1"/>
+          </a:fontRef>
+        </p:style>
+      </p:cxnSp>
+    </p:spTree>
+    <p:extLst>
+      <p:ext uri="{BB962C8B-B14F-4D97-AF65-F5344CB8AC3E}">
+        <p14:creationId xmlns:p14="http://schemas.microsoft.com/office/powerpoint/2010/main" val="1878268103"/>
+      </p:ext>
+    </p:extLst>
+  </p:cSld>
+  <p:clrMapOvr>
+    <a:masterClrMapping/>
+  </p:clrMapOvr>
+  <mc:AlternateContent xmlns:mc="http://schemas.openxmlformats.org/markup-compatibility/2006" xmlns:p14="http://schemas.microsoft.com/office/powerpoint/2010/main">
+    <mc:Choice Requires="p14">
+      <p:transition spd="slow" p14:dur="1500" advClick="0" advTm="3000">
+        <p14:reveal/>
+      </p:transition>
+    </mc:Choice>
+    <mc:Fallback xmlns="">
+      <p:transition xmlns:p14="http://schemas.microsoft.com/office/powerpoint/2010/main" spd="slow" advClick="0" advTm="3000">
+        <p:fade/>
+      </p:transition>
+    </mc:Fallback>
+  </mc:AlternateContent>
+  <p:timing>
+    <p:tnLst>
+      <p:par>
+        <p:cTn id="1" dur="indefinite" restart="never" nodeType="tmRoot"/>
+      </p:par>
+    </p:tnLst>
+  </p:timing>
 </p:sld>
 </file>
 

--- a/graphics/pp_diagrams.pptx
+++ b/graphics/pp_diagrams.pptx
@@ -5,10 +5,10 @@
     <p:sldMasterId id="2147483648" r:id="rId1"/>
   </p:sldMasterIdLst>
   <p:notesMasterIdLst>
-    <p:notesMasterId r:id="rId7"/>
+    <p:notesMasterId r:id="rId8"/>
   </p:notesMasterIdLst>
   <p:handoutMasterIdLst>
-    <p:handoutMasterId r:id="rId8"/>
+    <p:handoutMasterId r:id="rId9"/>
   </p:handoutMasterIdLst>
   <p:sldIdLst>
     <p:sldId id="671" r:id="rId2"/>
@@ -16,6 +16,7 @@
     <p:sldId id="673" r:id="rId4"/>
     <p:sldId id="674" r:id="rId5"/>
     <p:sldId id="675" r:id="rId6"/>
+    <p:sldId id="676" r:id="rId7"/>
   </p:sldIdLst>
   <p:sldSz cx="24377650" cy="13716000"/>
   <p:notesSz cx="6858000" cy="9144000"/>
@@ -8576,15 +8577,7 @@
                 <a:ea typeface="Georgia" charset="0"/>
                 <a:cs typeface="Georgia" charset="0"/>
               </a:rPr>
-              <a:t>TABLE2-3 </a:t>
-            </a:r>
-            <a:r>
-              <a:rPr lang="en-US" sz="1800" b="1" dirty="0" smtClean="0">
-                <a:latin typeface="Georgia" charset="0"/>
-                <a:ea typeface="Georgia" charset="0"/>
-                <a:cs typeface="Georgia" charset="0"/>
-              </a:rPr>
-              <a:t>average</a:t>
+              <a:t>TABLE2-3 average</a:t>
             </a:r>
             <a:endParaRPr lang="en-US" sz="1800" b="1" dirty="0">
               <a:latin typeface="Georgia" charset="0"/>
@@ -8866,15 +8859,7 @@
                 <a:ea typeface="Georgia" charset="0"/>
                 <a:cs typeface="Georgia" charset="0"/>
               </a:rPr>
-              <a:t>TABLE2-3 </a:t>
-            </a:r>
-            <a:r>
-              <a:rPr lang="en-US" sz="1800" b="1" dirty="0" smtClean="0">
-                <a:latin typeface="Georgia" charset="0"/>
-                <a:ea typeface="Georgia" charset="0"/>
-                <a:cs typeface="Georgia" charset="0"/>
-              </a:rPr>
-              <a:t>average</a:t>
+              <a:t>TABLE2-3 average</a:t>
             </a:r>
             <a:endParaRPr lang="en-US" sz="1800" b="1" dirty="0">
               <a:latin typeface="Georgia" charset="0"/>
@@ -9173,6 +9158,1273 @@
       </p:par>
     </p:tnLst>
   </p:timing>
+</p:sld>
+</file>
+
+<file path=ppt/slides/slide6.xml><?xml version="1.0" encoding="utf-8"?>
+<p:sld xmlns:a="http://schemas.openxmlformats.org/drawingml/2006/main" xmlns:r="http://schemas.openxmlformats.org/officeDocument/2006/relationships" xmlns:p="http://schemas.openxmlformats.org/presentationml/2006/main">
+  <p:cSld>
+    <p:spTree>
+      <p:nvGrpSpPr>
+        <p:cNvPr id="1" name=""/>
+        <p:cNvGrpSpPr/>
+        <p:nvPr/>
+      </p:nvGrpSpPr>
+      <p:grpSpPr>
+        <a:xfrm>
+          <a:off x="0" y="0"/>
+          <a:ext cx="0" cy="0"/>
+          <a:chOff x="0" y="0"/>
+          <a:chExt cx="0" cy="0"/>
+        </a:xfrm>
+      </p:grpSpPr>
+      <p:sp>
+        <p:nvSpPr>
+          <p:cNvPr id="3" name="TextBox 2"/>
+          <p:cNvSpPr txBox="1"/>
+          <p:nvPr/>
+        </p:nvSpPr>
+        <p:spPr>
+          <a:xfrm>
+            <a:off x="4988825" y="483017"/>
+            <a:ext cx="14400000" cy="1169533"/>
+          </a:xfrm>
+          <a:prstGeom prst="rect">
+            <a:avLst/>
+          </a:prstGeom>
+          <a:noFill/>
+        </p:spPr>
+        <p:txBody>
+          <a:bodyPr wrap="square" lIns="91422" tIns="45711" rIns="91422" bIns="45711" rtlCol="0">
+            <a:spAutoFit/>
+          </a:bodyPr>
+          <a:lstStyle/>
+          <a:p>
+            <a:pPr algn="ctr"/>
+            <a:r>
+              <a:rPr lang="en-US" sz="7000" b="1" dirty="0" smtClean="0"/>
+              <a:t>diagram_lambda_model1</a:t>
+            </a:r>
+            <a:endParaRPr lang="id-ID" sz="7000" b="1" dirty="0">
+              <a:solidFill>
+                <a:schemeClr val="tx2"/>
+              </a:solidFill>
+              <a:latin typeface="Lato Regular"/>
+              <a:cs typeface="Lato Regular"/>
+            </a:endParaRPr>
+          </a:p>
+        </p:txBody>
+      </p:sp>
+      <p:sp>
+        <p:nvSpPr>
+          <p:cNvPr id="4" name="Oval 3"/>
+          <p:cNvSpPr/>
+          <p:nvPr/>
+        </p:nvSpPr>
+        <p:spPr>
+          <a:xfrm>
+            <a:off x="457087" y="6541477"/>
+            <a:ext cx="1440000" cy="1440000"/>
+          </a:xfrm>
+          <a:prstGeom prst="ellipse">
+            <a:avLst/>
+          </a:prstGeom>
+          <a:solidFill>
+            <a:schemeClr val="tx2">
+              <a:lumMod val="60000"/>
+              <a:lumOff val="40000"/>
+            </a:schemeClr>
+          </a:solidFill>
+          <a:ln w="38100">
+            <a:solidFill>
+              <a:schemeClr val="tx2"/>
+            </a:solidFill>
+          </a:ln>
+        </p:spPr>
+        <p:style>
+          <a:lnRef idx="2">
+            <a:schemeClr val="accent1">
+              <a:shade val="50000"/>
+            </a:schemeClr>
+          </a:lnRef>
+          <a:fillRef idx="1">
+            <a:schemeClr val="accent1"/>
+          </a:fillRef>
+          <a:effectRef idx="0">
+            <a:schemeClr val="accent1"/>
+          </a:effectRef>
+          <a:fontRef idx="minor">
+            <a:schemeClr val="lt1"/>
+          </a:fontRef>
+        </p:style>
+        <p:txBody>
+          <a:bodyPr rtlCol="0" anchor="ctr"/>
+          <a:lstStyle/>
+          <a:p>
+            <a:pPr algn="ctr"/>
+            <a:r>
+              <a:rPr lang="en-US" sz="1800" b="1" dirty="0" smtClean="0">
+                <a:latin typeface="Georgia" charset="0"/>
+                <a:ea typeface="Georgia" charset="0"/>
+                <a:cs typeface="Georgia" charset="0"/>
+              </a:rPr>
+              <a:t>New Data</a:t>
+            </a:r>
+            <a:endParaRPr lang="en-US" sz="1800" b="1" dirty="0" smtClean="0">
+              <a:latin typeface="Georgia" charset="0"/>
+              <a:ea typeface="Georgia" charset="0"/>
+              <a:cs typeface="Georgia" charset="0"/>
+            </a:endParaRPr>
+          </a:p>
+        </p:txBody>
+      </p:sp>
+      <p:sp>
+        <p:nvSpPr>
+          <p:cNvPr id="5" name="Rounded Rectangle 4"/>
+          <p:cNvSpPr/>
+          <p:nvPr/>
+        </p:nvSpPr>
+        <p:spPr>
+          <a:xfrm>
+            <a:off x="2935347" y="2624325"/>
+            <a:ext cx="6840000" cy="4519922"/>
+          </a:xfrm>
+          <a:prstGeom prst="roundRect">
+            <a:avLst/>
+          </a:prstGeom>
+          <a:solidFill>
+            <a:schemeClr val="accent3"/>
+          </a:solidFill>
+          <a:ln w="38100">
+            <a:solidFill>
+              <a:schemeClr val="tx1"/>
+            </a:solidFill>
+          </a:ln>
+        </p:spPr>
+        <p:style>
+          <a:lnRef idx="2">
+            <a:schemeClr val="accent1">
+              <a:shade val="50000"/>
+            </a:schemeClr>
+          </a:lnRef>
+          <a:fillRef idx="1">
+            <a:schemeClr val="accent1"/>
+          </a:fillRef>
+          <a:effectRef idx="0">
+            <a:schemeClr val="accent1"/>
+          </a:effectRef>
+          <a:fontRef idx="minor">
+            <a:schemeClr val="lt1"/>
+          </a:fontRef>
+        </p:style>
+        <p:txBody>
+          <a:bodyPr rtlCol="0" anchor="ctr"/>
+          <a:lstStyle/>
+          <a:p>
+            <a:pPr algn="ctr"/>
+            <a:endParaRPr lang="en-US"/>
+          </a:p>
+        </p:txBody>
+      </p:sp>
+      <p:sp>
+        <p:nvSpPr>
+          <p:cNvPr id="6" name="Rounded Rectangle 5"/>
+          <p:cNvSpPr/>
+          <p:nvPr/>
+        </p:nvSpPr>
+        <p:spPr>
+          <a:xfrm>
+            <a:off x="2935346" y="7378707"/>
+            <a:ext cx="14400000" cy="4519922"/>
+          </a:xfrm>
+          <a:prstGeom prst="roundRect">
+            <a:avLst/>
+          </a:prstGeom>
+          <a:solidFill>
+            <a:schemeClr val="accent1"/>
+          </a:solidFill>
+          <a:ln w="38100">
+            <a:solidFill>
+              <a:schemeClr val="tx1"/>
+            </a:solidFill>
+          </a:ln>
+        </p:spPr>
+        <p:style>
+          <a:lnRef idx="2">
+            <a:schemeClr val="accent1">
+              <a:shade val="50000"/>
+            </a:schemeClr>
+          </a:lnRef>
+          <a:fillRef idx="1">
+            <a:schemeClr val="accent1"/>
+          </a:fillRef>
+          <a:effectRef idx="0">
+            <a:schemeClr val="accent1"/>
+          </a:effectRef>
+          <a:fontRef idx="minor">
+            <a:schemeClr val="lt1"/>
+          </a:fontRef>
+        </p:style>
+        <p:txBody>
+          <a:bodyPr rtlCol="0" anchor="ctr"/>
+          <a:lstStyle/>
+          <a:p>
+            <a:pPr algn="ctr"/>
+            <a:endParaRPr lang="en-US"/>
+          </a:p>
+        </p:txBody>
+      </p:sp>
+      <p:sp>
+        <p:nvSpPr>
+          <p:cNvPr id="7" name="Rounded Rectangle 6"/>
+          <p:cNvSpPr/>
+          <p:nvPr/>
+        </p:nvSpPr>
+        <p:spPr>
+          <a:xfrm>
+            <a:off x="10495346" y="2624325"/>
+            <a:ext cx="6840000" cy="4519922"/>
+          </a:xfrm>
+          <a:prstGeom prst="roundRect">
+            <a:avLst/>
+          </a:prstGeom>
+          <a:solidFill>
+            <a:schemeClr val="accent2"/>
+          </a:solidFill>
+          <a:ln w="38100">
+            <a:solidFill>
+              <a:schemeClr val="tx1"/>
+            </a:solidFill>
+          </a:ln>
+        </p:spPr>
+        <p:style>
+          <a:lnRef idx="2">
+            <a:schemeClr val="accent1">
+              <a:shade val="50000"/>
+            </a:schemeClr>
+          </a:lnRef>
+          <a:fillRef idx="1">
+            <a:schemeClr val="accent1"/>
+          </a:fillRef>
+          <a:effectRef idx="0">
+            <a:schemeClr val="accent1"/>
+          </a:effectRef>
+          <a:fontRef idx="minor">
+            <a:schemeClr val="lt1"/>
+          </a:fontRef>
+        </p:style>
+        <p:txBody>
+          <a:bodyPr rtlCol="0" anchor="ctr"/>
+          <a:lstStyle/>
+          <a:p>
+            <a:pPr algn="ctr"/>
+            <a:endParaRPr lang="en-US"/>
+          </a:p>
+        </p:txBody>
+      </p:sp>
+      <p:sp>
+        <p:nvSpPr>
+          <p:cNvPr id="12" name="Rounded Rectangle 11"/>
+          <p:cNvSpPr/>
+          <p:nvPr/>
+        </p:nvSpPr>
+        <p:spPr>
+          <a:xfrm>
+            <a:off x="3655347" y="5641477"/>
+            <a:ext cx="5400000" cy="900000"/>
+          </a:xfrm>
+          <a:prstGeom prst="roundRect">
+            <a:avLst/>
+          </a:prstGeom>
+          <a:solidFill>
+            <a:schemeClr val="accent3">
+              <a:lumMod val="60000"/>
+              <a:lumOff val="40000"/>
+            </a:schemeClr>
+          </a:solidFill>
+          <a:ln w="38100">
+            <a:solidFill>
+              <a:schemeClr val="tx1"/>
+            </a:solidFill>
+          </a:ln>
+        </p:spPr>
+        <p:style>
+          <a:lnRef idx="2">
+            <a:schemeClr val="accent1">
+              <a:shade val="50000"/>
+            </a:schemeClr>
+          </a:lnRef>
+          <a:fillRef idx="1">
+            <a:schemeClr val="accent1"/>
+          </a:fillRef>
+          <a:effectRef idx="0">
+            <a:schemeClr val="accent1"/>
+          </a:effectRef>
+          <a:fontRef idx="minor">
+            <a:schemeClr val="lt1"/>
+          </a:fontRef>
+        </p:style>
+        <p:txBody>
+          <a:bodyPr rtlCol="0" anchor="ctr"/>
+          <a:lstStyle/>
+          <a:p>
+            <a:pPr algn="ctr"/>
+            <a:r>
+              <a:rPr lang="en-US" sz="1800" b="1" dirty="0" smtClean="0">
+                <a:latin typeface="Georgia" charset="0"/>
+                <a:ea typeface="Georgia" charset="0"/>
+                <a:cs typeface="Georgia" charset="0"/>
+              </a:rPr>
+              <a:t>Master Data set</a:t>
+            </a:r>
+            <a:endParaRPr lang="en-US" sz="1800" b="1" dirty="0">
+              <a:latin typeface="Georgia" charset="0"/>
+              <a:ea typeface="Georgia" charset="0"/>
+              <a:cs typeface="Georgia" charset="0"/>
+            </a:endParaRPr>
+          </a:p>
+        </p:txBody>
+      </p:sp>
+      <p:sp>
+        <p:nvSpPr>
+          <p:cNvPr id="13" name="Rectangle 12"/>
+          <p:cNvSpPr/>
+          <p:nvPr/>
+        </p:nvSpPr>
+        <p:spPr>
+          <a:xfrm>
+            <a:off x="11392623" y="5731477"/>
+            <a:ext cx="5045446" cy="720000"/>
+          </a:xfrm>
+          <a:prstGeom prst="rect">
+            <a:avLst/>
+          </a:prstGeom>
+          <a:solidFill>
+            <a:schemeClr val="accent2">
+              <a:lumMod val="60000"/>
+              <a:lumOff val="40000"/>
+            </a:schemeClr>
+          </a:solidFill>
+          <a:ln w="38100">
+            <a:solidFill>
+              <a:schemeClr val="tx2"/>
+            </a:solidFill>
+          </a:ln>
+          <a:effectLst/>
+        </p:spPr>
+        <p:style>
+          <a:lnRef idx="2">
+            <a:schemeClr val="accent1">
+              <a:shade val="50000"/>
+            </a:schemeClr>
+          </a:lnRef>
+          <a:fillRef idx="1">
+            <a:schemeClr val="accent1"/>
+          </a:fillRef>
+          <a:effectRef idx="0">
+            <a:schemeClr val="accent1"/>
+          </a:effectRef>
+          <a:fontRef idx="minor">
+            <a:schemeClr val="lt1"/>
+          </a:fontRef>
+        </p:style>
+        <p:txBody>
+          <a:bodyPr rtlCol="0" anchor="ctr"/>
+          <a:lstStyle/>
+          <a:p>
+            <a:pPr algn="ctr"/>
+            <a:r>
+              <a:rPr lang="en-US" sz="1800" b="1" dirty="0" smtClean="0">
+                <a:latin typeface="Georgia" charset="0"/>
+                <a:ea typeface="Georgia" charset="0"/>
+                <a:cs typeface="Georgia" charset="0"/>
+              </a:rPr>
+              <a:t>Batch View</a:t>
+            </a:r>
+            <a:endParaRPr lang="en-US" sz="1800" b="1" dirty="0">
+              <a:latin typeface="Georgia" charset="0"/>
+              <a:ea typeface="Georgia" charset="0"/>
+              <a:cs typeface="Georgia" charset="0"/>
+            </a:endParaRPr>
+          </a:p>
+        </p:txBody>
+      </p:sp>
+      <p:sp>
+        <p:nvSpPr>
+          <p:cNvPr id="14" name="Rectangle 13"/>
+          <p:cNvSpPr/>
+          <p:nvPr/>
+        </p:nvSpPr>
+        <p:spPr>
+          <a:xfrm>
+            <a:off x="11392623" y="4524286"/>
+            <a:ext cx="5045446" cy="720000"/>
+          </a:xfrm>
+          <a:prstGeom prst="rect">
+            <a:avLst/>
+          </a:prstGeom>
+          <a:solidFill>
+            <a:schemeClr val="accent2">
+              <a:lumMod val="60000"/>
+              <a:lumOff val="40000"/>
+            </a:schemeClr>
+          </a:solidFill>
+          <a:ln w="38100">
+            <a:solidFill>
+              <a:schemeClr val="tx2"/>
+            </a:solidFill>
+          </a:ln>
+          <a:effectLst/>
+        </p:spPr>
+        <p:style>
+          <a:lnRef idx="2">
+            <a:schemeClr val="accent1">
+              <a:shade val="50000"/>
+            </a:schemeClr>
+          </a:lnRef>
+          <a:fillRef idx="1">
+            <a:schemeClr val="accent1"/>
+          </a:fillRef>
+          <a:effectRef idx="0">
+            <a:schemeClr val="accent1"/>
+          </a:effectRef>
+          <a:fontRef idx="minor">
+            <a:schemeClr val="lt1"/>
+          </a:fontRef>
+        </p:style>
+        <p:txBody>
+          <a:bodyPr rtlCol="0" anchor="ctr"/>
+          <a:lstStyle/>
+          <a:p>
+            <a:pPr algn="ctr"/>
+            <a:r>
+              <a:rPr lang="en-US" sz="1800" b="1" smtClean="0">
+                <a:latin typeface="Georgia" charset="0"/>
+                <a:ea typeface="Georgia" charset="0"/>
+                <a:cs typeface="Georgia" charset="0"/>
+              </a:rPr>
+              <a:t>Batch View</a:t>
+            </a:r>
+            <a:endParaRPr lang="en-US" sz="1800" b="1" dirty="0">
+              <a:latin typeface="Georgia" charset="0"/>
+              <a:ea typeface="Georgia" charset="0"/>
+              <a:cs typeface="Georgia" charset="0"/>
+            </a:endParaRPr>
+          </a:p>
+        </p:txBody>
+      </p:sp>
+      <p:sp>
+        <p:nvSpPr>
+          <p:cNvPr id="15" name="Rectangle 14"/>
+          <p:cNvSpPr/>
+          <p:nvPr/>
+        </p:nvSpPr>
+        <p:spPr>
+          <a:xfrm>
+            <a:off x="4009901" y="9278668"/>
+            <a:ext cx="5045446" cy="720000"/>
+          </a:xfrm>
+          <a:prstGeom prst="rect">
+            <a:avLst/>
+          </a:prstGeom>
+          <a:solidFill>
+            <a:schemeClr val="accent1">
+              <a:lumMod val="60000"/>
+              <a:lumOff val="40000"/>
+            </a:schemeClr>
+          </a:solidFill>
+          <a:ln w="38100">
+            <a:solidFill>
+              <a:schemeClr val="tx2"/>
+            </a:solidFill>
+          </a:ln>
+          <a:effectLst/>
+        </p:spPr>
+        <p:style>
+          <a:lnRef idx="2">
+            <a:schemeClr val="accent1">
+              <a:shade val="50000"/>
+            </a:schemeClr>
+          </a:lnRef>
+          <a:fillRef idx="1">
+            <a:schemeClr val="accent1"/>
+          </a:fillRef>
+          <a:effectRef idx="0">
+            <a:schemeClr val="accent1"/>
+          </a:effectRef>
+          <a:fontRef idx="minor">
+            <a:schemeClr val="lt1"/>
+          </a:fontRef>
+        </p:style>
+        <p:txBody>
+          <a:bodyPr rtlCol="0" anchor="ctr"/>
+          <a:lstStyle/>
+          <a:p>
+            <a:pPr algn="ctr"/>
+            <a:r>
+              <a:rPr lang="en-US" sz="1800" b="1" dirty="0" smtClean="0">
+                <a:latin typeface="Georgia" charset="0"/>
+                <a:ea typeface="Georgia" charset="0"/>
+                <a:cs typeface="Georgia" charset="0"/>
+              </a:rPr>
+              <a:t>Real-time View</a:t>
+            </a:r>
+            <a:endParaRPr lang="en-US" sz="1800" b="1" dirty="0">
+              <a:latin typeface="Georgia" charset="0"/>
+              <a:ea typeface="Georgia" charset="0"/>
+              <a:cs typeface="Georgia" charset="0"/>
+            </a:endParaRPr>
+          </a:p>
+        </p:txBody>
+      </p:sp>
+      <p:sp>
+        <p:nvSpPr>
+          <p:cNvPr id="16" name="Rectangle 15"/>
+          <p:cNvSpPr/>
+          <p:nvPr/>
+        </p:nvSpPr>
+        <p:spPr>
+          <a:xfrm>
+            <a:off x="11392623" y="9280967"/>
+            <a:ext cx="5045446" cy="720000"/>
+          </a:xfrm>
+          <a:prstGeom prst="rect">
+            <a:avLst/>
+          </a:prstGeom>
+          <a:solidFill>
+            <a:schemeClr val="accent1">
+              <a:lumMod val="60000"/>
+              <a:lumOff val="40000"/>
+            </a:schemeClr>
+          </a:solidFill>
+          <a:ln w="38100">
+            <a:solidFill>
+              <a:schemeClr val="tx2"/>
+            </a:solidFill>
+          </a:ln>
+          <a:effectLst/>
+        </p:spPr>
+        <p:style>
+          <a:lnRef idx="2">
+            <a:schemeClr val="accent1">
+              <a:shade val="50000"/>
+            </a:schemeClr>
+          </a:lnRef>
+          <a:fillRef idx="1">
+            <a:schemeClr val="accent1"/>
+          </a:fillRef>
+          <a:effectRef idx="0">
+            <a:schemeClr val="accent1"/>
+          </a:effectRef>
+          <a:fontRef idx="minor">
+            <a:schemeClr val="lt1"/>
+          </a:fontRef>
+        </p:style>
+        <p:txBody>
+          <a:bodyPr rtlCol="0" anchor="ctr"/>
+          <a:lstStyle/>
+          <a:p>
+            <a:pPr algn="ctr"/>
+            <a:r>
+              <a:rPr lang="en-US" sz="1800" b="1" dirty="0" smtClean="0">
+                <a:latin typeface="Georgia" charset="0"/>
+                <a:ea typeface="Georgia" charset="0"/>
+                <a:cs typeface="Georgia" charset="0"/>
+              </a:rPr>
+              <a:t>Real-time View</a:t>
+            </a:r>
+            <a:endParaRPr lang="en-US" sz="1800" b="1" dirty="0">
+              <a:latin typeface="Georgia" charset="0"/>
+              <a:ea typeface="Georgia" charset="0"/>
+              <a:cs typeface="Georgia" charset="0"/>
+            </a:endParaRPr>
+          </a:p>
+        </p:txBody>
+      </p:sp>
+      <p:sp>
+        <p:nvSpPr>
+          <p:cNvPr id="17" name="TextBox 16"/>
+          <p:cNvSpPr txBox="1"/>
+          <p:nvPr/>
+        </p:nvSpPr>
+        <p:spPr>
+          <a:xfrm>
+            <a:off x="4555347" y="3049019"/>
+            <a:ext cx="3600000" cy="553998"/>
+          </a:xfrm>
+          <a:prstGeom prst="rect">
+            <a:avLst/>
+          </a:prstGeom>
+          <a:noFill/>
+        </p:spPr>
+        <p:txBody>
+          <a:bodyPr wrap="square" rtlCol="0" anchor="ctr">
+            <a:spAutoFit/>
+          </a:bodyPr>
+          <a:lstStyle/>
+          <a:p>
+            <a:pPr algn="ctr"/>
+            <a:r>
+              <a:rPr lang="en-US" sz="3000" b="1" dirty="0" smtClean="0">
+                <a:solidFill>
+                  <a:schemeClr val="bg1"/>
+                </a:solidFill>
+                <a:latin typeface="Georgia" charset="0"/>
+                <a:ea typeface="Georgia" charset="0"/>
+                <a:cs typeface="Georgia" charset="0"/>
+              </a:rPr>
+              <a:t>Batch Layer</a:t>
+            </a:r>
+            <a:endParaRPr lang="en-US" sz="3000" b="1" dirty="0">
+              <a:solidFill>
+                <a:schemeClr val="bg1"/>
+              </a:solidFill>
+              <a:latin typeface="Georgia" charset="0"/>
+              <a:ea typeface="Georgia" charset="0"/>
+              <a:cs typeface="Georgia" charset="0"/>
+            </a:endParaRPr>
+          </a:p>
+        </p:txBody>
+      </p:sp>
+      <p:sp>
+        <p:nvSpPr>
+          <p:cNvPr id="18" name="TextBox 17"/>
+          <p:cNvSpPr txBox="1"/>
+          <p:nvPr/>
+        </p:nvSpPr>
+        <p:spPr>
+          <a:xfrm>
+            <a:off x="12115346" y="3049019"/>
+            <a:ext cx="3600000" cy="553998"/>
+          </a:xfrm>
+          <a:prstGeom prst="rect">
+            <a:avLst/>
+          </a:prstGeom>
+          <a:noFill/>
+        </p:spPr>
+        <p:txBody>
+          <a:bodyPr wrap="square" rtlCol="0" anchor="ctr">
+            <a:spAutoFit/>
+          </a:bodyPr>
+          <a:lstStyle/>
+          <a:p>
+            <a:pPr algn="ctr"/>
+            <a:r>
+              <a:rPr lang="en-US" sz="3000" b="1" dirty="0" smtClean="0">
+                <a:solidFill>
+                  <a:schemeClr val="bg1"/>
+                </a:solidFill>
+                <a:latin typeface="Georgia" charset="0"/>
+                <a:ea typeface="Georgia" charset="0"/>
+                <a:cs typeface="Georgia" charset="0"/>
+              </a:rPr>
+              <a:t>Serving Layer</a:t>
+            </a:r>
+            <a:endParaRPr lang="en-US" sz="3000" b="1" dirty="0">
+              <a:solidFill>
+                <a:schemeClr val="bg1"/>
+              </a:solidFill>
+              <a:latin typeface="Georgia" charset="0"/>
+              <a:ea typeface="Georgia" charset="0"/>
+              <a:cs typeface="Georgia" charset="0"/>
+            </a:endParaRPr>
+          </a:p>
+        </p:txBody>
+      </p:sp>
+      <p:sp>
+        <p:nvSpPr>
+          <p:cNvPr id="19" name="TextBox 18"/>
+          <p:cNvSpPr txBox="1"/>
+          <p:nvPr/>
+        </p:nvSpPr>
+        <p:spPr>
+          <a:xfrm>
+            <a:off x="8335346" y="7887440"/>
+            <a:ext cx="3600000" cy="553998"/>
+          </a:xfrm>
+          <a:prstGeom prst="rect">
+            <a:avLst/>
+          </a:prstGeom>
+          <a:noFill/>
+        </p:spPr>
+        <p:txBody>
+          <a:bodyPr wrap="square" rtlCol="0" anchor="ctr">
+            <a:spAutoFit/>
+          </a:bodyPr>
+          <a:lstStyle/>
+          <a:p>
+            <a:pPr algn="ctr"/>
+            <a:r>
+              <a:rPr lang="en-US" sz="3000" b="1" dirty="0" smtClean="0">
+                <a:solidFill>
+                  <a:schemeClr val="bg1"/>
+                </a:solidFill>
+                <a:latin typeface="Georgia" charset="0"/>
+                <a:ea typeface="Georgia" charset="0"/>
+                <a:cs typeface="Georgia" charset="0"/>
+              </a:rPr>
+              <a:t>Speed Layer</a:t>
+            </a:r>
+            <a:endParaRPr lang="en-US" sz="3000" b="1" dirty="0">
+              <a:solidFill>
+                <a:schemeClr val="bg1"/>
+              </a:solidFill>
+              <a:latin typeface="Georgia" charset="0"/>
+              <a:ea typeface="Georgia" charset="0"/>
+              <a:cs typeface="Georgia" charset="0"/>
+            </a:endParaRPr>
+          </a:p>
+        </p:txBody>
+      </p:sp>
+      <p:sp>
+        <p:nvSpPr>
+          <p:cNvPr id="20" name="Right Arrow 19"/>
+          <p:cNvSpPr/>
+          <p:nvPr/>
+        </p:nvSpPr>
+        <p:spPr>
+          <a:xfrm rot="18900000">
+            <a:off x="1497428" y="5491144"/>
+            <a:ext cx="1524168" cy="1195754"/>
+          </a:xfrm>
+          <a:prstGeom prst="rightArrow">
+            <a:avLst/>
+          </a:prstGeom>
+          <a:solidFill>
+            <a:schemeClr val="tx2">
+              <a:lumMod val="60000"/>
+              <a:lumOff val="40000"/>
+            </a:schemeClr>
+          </a:solidFill>
+          <a:ln w="38100">
+            <a:solidFill>
+              <a:schemeClr val="tx2"/>
+            </a:solidFill>
+          </a:ln>
+        </p:spPr>
+        <p:style>
+          <a:lnRef idx="2">
+            <a:schemeClr val="accent1">
+              <a:shade val="50000"/>
+            </a:schemeClr>
+          </a:lnRef>
+          <a:fillRef idx="1">
+            <a:schemeClr val="accent1"/>
+          </a:fillRef>
+          <a:effectRef idx="0">
+            <a:schemeClr val="accent1"/>
+          </a:effectRef>
+          <a:fontRef idx="minor">
+            <a:schemeClr val="lt1"/>
+          </a:fontRef>
+        </p:style>
+        <p:txBody>
+          <a:bodyPr rtlCol="0" anchor="ctr"/>
+          <a:lstStyle/>
+          <a:p>
+            <a:pPr algn="ctr"/>
+            <a:endParaRPr lang="en-US" sz="1800" b="1" dirty="0">
+              <a:latin typeface="Georgia" charset="0"/>
+              <a:ea typeface="Georgia" charset="0"/>
+              <a:cs typeface="Georgia" charset="0"/>
+            </a:endParaRPr>
+          </a:p>
+        </p:txBody>
+      </p:sp>
+      <p:sp>
+        <p:nvSpPr>
+          <p:cNvPr id="21" name="Right Arrow 20"/>
+          <p:cNvSpPr/>
+          <p:nvPr/>
+        </p:nvSpPr>
+        <p:spPr>
+          <a:xfrm rot="2700000" flipV="1">
+            <a:off x="1497428" y="7923600"/>
+            <a:ext cx="1524167" cy="1195754"/>
+          </a:xfrm>
+          <a:prstGeom prst="rightArrow">
+            <a:avLst/>
+          </a:prstGeom>
+          <a:solidFill>
+            <a:schemeClr val="tx2">
+              <a:lumMod val="60000"/>
+              <a:lumOff val="40000"/>
+            </a:schemeClr>
+          </a:solidFill>
+          <a:ln w="38100">
+            <a:solidFill>
+              <a:schemeClr val="tx2"/>
+            </a:solidFill>
+          </a:ln>
+        </p:spPr>
+        <p:style>
+          <a:lnRef idx="2">
+            <a:schemeClr val="accent1">
+              <a:shade val="50000"/>
+            </a:schemeClr>
+          </a:lnRef>
+          <a:fillRef idx="1">
+            <a:schemeClr val="accent1"/>
+          </a:fillRef>
+          <a:effectRef idx="0">
+            <a:schemeClr val="accent1"/>
+          </a:effectRef>
+          <a:fontRef idx="minor">
+            <a:schemeClr val="lt1"/>
+          </a:fontRef>
+        </p:style>
+        <p:txBody>
+          <a:bodyPr rtlCol="0" anchor="ctr"/>
+          <a:lstStyle/>
+          <a:p>
+            <a:pPr algn="ctr"/>
+            <a:endParaRPr lang="en-US" sz="1800" b="1" dirty="0">
+              <a:latin typeface="Georgia" charset="0"/>
+              <a:ea typeface="Georgia" charset="0"/>
+              <a:cs typeface="Georgia" charset="0"/>
+            </a:endParaRPr>
+          </a:p>
+        </p:txBody>
+      </p:sp>
+      <p:sp>
+        <p:nvSpPr>
+          <p:cNvPr id="22" name="Right Arrow 21"/>
+          <p:cNvSpPr/>
+          <p:nvPr/>
+        </p:nvSpPr>
+        <p:spPr>
+          <a:xfrm rot="21600000">
+            <a:off x="9373263" y="4296655"/>
+            <a:ext cx="1524168" cy="1195754"/>
+          </a:xfrm>
+          <a:prstGeom prst="rightArrow">
+            <a:avLst/>
+          </a:prstGeom>
+          <a:solidFill>
+            <a:schemeClr val="tx2">
+              <a:lumMod val="60000"/>
+              <a:lumOff val="40000"/>
+            </a:schemeClr>
+          </a:solidFill>
+          <a:ln w="38100">
+            <a:solidFill>
+              <a:schemeClr val="tx2"/>
+            </a:solidFill>
+          </a:ln>
+        </p:spPr>
+        <p:style>
+          <a:lnRef idx="2">
+            <a:schemeClr val="accent1">
+              <a:shade val="50000"/>
+            </a:schemeClr>
+          </a:lnRef>
+          <a:fillRef idx="1">
+            <a:schemeClr val="accent1"/>
+          </a:fillRef>
+          <a:effectRef idx="0">
+            <a:schemeClr val="accent1"/>
+          </a:effectRef>
+          <a:fontRef idx="minor">
+            <a:schemeClr val="lt1"/>
+          </a:fontRef>
+        </p:style>
+        <p:txBody>
+          <a:bodyPr rtlCol="0" anchor="ctr"/>
+          <a:lstStyle/>
+          <a:p>
+            <a:pPr algn="ctr"/>
+            <a:endParaRPr lang="en-US" sz="1800" b="1" dirty="0">
+              <a:latin typeface="Georgia" charset="0"/>
+              <a:ea typeface="Georgia" charset="0"/>
+              <a:cs typeface="Georgia" charset="0"/>
+            </a:endParaRPr>
+          </a:p>
+        </p:txBody>
+      </p:sp>
+      <p:cxnSp>
+        <p:nvCxnSpPr>
+          <p:cNvPr id="24" name="Straight Connector 23"/>
+          <p:cNvCxnSpPr>
+            <a:stCxn id="10" idx="1"/>
+            <a:endCxn id="14" idx="3"/>
+          </p:cNvCxnSpPr>
+          <p:nvPr/>
+        </p:nvCxnSpPr>
+        <p:spPr>
+          <a:xfrm flipH="1" flipV="1">
+            <a:off x="16438069" y="4884286"/>
+            <a:ext cx="1994749" cy="1143019"/>
+          </a:xfrm>
+          <a:prstGeom prst="line">
+            <a:avLst/>
+          </a:prstGeom>
+          <a:ln w="38100">
+            <a:solidFill>
+              <a:schemeClr val="tx2"/>
+            </a:solidFill>
+            <a:prstDash val="sysDot"/>
+          </a:ln>
+        </p:spPr>
+        <p:style>
+          <a:lnRef idx="1">
+            <a:schemeClr val="accent1"/>
+          </a:lnRef>
+          <a:fillRef idx="0">
+            <a:schemeClr val="accent1"/>
+          </a:fillRef>
+          <a:effectRef idx="0">
+            <a:schemeClr val="accent1"/>
+          </a:effectRef>
+          <a:fontRef idx="minor">
+            <a:schemeClr val="tx1"/>
+          </a:fontRef>
+        </p:style>
+      </p:cxnSp>
+      <p:cxnSp>
+        <p:nvCxnSpPr>
+          <p:cNvPr id="26" name="Straight Connector 25"/>
+          <p:cNvCxnSpPr>
+            <a:stCxn id="10" idx="1"/>
+            <a:endCxn id="13" idx="3"/>
+          </p:cNvCxnSpPr>
+          <p:nvPr/>
+        </p:nvCxnSpPr>
+        <p:spPr>
+          <a:xfrm flipH="1">
+            <a:off x="16438069" y="6027305"/>
+            <a:ext cx="1994749" cy="64172"/>
+          </a:xfrm>
+          <a:prstGeom prst="line">
+            <a:avLst/>
+          </a:prstGeom>
+          <a:ln w="38100">
+            <a:solidFill>
+              <a:schemeClr val="tx2"/>
+            </a:solidFill>
+            <a:prstDash val="sysDot"/>
+          </a:ln>
+        </p:spPr>
+        <p:style>
+          <a:lnRef idx="1">
+            <a:schemeClr val="accent1"/>
+          </a:lnRef>
+          <a:fillRef idx="0">
+            <a:schemeClr val="accent1"/>
+          </a:fillRef>
+          <a:effectRef idx="0">
+            <a:schemeClr val="accent1"/>
+          </a:effectRef>
+          <a:fontRef idx="minor">
+            <a:schemeClr val="tx1"/>
+          </a:fontRef>
+        </p:style>
+      </p:cxnSp>
+      <p:cxnSp>
+        <p:nvCxnSpPr>
+          <p:cNvPr id="28" name="Straight Connector 27"/>
+          <p:cNvCxnSpPr>
+            <a:stCxn id="10" idx="1"/>
+            <a:endCxn id="15" idx="3"/>
+          </p:cNvCxnSpPr>
+          <p:nvPr/>
+        </p:nvCxnSpPr>
+        <p:spPr>
+          <a:xfrm flipH="1">
+            <a:off x="9055347" y="6027305"/>
+            <a:ext cx="9377471" cy="3611363"/>
+          </a:xfrm>
+          <a:prstGeom prst="line">
+            <a:avLst/>
+          </a:prstGeom>
+          <a:ln w="38100">
+            <a:solidFill>
+              <a:schemeClr val="tx2"/>
+            </a:solidFill>
+            <a:prstDash val="sysDot"/>
+          </a:ln>
+        </p:spPr>
+        <p:style>
+          <a:lnRef idx="1">
+            <a:schemeClr val="accent1"/>
+          </a:lnRef>
+          <a:fillRef idx="0">
+            <a:schemeClr val="accent1"/>
+          </a:fillRef>
+          <a:effectRef idx="0">
+            <a:schemeClr val="accent1"/>
+          </a:effectRef>
+          <a:fontRef idx="minor">
+            <a:schemeClr val="tx1"/>
+          </a:fontRef>
+        </p:style>
+      </p:cxnSp>
+      <p:cxnSp>
+        <p:nvCxnSpPr>
+          <p:cNvPr id="30" name="Straight Connector 29"/>
+          <p:cNvCxnSpPr>
+            <a:stCxn id="11" idx="1"/>
+            <a:endCxn id="13" idx="3"/>
+          </p:cNvCxnSpPr>
+          <p:nvPr/>
+        </p:nvCxnSpPr>
+        <p:spPr>
+          <a:xfrm flipH="1" flipV="1">
+            <a:off x="16438069" y="6091477"/>
+            <a:ext cx="1994749" cy="2407376"/>
+          </a:xfrm>
+          <a:prstGeom prst="line">
+            <a:avLst/>
+          </a:prstGeom>
+          <a:ln w="38100">
+            <a:solidFill>
+              <a:schemeClr val="tx2"/>
+            </a:solidFill>
+            <a:prstDash val="sysDot"/>
+          </a:ln>
+        </p:spPr>
+        <p:style>
+          <a:lnRef idx="1">
+            <a:schemeClr val="accent1"/>
+          </a:lnRef>
+          <a:fillRef idx="0">
+            <a:schemeClr val="accent1"/>
+          </a:fillRef>
+          <a:effectRef idx="0">
+            <a:schemeClr val="accent1"/>
+          </a:effectRef>
+          <a:fontRef idx="minor">
+            <a:schemeClr val="tx1"/>
+          </a:fontRef>
+        </p:style>
+      </p:cxnSp>
+      <p:cxnSp>
+        <p:nvCxnSpPr>
+          <p:cNvPr id="32" name="Straight Connector 31"/>
+          <p:cNvCxnSpPr>
+            <a:stCxn id="11" idx="1"/>
+          </p:cNvCxnSpPr>
+          <p:nvPr/>
+        </p:nvCxnSpPr>
+        <p:spPr>
+          <a:xfrm flipH="1">
+            <a:off x="16455542" y="8498853"/>
+            <a:ext cx="1977276" cy="1117191"/>
+          </a:xfrm>
+          <a:prstGeom prst="line">
+            <a:avLst/>
+          </a:prstGeom>
+          <a:ln w="38100">
+            <a:solidFill>
+              <a:schemeClr val="tx2"/>
+            </a:solidFill>
+            <a:prstDash val="sysDot"/>
+          </a:ln>
+        </p:spPr>
+        <p:style>
+          <a:lnRef idx="1">
+            <a:schemeClr val="accent1"/>
+          </a:lnRef>
+          <a:fillRef idx="0">
+            <a:schemeClr val="accent1"/>
+          </a:fillRef>
+          <a:effectRef idx="0">
+            <a:schemeClr val="accent1"/>
+          </a:effectRef>
+          <a:fontRef idx="minor">
+            <a:schemeClr val="tx1"/>
+          </a:fontRef>
+        </p:style>
+      </p:cxnSp>
+      <p:grpSp>
+        <p:nvGrpSpPr>
+          <p:cNvPr id="36" name="Group 35"/>
+          <p:cNvGrpSpPr/>
+          <p:nvPr/>
+        </p:nvGrpSpPr>
+        <p:grpSpPr>
+          <a:xfrm>
+            <a:off x="17765341" y="5487305"/>
+            <a:ext cx="2414954" cy="1475944"/>
+            <a:chOff x="17596815" y="5461477"/>
+            <a:chExt cx="2414954" cy="1475944"/>
+          </a:xfrm>
+        </p:grpSpPr>
+        <p:pic>
+          <p:nvPicPr>
+            <p:cNvPr id="10" name="Picture 9"/>
+            <p:cNvPicPr>
+              <a:picLocks noChangeAspect="1"/>
+            </p:cNvPicPr>
+            <p:nvPr/>
+          </p:nvPicPr>
+          <p:blipFill>
+            <a:blip r:embed="rId2">
+              <a:extLst>
+                <a:ext uri="{28A0092B-C50C-407E-A947-70E740481C1C}">
+                  <a14:useLocalDpi xmlns:a14="http://schemas.microsoft.com/office/drawing/2010/main" val="0"/>
+                </a:ext>
+              </a:extLst>
+            </a:blip>
+            <a:stretch>
+              <a:fillRect/>
+            </a:stretch>
+          </p:blipFill>
+          <p:spPr>
+            <a:xfrm>
+              <a:off x="18264292" y="5461477"/>
+              <a:ext cx="1080000" cy="1080000"/>
+            </a:xfrm>
+            <a:prstGeom prst="rect">
+              <a:avLst/>
+            </a:prstGeom>
+          </p:spPr>
+        </p:pic>
+        <p:sp>
+          <p:nvSpPr>
+            <p:cNvPr id="33" name="TextBox 32"/>
+            <p:cNvSpPr txBox="1"/>
+            <p:nvPr/>
+          </p:nvSpPr>
+          <p:spPr>
+            <a:xfrm>
+              <a:off x="17596815" y="6568089"/>
+              <a:ext cx="2414954" cy="369332"/>
+            </a:xfrm>
+            <a:prstGeom prst="rect">
+              <a:avLst/>
+            </a:prstGeom>
+            <a:noFill/>
+          </p:spPr>
+          <p:txBody>
+            <a:bodyPr wrap="square" rtlCol="0" anchor="ctr">
+              <a:spAutoFit/>
+            </a:bodyPr>
+            <a:lstStyle/>
+            <a:p>
+              <a:pPr algn="ctr"/>
+              <a:r>
+                <a:rPr lang="en-US" sz="1800" b="1" dirty="0" smtClean="0">
+                  <a:latin typeface="Georgia" charset="0"/>
+                  <a:ea typeface="Georgia" charset="0"/>
+                  <a:cs typeface="Georgia" charset="0"/>
+                </a:rPr>
+                <a:t>Query</a:t>
+              </a:r>
+              <a:endParaRPr lang="en-US" sz="1800" b="1" dirty="0">
+                <a:latin typeface="Georgia" charset="0"/>
+                <a:ea typeface="Georgia" charset="0"/>
+                <a:cs typeface="Georgia" charset="0"/>
+              </a:endParaRPr>
+            </a:p>
+          </p:txBody>
+        </p:sp>
+      </p:grpSp>
+      <p:grpSp>
+        <p:nvGrpSpPr>
+          <p:cNvPr id="35" name="Group 34"/>
+          <p:cNvGrpSpPr/>
+          <p:nvPr/>
+        </p:nvGrpSpPr>
+        <p:grpSpPr>
+          <a:xfrm>
+            <a:off x="17765341" y="7958853"/>
+            <a:ext cx="2414954" cy="1469802"/>
+            <a:chOff x="17747869" y="7981477"/>
+            <a:chExt cx="2414954" cy="1469802"/>
+          </a:xfrm>
+        </p:grpSpPr>
+        <p:pic>
+          <p:nvPicPr>
+            <p:cNvPr id="11" name="Picture 10"/>
+            <p:cNvPicPr>
+              <a:picLocks noChangeAspect="1"/>
+            </p:cNvPicPr>
+            <p:nvPr/>
+          </p:nvPicPr>
+          <p:blipFill>
+            <a:blip r:embed="rId2">
+              <a:extLst>
+                <a:ext uri="{28A0092B-C50C-407E-A947-70E740481C1C}">
+                  <a14:useLocalDpi xmlns:a14="http://schemas.microsoft.com/office/drawing/2010/main" val="0"/>
+                </a:ext>
+              </a:extLst>
+            </a:blip>
+            <a:stretch>
+              <a:fillRect/>
+            </a:stretch>
+          </p:blipFill>
+          <p:spPr>
+            <a:xfrm>
+              <a:off x="18415346" y="7981477"/>
+              <a:ext cx="1080000" cy="1080000"/>
+            </a:xfrm>
+            <a:prstGeom prst="rect">
+              <a:avLst/>
+            </a:prstGeom>
+          </p:spPr>
+        </p:pic>
+        <p:sp>
+          <p:nvSpPr>
+            <p:cNvPr id="34" name="TextBox 33"/>
+            <p:cNvSpPr txBox="1"/>
+            <p:nvPr/>
+          </p:nvSpPr>
+          <p:spPr>
+            <a:xfrm>
+              <a:off x="17747869" y="9081947"/>
+              <a:ext cx="2414954" cy="369332"/>
+            </a:xfrm>
+            <a:prstGeom prst="rect">
+              <a:avLst/>
+            </a:prstGeom>
+            <a:noFill/>
+          </p:spPr>
+          <p:txBody>
+            <a:bodyPr wrap="square" rtlCol="0" anchor="ctr">
+              <a:spAutoFit/>
+            </a:bodyPr>
+            <a:lstStyle/>
+            <a:p>
+              <a:pPr algn="ctr"/>
+              <a:r>
+                <a:rPr lang="en-US" sz="1800" b="1" dirty="0" smtClean="0">
+                  <a:latin typeface="Georgia" charset="0"/>
+                  <a:ea typeface="Georgia" charset="0"/>
+                  <a:cs typeface="Georgia" charset="0"/>
+                </a:rPr>
+                <a:t>Query</a:t>
+              </a:r>
+              <a:endParaRPr lang="en-US" sz="1800" b="1" dirty="0">
+                <a:latin typeface="Georgia" charset="0"/>
+                <a:ea typeface="Georgia" charset="0"/>
+                <a:cs typeface="Georgia" charset="0"/>
+              </a:endParaRPr>
+            </a:p>
+          </p:txBody>
+        </p:sp>
+      </p:grpSp>
+    </p:spTree>
+    <p:extLst>
+      <p:ext uri="{BB962C8B-B14F-4D97-AF65-F5344CB8AC3E}">
+        <p14:creationId xmlns:p14="http://schemas.microsoft.com/office/powerpoint/2010/main" val="257246831"/>
+      </p:ext>
+    </p:extLst>
+  </p:cSld>
+  <p:clrMapOvr>
+    <a:masterClrMapping/>
+  </p:clrMapOvr>
+  <mc:AlternateContent xmlns:mc="http://schemas.openxmlformats.org/markup-compatibility/2006" xmlns:p14="http://schemas.microsoft.com/office/powerpoint/2010/main">
+    <mc:Choice Requires="p14">
+      <p:transition spd="slow" p14:dur="1500" advClick="0" advTm="3000">
+        <p14:reveal/>
+      </p:transition>
+    </mc:Choice>
+    <mc:Fallback xmlns="">
+      <p:transition xmlns:p14="http://schemas.microsoft.com/office/powerpoint/2010/main" spd="slow" advClick="0" advTm="3000">
+        <p:fade/>
+      </p:transition>
+    </mc:Fallback>
+  </mc:AlternateContent>
 </p:sld>
 </file>
 

--- a/graphics/pp_diagrams.pptx
+++ b/graphics/pp_diagrams.pptx
@@ -219,7 +219,7 @@
           <a:p>
             <a:fld id="{BF642B97-7661-5B4E-A65A-7F54031CCA56}" type="datetimeFigureOut">
               <a:rPr lang="en-US" smtClean="0"/>
-              <a:t>10/25/16</a:t>
+              <a:t>10/28/16</a:t>
             </a:fld>
             <a:endParaRPr lang="en-US"/>
           </a:p>
@@ -389,7 +389,7 @@
             <a:fld id="{EFC10EE1-B198-C942-8235-326C972CBB30}" type="datetimeFigureOut">
               <a:rPr lang="en-US" smtClean="0"/>
               <a:pPr/>
-              <a:t>10/25/16</a:t>
+              <a:t>10/28/16</a:t>
             </a:fld>
             <a:endParaRPr lang="en-US" dirty="0"/>
           </a:p>
@@ -5295,7 +5295,7 @@
         </p:nvSpPr>
         <p:spPr>
           <a:xfrm>
-            <a:off x="1271239" y="11885329"/>
+            <a:off x="1271239" y="11885328"/>
             <a:ext cx="4320000" cy="553998"/>
           </a:xfrm>
           <a:prstGeom prst="rect">
@@ -5385,7 +5385,7 @@
         </p:nvSpPr>
         <p:spPr>
           <a:xfrm>
-            <a:off x="14088327" y="11925834"/>
+            <a:off x="14088327" y="11885328"/>
             <a:ext cx="4320000" cy="553998"/>
           </a:xfrm>
           <a:prstGeom prst="rect">
@@ -5401,7 +5401,7 @@
           <a:p>
             <a:pPr algn="ctr"/>
             <a:r>
-              <a:rPr lang="en-US" sz="3000" b="1" smtClean="0">
+              <a:rPr lang="en-US" sz="3000" b="1" dirty="0" smtClean="0">
                 <a:solidFill>
                   <a:schemeClr val="bg1"/>
                 </a:solidFill>
@@ -5410,6 +5410,51 @@
                 <a:cs typeface="Georgia" charset="0"/>
               </a:rPr>
               <a:t>Analysis</a:t>
+            </a:r>
+            <a:endParaRPr lang="en-US" sz="3000" b="1" dirty="0">
+              <a:solidFill>
+                <a:schemeClr val="bg1"/>
+              </a:solidFill>
+              <a:latin typeface="Georgia" charset="0"/>
+              <a:ea typeface="Georgia" charset="0"/>
+              <a:cs typeface="Georgia" charset="0"/>
+            </a:endParaRPr>
+          </a:p>
+        </p:txBody>
+      </p:sp>
+      <p:sp>
+        <p:nvSpPr>
+          <p:cNvPr id="38" name="TextBox 37"/>
+          <p:cNvSpPr txBox="1"/>
+          <p:nvPr/>
+        </p:nvSpPr>
+        <p:spPr>
+          <a:xfrm>
+            <a:off x="18819184" y="11885328"/>
+            <a:ext cx="4320000" cy="553998"/>
+          </a:xfrm>
+          <a:prstGeom prst="rect">
+            <a:avLst/>
+          </a:prstGeom>
+          <a:noFill/>
+        </p:spPr>
+        <p:txBody>
+          <a:bodyPr wrap="square" rtlCol="0" anchor="ctr">
+            <a:spAutoFit/>
+          </a:bodyPr>
+          <a:lstStyle/>
+          <a:p>
+            <a:pPr algn="ctr"/>
+            <a:r>
+              <a:rPr lang="en-US" sz="3000" b="1" dirty="0" smtClean="0">
+                <a:solidFill>
+                  <a:schemeClr val="bg1"/>
+                </a:solidFill>
+                <a:latin typeface="Georgia" charset="0"/>
+                <a:ea typeface="Georgia" charset="0"/>
+                <a:cs typeface="Georgia" charset="0"/>
+              </a:rPr>
+              <a:t>Presentation</a:t>
             </a:r>
             <a:endParaRPr lang="en-US" sz="3000" b="1" dirty="0">
               <a:solidFill>
@@ -9270,11 +9315,6 @@
               </a:rPr>
               <a:t>New Data</a:t>
             </a:r>
-            <a:endParaRPr lang="en-US" sz="1800" b="1" dirty="0" smtClean="0">
-              <a:latin typeface="Georgia" charset="0"/>
-              <a:ea typeface="Georgia" charset="0"/>
-              <a:cs typeface="Georgia" charset="0"/>
-            </a:endParaRPr>
           </a:p>
         </p:txBody>
       </p:sp>

--- a/graphics/pp_diagrams.pptx
+++ b/graphics/pp_diagrams.pptx
@@ -5,18 +5,19 @@
     <p:sldMasterId id="2147483648" r:id="rId1"/>
   </p:sldMasterIdLst>
   <p:notesMasterIdLst>
-    <p:notesMasterId r:id="rId8"/>
+    <p:notesMasterId r:id="rId9"/>
   </p:notesMasterIdLst>
   <p:handoutMasterIdLst>
-    <p:handoutMasterId r:id="rId9"/>
+    <p:handoutMasterId r:id="rId10"/>
   </p:handoutMasterIdLst>
   <p:sldIdLst>
     <p:sldId id="671" r:id="rId2"/>
-    <p:sldId id="672" r:id="rId3"/>
-    <p:sldId id="673" r:id="rId4"/>
-    <p:sldId id="674" r:id="rId5"/>
-    <p:sldId id="675" r:id="rId6"/>
-    <p:sldId id="676" r:id="rId7"/>
+    <p:sldId id="677" r:id="rId3"/>
+    <p:sldId id="672" r:id="rId4"/>
+    <p:sldId id="673" r:id="rId5"/>
+    <p:sldId id="674" r:id="rId6"/>
+    <p:sldId id="675" r:id="rId7"/>
+    <p:sldId id="676" r:id="rId8"/>
   </p:sldIdLst>
   <p:sldSz cx="24377650" cy="13716000"/>
   <p:notesSz cx="6858000" cy="9144000"/>
@@ -3579,8 +3580,8 @@
           <a:p>
             <a:pPr algn="ctr"/>
             <a:r>
-              <a:rPr lang="en-US" sz="7000" b="1" dirty="0"/>
-              <a:t>diagram_dwh_model1a</a:t>
+              <a:rPr lang="en-US" sz="7000" b="1" dirty="0" smtClean="0"/>
+              <a:t>diagram_dwh_model1b</a:t>
             </a:r>
             <a:endParaRPr lang="id-ID" sz="7000" b="1" dirty="0">
               <a:solidFill>
@@ -5532,7 +5533,7 @@
             <a:pPr algn="ctr"/>
             <a:r>
               <a:rPr lang="en-US" sz="7000" b="1" dirty="0" smtClean="0"/>
-              <a:t>diagram_hadoop201_model1</a:t>
+              <a:t>diagram_dwh_model2</a:t>
             </a:r>
             <a:endParaRPr lang="id-ID" sz="7000" b="1" dirty="0">
               <a:solidFill>
@@ -5552,14 +5553,505 @@
         </p:nvSpPr>
         <p:spPr>
           <a:xfrm>
-            <a:off x="2531239" y="3896718"/>
-            <a:ext cx="1800000" cy="2880000"/>
+            <a:off x="2108825" y="1652550"/>
+            <a:ext cx="2880000" cy="1800000"/>
           </a:xfrm>
           <a:prstGeom prst="roundRect">
             <a:avLst/>
           </a:prstGeom>
           <a:solidFill>
             <a:schemeClr val="accent4"/>
+          </a:solidFill>
+          <a:ln w="38100">
+            <a:solidFill>
+              <a:schemeClr val="tx2"/>
+            </a:solidFill>
+          </a:ln>
+        </p:spPr>
+        <p:style>
+          <a:lnRef idx="2">
+            <a:schemeClr val="accent1">
+              <a:shade val="50000"/>
+            </a:schemeClr>
+          </a:lnRef>
+          <a:fillRef idx="1">
+            <a:schemeClr val="accent1"/>
+          </a:fillRef>
+          <a:effectRef idx="0">
+            <a:schemeClr val="accent1"/>
+          </a:effectRef>
+          <a:fontRef idx="minor">
+            <a:schemeClr val="lt1"/>
+          </a:fontRef>
+        </p:style>
+        <p:txBody>
+          <a:bodyPr rtlCol="0" anchor="ctr"/>
+          <a:lstStyle/>
+          <a:p>
+            <a:pPr algn="ctr"/>
+            <a:r>
+              <a:rPr lang="en-US" sz="1800" b="1" dirty="0" smtClean="0">
+                <a:solidFill>
+                  <a:schemeClr val="bg1"/>
+                </a:solidFill>
+                <a:latin typeface="Georgia" charset="0"/>
+                <a:ea typeface="Georgia" charset="0"/>
+                <a:cs typeface="Georgia" charset="0"/>
+              </a:rPr>
+              <a:t>Source System</a:t>
+            </a:r>
+            <a:endParaRPr lang="en-US" sz="1800" b="1" dirty="0">
+              <a:solidFill>
+                <a:schemeClr val="bg1"/>
+              </a:solidFill>
+              <a:latin typeface="Georgia" charset="0"/>
+              <a:ea typeface="Georgia" charset="0"/>
+              <a:cs typeface="Georgia" charset="0"/>
+            </a:endParaRPr>
+          </a:p>
+        </p:txBody>
+      </p:sp>
+      <p:sp>
+        <p:nvSpPr>
+          <p:cNvPr id="5" name="Rounded Rectangle 4"/>
+          <p:cNvSpPr/>
+          <p:nvPr/>
+        </p:nvSpPr>
+        <p:spPr>
+          <a:xfrm>
+            <a:off x="6082948" y="1652550"/>
+            <a:ext cx="2880000" cy="1800000"/>
+          </a:xfrm>
+          <a:prstGeom prst="roundRect">
+            <a:avLst/>
+          </a:prstGeom>
+          <a:solidFill>
+            <a:schemeClr val="accent2"/>
+          </a:solidFill>
+          <a:ln w="38100">
+            <a:solidFill>
+              <a:schemeClr val="tx2"/>
+            </a:solidFill>
+          </a:ln>
+        </p:spPr>
+        <p:style>
+          <a:lnRef idx="2">
+            <a:schemeClr val="accent1">
+              <a:shade val="50000"/>
+            </a:schemeClr>
+          </a:lnRef>
+          <a:fillRef idx="1">
+            <a:schemeClr val="accent1"/>
+          </a:fillRef>
+          <a:effectRef idx="0">
+            <a:schemeClr val="accent1"/>
+          </a:effectRef>
+          <a:fontRef idx="minor">
+            <a:schemeClr val="lt1"/>
+          </a:fontRef>
+        </p:style>
+        <p:txBody>
+          <a:bodyPr rtlCol="0" anchor="ctr"/>
+          <a:lstStyle/>
+          <a:p>
+            <a:pPr algn="ctr"/>
+            <a:r>
+              <a:rPr lang="en-US" sz="1800" b="1" dirty="0" smtClean="0">
+                <a:solidFill>
+                  <a:schemeClr val="bg1"/>
+                </a:solidFill>
+                <a:latin typeface="Georgia" charset="0"/>
+                <a:ea typeface="Georgia" charset="0"/>
+                <a:cs typeface="Georgia" charset="0"/>
+              </a:rPr>
+              <a:t>Staging Area</a:t>
+            </a:r>
+            <a:endParaRPr lang="en-US" sz="1800" b="1" dirty="0">
+              <a:solidFill>
+                <a:schemeClr val="bg1"/>
+              </a:solidFill>
+              <a:latin typeface="Georgia" charset="0"/>
+              <a:ea typeface="Georgia" charset="0"/>
+              <a:cs typeface="Georgia" charset="0"/>
+            </a:endParaRPr>
+          </a:p>
+        </p:txBody>
+      </p:sp>
+      <p:sp>
+        <p:nvSpPr>
+          <p:cNvPr id="6" name="Rounded Rectangle 5"/>
+          <p:cNvSpPr/>
+          <p:nvPr/>
+        </p:nvSpPr>
+        <p:spPr>
+          <a:xfrm>
+            <a:off x="10057071" y="1652550"/>
+            <a:ext cx="2880000" cy="1800000"/>
+          </a:xfrm>
+          <a:prstGeom prst="roundRect">
+            <a:avLst/>
+          </a:prstGeom>
+          <a:solidFill>
+            <a:schemeClr val="accent3"/>
+          </a:solidFill>
+          <a:ln w="38100">
+            <a:solidFill>
+              <a:schemeClr val="tx2"/>
+            </a:solidFill>
+          </a:ln>
+        </p:spPr>
+        <p:style>
+          <a:lnRef idx="2">
+            <a:schemeClr val="accent1">
+              <a:shade val="50000"/>
+            </a:schemeClr>
+          </a:lnRef>
+          <a:fillRef idx="1">
+            <a:schemeClr val="accent1"/>
+          </a:fillRef>
+          <a:effectRef idx="0">
+            <a:schemeClr val="accent1"/>
+          </a:effectRef>
+          <a:fontRef idx="minor">
+            <a:schemeClr val="lt1"/>
+          </a:fontRef>
+        </p:style>
+        <p:txBody>
+          <a:bodyPr rtlCol="0" anchor="ctr"/>
+          <a:lstStyle/>
+          <a:p>
+            <a:pPr algn="ctr"/>
+            <a:r>
+              <a:rPr lang="en-US" sz="1800" b="1" dirty="0" smtClean="0">
+                <a:solidFill>
+                  <a:schemeClr val="bg1"/>
+                </a:solidFill>
+                <a:latin typeface="Georgia" charset="0"/>
+                <a:ea typeface="Georgia" charset="0"/>
+                <a:cs typeface="Georgia" charset="0"/>
+              </a:rPr>
+              <a:t>Independent </a:t>
+            </a:r>
+          </a:p>
+          <a:p>
+            <a:pPr algn="ctr"/>
+            <a:r>
+              <a:rPr lang="en-US" sz="1800" b="1" dirty="0" smtClean="0">
+                <a:solidFill>
+                  <a:schemeClr val="bg1"/>
+                </a:solidFill>
+                <a:latin typeface="Georgia" charset="0"/>
+                <a:ea typeface="Georgia" charset="0"/>
+                <a:cs typeface="Georgia" charset="0"/>
+              </a:rPr>
+              <a:t>Data Mart</a:t>
+            </a:r>
+            <a:endParaRPr lang="en-US" sz="1800" b="1" dirty="0">
+              <a:solidFill>
+                <a:schemeClr val="bg1"/>
+              </a:solidFill>
+              <a:latin typeface="Georgia" charset="0"/>
+              <a:ea typeface="Georgia" charset="0"/>
+              <a:cs typeface="Georgia" charset="0"/>
+            </a:endParaRPr>
+          </a:p>
+        </p:txBody>
+      </p:sp>
+      <p:pic>
+        <p:nvPicPr>
+          <p:cNvPr id="7" name="Picture 6"/>
+          <p:cNvPicPr>
+            <a:picLocks noChangeAspect="1"/>
+          </p:cNvPicPr>
+          <p:nvPr/>
+        </p:nvPicPr>
+        <p:blipFill>
+          <a:blip r:embed="rId2">
+            <a:extLst>
+              <a:ext uri="{28A0092B-C50C-407E-A947-70E740481C1C}">
+                <a14:useLocalDpi xmlns:a14="http://schemas.microsoft.com/office/drawing/2010/main" val="0"/>
+              </a:ext>
+            </a:extLst>
+          </a:blip>
+          <a:stretch>
+            <a:fillRect/>
+          </a:stretch>
+        </p:blipFill>
+        <p:spPr>
+          <a:xfrm>
+            <a:off x="14031194" y="2012550"/>
+            <a:ext cx="1080000" cy="1080000"/>
+          </a:xfrm>
+          <a:prstGeom prst="rect">
+            <a:avLst/>
+          </a:prstGeom>
+        </p:spPr>
+      </p:pic>
+      <p:cxnSp>
+        <p:nvCxnSpPr>
+          <p:cNvPr id="9" name="Straight Arrow Connector 8"/>
+          <p:cNvCxnSpPr>
+            <a:stCxn id="4" idx="3"/>
+            <a:endCxn id="5" idx="1"/>
+          </p:cNvCxnSpPr>
+          <p:nvPr/>
+        </p:nvCxnSpPr>
+        <p:spPr>
+          <a:xfrm>
+            <a:off x="4988825" y="2552550"/>
+            <a:ext cx="1094123" cy="0"/>
+          </a:xfrm>
+          <a:prstGeom prst="straightConnector1">
+            <a:avLst/>
+          </a:prstGeom>
+          <a:ln w="38100">
+            <a:solidFill>
+              <a:schemeClr val="tx2"/>
+            </a:solidFill>
+            <a:tailEnd type="triangle"/>
+          </a:ln>
+        </p:spPr>
+        <p:style>
+          <a:lnRef idx="1">
+            <a:schemeClr val="accent1"/>
+          </a:lnRef>
+          <a:fillRef idx="0">
+            <a:schemeClr val="accent1"/>
+          </a:fillRef>
+          <a:effectRef idx="0">
+            <a:schemeClr val="accent1"/>
+          </a:effectRef>
+          <a:fontRef idx="minor">
+            <a:schemeClr val="tx1"/>
+          </a:fontRef>
+        </p:style>
+      </p:cxnSp>
+      <p:cxnSp>
+        <p:nvCxnSpPr>
+          <p:cNvPr id="11" name="Straight Arrow Connector 10"/>
+          <p:cNvCxnSpPr>
+            <a:stCxn id="5" idx="3"/>
+            <a:endCxn id="6" idx="1"/>
+          </p:cNvCxnSpPr>
+          <p:nvPr/>
+        </p:nvCxnSpPr>
+        <p:spPr>
+          <a:xfrm>
+            <a:off x="8962948" y="2552550"/>
+            <a:ext cx="1094123" cy="0"/>
+          </a:xfrm>
+          <a:prstGeom prst="straightConnector1">
+            <a:avLst/>
+          </a:prstGeom>
+          <a:ln w="38100">
+            <a:solidFill>
+              <a:schemeClr val="tx2"/>
+            </a:solidFill>
+            <a:tailEnd type="triangle"/>
+          </a:ln>
+        </p:spPr>
+        <p:style>
+          <a:lnRef idx="1">
+            <a:schemeClr val="accent1"/>
+          </a:lnRef>
+          <a:fillRef idx="0">
+            <a:schemeClr val="accent1"/>
+          </a:fillRef>
+          <a:effectRef idx="0">
+            <a:schemeClr val="accent1"/>
+          </a:effectRef>
+          <a:fontRef idx="minor">
+            <a:schemeClr val="tx1"/>
+          </a:fontRef>
+        </p:style>
+      </p:cxnSp>
+      <p:cxnSp>
+        <p:nvCxnSpPr>
+          <p:cNvPr id="13" name="Straight Arrow Connector 12"/>
+          <p:cNvCxnSpPr>
+            <a:stCxn id="7" idx="1"/>
+            <a:endCxn id="6" idx="3"/>
+          </p:cNvCxnSpPr>
+          <p:nvPr/>
+        </p:nvCxnSpPr>
+        <p:spPr>
+          <a:xfrm flipH="1">
+            <a:off x="12937071" y="2552550"/>
+            <a:ext cx="1094123" cy="0"/>
+          </a:xfrm>
+          <a:prstGeom prst="straightConnector1">
+            <a:avLst/>
+          </a:prstGeom>
+          <a:ln w="38100">
+            <a:solidFill>
+              <a:schemeClr val="tx2"/>
+            </a:solidFill>
+            <a:tailEnd type="triangle"/>
+          </a:ln>
+        </p:spPr>
+        <p:style>
+          <a:lnRef idx="1">
+            <a:schemeClr val="accent1"/>
+          </a:lnRef>
+          <a:fillRef idx="0">
+            <a:schemeClr val="accent1"/>
+          </a:fillRef>
+          <a:effectRef idx="0">
+            <a:schemeClr val="accent1"/>
+          </a:effectRef>
+          <a:fontRef idx="minor">
+            <a:schemeClr val="tx1"/>
+          </a:fontRef>
+        </p:style>
+      </p:cxnSp>
+      <p:sp>
+        <p:nvSpPr>
+          <p:cNvPr id="14" name="Rounded Rectangle 13"/>
+          <p:cNvSpPr/>
+          <p:nvPr/>
+        </p:nvSpPr>
+        <p:spPr>
+          <a:xfrm>
+            <a:off x="2108825" y="3569401"/>
+            <a:ext cx="2880000" cy="1800000"/>
+          </a:xfrm>
+          <a:prstGeom prst="roundRect">
+            <a:avLst/>
+          </a:prstGeom>
+          <a:solidFill>
+            <a:schemeClr val="accent4"/>
+          </a:solidFill>
+          <a:ln w="38100">
+            <a:solidFill>
+              <a:schemeClr val="tx2"/>
+            </a:solidFill>
+          </a:ln>
+        </p:spPr>
+        <p:style>
+          <a:lnRef idx="2">
+            <a:schemeClr val="accent1">
+              <a:shade val="50000"/>
+            </a:schemeClr>
+          </a:lnRef>
+          <a:fillRef idx="1">
+            <a:schemeClr val="accent1"/>
+          </a:fillRef>
+          <a:effectRef idx="0">
+            <a:schemeClr val="accent1"/>
+          </a:effectRef>
+          <a:fontRef idx="minor">
+            <a:schemeClr val="lt1"/>
+          </a:fontRef>
+        </p:style>
+        <p:txBody>
+          <a:bodyPr rtlCol="0" anchor="ctr"/>
+          <a:lstStyle/>
+          <a:p>
+            <a:pPr algn="ctr"/>
+            <a:r>
+              <a:rPr lang="en-US" sz="1800" b="1" dirty="0" smtClean="0">
+                <a:solidFill>
+                  <a:schemeClr val="bg1"/>
+                </a:solidFill>
+                <a:latin typeface="Georgia" charset="0"/>
+                <a:ea typeface="Georgia" charset="0"/>
+                <a:cs typeface="Georgia" charset="0"/>
+              </a:rPr>
+              <a:t>Source System</a:t>
+            </a:r>
+            <a:endParaRPr lang="en-US" sz="1800" b="1" dirty="0">
+              <a:solidFill>
+                <a:schemeClr val="bg1"/>
+              </a:solidFill>
+              <a:latin typeface="Georgia" charset="0"/>
+              <a:ea typeface="Georgia" charset="0"/>
+              <a:cs typeface="Georgia" charset="0"/>
+            </a:endParaRPr>
+          </a:p>
+        </p:txBody>
+      </p:sp>
+      <p:sp>
+        <p:nvSpPr>
+          <p:cNvPr id="15" name="Rounded Rectangle 14"/>
+          <p:cNvSpPr/>
+          <p:nvPr/>
+        </p:nvSpPr>
+        <p:spPr>
+          <a:xfrm>
+            <a:off x="6082948" y="3569401"/>
+            <a:ext cx="2880000" cy="1800000"/>
+          </a:xfrm>
+          <a:prstGeom prst="roundRect">
+            <a:avLst/>
+          </a:prstGeom>
+          <a:solidFill>
+            <a:schemeClr val="accent2"/>
+          </a:solidFill>
+          <a:ln w="38100">
+            <a:solidFill>
+              <a:schemeClr val="tx2"/>
+            </a:solidFill>
+          </a:ln>
+        </p:spPr>
+        <p:style>
+          <a:lnRef idx="2">
+            <a:schemeClr val="accent1">
+              <a:shade val="50000"/>
+            </a:schemeClr>
+          </a:lnRef>
+          <a:fillRef idx="1">
+            <a:schemeClr val="accent1"/>
+          </a:fillRef>
+          <a:effectRef idx="0">
+            <a:schemeClr val="accent1"/>
+          </a:effectRef>
+          <a:fontRef idx="minor">
+            <a:schemeClr val="lt1"/>
+          </a:fontRef>
+        </p:style>
+        <p:txBody>
+          <a:bodyPr rtlCol="0" anchor="ctr"/>
+          <a:lstStyle/>
+          <a:p>
+            <a:pPr algn="ctr"/>
+            <a:r>
+              <a:rPr lang="en-US" sz="1800" b="1" dirty="0" smtClean="0">
+                <a:solidFill>
+                  <a:schemeClr val="bg1"/>
+                </a:solidFill>
+                <a:latin typeface="Georgia" charset="0"/>
+                <a:ea typeface="Georgia" charset="0"/>
+                <a:cs typeface="Georgia" charset="0"/>
+              </a:rPr>
+              <a:t>Staging Area</a:t>
+            </a:r>
+            <a:endParaRPr lang="en-US" sz="1800" b="1" dirty="0">
+              <a:solidFill>
+                <a:schemeClr val="bg1"/>
+              </a:solidFill>
+              <a:latin typeface="Georgia" charset="0"/>
+              <a:ea typeface="Georgia" charset="0"/>
+              <a:cs typeface="Georgia" charset="0"/>
+            </a:endParaRPr>
+          </a:p>
+        </p:txBody>
+      </p:sp>
+      <p:sp>
+        <p:nvSpPr>
+          <p:cNvPr id="16" name="Rounded Rectangle 15"/>
+          <p:cNvSpPr/>
+          <p:nvPr/>
+        </p:nvSpPr>
+        <p:spPr>
+          <a:xfrm>
+            <a:off x="10057071" y="3569401"/>
+            <a:ext cx="2880000" cy="1800000"/>
+          </a:xfrm>
+          <a:prstGeom prst="roundRect">
+            <a:avLst/>
+          </a:prstGeom>
+          <a:solidFill>
+            <a:schemeClr val="accent3"/>
           </a:solidFill>
           <a:ln w="38100">
             <a:solidFill>
@@ -5597,9 +6089,20 @@
                 <a:ea typeface="Georgia" charset="0"/>
                 <a:cs typeface="Georgia" charset="0"/>
               </a:rPr>
-              <a:t>OperationalSource</a:t>
+              <a:t>Dimensionalized</a:t>
             </a:r>
-            <a:endParaRPr lang="en-US" sz="1800" b="1" dirty="0" smtClean="0">
+            <a:r>
+              <a:rPr lang="en-US" sz="1800" b="1" dirty="0" smtClean="0">
+                <a:solidFill>
+                  <a:schemeClr val="bg1"/>
+                </a:solidFill>
+                <a:latin typeface="Georgia" charset="0"/>
+                <a:ea typeface="Georgia" charset="0"/>
+                <a:cs typeface="Georgia" charset="0"/>
+              </a:rPr>
+              <a:t> Linked Data Marts</a:t>
+            </a:r>
+            <a:endParaRPr lang="en-US" sz="1800" b="1" dirty="0">
               <a:solidFill>
                 <a:schemeClr val="bg1"/>
               </a:solidFill>
@@ -5608,6 +6111,197 @@
               <a:cs typeface="Georgia" charset="0"/>
             </a:endParaRPr>
           </a:p>
+        </p:txBody>
+      </p:sp>
+      <p:pic>
+        <p:nvPicPr>
+          <p:cNvPr id="17" name="Picture 16"/>
+          <p:cNvPicPr>
+            <a:picLocks noChangeAspect="1"/>
+          </p:cNvPicPr>
+          <p:nvPr/>
+        </p:nvPicPr>
+        <p:blipFill>
+          <a:blip r:embed="rId2">
+            <a:extLst>
+              <a:ext uri="{28A0092B-C50C-407E-A947-70E740481C1C}">
+                <a14:useLocalDpi xmlns:a14="http://schemas.microsoft.com/office/drawing/2010/main" val="0"/>
+              </a:ext>
+            </a:extLst>
+          </a:blip>
+          <a:stretch>
+            <a:fillRect/>
+          </a:stretch>
+        </p:blipFill>
+        <p:spPr>
+          <a:xfrm>
+            <a:off x="14031194" y="3929401"/>
+            <a:ext cx="1080000" cy="1080000"/>
+          </a:xfrm>
+          <a:prstGeom prst="rect">
+            <a:avLst/>
+          </a:prstGeom>
+        </p:spPr>
+      </p:pic>
+      <p:cxnSp>
+        <p:nvCxnSpPr>
+          <p:cNvPr id="18" name="Straight Arrow Connector 17"/>
+          <p:cNvCxnSpPr>
+            <a:stCxn id="16" idx="3"/>
+            <a:endCxn id="17" idx="1"/>
+          </p:cNvCxnSpPr>
+          <p:nvPr/>
+        </p:nvCxnSpPr>
+        <p:spPr>
+          <a:xfrm>
+            <a:off x="4988825" y="4469401"/>
+            <a:ext cx="1094123" cy="0"/>
+          </a:xfrm>
+          <a:prstGeom prst="straightConnector1">
+            <a:avLst/>
+          </a:prstGeom>
+          <a:ln w="38100">
+            <a:solidFill>
+              <a:schemeClr val="tx2"/>
+            </a:solidFill>
+            <a:tailEnd type="triangle"/>
+          </a:ln>
+        </p:spPr>
+        <p:style>
+          <a:lnRef idx="1">
+            <a:schemeClr val="accent1"/>
+          </a:lnRef>
+          <a:fillRef idx="0">
+            <a:schemeClr val="accent1"/>
+          </a:fillRef>
+          <a:effectRef idx="0">
+            <a:schemeClr val="accent1"/>
+          </a:effectRef>
+          <a:fontRef idx="minor">
+            <a:schemeClr val="tx1"/>
+          </a:fontRef>
+        </p:style>
+      </p:cxnSp>
+      <p:cxnSp>
+        <p:nvCxnSpPr>
+          <p:cNvPr id="19" name="Straight Arrow Connector 18"/>
+          <p:cNvCxnSpPr>
+            <a:stCxn id="17" idx="3"/>
+            <a:endCxn id="18" idx="1"/>
+          </p:cNvCxnSpPr>
+          <p:nvPr/>
+        </p:nvCxnSpPr>
+        <p:spPr>
+          <a:xfrm>
+            <a:off x="8962948" y="4469401"/>
+            <a:ext cx="1094123" cy="0"/>
+          </a:xfrm>
+          <a:prstGeom prst="straightConnector1">
+            <a:avLst/>
+          </a:prstGeom>
+          <a:ln w="38100">
+            <a:solidFill>
+              <a:schemeClr val="tx2"/>
+            </a:solidFill>
+            <a:tailEnd type="triangle"/>
+          </a:ln>
+        </p:spPr>
+        <p:style>
+          <a:lnRef idx="1">
+            <a:schemeClr val="accent1"/>
+          </a:lnRef>
+          <a:fillRef idx="0">
+            <a:schemeClr val="accent1"/>
+          </a:fillRef>
+          <a:effectRef idx="0">
+            <a:schemeClr val="accent1"/>
+          </a:effectRef>
+          <a:fontRef idx="minor">
+            <a:schemeClr val="tx1"/>
+          </a:fontRef>
+        </p:style>
+      </p:cxnSp>
+      <p:cxnSp>
+        <p:nvCxnSpPr>
+          <p:cNvPr id="20" name="Straight Arrow Connector 19"/>
+          <p:cNvCxnSpPr>
+            <a:stCxn id="19" idx="1"/>
+            <a:endCxn id="18" idx="3"/>
+          </p:cNvCxnSpPr>
+          <p:nvPr/>
+        </p:nvCxnSpPr>
+        <p:spPr>
+          <a:xfrm flipH="1">
+            <a:off x="12937071" y="4469401"/>
+            <a:ext cx="1094123" cy="0"/>
+          </a:xfrm>
+          <a:prstGeom prst="straightConnector1">
+            <a:avLst/>
+          </a:prstGeom>
+          <a:ln w="38100">
+            <a:solidFill>
+              <a:schemeClr val="tx2"/>
+            </a:solidFill>
+            <a:tailEnd type="triangle"/>
+          </a:ln>
+        </p:spPr>
+        <p:style>
+          <a:lnRef idx="1">
+            <a:schemeClr val="accent1"/>
+          </a:lnRef>
+          <a:fillRef idx="0">
+            <a:schemeClr val="accent1"/>
+          </a:fillRef>
+          <a:effectRef idx="0">
+            <a:schemeClr val="accent1"/>
+          </a:effectRef>
+          <a:fontRef idx="minor">
+            <a:schemeClr val="tx1"/>
+          </a:fontRef>
+        </p:style>
+      </p:cxnSp>
+      <p:sp>
+        <p:nvSpPr>
+          <p:cNvPr id="28" name="Rounded Rectangle 27"/>
+          <p:cNvSpPr/>
+          <p:nvPr/>
+        </p:nvSpPr>
+        <p:spPr>
+          <a:xfrm>
+            <a:off x="2108824" y="5486252"/>
+            <a:ext cx="2880000" cy="1800000"/>
+          </a:xfrm>
+          <a:prstGeom prst="roundRect">
+            <a:avLst/>
+          </a:prstGeom>
+          <a:solidFill>
+            <a:schemeClr val="accent4"/>
+          </a:solidFill>
+          <a:ln w="38100">
+            <a:solidFill>
+              <a:schemeClr val="tx2"/>
+            </a:solidFill>
+          </a:ln>
+        </p:spPr>
+        <p:style>
+          <a:lnRef idx="2">
+            <a:schemeClr val="accent1">
+              <a:shade val="50000"/>
+            </a:schemeClr>
+          </a:lnRef>
+          <a:fillRef idx="1">
+            <a:schemeClr val="accent1"/>
+          </a:fillRef>
+          <a:effectRef idx="0">
+            <a:schemeClr val="accent1"/>
+          </a:effectRef>
+          <a:fontRef idx="minor">
+            <a:schemeClr val="lt1"/>
+          </a:fontRef>
+        </p:style>
+        <p:txBody>
+          <a:bodyPr rtlCol="0" anchor="ctr"/>
+          <a:lstStyle/>
           <a:p>
             <a:pPr algn="ctr"/>
             <a:r>
@@ -5619,7 +6313,7 @@
                 <a:ea typeface="Georgia" charset="0"/>
                 <a:cs typeface="Georgia" charset="0"/>
               </a:rPr>
-              <a:t>Systems</a:t>
+              <a:t>Source System</a:t>
             </a:r>
             <a:endParaRPr lang="en-US" sz="1800" b="1" dirty="0">
               <a:solidFill>
@@ -5634,83 +6328,20 @@
       </p:sp>
       <p:sp>
         <p:nvSpPr>
-          <p:cNvPr id="5" name="Right Arrow 4"/>
+          <p:cNvPr id="29" name="Rounded Rectangle 28"/>
           <p:cNvSpPr/>
           <p:nvPr/>
         </p:nvSpPr>
         <p:spPr>
           <a:xfrm>
-            <a:off x="4331239" y="4738841"/>
-            <a:ext cx="3920713" cy="1195754"/>
-          </a:xfrm>
-          <a:prstGeom prst="rightArrow">
+            <a:off x="6082947" y="5486252"/>
+            <a:ext cx="2880000" cy="1800000"/>
+          </a:xfrm>
+          <a:prstGeom prst="roundRect">
             <a:avLst/>
           </a:prstGeom>
           <a:solidFill>
-            <a:schemeClr val="tx2">
-              <a:lumMod val="60000"/>
-              <a:lumOff val="40000"/>
-            </a:schemeClr>
-          </a:solidFill>
-          <a:ln w="38100">
-            <a:solidFill>
-              <a:schemeClr val="tx2"/>
-            </a:solidFill>
-          </a:ln>
-        </p:spPr>
-        <p:style>
-          <a:lnRef idx="2">
-            <a:schemeClr val="accent1">
-              <a:shade val="50000"/>
-            </a:schemeClr>
-          </a:lnRef>
-          <a:fillRef idx="1">
-            <a:schemeClr val="accent1"/>
-          </a:fillRef>
-          <a:effectRef idx="0">
-            <a:schemeClr val="accent1"/>
-          </a:effectRef>
-          <a:fontRef idx="minor">
-            <a:schemeClr val="lt1"/>
-          </a:fontRef>
-        </p:style>
-        <p:txBody>
-          <a:bodyPr rtlCol="0" anchor="ctr"/>
-          <a:lstStyle/>
-          <a:p>
-            <a:pPr algn="ctr"/>
-            <a:r>
-              <a:rPr lang="en-US" sz="1800" b="1" dirty="0" smtClean="0">
-                <a:latin typeface="Georgia" charset="0"/>
-                <a:ea typeface="Georgia" charset="0"/>
-                <a:cs typeface="Georgia" charset="0"/>
-              </a:rPr>
-              <a:t>Extract</a:t>
-            </a:r>
-            <a:endParaRPr lang="en-US" sz="1800" b="1" dirty="0">
-              <a:latin typeface="Georgia" charset="0"/>
-              <a:ea typeface="Georgia" charset="0"/>
-              <a:cs typeface="Georgia" charset="0"/>
-            </a:endParaRPr>
-          </a:p>
-        </p:txBody>
-      </p:sp>
-      <p:sp>
-        <p:nvSpPr>
-          <p:cNvPr id="6" name="Rounded Rectangle 5"/>
-          <p:cNvSpPr/>
-          <p:nvPr/>
-        </p:nvSpPr>
-        <p:spPr>
-          <a:xfrm>
-            <a:off x="8251952" y="3896718"/>
-            <a:ext cx="1800000" cy="2880000"/>
-          </a:xfrm>
-          <a:prstGeom prst="roundRect">
-            <a:avLst/>
-          </a:prstGeom>
-          <a:solidFill>
-            <a:schemeClr val="accent3"/>
+            <a:schemeClr val="accent2"/>
           </a:solidFill>
           <a:ln w="38100">
             <a:solidFill>
@@ -5748,7 +6379,7 @@
                 <a:ea typeface="Georgia" charset="0"/>
                 <a:cs typeface="Georgia" charset="0"/>
               </a:rPr>
-              <a:t>Data Staging Area</a:t>
+              <a:t>Staging Area</a:t>
             </a:r>
             <a:endParaRPr lang="en-US" sz="1800" b="1" dirty="0">
               <a:solidFill>
@@ -5763,83 +6394,20 @@
       </p:sp>
       <p:sp>
         <p:nvSpPr>
-          <p:cNvPr id="7" name="Right Arrow 6"/>
+          <p:cNvPr id="30" name="Rounded Rectangle 29"/>
           <p:cNvSpPr/>
           <p:nvPr/>
         </p:nvSpPr>
         <p:spPr>
           <a:xfrm>
-            <a:off x="10051952" y="4738841"/>
-            <a:ext cx="3920713" cy="1195754"/>
-          </a:xfrm>
-          <a:prstGeom prst="rightArrow">
+            <a:off x="10088002" y="7641336"/>
+            <a:ext cx="5054123" cy="1800000"/>
+          </a:xfrm>
+          <a:prstGeom prst="roundRect">
             <a:avLst/>
           </a:prstGeom>
           <a:solidFill>
-            <a:schemeClr val="tx2">
-              <a:lumMod val="60000"/>
-              <a:lumOff val="40000"/>
-            </a:schemeClr>
-          </a:solidFill>
-          <a:ln w="38100">
-            <a:solidFill>
-              <a:schemeClr val="tx2"/>
-            </a:solidFill>
-          </a:ln>
-        </p:spPr>
-        <p:style>
-          <a:lnRef idx="2">
-            <a:schemeClr val="accent1">
-              <a:shade val="50000"/>
-            </a:schemeClr>
-          </a:lnRef>
-          <a:fillRef idx="1">
-            <a:schemeClr val="accent1"/>
-          </a:fillRef>
-          <a:effectRef idx="0">
-            <a:schemeClr val="accent1"/>
-          </a:effectRef>
-          <a:fontRef idx="minor">
-            <a:schemeClr val="lt1"/>
-          </a:fontRef>
-        </p:style>
-        <p:txBody>
-          <a:bodyPr rtlCol="0" anchor="ctr"/>
-          <a:lstStyle/>
-          <a:p>
-            <a:pPr algn="ctr"/>
-            <a:r>
-              <a:rPr lang="en-US" sz="1800" b="1" dirty="0" smtClean="0">
-                <a:latin typeface="Georgia" charset="0"/>
-                <a:ea typeface="Georgia" charset="0"/>
-                <a:cs typeface="Georgia" charset="0"/>
-              </a:rPr>
-              <a:t>Load</a:t>
-            </a:r>
-            <a:endParaRPr lang="en-US" sz="1800" b="1" dirty="0">
-              <a:latin typeface="Georgia" charset="0"/>
-              <a:ea typeface="Georgia" charset="0"/>
-              <a:cs typeface="Georgia" charset="0"/>
-            </a:endParaRPr>
-          </a:p>
-        </p:txBody>
-      </p:sp>
-      <p:sp>
-        <p:nvSpPr>
-          <p:cNvPr id="9" name="Rounded Rectangle 8"/>
-          <p:cNvSpPr/>
-          <p:nvPr/>
-        </p:nvSpPr>
-        <p:spPr>
-          <a:xfrm>
-            <a:off x="13972665" y="3896718"/>
-            <a:ext cx="1800000" cy="2880000"/>
-          </a:xfrm>
-          <a:prstGeom prst="roundRect">
-            <a:avLst/>
-          </a:prstGeom>
-          <a:solidFill>
-            <a:schemeClr val="accent2"/>
+            <a:schemeClr val="accent1"/>
           </a:solidFill>
           <a:ln w="38100">
             <a:solidFill>
@@ -5877,7 +6445,7 @@
                 <a:ea typeface="Georgia" charset="0"/>
                 <a:cs typeface="Georgia" charset="0"/>
               </a:rPr>
-              <a:t>DWH</a:t>
+              <a:t>Dependent Data Marts</a:t>
             </a:r>
             <a:endParaRPr lang="en-US" sz="1800" b="1" dirty="0">
               <a:solidFill>
@@ -5890,18 +6458,186 @@
           </a:p>
         </p:txBody>
       </p:sp>
-      <p:sp>
-        <p:nvSpPr>
-          <p:cNvPr id="10" name="Rectangle 9"/>
+      <p:pic>
+        <p:nvPicPr>
+          <p:cNvPr id="31" name="Picture 30"/>
+          <p:cNvPicPr>
+            <a:picLocks noChangeAspect="1"/>
+          </p:cNvPicPr>
+          <p:nvPr/>
+        </p:nvPicPr>
+        <p:blipFill>
+          <a:blip r:embed="rId2">
+            <a:extLst>
+              <a:ext uri="{28A0092B-C50C-407E-A947-70E740481C1C}">
+                <a14:useLocalDpi xmlns:a14="http://schemas.microsoft.com/office/drawing/2010/main" val="0"/>
+              </a:ext>
+            </a:extLst>
+          </a:blip>
+          <a:stretch>
+            <a:fillRect/>
+          </a:stretch>
+        </p:blipFill>
+        <p:spPr>
+          <a:xfrm>
+            <a:off x="14031193" y="5846252"/>
+            <a:ext cx="1080000" cy="1080000"/>
+          </a:xfrm>
+          <a:prstGeom prst="rect">
+            <a:avLst/>
+          </a:prstGeom>
+        </p:spPr>
+      </p:pic>
+      <p:cxnSp>
+        <p:nvCxnSpPr>
+          <p:cNvPr id="32" name="Straight Arrow Connector 31"/>
+          <p:cNvCxnSpPr/>
+          <p:nvPr/>
+        </p:nvCxnSpPr>
+        <p:spPr>
+          <a:xfrm>
+            <a:off x="4988824" y="6386252"/>
+            <a:ext cx="1094123" cy="0"/>
+          </a:xfrm>
+          <a:prstGeom prst="straightConnector1">
+            <a:avLst/>
+          </a:prstGeom>
+          <a:ln w="38100">
+            <a:solidFill>
+              <a:schemeClr val="tx2"/>
+            </a:solidFill>
+            <a:tailEnd type="triangle"/>
+          </a:ln>
+        </p:spPr>
+        <p:style>
+          <a:lnRef idx="1">
+            <a:schemeClr val="accent1"/>
+          </a:lnRef>
+          <a:fillRef idx="0">
+            <a:schemeClr val="accent1"/>
+          </a:fillRef>
+          <a:effectRef idx="0">
+            <a:schemeClr val="accent1"/>
+          </a:effectRef>
+          <a:fontRef idx="minor">
+            <a:schemeClr val="tx1"/>
+          </a:fontRef>
+        </p:style>
+      </p:cxnSp>
+      <p:cxnSp>
+        <p:nvCxnSpPr>
+          <p:cNvPr id="34" name="Straight Arrow Connector 33"/>
+          <p:cNvCxnSpPr/>
+          <p:nvPr/>
+        </p:nvCxnSpPr>
+        <p:spPr>
+          <a:xfrm flipH="1">
+            <a:off x="12937070" y="6386252"/>
+            <a:ext cx="1094123" cy="0"/>
+          </a:xfrm>
+          <a:prstGeom prst="straightConnector1">
+            <a:avLst/>
+          </a:prstGeom>
+          <a:ln w="38100">
+            <a:solidFill>
+              <a:schemeClr val="tx2"/>
+            </a:solidFill>
+            <a:tailEnd type="triangle"/>
+          </a:ln>
+        </p:spPr>
+        <p:style>
+          <a:lnRef idx="1">
+            <a:schemeClr val="accent1"/>
+          </a:lnRef>
+          <a:fillRef idx="0">
+            <a:schemeClr val="accent1"/>
+          </a:fillRef>
+          <a:effectRef idx="0">
+            <a:schemeClr val="accent1"/>
+          </a:effectRef>
+          <a:fontRef idx="minor">
+            <a:schemeClr val="tx1"/>
+          </a:fontRef>
+        </p:style>
+      </p:cxnSp>
+      <p:sp>
+        <p:nvSpPr>
+          <p:cNvPr id="47" name="Rounded Rectangle 46"/>
           <p:cNvSpPr/>
           <p:nvPr/>
         </p:nvSpPr>
         <p:spPr>
           <a:xfrm>
-            <a:off x="12201272" y="8300886"/>
-            <a:ext cx="5342785" cy="720000"/>
-          </a:xfrm>
-          <a:prstGeom prst="rect">
+            <a:off x="2108824" y="9781183"/>
+            <a:ext cx="2880000" cy="1800000"/>
+          </a:xfrm>
+          <a:prstGeom prst="roundRect">
+            <a:avLst/>
+          </a:prstGeom>
+          <a:solidFill>
+            <a:schemeClr val="accent4"/>
+          </a:solidFill>
+          <a:ln w="38100">
+            <a:solidFill>
+              <a:schemeClr val="tx2"/>
+            </a:solidFill>
+          </a:ln>
+        </p:spPr>
+        <p:style>
+          <a:lnRef idx="2">
+            <a:schemeClr val="accent1">
+              <a:shade val="50000"/>
+            </a:schemeClr>
+          </a:lnRef>
+          <a:fillRef idx="1">
+            <a:schemeClr val="accent1"/>
+          </a:fillRef>
+          <a:effectRef idx="0">
+            <a:schemeClr val="accent1"/>
+          </a:effectRef>
+          <a:fontRef idx="minor">
+            <a:schemeClr val="lt1"/>
+          </a:fontRef>
+        </p:style>
+        <p:txBody>
+          <a:bodyPr rtlCol="0" anchor="ctr"/>
+          <a:lstStyle/>
+          <a:p>
+            <a:pPr algn="ctr"/>
+            <a:r>
+              <a:rPr lang="en-US" sz="1800" b="1" dirty="0" smtClean="0">
+                <a:solidFill>
+                  <a:schemeClr val="bg1"/>
+                </a:solidFill>
+                <a:latin typeface="Georgia" charset="0"/>
+                <a:ea typeface="Georgia" charset="0"/>
+                <a:cs typeface="Georgia" charset="0"/>
+              </a:rPr>
+              <a:t>Source System</a:t>
+            </a:r>
+            <a:endParaRPr lang="en-US" sz="1800" b="1" dirty="0">
+              <a:solidFill>
+                <a:schemeClr val="bg1"/>
+              </a:solidFill>
+              <a:latin typeface="Georgia" charset="0"/>
+              <a:ea typeface="Georgia" charset="0"/>
+              <a:cs typeface="Georgia" charset="0"/>
+            </a:endParaRPr>
+          </a:p>
+        </p:txBody>
+      </p:sp>
+      <p:sp>
+        <p:nvSpPr>
+          <p:cNvPr id="48" name="Rounded Rectangle 47"/>
+          <p:cNvSpPr/>
+          <p:nvPr/>
+        </p:nvSpPr>
+        <p:spPr>
+          <a:xfrm>
+            <a:off x="6082947" y="9781183"/>
+            <a:ext cx="2880000" cy="1800000"/>
+          </a:xfrm>
+          <a:prstGeom prst="roundRect">
             <a:avLst/>
           </a:prstGeom>
           <a:solidFill>
@@ -5912,7 +6648,6 @@
               <a:schemeClr val="tx2"/>
             </a:solidFill>
           </a:ln>
-          <a:effectLst/>
         </p:spPr>
         <p:style>
           <a:lnRef idx="2">
@@ -5937,24 +6672,19 @@
             <a:pPr algn="ctr"/>
             <a:r>
               <a:rPr lang="en-US" sz="1800" b="1" dirty="0" smtClean="0">
+                <a:solidFill>
+                  <a:schemeClr val="bg1"/>
+                </a:solidFill>
                 <a:latin typeface="Georgia" charset="0"/>
                 <a:ea typeface="Georgia" charset="0"/>
                 <a:cs typeface="Georgia" charset="0"/>
               </a:rPr>
-              <a:t>Data Analysis &amp;</a:t>
-            </a:r>
-          </a:p>
-          <a:p>
-            <a:pPr algn="ctr"/>
-            <a:r>
-              <a:rPr lang="en-US" sz="1800" b="1" dirty="0" smtClean="0">
-                <a:latin typeface="Georgia" charset="0"/>
-                <a:ea typeface="Georgia" charset="0"/>
-                <a:cs typeface="Georgia" charset="0"/>
-              </a:rPr>
-              <a:t>Visualization Tools</a:t>
+              <a:t>Staging Area</a:t>
             </a:r>
             <a:endParaRPr lang="en-US" sz="1800" b="1" dirty="0">
+              <a:solidFill>
+                <a:schemeClr val="bg1"/>
+              </a:solidFill>
               <a:latin typeface="Georgia" charset="0"/>
               <a:ea typeface="Georgia" charset="0"/>
               <a:cs typeface="Georgia" charset="0"/>
@@ -5964,23 +6694,20 @@
       </p:sp>
       <p:sp>
         <p:nvSpPr>
-          <p:cNvPr id="11" name="Right Arrow 10"/>
+          <p:cNvPr id="49" name="Rounded Rectangle 48"/>
           <p:cNvSpPr/>
           <p:nvPr/>
         </p:nvSpPr>
         <p:spPr>
-          <a:xfrm rot="16200000">
-            <a:off x="14110581" y="6940924"/>
-            <a:ext cx="1524168" cy="1195754"/>
-          </a:xfrm>
-          <a:prstGeom prst="rightArrow">
+          <a:xfrm>
+            <a:off x="10057070" y="9781183"/>
+            <a:ext cx="2880000" cy="1800000"/>
+          </a:xfrm>
+          <a:prstGeom prst="roundRect">
             <a:avLst/>
           </a:prstGeom>
           <a:solidFill>
-            <a:schemeClr val="tx2">
-              <a:lumMod val="60000"/>
-              <a:lumOff val="40000"/>
-            </a:schemeClr>
+            <a:schemeClr val="accent3"/>
           </a:solidFill>
           <a:ln w="38100">
             <a:solidFill>
@@ -6009,7 +6736,21 @@
           <a:lstStyle/>
           <a:p>
             <a:pPr algn="ctr"/>
+            <a:r>
+              <a:rPr lang="en-US" sz="1800" b="1" dirty="0" smtClean="0">
+                <a:solidFill>
+                  <a:schemeClr val="bg1"/>
+                </a:solidFill>
+                <a:latin typeface="Georgia" charset="0"/>
+                <a:ea typeface="Georgia" charset="0"/>
+                <a:cs typeface="Georgia" charset="0"/>
+              </a:rPr>
+              <a:t>Normalized Relational DWH</a:t>
+            </a:r>
             <a:endParaRPr lang="en-US" sz="1800" b="1" dirty="0">
+              <a:solidFill>
+                <a:schemeClr val="bg1"/>
+              </a:solidFill>
               <a:latin typeface="Georgia" charset="0"/>
               <a:ea typeface="Georgia" charset="0"/>
               <a:cs typeface="Georgia" charset="0"/>
@@ -6017,10 +6758,635 @@
           </a:p>
         </p:txBody>
       </p:sp>
+      <p:pic>
+        <p:nvPicPr>
+          <p:cNvPr id="50" name="Picture 49"/>
+          <p:cNvPicPr>
+            <a:picLocks noChangeAspect="1"/>
+          </p:cNvPicPr>
+          <p:nvPr/>
+        </p:nvPicPr>
+        <p:blipFill>
+          <a:blip r:embed="rId2">
+            <a:extLst>
+              <a:ext uri="{28A0092B-C50C-407E-A947-70E740481C1C}">
+                <a14:useLocalDpi xmlns:a14="http://schemas.microsoft.com/office/drawing/2010/main" val="0"/>
+              </a:ext>
+            </a:extLst>
+          </a:blip>
+          <a:stretch>
+            <a:fillRect/>
+          </a:stretch>
+        </p:blipFill>
+        <p:spPr>
+          <a:xfrm>
+            <a:off x="14031193" y="10141183"/>
+            <a:ext cx="1080000" cy="1080000"/>
+          </a:xfrm>
+          <a:prstGeom prst="rect">
+            <a:avLst/>
+          </a:prstGeom>
+        </p:spPr>
+      </p:pic>
+      <p:cxnSp>
+        <p:nvCxnSpPr>
+          <p:cNvPr id="51" name="Straight Arrow Connector 50"/>
+          <p:cNvCxnSpPr/>
+          <p:nvPr/>
+        </p:nvCxnSpPr>
+        <p:spPr>
+          <a:xfrm>
+            <a:off x="4988824" y="10681183"/>
+            <a:ext cx="1094123" cy="0"/>
+          </a:xfrm>
+          <a:prstGeom prst="straightConnector1">
+            <a:avLst/>
+          </a:prstGeom>
+          <a:ln w="38100">
+            <a:solidFill>
+              <a:schemeClr val="tx2"/>
+            </a:solidFill>
+            <a:tailEnd type="triangle"/>
+          </a:ln>
+        </p:spPr>
+        <p:style>
+          <a:lnRef idx="1">
+            <a:schemeClr val="accent1"/>
+          </a:lnRef>
+          <a:fillRef idx="0">
+            <a:schemeClr val="accent1"/>
+          </a:fillRef>
+          <a:effectRef idx="0">
+            <a:schemeClr val="accent1"/>
+          </a:effectRef>
+          <a:fontRef idx="minor">
+            <a:schemeClr val="tx1"/>
+          </a:fontRef>
+        </p:style>
+      </p:cxnSp>
+      <p:cxnSp>
+        <p:nvCxnSpPr>
+          <p:cNvPr id="52" name="Straight Arrow Connector 51"/>
+          <p:cNvCxnSpPr/>
+          <p:nvPr/>
+        </p:nvCxnSpPr>
+        <p:spPr>
+          <a:xfrm>
+            <a:off x="8962947" y="10681183"/>
+            <a:ext cx="1094123" cy="0"/>
+          </a:xfrm>
+          <a:prstGeom prst="straightConnector1">
+            <a:avLst/>
+          </a:prstGeom>
+          <a:ln w="38100">
+            <a:solidFill>
+              <a:schemeClr val="tx2"/>
+            </a:solidFill>
+            <a:tailEnd type="triangle"/>
+          </a:ln>
+        </p:spPr>
+        <p:style>
+          <a:lnRef idx="1">
+            <a:schemeClr val="accent1"/>
+          </a:lnRef>
+          <a:fillRef idx="0">
+            <a:schemeClr val="accent1"/>
+          </a:fillRef>
+          <a:effectRef idx="0">
+            <a:schemeClr val="accent1"/>
+          </a:effectRef>
+          <a:fontRef idx="minor">
+            <a:schemeClr val="tx1"/>
+          </a:fontRef>
+        </p:style>
+      </p:cxnSp>
+      <p:cxnSp>
+        <p:nvCxnSpPr>
+          <p:cNvPr id="53" name="Straight Arrow Connector 52"/>
+          <p:cNvCxnSpPr/>
+          <p:nvPr/>
+        </p:nvCxnSpPr>
+        <p:spPr>
+          <a:xfrm flipH="1">
+            <a:off x="12937070" y="10681183"/>
+            <a:ext cx="1094123" cy="0"/>
+          </a:xfrm>
+          <a:prstGeom prst="straightConnector1">
+            <a:avLst/>
+          </a:prstGeom>
+          <a:ln w="38100">
+            <a:solidFill>
+              <a:schemeClr val="tx2"/>
+            </a:solidFill>
+            <a:tailEnd type="triangle"/>
+          </a:ln>
+        </p:spPr>
+        <p:style>
+          <a:lnRef idx="1">
+            <a:schemeClr val="accent1"/>
+          </a:lnRef>
+          <a:fillRef idx="0">
+            <a:schemeClr val="accent1"/>
+          </a:fillRef>
+          <a:effectRef idx="0">
+            <a:schemeClr val="accent1"/>
+          </a:effectRef>
+          <a:fontRef idx="minor">
+            <a:schemeClr val="tx1"/>
+          </a:fontRef>
+        </p:style>
+      </p:cxnSp>
+      <p:sp>
+        <p:nvSpPr>
+          <p:cNvPr id="54" name="Rounded Rectangle 53"/>
+          <p:cNvSpPr/>
+          <p:nvPr/>
+        </p:nvSpPr>
+        <p:spPr>
+          <a:xfrm>
+            <a:off x="6082946" y="11703094"/>
+            <a:ext cx="2880000" cy="1800000"/>
+          </a:xfrm>
+          <a:prstGeom prst="roundRect">
+            <a:avLst/>
+          </a:prstGeom>
+          <a:solidFill>
+            <a:schemeClr val="accent3"/>
+          </a:solidFill>
+          <a:ln w="38100">
+            <a:solidFill>
+              <a:schemeClr val="tx2"/>
+            </a:solidFill>
+          </a:ln>
+        </p:spPr>
+        <p:style>
+          <a:lnRef idx="2">
+            <a:schemeClr val="accent1">
+              <a:shade val="50000"/>
+            </a:schemeClr>
+          </a:lnRef>
+          <a:fillRef idx="1">
+            <a:schemeClr val="accent1"/>
+          </a:fillRef>
+          <a:effectRef idx="0">
+            <a:schemeClr val="accent1"/>
+          </a:effectRef>
+          <a:fontRef idx="minor">
+            <a:schemeClr val="lt1"/>
+          </a:fontRef>
+        </p:style>
+        <p:txBody>
+          <a:bodyPr rtlCol="0" anchor="ctr"/>
+          <a:lstStyle/>
+          <a:p>
+            <a:pPr algn="ctr"/>
+            <a:r>
+              <a:rPr lang="en-US" sz="1800" b="1" dirty="0" smtClean="0">
+                <a:solidFill>
+                  <a:schemeClr val="bg1"/>
+                </a:solidFill>
+                <a:latin typeface="Georgia" charset="0"/>
+                <a:ea typeface="Georgia" charset="0"/>
+                <a:cs typeface="Georgia" charset="0"/>
+              </a:rPr>
+              <a:t>Logical / Physical</a:t>
+            </a:r>
+          </a:p>
+          <a:p>
+            <a:pPr algn="ctr"/>
+            <a:r>
+              <a:rPr lang="en-US" sz="1800" b="1" dirty="0">
+                <a:solidFill>
+                  <a:schemeClr val="bg1"/>
+                </a:solidFill>
+                <a:latin typeface="Georgia" charset="0"/>
+                <a:ea typeface="Georgia" charset="0"/>
+                <a:cs typeface="Georgia" charset="0"/>
+              </a:rPr>
+              <a:t>i</a:t>
+            </a:r>
+            <a:r>
+              <a:rPr lang="en-US" sz="1800" b="1" dirty="0" smtClean="0">
+                <a:solidFill>
+                  <a:schemeClr val="bg1"/>
+                </a:solidFill>
+                <a:latin typeface="Georgia" charset="0"/>
+                <a:ea typeface="Georgia" charset="0"/>
+                <a:cs typeface="Georgia" charset="0"/>
+              </a:rPr>
+              <a:t>ntegration of </a:t>
+            </a:r>
+          </a:p>
+          <a:p>
+            <a:pPr algn="ctr"/>
+            <a:r>
+              <a:rPr lang="en-US" sz="1800" b="1" dirty="0" smtClean="0">
+                <a:solidFill>
+                  <a:schemeClr val="bg1"/>
+                </a:solidFill>
+                <a:latin typeface="Georgia" charset="0"/>
+                <a:ea typeface="Georgia" charset="0"/>
+                <a:cs typeface="Georgia" charset="0"/>
+              </a:rPr>
+              <a:t>common elements</a:t>
+            </a:r>
+            <a:endParaRPr lang="en-US" sz="1800" b="1" dirty="0">
+              <a:solidFill>
+                <a:schemeClr val="bg1"/>
+              </a:solidFill>
+              <a:latin typeface="Georgia" charset="0"/>
+              <a:ea typeface="Georgia" charset="0"/>
+              <a:cs typeface="Georgia" charset="0"/>
+            </a:endParaRPr>
+          </a:p>
+        </p:txBody>
+      </p:sp>
+      <p:sp>
+        <p:nvSpPr>
+          <p:cNvPr id="55" name="Rounded Rectangle 54"/>
+          <p:cNvSpPr/>
+          <p:nvPr/>
+        </p:nvSpPr>
+        <p:spPr>
+          <a:xfrm>
+            <a:off x="2108824" y="11703094"/>
+            <a:ext cx="2880000" cy="1800000"/>
+          </a:xfrm>
+          <a:prstGeom prst="roundRect">
+            <a:avLst/>
+          </a:prstGeom>
+          <a:solidFill>
+            <a:schemeClr val="accent2"/>
+          </a:solidFill>
+          <a:ln w="38100">
+            <a:solidFill>
+              <a:schemeClr val="tx2"/>
+            </a:solidFill>
+          </a:ln>
+        </p:spPr>
+        <p:style>
+          <a:lnRef idx="2">
+            <a:schemeClr val="accent1">
+              <a:shade val="50000"/>
+            </a:schemeClr>
+          </a:lnRef>
+          <a:fillRef idx="1">
+            <a:schemeClr val="accent1"/>
+          </a:fillRef>
+          <a:effectRef idx="0">
+            <a:schemeClr val="accent1"/>
+          </a:effectRef>
+          <a:fontRef idx="minor">
+            <a:schemeClr val="lt1"/>
+          </a:fontRef>
+        </p:style>
+        <p:txBody>
+          <a:bodyPr rtlCol="0" anchor="ctr"/>
+          <a:lstStyle/>
+          <a:p>
+            <a:pPr algn="ctr"/>
+            <a:r>
+              <a:rPr lang="en-US" sz="1800" b="1" dirty="0" smtClean="0">
+                <a:solidFill>
+                  <a:schemeClr val="bg1"/>
+                </a:solidFill>
+                <a:latin typeface="Georgia" charset="0"/>
+                <a:ea typeface="Georgia" charset="0"/>
+                <a:cs typeface="Georgia" charset="0"/>
+              </a:rPr>
+              <a:t>Existing DWH / </a:t>
+            </a:r>
+          </a:p>
+          <a:p>
+            <a:pPr algn="ctr"/>
+            <a:r>
+              <a:rPr lang="en-US" sz="1800" b="1" dirty="0" smtClean="0">
+                <a:solidFill>
+                  <a:schemeClr val="bg1"/>
+                </a:solidFill>
+                <a:latin typeface="Georgia" charset="0"/>
+                <a:ea typeface="Georgia" charset="0"/>
+                <a:cs typeface="Georgia" charset="0"/>
+              </a:rPr>
+              <a:t>Data Marts /</a:t>
+            </a:r>
+          </a:p>
+          <a:p>
+            <a:pPr algn="ctr"/>
+            <a:r>
+              <a:rPr lang="en-US" sz="1800" b="1" dirty="0" smtClean="0">
+                <a:solidFill>
+                  <a:schemeClr val="bg1"/>
+                </a:solidFill>
+                <a:latin typeface="Georgia" charset="0"/>
+                <a:ea typeface="Georgia" charset="0"/>
+                <a:cs typeface="Georgia" charset="0"/>
+              </a:rPr>
+              <a:t>Legacy</a:t>
+            </a:r>
+            <a:endParaRPr lang="en-US" sz="1800" b="1" dirty="0">
+              <a:solidFill>
+                <a:schemeClr val="bg1"/>
+              </a:solidFill>
+              <a:latin typeface="Georgia" charset="0"/>
+              <a:ea typeface="Georgia" charset="0"/>
+              <a:cs typeface="Georgia" charset="0"/>
+            </a:endParaRPr>
+          </a:p>
+        </p:txBody>
+      </p:sp>
+      <p:cxnSp>
+        <p:nvCxnSpPr>
+          <p:cNvPr id="57" name="Straight Arrow Connector 56"/>
+          <p:cNvCxnSpPr>
+            <a:stCxn id="55" idx="3"/>
+            <a:endCxn id="54" idx="1"/>
+          </p:cNvCxnSpPr>
+          <p:nvPr/>
+        </p:nvCxnSpPr>
+        <p:spPr>
+          <a:xfrm>
+            <a:off x="4988824" y="12603094"/>
+            <a:ext cx="1094122" cy="0"/>
+          </a:xfrm>
+          <a:prstGeom prst="straightConnector1">
+            <a:avLst/>
+          </a:prstGeom>
+          <a:ln w="38100">
+            <a:solidFill>
+              <a:schemeClr val="tx2"/>
+            </a:solidFill>
+            <a:tailEnd type="triangle"/>
+          </a:ln>
+        </p:spPr>
+        <p:style>
+          <a:lnRef idx="1">
+            <a:schemeClr val="accent1"/>
+          </a:lnRef>
+          <a:fillRef idx="0">
+            <a:schemeClr val="accent1"/>
+          </a:fillRef>
+          <a:effectRef idx="0">
+            <a:schemeClr val="accent1"/>
+          </a:effectRef>
+          <a:fontRef idx="minor">
+            <a:schemeClr val="tx1"/>
+          </a:fontRef>
+        </p:style>
+      </p:cxnSp>
+      <p:pic>
+        <p:nvPicPr>
+          <p:cNvPr id="58" name="Picture 57"/>
+          <p:cNvPicPr>
+            <a:picLocks noChangeAspect="1"/>
+          </p:cNvPicPr>
+          <p:nvPr/>
+        </p:nvPicPr>
+        <p:blipFill>
+          <a:blip r:embed="rId2">
+            <a:extLst>
+              <a:ext uri="{28A0092B-C50C-407E-A947-70E740481C1C}">
+                <a14:useLocalDpi xmlns:a14="http://schemas.microsoft.com/office/drawing/2010/main" val="0"/>
+              </a:ext>
+            </a:extLst>
+          </a:blip>
+          <a:stretch>
+            <a:fillRect/>
+          </a:stretch>
+        </p:blipFill>
+        <p:spPr>
+          <a:xfrm>
+            <a:off x="10088002" y="12063094"/>
+            <a:ext cx="1080000" cy="1080000"/>
+          </a:xfrm>
+          <a:prstGeom prst="rect">
+            <a:avLst/>
+          </a:prstGeom>
+        </p:spPr>
+      </p:pic>
+      <p:cxnSp>
+        <p:nvCxnSpPr>
+          <p:cNvPr id="59" name="Straight Arrow Connector 58"/>
+          <p:cNvCxnSpPr>
+            <a:endCxn id="54" idx="3"/>
+          </p:cNvCxnSpPr>
+          <p:nvPr/>
+        </p:nvCxnSpPr>
+        <p:spPr>
+          <a:xfrm flipH="1">
+            <a:off x="8962946" y="12603094"/>
+            <a:ext cx="1125057" cy="0"/>
+          </a:xfrm>
+          <a:prstGeom prst="straightConnector1">
+            <a:avLst/>
+          </a:prstGeom>
+          <a:ln w="38100">
+            <a:solidFill>
+              <a:schemeClr val="tx2"/>
+            </a:solidFill>
+            <a:tailEnd type="triangle"/>
+          </a:ln>
+        </p:spPr>
+        <p:style>
+          <a:lnRef idx="1">
+            <a:schemeClr val="accent1"/>
+          </a:lnRef>
+          <a:fillRef idx="0">
+            <a:schemeClr val="accent1"/>
+          </a:fillRef>
+          <a:effectRef idx="0">
+            <a:schemeClr val="accent1"/>
+          </a:effectRef>
+          <a:fontRef idx="minor">
+            <a:schemeClr val="tx1"/>
+          </a:fontRef>
+        </p:style>
+      </p:cxnSp>
+      <p:sp>
+        <p:nvSpPr>
+          <p:cNvPr id="61" name="Rounded Rectangle 60"/>
+          <p:cNvSpPr/>
+          <p:nvPr/>
+        </p:nvSpPr>
+        <p:spPr>
+          <a:xfrm>
+            <a:off x="10057070" y="5492327"/>
+            <a:ext cx="2880000" cy="1800000"/>
+          </a:xfrm>
+          <a:prstGeom prst="roundRect">
+            <a:avLst/>
+          </a:prstGeom>
+          <a:solidFill>
+            <a:schemeClr val="accent3"/>
+          </a:solidFill>
+          <a:ln w="38100">
+            <a:solidFill>
+              <a:schemeClr val="tx2"/>
+            </a:solidFill>
+          </a:ln>
+        </p:spPr>
+        <p:style>
+          <a:lnRef idx="2">
+            <a:schemeClr val="accent1">
+              <a:shade val="50000"/>
+            </a:schemeClr>
+          </a:lnRef>
+          <a:fillRef idx="1">
+            <a:schemeClr val="accent1"/>
+          </a:fillRef>
+          <a:effectRef idx="0">
+            <a:schemeClr val="accent1"/>
+          </a:effectRef>
+          <a:fontRef idx="minor">
+            <a:schemeClr val="lt1"/>
+          </a:fontRef>
+        </p:style>
+        <p:txBody>
+          <a:bodyPr rtlCol="0" anchor="ctr"/>
+          <a:lstStyle/>
+          <a:p>
+            <a:pPr algn="ctr"/>
+            <a:r>
+              <a:rPr lang="en-US" sz="1800" b="1" dirty="0" smtClean="0">
+                <a:solidFill>
+                  <a:schemeClr val="bg1"/>
+                </a:solidFill>
+                <a:latin typeface="Georgia" charset="0"/>
+                <a:ea typeface="Georgia" charset="0"/>
+                <a:cs typeface="Georgia" charset="0"/>
+              </a:rPr>
+              <a:t>Normalized Relational DWH</a:t>
+            </a:r>
+            <a:endParaRPr lang="en-US" sz="1800" b="1" dirty="0">
+              <a:solidFill>
+                <a:schemeClr val="bg1"/>
+              </a:solidFill>
+              <a:latin typeface="Georgia" charset="0"/>
+              <a:ea typeface="Georgia" charset="0"/>
+              <a:cs typeface="Georgia" charset="0"/>
+            </a:endParaRPr>
+          </a:p>
+        </p:txBody>
+      </p:sp>
+      <p:cxnSp>
+        <p:nvCxnSpPr>
+          <p:cNvPr id="63" name="Straight Arrow Connector 62"/>
+          <p:cNvCxnSpPr>
+            <a:stCxn id="29" idx="3"/>
+            <a:endCxn id="61" idx="1"/>
+          </p:cNvCxnSpPr>
+          <p:nvPr/>
+        </p:nvCxnSpPr>
+        <p:spPr>
+          <a:xfrm>
+            <a:off x="8962947" y="6386252"/>
+            <a:ext cx="1094123" cy="6075"/>
+          </a:xfrm>
+          <a:prstGeom prst="straightConnector1">
+            <a:avLst/>
+          </a:prstGeom>
+          <a:ln w="38100">
+            <a:solidFill>
+              <a:schemeClr val="tx2"/>
+            </a:solidFill>
+            <a:tailEnd type="triangle"/>
+          </a:ln>
+        </p:spPr>
+        <p:style>
+          <a:lnRef idx="1">
+            <a:schemeClr val="accent1"/>
+          </a:lnRef>
+          <a:fillRef idx="0">
+            <a:schemeClr val="accent1"/>
+          </a:fillRef>
+          <a:effectRef idx="0">
+            <a:schemeClr val="accent1"/>
+          </a:effectRef>
+          <a:fontRef idx="minor">
+            <a:schemeClr val="tx1"/>
+          </a:fontRef>
+        </p:style>
+      </p:cxnSp>
+      <p:cxnSp>
+        <p:nvCxnSpPr>
+          <p:cNvPr id="66" name="Straight Arrow Connector 65"/>
+          <p:cNvCxnSpPr>
+            <a:stCxn id="61" idx="2"/>
+          </p:cNvCxnSpPr>
+          <p:nvPr/>
+        </p:nvCxnSpPr>
+        <p:spPr>
+          <a:xfrm>
+            <a:off x="11497070" y="7292327"/>
+            <a:ext cx="0" cy="349009"/>
+          </a:xfrm>
+          <a:prstGeom prst="straightConnector1">
+            <a:avLst/>
+          </a:prstGeom>
+          <a:ln w="38100">
+            <a:solidFill>
+              <a:schemeClr val="tx2"/>
+            </a:solidFill>
+            <a:tailEnd type="triangle"/>
+          </a:ln>
+        </p:spPr>
+        <p:style>
+          <a:lnRef idx="1">
+            <a:schemeClr val="accent1"/>
+          </a:lnRef>
+          <a:fillRef idx="0">
+            <a:schemeClr val="accent1"/>
+          </a:fillRef>
+          <a:effectRef idx="0">
+            <a:schemeClr val="accent1"/>
+          </a:effectRef>
+          <a:fontRef idx="minor">
+            <a:schemeClr val="tx1"/>
+          </a:fontRef>
+        </p:style>
+      </p:cxnSp>
+      <p:cxnSp>
+        <p:nvCxnSpPr>
+          <p:cNvPr id="68" name="Straight Arrow Connector 67"/>
+          <p:cNvCxnSpPr>
+            <a:stCxn id="31" idx="2"/>
+          </p:cNvCxnSpPr>
+          <p:nvPr/>
+        </p:nvCxnSpPr>
+        <p:spPr>
+          <a:xfrm>
+            <a:off x="14571193" y="6926252"/>
+            <a:ext cx="0" cy="715084"/>
+          </a:xfrm>
+          <a:prstGeom prst="straightConnector1">
+            <a:avLst/>
+          </a:prstGeom>
+          <a:ln w="38100">
+            <a:solidFill>
+              <a:schemeClr val="tx2"/>
+            </a:solidFill>
+            <a:tailEnd type="triangle"/>
+          </a:ln>
+        </p:spPr>
+        <p:style>
+          <a:lnRef idx="1">
+            <a:schemeClr val="accent1"/>
+          </a:lnRef>
+          <a:fillRef idx="0">
+            <a:schemeClr val="accent1"/>
+          </a:fillRef>
+          <a:effectRef idx="0">
+            <a:schemeClr val="accent1"/>
+          </a:effectRef>
+          <a:fontRef idx="minor">
+            <a:schemeClr val="tx1"/>
+          </a:fontRef>
+        </p:style>
+      </p:cxnSp>
     </p:spTree>
     <p:extLst>
       <p:ext uri="{BB962C8B-B14F-4D97-AF65-F5344CB8AC3E}">
-        <p14:creationId xmlns:p14="http://schemas.microsoft.com/office/powerpoint/2010/main" val="564175251"/>
+        <p14:creationId xmlns:p14="http://schemas.microsoft.com/office/powerpoint/2010/main" val="883693571"/>
       </p:ext>
     </p:extLst>
   </p:cSld>
@@ -6084,7 +7450,7 @@
             <a:pPr algn="ctr"/>
             <a:r>
               <a:rPr lang="en-US" sz="7000" b="1" dirty="0" smtClean="0"/>
-              <a:t>diagram_hadoop201_model2</a:t>
+              <a:t>diagram_hadoop201_model1</a:t>
             </a:r>
             <a:endParaRPr lang="id-ID" sz="7000" b="1" dirty="0">
               <a:solidFill>
@@ -6193,6 +7559,558 @@
         <p:spPr>
           <a:xfrm>
             <a:off x="4331239" y="4738841"/>
+            <a:ext cx="3920713" cy="1195754"/>
+          </a:xfrm>
+          <a:prstGeom prst="rightArrow">
+            <a:avLst/>
+          </a:prstGeom>
+          <a:solidFill>
+            <a:schemeClr val="tx2">
+              <a:lumMod val="60000"/>
+              <a:lumOff val="40000"/>
+            </a:schemeClr>
+          </a:solidFill>
+          <a:ln w="38100">
+            <a:solidFill>
+              <a:schemeClr val="tx2"/>
+            </a:solidFill>
+          </a:ln>
+        </p:spPr>
+        <p:style>
+          <a:lnRef idx="2">
+            <a:schemeClr val="accent1">
+              <a:shade val="50000"/>
+            </a:schemeClr>
+          </a:lnRef>
+          <a:fillRef idx="1">
+            <a:schemeClr val="accent1"/>
+          </a:fillRef>
+          <a:effectRef idx="0">
+            <a:schemeClr val="accent1"/>
+          </a:effectRef>
+          <a:fontRef idx="minor">
+            <a:schemeClr val="lt1"/>
+          </a:fontRef>
+        </p:style>
+        <p:txBody>
+          <a:bodyPr rtlCol="0" anchor="ctr"/>
+          <a:lstStyle/>
+          <a:p>
+            <a:pPr algn="ctr"/>
+            <a:r>
+              <a:rPr lang="en-US" sz="1800" b="1" dirty="0" smtClean="0">
+                <a:latin typeface="Georgia" charset="0"/>
+                <a:ea typeface="Georgia" charset="0"/>
+                <a:cs typeface="Georgia" charset="0"/>
+              </a:rPr>
+              <a:t>Extract</a:t>
+            </a:r>
+            <a:endParaRPr lang="en-US" sz="1800" b="1" dirty="0">
+              <a:latin typeface="Georgia" charset="0"/>
+              <a:ea typeface="Georgia" charset="0"/>
+              <a:cs typeface="Georgia" charset="0"/>
+            </a:endParaRPr>
+          </a:p>
+        </p:txBody>
+      </p:sp>
+      <p:sp>
+        <p:nvSpPr>
+          <p:cNvPr id="6" name="Rounded Rectangle 5"/>
+          <p:cNvSpPr/>
+          <p:nvPr/>
+        </p:nvSpPr>
+        <p:spPr>
+          <a:xfrm>
+            <a:off x="8251952" y="3896718"/>
+            <a:ext cx="1800000" cy="2880000"/>
+          </a:xfrm>
+          <a:prstGeom prst="roundRect">
+            <a:avLst/>
+          </a:prstGeom>
+          <a:solidFill>
+            <a:schemeClr val="accent3"/>
+          </a:solidFill>
+          <a:ln w="38100">
+            <a:solidFill>
+              <a:schemeClr val="tx2"/>
+            </a:solidFill>
+          </a:ln>
+        </p:spPr>
+        <p:style>
+          <a:lnRef idx="2">
+            <a:schemeClr val="accent1">
+              <a:shade val="50000"/>
+            </a:schemeClr>
+          </a:lnRef>
+          <a:fillRef idx="1">
+            <a:schemeClr val="accent1"/>
+          </a:fillRef>
+          <a:effectRef idx="0">
+            <a:schemeClr val="accent1"/>
+          </a:effectRef>
+          <a:fontRef idx="minor">
+            <a:schemeClr val="lt1"/>
+          </a:fontRef>
+        </p:style>
+        <p:txBody>
+          <a:bodyPr rtlCol="0" anchor="ctr"/>
+          <a:lstStyle/>
+          <a:p>
+            <a:pPr algn="ctr"/>
+            <a:r>
+              <a:rPr lang="en-US" sz="1800" b="1" dirty="0" smtClean="0">
+                <a:solidFill>
+                  <a:schemeClr val="bg1"/>
+                </a:solidFill>
+                <a:latin typeface="Georgia" charset="0"/>
+                <a:ea typeface="Georgia" charset="0"/>
+                <a:cs typeface="Georgia" charset="0"/>
+              </a:rPr>
+              <a:t>Data Staging Area</a:t>
+            </a:r>
+            <a:endParaRPr lang="en-US" sz="1800" b="1" dirty="0">
+              <a:solidFill>
+                <a:schemeClr val="bg1"/>
+              </a:solidFill>
+              <a:latin typeface="Georgia" charset="0"/>
+              <a:ea typeface="Georgia" charset="0"/>
+              <a:cs typeface="Georgia" charset="0"/>
+            </a:endParaRPr>
+          </a:p>
+        </p:txBody>
+      </p:sp>
+      <p:sp>
+        <p:nvSpPr>
+          <p:cNvPr id="7" name="Right Arrow 6"/>
+          <p:cNvSpPr/>
+          <p:nvPr/>
+        </p:nvSpPr>
+        <p:spPr>
+          <a:xfrm>
+            <a:off x="10051952" y="4738841"/>
+            <a:ext cx="3920713" cy="1195754"/>
+          </a:xfrm>
+          <a:prstGeom prst="rightArrow">
+            <a:avLst/>
+          </a:prstGeom>
+          <a:solidFill>
+            <a:schemeClr val="tx2">
+              <a:lumMod val="60000"/>
+              <a:lumOff val="40000"/>
+            </a:schemeClr>
+          </a:solidFill>
+          <a:ln w="38100">
+            <a:solidFill>
+              <a:schemeClr val="tx2"/>
+            </a:solidFill>
+          </a:ln>
+        </p:spPr>
+        <p:style>
+          <a:lnRef idx="2">
+            <a:schemeClr val="accent1">
+              <a:shade val="50000"/>
+            </a:schemeClr>
+          </a:lnRef>
+          <a:fillRef idx="1">
+            <a:schemeClr val="accent1"/>
+          </a:fillRef>
+          <a:effectRef idx="0">
+            <a:schemeClr val="accent1"/>
+          </a:effectRef>
+          <a:fontRef idx="minor">
+            <a:schemeClr val="lt1"/>
+          </a:fontRef>
+        </p:style>
+        <p:txBody>
+          <a:bodyPr rtlCol="0" anchor="ctr"/>
+          <a:lstStyle/>
+          <a:p>
+            <a:pPr algn="ctr"/>
+            <a:r>
+              <a:rPr lang="en-US" sz="1800" b="1" dirty="0" smtClean="0">
+                <a:latin typeface="Georgia" charset="0"/>
+                <a:ea typeface="Georgia" charset="0"/>
+                <a:cs typeface="Georgia" charset="0"/>
+              </a:rPr>
+              <a:t>Load</a:t>
+            </a:r>
+            <a:endParaRPr lang="en-US" sz="1800" b="1" dirty="0">
+              <a:latin typeface="Georgia" charset="0"/>
+              <a:ea typeface="Georgia" charset="0"/>
+              <a:cs typeface="Georgia" charset="0"/>
+            </a:endParaRPr>
+          </a:p>
+        </p:txBody>
+      </p:sp>
+      <p:sp>
+        <p:nvSpPr>
+          <p:cNvPr id="9" name="Rounded Rectangle 8"/>
+          <p:cNvSpPr/>
+          <p:nvPr/>
+        </p:nvSpPr>
+        <p:spPr>
+          <a:xfrm>
+            <a:off x="13972665" y="3896718"/>
+            <a:ext cx="1800000" cy="2880000"/>
+          </a:xfrm>
+          <a:prstGeom prst="roundRect">
+            <a:avLst/>
+          </a:prstGeom>
+          <a:solidFill>
+            <a:schemeClr val="accent2"/>
+          </a:solidFill>
+          <a:ln w="38100">
+            <a:solidFill>
+              <a:schemeClr val="tx2"/>
+            </a:solidFill>
+          </a:ln>
+        </p:spPr>
+        <p:style>
+          <a:lnRef idx="2">
+            <a:schemeClr val="accent1">
+              <a:shade val="50000"/>
+            </a:schemeClr>
+          </a:lnRef>
+          <a:fillRef idx="1">
+            <a:schemeClr val="accent1"/>
+          </a:fillRef>
+          <a:effectRef idx="0">
+            <a:schemeClr val="accent1"/>
+          </a:effectRef>
+          <a:fontRef idx="minor">
+            <a:schemeClr val="lt1"/>
+          </a:fontRef>
+        </p:style>
+        <p:txBody>
+          <a:bodyPr rtlCol="0" anchor="ctr"/>
+          <a:lstStyle/>
+          <a:p>
+            <a:pPr algn="ctr"/>
+            <a:r>
+              <a:rPr lang="en-US" sz="1800" b="1" dirty="0" smtClean="0">
+                <a:solidFill>
+                  <a:schemeClr val="bg1"/>
+                </a:solidFill>
+                <a:latin typeface="Georgia" charset="0"/>
+                <a:ea typeface="Georgia" charset="0"/>
+                <a:cs typeface="Georgia" charset="0"/>
+              </a:rPr>
+              <a:t>DWH</a:t>
+            </a:r>
+            <a:endParaRPr lang="en-US" sz="1800" b="1" dirty="0">
+              <a:solidFill>
+                <a:schemeClr val="bg1"/>
+              </a:solidFill>
+              <a:latin typeface="Georgia" charset="0"/>
+              <a:ea typeface="Georgia" charset="0"/>
+              <a:cs typeface="Georgia" charset="0"/>
+            </a:endParaRPr>
+          </a:p>
+        </p:txBody>
+      </p:sp>
+      <p:sp>
+        <p:nvSpPr>
+          <p:cNvPr id="10" name="Rectangle 9"/>
+          <p:cNvSpPr/>
+          <p:nvPr/>
+        </p:nvSpPr>
+        <p:spPr>
+          <a:xfrm>
+            <a:off x="12201272" y="8300886"/>
+            <a:ext cx="5342785" cy="720000"/>
+          </a:xfrm>
+          <a:prstGeom prst="rect">
+            <a:avLst/>
+          </a:prstGeom>
+          <a:solidFill>
+            <a:schemeClr val="accent2"/>
+          </a:solidFill>
+          <a:ln w="38100">
+            <a:solidFill>
+              <a:schemeClr val="tx2"/>
+            </a:solidFill>
+          </a:ln>
+          <a:effectLst/>
+        </p:spPr>
+        <p:style>
+          <a:lnRef idx="2">
+            <a:schemeClr val="accent1">
+              <a:shade val="50000"/>
+            </a:schemeClr>
+          </a:lnRef>
+          <a:fillRef idx="1">
+            <a:schemeClr val="accent1"/>
+          </a:fillRef>
+          <a:effectRef idx="0">
+            <a:schemeClr val="accent1"/>
+          </a:effectRef>
+          <a:fontRef idx="minor">
+            <a:schemeClr val="lt1"/>
+          </a:fontRef>
+        </p:style>
+        <p:txBody>
+          <a:bodyPr rtlCol="0" anchor="ctr"/>
+          <a:lstStyle/>
+          <a:p>
+            <a:pPr algn="ctr"/>
+            <a:r>
+              <a:rPr lang="en-US" sz="1800" b="1" dirty="0" smtClean="0">
+                <a:latin typeface="Georgia" charset="0"/>
+                <a:ea typeface="Georgia" charset="0"/>
+                <a:cs typeface="Georgia" charset="0"/>
+              </a:rPr>
+              <a:t>Data Analysis &amp;</a:t>
+            </a:r>
+          </a:p>
+          <a:p>
+            <a:pPr algn="ctr"/>
+            <a:r>
+              <a:rPr lang="en-US" sz="1800" b="1" dirty="0" smtClean="0">
+                <a:latin typeface="Georgia" charset="0"/>
+                <a:ea typeface="Georgia" charset="0"/>
+                <a:cs typeface="Georgia" charset="0"/>
+              </a:rPr>
+              <a:t>Visualization Tools</a:t>
+            </a:r>
+            <a:endParaRPr lang="en-US" sz="1800" b="1" dirty="0">
+              <a:latin typeface="Georgia" charset="0"/>
+              <a:ea typeface="Georgia" charset="0"/>
+              <a:cs typeface="Georgia" charset="0"/>
+            </a:endParaRPr>
+          </a:p>
+        </p:txBody>
+      </p:sp>
+      <p:sp>
+        <p:nvSpPr>
+          <p:cNvPr id="11" name="Right Arrow 10"/>
+          <p:cNvSpPr/>
+          <p:nvPr/>
+        </p:nvSpPr>
+        <p:spPr>
+          <a:xfrm rot="16200000">
+            <a:off x="14110581" y="6940924"/>
+            <a:ext cx="1524168" cy="1195754"/>
+          </a:xfrm>
+          <a:prstGeom prst="rightArrow">
+            <a:avLst/>
+          </a:prstGeom>
+          <a:solidFill>
+            <a:schemeClr val="tx2">
+              <a:lumMod val="60000"/>
+              <a:lumOff val="40000"/>
+            </a:schemeClr>
+          </a:solidFill>
+          <a:ln w="38100">
+            <a:solidFill>
+              <a:schemeClr val="tx2"/>
+            </a:solidFill>
+          </a:ln>
+        </p:spPr>
+        <p:style>
+          <a:lnRef idx="2">
+            <a:schemeClr val="accent1">
+              <a:shade val="50000"/>
+            </a:schemeClr>
+          </a:lnRef>
+          <a:fillRef idx="1">
+            <a:schemeClr val="accent1"/>
+          </a:fillRef>
+          <a:effectRef idx="0">
+            <a:schemeClr val="accent1"/>
+          </a:effectRef>
+          <a:fontRef idx="minor">
+            <a:schemeClr val="lt1"/>
+          </a:fontRef>
+        </p:style>
+        <p:txBody>
+          <a:bodyPr rtlCol="0" anchor="ctr"/>
+          <a:lstStyle/>
+          <a:p>
+            <a:pPr algn="ctr"/>
+            <a:endParaRPr lang="en-US" sz="1800" b="1" dirty="0">
+              <a:latin typeface="Georgia" charset="0"/>
+              <a:ea typeface="Georgia" charset="0"/>
+              <a:cs typeface="Georgia" charset="0"/>
+            </a:endParaRPr>
+          </a:p>
+        </p:txBody>
+      </p:sp>
+    </p:spTree>
+    <p:extLst>
+      <p:ext uri="{BB962C8B-B14F-4D97-AF65-F5344CB8AC3E}">
+        <p14:creationId xmlns:p14="http://schemas.microsoft.com/office/powerpoint/2010/main" val="564175251"/>
+      </p:ext>
+    </p:extLst>
+  </p:cSld>
+  <p:clrMapOvr>
+    <a:masterClrMapping/>
+  </p:clrMapOvr>
+  <mc:AlternateContent xmlns:mc="http://schemas.openxmlformats.org/markup-compatibility/2006" xmlns:p14="http://schemas.microsoft.com/office/powerpoint/2010/main">
+    <mc:Choice Requires="p14">
+      <p:transition spd="slow" p14:dur="1500" advClick="0" advTm="3000">
+        <p14:reveal/>
+      </p:transition>
+    </mc:Choice>
+    <mc:Fallback xmlns="">
+      <p:transition xmlns:p14="http://schemas.microsoft.com/office/powerpoint/2010/main" spd="slow" advClick="0" advTm="3000">
+        <p:fade/>
+      </p:transition>
+    </mc:Fallback>
+  </mc:AlternateContent>
+</p:sld>
+</file>
+
+<file path=ppt/slides/slide4.xml><?xml version="1.0" encoding="utf-8"?>
+<p:sld xmlns:a="http://schemas.openxmlformats.org/drawingml/2006/main" xmlns:r="http://schemas.openxmlformats.org/officeDocument/2006/relationships" xmlns:p="http://schemas.openxmlformats.org/presentationml/2006/main">
+  <p:cSld>
+    <p:spTree>
+      <p:nvGrpSpPr>
+        <p:cNvPr id="1" name=""/>
+        <p:cNvGrpSpPr/>
+        <p:nvPr/>
+      </p:nvGrpSpPr>
+      <p:grpSpPr>
+        <a:xfrm>
+          <a:off x="0" y="0"/>
+          <a:ext cx="0" cy="0"/>
+          <a:chOff x="0" y="0"/>
+          <a:chExt cx="0" cy="0"/>
+        </a:xfrm>
+      </p:grpSpPr>
+      <p:sp>
+        <p:nvSpPr>
+          <p:cNvPr id="3" name="TextBox 2"/>
+          <p:cNvSpPr txBox="1"/>
+          <p:nvPr/>
+        </p:nvSpPr>
+        <p:spPr>
+          <a:xfrm>
+            <a:off x="4988825" y="483017"/>
+            <a:ext cx="14400000" cy="1169533"/>
+          </a:xfrm>
+          <a:prstGeom prst="rect">
+            <a:avLst/>
+          </a:prstGeom>
+          <a:noFill/>
+        </p:spPr>
+        <p:txBody>
+          <a:bodyPr wrap="square" lIns="91422" tIns="45711" rIns="91422" bIns="45711" rtlCol="0">
+            <a:spAutoFit/>
+          </a:bodyPr>
+          <a:lstStyle/>
+          <a:p>
+            <a:pPr algn="ctr"/>
+            <a:r>
+              <a:rPr lang="en-US" sz="7000" b="1" dirty="0" smtClean="0"/>
+              <a:t>diagram_hadoop201_model2</a:t>
+            </a:r>
+            <a:endParaRPr lang="id-ID" sz="7000" b="1" dirty="0">
+              <a:solidFill>
+                <a:schemeClr val="tx2"/>
+              </a:solidFill>
+              <a:latin typeface="Lato Regular"/>
+              <a:cs typeface="Lato Regular"/>
+            </a:endParaRPr>
+          </a:p>
+        </p:txBody>
+      </p:sp>
+      <p:sp>
+        <p:nvSpPr>
+          <p:cNvPr id="4" name="Rounded Rectangle 3"/>
+          <p:cNvSpPr/>
+          <p:nvPr/>
+        </p:nvSpPr>
+        <p:spPr>
+          <a:xfrm>
+            <a:off x="2531239" y="3896718"/>
+            <a:ext cx="1800000" cy="2880000"/>
+          </a:xfrm>
+          <a:prstGeom prst="roundRect">
+            <a:avLst/>
+          </a:prstGeom>
+          <a:solidFill>
+            <a:schemeClr val="accent4"/>
+          </a:solidFill>
+          <a:ln w="38100">
+            <a:solidFill>
+              <a:schemeClr val="tx2"/>
+            </a:solidFill>
+          </a:ln>
+        </p:spPr>
+        <p:style>
+          <a:lnRef idx="2">
+            <a:schemeClr val="accent1">
+              <a:shade val="50000"/>
+            </a:schemeClr>
+          </a:lnRef>
+          <a:fillRef idx="1">
+            <a:schemeClr val="accent1"/>
+          </a:fillRef>
+          <a:effectRef idx="0">
+            <a:schemeClr val="accent1"/>
+          </a:effectRef>
+          <a:fontRef idx="minor">
+            <a:schemeClr val="lt1"/>
+          </a:fontRef>
+        </p:style>
+        <p:txBody>
+          <a:bodyPr rtlCol="0" anchor="ctr"/>
+          <a:lstStyle/>
+          <a:p>
+            <a:pPr algn="ctr"/>
+            <a:r>
+              <a:rPr lang="en-US" sz="1800" b="1" dirty="0" err="1" smtClean="0">
+                <a:solidFill>
+                  <a:schemeClr val="bg1"/>
+                </a:solidFill>
+                <a:latin typeface="Georgia" charset="0"/>
+                <a:ea typeface="Georgia" charset="0"/>
+                <a:cs typeface="Georgia" charset="0"/>
+              </a:rPr>
+              <a:t>OperationalSource</a:t>
+            </a:r>
+            <a:endParaRPr lang="en-US" sz="1800" b="1" dirty="0" smtClean="0">
+              <a:solidFill>
+                <a:schemeClr val="bg1"/>
+              </a:solidFill>
+              <a:latin typeface="Georgia" charset="0"/>
+              <a:ea typeface="Georgia" charset="0"/>
+              <a:cs typeface="Georgia" charset="0"/>
+            </a:endParaRPr>
+          </a:p>
+          <a:p>
+            <a:pPr algn="ctr"/>
+            <a:r>
+              <a:rPr lang="en-US" sz="1800" b="1" dirty="0" smtClean="0">
+                <a:solidFill>
+                  <a:schemeClr val="bg1"/>
+                </a:solidFill>
+                <a:latin typeface="Georgia" charset="0"/>
+                <a:ea typeface="Georgia" charset="0"/>
+                <a:cs typeface="Georgia" charset="0"/>
+              </a:rPr>
+              <a:t>Systems</a:t>
+            </a:r>
+            <a:endParaRPr lang="en-US" sz="1800" b="1" dirty="0">
+              <a:solidFill>
+                <a:schemeClr val="bg1"/>
+              </a:solidFill>
+              <a:latin typeface="Georgia" charset="0"/>
+              <a:ea typeface="Georgia" charset="0"/>
+              <a:cs typeface="Georgia" charset="0"/>
+            </a:endParaRPr>
+          </a:p>
+        </p:txBody>
+      </p:sp>
+      <p:sp>
+        <p:nvSpPr>
+          <p:cNvPr id="5" name="Right Arrow 4"/>
+          <p:cNvSpPr/>
+          <p:nvPr/>
+        </p:nvSpPr>
+        <p:spPr>
+          <a:xfrm>
+            <a:off x="4331239" y="4738841"/>
             <a:ext cx="2340000" cy="1195754"/>
           </a:xfrm>
           <a:prstGeom prst="rightArrow">
@@ -6948,556 +8866,6 @@
     <p:extLst>
       <p:ext uri="{BB962C8B-B14F-4D97-AF65-F5344CB8AC3E}">
         <p14:creationId xmlns:p14="http://schemas.microsoft.com/office/powerpoint/2010/main" val="2113860088"/>
-      </p:ext>
-    </p:extLst>
-  </p:cSld>
-  <p:clrMapOvr>
-    <a:masterClrMapping/>
-  </p:clrMapOvr>
-  <mc:AlternateContent xmlns:mc="http://schemas.openxmlformats.org/markup-compatibility/2006" xmlns:p14="http://schemas.microsoft.com/office/powerpoint/2010/main">
-    <mc:Choice Requires="p14">
-      <p:transition spd="slow" p14:dur="1500" advClick="0" advTm="3000">
-        <p14:reveal/>
-      </p:transition>
-    </mc:Choice>
-    <mc:Fallback xmlns="">
-      <p:transition xmlns:p14="http://schemas.microsoft.com/office/powerpoint/2010/main" spd="slow" advClick="0" advTm="3000">
-        <p:fade/>
-      </p:transition>
-    </mc:Fallback>
-  </mc:AlternateContent>
-  <p:timing>
-    <p:tnLst>
-      <p:par>
-        <p:cTn id="1" dur="indefinite" restart="never" nodeType="tmRoot"/>
-      </p:par>
-    </p:tnLst>
-  </p:timing>
-</p:sld>
-</file>
-
-<file path=ppt/slides/slide4.xml><?xml version="1.0" encoding="utf-8"?>
-<p:sld xmlns:a="http://schemas.openxmlformats.org/drawingml/2006/main" xmlns:r="http://schemas.openxmlformats.org/officeDocument/2006/relationships" xmlns:p="http://schemas.openxmlformats.org/presentationml/2006/main">
-  <p:cSld>
-    <p:spTree>
-      <p:nvGrpSpPr>
-        <p:cNvPr id="1" name=""/>
-        <p:cNvGrpSpPr/>
-        <p:nvPr/>
-      </p:nvGrpSpPr>
-      <p:grpSpPr>
-        <a:xfrm>
-          <a:off x="0" y="0"/>
-          <a:ext cx="0" cy="0"/>
-          <a:chOff x="0" y="0"/>
-          <a:chExt cx="0" cy="0"/>
-        </a:xfrm>
-      </p:grpSpPr>
-      <p:sp>
-        <p:nvSpPr>
-          <p:cNvPr id="3" name="TextBox 2"/>
-          <p:cNvSpPr txBox="1"/>
-          <p:nvPr/>
-        </p:nvSpPr>
-        <p:spPr>
-          <a:xfrm>
-            <a:off x="4988825" y="483017"/>
-            <a:ext cx="14400000" cy="1169533"/>
-          </a:xfrm>
-          <a:prstGeom prst="rect">
-            <a:avLst/>
-          </a:prstGeom>
-          <a:noFill/>
-        </p:spPr>
-        <p:txBody>
-          <a:bodyPr wrap="square" lIns="91422" tIns="45711" rIns="91422" bIns="45711" rtlCol="0">
-            <a:spAutoFit/>
-          </a:bodyPr>
-          <a:lstStyle/>
-          <a:p>
-            <a:pPr algn="ctr"/>
-            <a:r>
-              <a:rPr lang="en-US" sz="7000" b="1" dirty="0" smtClean="0"/>
-              <a:t>diagram_hadoop201_model3</a:t>
-            </a:r>
-            <a:endParaRPr lang="id-ID" sz="7000" b="1" dirty="0">
-              <a:solidFill>
-                <a:schemeClr val="tx2"/>
-              </a:solidFill>
-              <a:latin typeface="Lato Regular"/>
-              <a:cs typeface="Lato Regular"/>
-            </a:endParaRPr>
-          </a:p>
-        </p:txBody>
-      </p:sp>
-      <p:sp>
-        <p:nvSpPr>
-          <p:cNvPr id="4" name="Rectangle 3"/>
-          <p:cNvSpPr/>
-          <p:nvPr/>
-        </p:nvSpPr>
-        <p:spPr>
-          <a:xfrm>
-            <a:off x="7083762" y="7384249"/>
-            <a:ext cx="3600000" cy="2340000"/>
-          </a:xfrm>
-          <a:prstGeom prst="rect">
-            <a:avLst/>
-          </a:prstGeom>
-          <a:solidFill>
-            <a:schemeClr val="accent2"/>
-          </a:solidFill>
-          <a:ln w="38100">
-            <a:solidFill>
-              <a:schemeClr val="tx2"/>
-            </a:solidFill>
-          </a:ln>
-          <a:effectLst/>
-        </p:spPr>
-        <p:style>
-          <a:lnRef idx="2">
-            <a:schemeClr val="accent1">
-              <a:shade val="50000"/>
-            </a:schemeClr>
-          </a:lnRef>
-          <a:fillRef idx="1">
-            <a:schemeClr val="accent1"/>
-          </a:fillRef>
-          <a:effectRef idx="0">
-            <a:schemeClr val="accent1"/>
-          </a:effectRef>
-          <a:fontRef idx="minor">
-            <a:schemeClr val="lt1"/>
-          </a:fontRef>
-        </p:style>
-        <p:txBody>
-          <a:bodyPr rtlCol="0" anchor="ctr"/>
-          <a:lstStyle/>
-          <a:p>
-            <a:pPr algn="ctr"/>
-            <a:r>
-              <a:rPr lang="en-US" sz="1800" b="1" smtClean="0">
-                <a:latin typeface="Georgia" charset="0"/>
-                <a:ea typeface="Georgia" charset="0"/>
-                <a:cs typeface="Georgia" charset="0"/>
-              </a:rPr>
-              <a:t>USER_HISTORY</a:t>
-            </a:r>
-            <a:endParaRPr lang="en-US" sz="1800" b="1" dirty="0">
-              <a:latin typeface="Georgia" charset="0"/>
-              <a:ea typeface="Georgia" charset="0"/>
-              <a:cs typeface="Georgia" charset="0"/>
-            </a:endParaRPr>
-          </a:p>
-        </p:txBody>
-      </p:sp>
-      <p:sp>
-        <p:nvSpPr>
-          <p:cNvPr id="5" name="Right Arrow 4"/>
-          <p:cNvSpPr/>
-          <p:nvPr/>
-        </p:nvSpPr>
-        <p:spPr>
-          <a:xfrm>
-            <a:off x="3483762" y="7956372"/>
-            <a:ext cx="3600000" cy="1195754"/>
-          </a:xfrm>
-          <a:prstGeom prst="rightArrow">
-            <a:avLst/>
-          </a:prstGeom>
-          <a:solidFill>
-            <a:schemeClr val="tx2">
-              <a:lumMod val="60000"/>
-              <a:lumOff val="40000"/>
-            </a:schemeClr>
-          </a:solidFill>
-          <a:ln w="38100">
-            <a:solidFill>
-              <a:schemeClr val="tx2"/>
-            </a:solidFill>
-          </a:ln>
-        </p:spPr>
-        <p:style>
-          <a:lnRef idx="2">
-            <a:schemeClr val="accent1">
-              <a:shade val="50000"/>
-            </a:schemeClr>
-          </a:lnRef>
-          <a:fillRef idx="1">
-            <a:schemeClr val="accent1"/>
-          </a:fillRef>
-          <a:effectRef idx="0">
-            <a:schemeClr val="accent1"/>
-          </a:effectRef>
-          <a:fontRef idx="minor">
-            <a:schemeClr val="lt1"/>
-          </a:fontRef>
-        </p:style>
-        <p:txBody>
-          <a:bodyPr rtlCol="0" anchor="ctr"/>
-          <a:lstStyle/>
-          <a:p>
-            <a:pPr algn="ctr"/>
-            <a:r>
-              <a:rPr lang="en-US" sz="1800" b="1" dirty="0" smtClean="0">
-                <a:latin typeface="Georgia" charset="0"/>
-                <a:ea typeface="Georgia" charset="0"/>
-                <a:cs typeface="Georgia" charset="0"/>
-              </a:rPr>
-              <a:t>Ingest Pipeline</a:t>
-            </a:r>
-            <a:endParaRPr lang="en-US" sz="1800" b="1" dirty="0">
-              <a:latin typeface="Georgia" charset="0"/>
-              <a:ea typeface="Georgia" charset="0"/>
-              <a:cs typeface="Georgia" charset="0"/>
-            </a:endParaRPr>
-          </a:p>
-        </p:txBody>
-      </p:sp>
-      <p:sp>
-        <p:nvSpPr>
-          <p:cNvPr id="6" name="Right Arrow 5"/>
-          <p:cNvSpPr/>
-          <p:nvPr/>
-        </p:nvSpPr>
-        <p:spPr>
-          <a:xfrm>
-            <a:off x="10683762" y="7956372"/>
-            <a:ext cx="3600000" cy="1195754"/>
-          </a:xfrm>
-          <a:prstGeom prst="rightArrow">
-            <a:avLst/>
-          </a:prstGeom>
-          <a:solidFill>
-            <a:schemeClr val="tx2">
-              <a:lumMod val="60000"/>
-              <a:lumOff val="40000"/>
-            </a:schemeClr>
-          </a:solidFill>
-          <a:ln w="38100">
-            <a:solidFill>
-              <a:schemeClr val="tx2"/>
-            </a:solidFill>
-          </a:ln>
-        </p:spPr>
-        <p:style>
-          <a:lnRef idx="2">
-            <a:schemeClr val="accent1">
-              <a:shade val="50000"/>
-            </a:schemeClr>
-          </a:lnRef>
-          <a:fillRef idx="1">
-            <a:schemeClr val="accent1"/>
-          </a:fillRef>
-          <a:effectRef idx="0">
-            <a:schemeClr val="accent1"/>
-          </a:effectRef>
-          <a:fontRef idx="minor">
-            <a:schemeClr val="lt1"/>
-          </a:fontRef>
-        </p:style>
-        <p:txBody>
-          <a:bodyPr rtlCol="0" anchor="ctr"/>
-          <a:lstStyle/>
-          <a:p>
-            <a:pPr algn="ctr"/>
-            <a:r>
-              <a:rPr lang="en-US" sz="1800" b="1" dirty="0" smtClean="0">
-                <a:latin typeface="Georgia" charset="0"/>
-                <a:ea typeface="Georgia" charset="0"/>
-                <a:cs typeface="Georgia" charset="0"/>
-              </a:rPr>
-              <a:t>One Record User</a:t>
-            </a:r>
-            <a:endParaRPr lang="en-US" sz="1800" b="1" dirty="0">
-              <a:latin typeface="Georgia" charset="0"/>
-              <a:ea typeface="Georgia" charset="0"/>
-              <a:cs typeface="Georgia" charset="0"/>
-            </a:endParaRPr>
-          </a:p>
-        </p:txBody>
-      </p:sp>
-      <p:sp>
-        <p:nvSpPr>
-          <p:cNvPr id="8" name="Rectangle 7"/>
-          <p:cNvSpPr/>
-          <p:nvPr/>
-        </p:nvSpPr>
-        <p:spPr>
-          <a:xfrm>
-            <a:off x="14283762" y="7384249"/>
-            <a:ext cx="3600000" cy="2340000"/>
-          </a:xfrm>
-          <a:prstGeom prst="rect">
-            <a:avLst/>
-          </a:prstGeom>
-          <a:solidFill>
-            <a:schemeClr val="accent2"/>
-          </a:solidFill>
-          <a:ln w="38100">
-            <a:solidFill>
-              <a:schemeClr val="tx2"/>
-            </a:solidFill>
-          </a:ln>
-          <a:effectLst/>
-        </p:spPr>
-        <p:style>
-          <a:lnRef idx="2">
-            <a:schemeClr val="accent1">
-              <a:shade val="50000"/>
-            </a:schemeClr>
-          </a:lnRef>
-          <a:fillRef idx="1">
-            <a:schemeClr val="accent1"/>
-          </a:fillRef>
-          <a:effectRef idx="0">
-            <a:schemeClr val="accent1"/>
-          </a:effectRef>
-          <a:fontRef idx="minor">
-            <a:schemeClr val="lt1"/>
-          </a:fontRef>
-        </p:style>
-        <p:txBody>
-          <a:bodyPr rtlCol="0" anchor="ctr"/>
-          <a:lstStyle/>
-          <a:p>
-            <a:pPr algn="ctr"/>
-            <a:r>
-              <a:rPr lang="en-US" sz="1800" b="1" dirty="0" smtClean="0">
-                <a:latin typeface="Georgia" charset="0"/>
-                <a:ea typeface="Georgia" charset="0"/>
-                <a:cs typeface="Georgia" charset="0"/>
-              </a:rPr>
-              <a:t>USER</a:t>
-            </a:r>
-            <a:endParaRPr lang="en-US" sz="1800" b="1" dirty="0">
-              <a:latin typeface="Georgia" charset="0"/>
-              <a:ea typeface="Georgia" charset="0"/>
-              <a:cs typeface="Georgia" charset="0"/>
-            </a:endParaRPr>
-          </a:p>
-        </p:txBody>
-      </p:sp>
-      <p:pic>
-        <p:nvPicPr>
-          <p:cNvPr id="9" name="Picture 8"/>
-          <p:cNvPicPr>
-            <a:picLocks noChangeAspect="1"/>
-          </p:cNvPicPr>
-          <p:nvPr/>
-        </p:nvPicPr>
-        <p:blipFill>
-          <a:blip r:embed="rId2">
-            <a:extLst>
-              <a:ext uri="{28A0092B-C50C-407E-A947-70E740481C1C}">
-                <a14:useLocalDpi xmlns:a14="http://schemas.microsoft.com/office/drawing/2010/main" val="0"/>
-              </a:ext>
-            </a:extLst>
-          </a:blip>
-          <a:stretch>
-            <a:fillRect/>
-          </a:stretch>
-        </p:blipFill>
-        <p:spPr>
-          <a:xfrm>
-            <a:off x="10143762" y="3689599"/>
-            <a:ext cx="1080000" cy="1080000"/>
-          </a:xfrm>
-          <a:prstGeom prst="rect">
-            <a:avLst/>
-          </a:prstGeom>
-        </p:spPr>
-      </p:pic>
-      <p:pic>
-        <p:nvPicPr>
-          <p:cNvPr id="10" name="Picture 9"/>
-          <p:cNvPicPr>
-            <a:picLocks noChangeAspect="1"/>
-          </p:cNvPicPr>
-          <p:nvPr/>
-        </p:nvPicPr>
-        <p:blipFill>
-          <a:blip r:embed="rId2">
-            <a:extLst>
-              <a:ext uri="{28A0092B-C50C-407E-A947-70E740481C1C}">
-                <a14:useLocalDpi xmlns:a14="http://schemas.microsoft.com/office/drawing/2010/main" val="0"/>
-              </a:ext>
-            </a:extLst>
-          </a:blip>
-          <a:stretch>
-            <a:fillRect/>
-          </a:stretch>
-        </p:blipFill>
-        <p:spPr>
-          <a:xfrm>
-            <a:off x="13743762" y="3689599"/>
-            <a:ext cx="1080000" cy="1080000"/>
-          </a:xfrm>
-          <a:prstGeom prst="rect">
-            <a:avLst/>
-          </a:prstGeom>
-        </p:spPr>
-      </p:pic>
-      <p:cxnSp>
-        <p:nvCxnSpPr>
-          <p:cNvPr id="11" name="Straight Connector 10"/>
-          <p:cNvCxnSpPr>
-            <a:stCxn id="9" idx="2"/>
-            <a:endCxn id="4" idx="0"/>
-          </p:cNvCxnSpPr>
-          <p:nvPr/>
-        </p:nvCxnSpPr>
-        <p:spPr>
-          <a:xfrm flipH="1">
-            <a:off x="8883762" y="4769599"/>
-            <a:ext cx="1800000" cy="2614650"/>
-          </a:xfrm>
-          <a:prstGeom prst="line">
-            <a:avLst/>
-          </a:prstGeom>
-          <a:ln w="38100">
-            <a:solidFill>
-              <a:schemeClr val="tx2"/>
-            </a:solidFill>
-            <a:tailEnd type="triangle" w="lg" len="lg"/>
-          </a:ln>
-        </p:spPr>
-        <p:style>
-          <a:lnRef idx="1">
-            <a:schemeClr val="accent1"/>
-          </a:lnRef>
-          <a:fillRef idx="0">
-            <a:schemeClr val="accent1"/>
-          </a:fillRef>
-          <a:effectRef idx="0">
-            <a:schemeClr val="accent1"/>
-          </a:effectRef>
-          <a:fontRef idx="minor">
-            <a:schemeClr val="tx1"/>
-          </a:fontRef>
-        </p:style>
-      </p:cxnSp>
-      <p:cxnSp>
-        <p:nvCxnSpPr>
-          <p:cNvPr id="14" name="Straight Connector 13"/>
-          <p:cNvCxnSpPr>
-            <a:stCxn id="10" idx="2"/>
-            <a:endCxn id="8" idx="0"/>
-          </p:cNvCxnSpPr>
-          <p:nvPr/>
-        </p:nvCxnSpPr>
-        <p:spPr>
-          <a:xfrm>
-            <a:off x="14283762" y="4769599"/>
-            <a:ext cx="1800000" cy="2614650"/>
-          </a:xfrm>
-          <a:prstGeom prst="line">
-            <a:avLst/>
-          </a:prstGeom>
-          <a:ln w="38100">
-            <a:solidFill>
-              <a:schemeClr val="tx2"/>
-            </a:solidFill>
-            <a:tailEnd type="triangle" w="lg" len="lg"/>
-          </a:ln>
-        </p:spPr>
-        <p:style>
-          <a:lnRef idx="1">
-            <a:schemeClr val="accent1"/>
-          </a:lnRef>
-          <a:fillRef idx="0">
-            <a:schemeClr val="accent1"/>
-          </a:fillRef>
-          <a:effectRef idx="0">
-            <a:schemeClr val="accent1"/>
-          </a:effectRef>
-          <a:fontRef idx="minor">
-            <a:schemeClr val="tx1"/>
-          </a:fontRef>
-        </p:style>
-      </p:cxnSp>
-      <p:sp>
-        <p:nvSpPr>
-          <p:cNvPr id="17" name="TextBox 16"/>
-          <p:cNvSpPr txBox="1"/>
-          <p:nvPr/>
-        </p:nvSpPr>
-        <p:spPr>
-          <a:xfrm>
-            <a:off x="9476285" y="3218872"/>
-            <a:ext cx="2414954" cy="369332"/>
-          </a:xfrm>
-          <a:prstGeom prst="rect">
-            <a:avLst/>
-          </a:prstGeom>
-          <a:noFill/>
-        </p:spPr>
-        <p:txBody>
-          <a:bodyPr wrap="square" rtlCol="0" anchor="ctr">
-            <a:spAutoFit/>
-          </a:bodyPr>
-          <a:lstStyle/>
-          <a:p>
-            <a:pPr algn="ctr"/>
-            <a:r>
-              <a:rPr lang="en-US" sz="1800" b="1" dirty="0" smtClean="0">
-                <a:latin typeface="Georgia" charset="0"/>
-                <a:ea typeface="Georgia" charset="0"/>
-                <a:cs typeface="Georgia" charset="0"/>
-              </a:rPr>
-              <a:t>Querying history</a:t>
-            </a:r>
-            <a:endParaRPr lang="en-US" sz="1800" b="1" dirty="0">
-              <a:latin typeface="Georgia" charset="0"/>
-              <a:ea typeface="Georgia" charset="0"/>
-              <a:cs typeface="Georgia" charset="0"/>
-            </a:endParaRPr>
-          </a:p>
-        </p:txBody>
-      </p:sp>
-      <p:sp>
-        <p:nvSpPr>
-          <p:cNvPr id="18" name="TextBox 17"/>
-          <p:cNvSpPr txBox="1"/>
-          <p:nvPr/>
-        </p:nvSpPr>
-        <p:spPr>
-          <a:xfrm>
-            <a:off x="13076285" y="3218872"/>
-            <a:ext cx="2414954" cy="369332"/>
-          </a:xfrm>
-          <a:prstGeom prst="rect">
-            <a:avLst/>
-          </a:prstGeom>
-          <a:noFill/>
-        </p:spPr>
-        <p:txBody>
-          <a:bodyPr wrap="square" rtlCol="0" anchor="ctr">
-            <a:spAutoFit/>
-          </a:bodyPr>
-          <a:lstStyle/>
-          <a:p>
-            <a:pPr algn="ctr"/>
-            <a:r>
-              <a:rPr lang="en-US" sz="1800" b="1" smtClean="0">
-                <a:latin typeface="Georgia" charset="0"/>
-                <a:ea typeface="Georgia" charset="0"/>
-                <a:cs typeface="Georgia" charset="0"/>
-              </a:rPr>
-              <a:t>Querying today</a:t>
-            </a:r>
-            <a:endParaRPr lang="en-US" sz="1800" b="1" dirty="0">
-              <a:latin typeface="Georgia" charset="0"/>
-              <a:ea typeface="Georgia" charset="0"/>
-              <a:cs typeface="Georgia" charset="0"/>
-            </a:endParaRPr>
-          </a:p>
-        </p:txBody>
-      </p:sp>
-    </p:spTree>
-    <p:extLst>
-      <p:ext uri="{BB962C8B-B14F-4D97-AF65-F5344CB8AC3E}">
-        <p14:creationId xmlns:p14="http://schemas.microsoft.com/office/powerpoint/2010/main" val="1022433225"/>
       </p:ext>
     </p:extLst>
   </p:cSld>
@@ -7567,6 +8935,556 @@
           <a:p>
             <a:pPr algn="ctr"/>
             <a:r>
+              <a:rPr lang="en-US" sz="7000" b="1" dirty="0" smtClean="0"/>
+              <a:t>diagram_hadoop201_model3</a:t>
+            </a:r>
+            <a:endParaRPr lang="id-ID" sz="7000" b="1" dirty="0">
+              <a:solidFill>
+                <a:schemeClr val="tx2"/>
+              </a:solidFill>
+              <a:latin typeface="Lato Regular"/>
+              <a:cs typeface="Lato Regular"/>
+            </a:endParaRPr>
+          </a:p>
+        </p:txBody>
+      </p:sp>
+      <p:sp>
+        <p:nvSpPr>
+          <p:cNvPr id="4" name="Rectangle 3"/>
+          <p:cNvSpPr/>
+          <p:nvPr/>
+        </p:nvSpPr>
+        <p:spPr>
+          <a:xfrm>
+            <a:off x="7083762" y="7384249"/>
+            <a:ext cx="3600000" cy="2340000"/>
+          </a:xfrm>
+          <a:prstGeom prst="rect">
+            <a:avLst/>
+          </a:prstGeom>
+          <a:solidFill>
+            <a:schemeClr val="accent2"/>
+          </a:solidFill>
+          <a:ln w="38100">
+            <a:solidFill>
+              <a:schemeClr val="tx2"/>
+            </a:solidFill>
+          </a:ln>
+          <a:effectLst/>
+        </p:spPr>
+        <p:style>
+          <a:lnRef idx="2">
+            <a:schemeClr val="accent1">
+              <a:shade val="50000"/>
+            </a:schemeClr>
+          </a:lnRef>
+          <a:fillRef idx="1">
+            <a:schemeClr val="accent1"/>
+          </a:fillRef>
+          <a:effectRef idx="0">
+            <a:schemeClr val="accent1"/>
+          </a:effectRef>
+          <a:fontRef idx="minor">
+            <a:schemeClr val="lt1"/>
+          </a:fontRef>
+        </p:style>
+        <p:txBody>
+          <a:bodyPr rtlCol="0" anchor="ctr"/>
+          <a:lstStyle/>
+          <a:p>
+            <a:pPr algn="ctr"/>
+            <a:r>
+              <a:rPr lang="en-US" sz="1800" b="1" smtClean="0">
+                <a:latin typeface="Georgia" charset="0"/>
+                <a:ea typeface="Georgia" charset="0"/>
+                <a:cs typeface="Georgia" charset="0"/>
+              </a:rPr>
+              <a:t>USER_HISTORY</a:t>
+            </a:r>
+            <a:endParaRPr lang="en-US" sz="1800" b="1" dirty="0">
+              <a:latin typeface="Georgia" charset="0"/>
+              <a:ea typeface="Georgia" charset="0"/>
+              <a:cs typeface="Georgia" charset="0"/>
+            </a:endParaRPr>
+          </a:p>
+        </p:txBody>
+      </p:sp>
+      <p:sp>
+        <p:nvSpPr>
+          <p:cNvPr id="5" name="Right Arrow 4"/>
+          <p:cNvSpPr/>
+          <p:nvPr/>
+        </p:nvSpPr>
+        <p:spPr>
+          <a:xfrm>
+            <a:off x="3483762" y="7956372"/>
+            <a:ext cx="3600000" cy="1195754"/>
+          </a:xfrm>
+          <a:prstGeom prst="rightArrow">
+            <a:avLst/>
+          </a:prstGeom>
+          <a:solidFill>
+            <a:schemeClr val="tx2">
+              <a:lumMod val="60000"/>
+              <a:lumOff val="40000"/>
+            </a:schemeClr>
+          </a:solidFill>
+          <a:ln w="38100">
+            <a:solidFill>
+              <a:schemeClr val="tx2"/>
+            </a:solidFill>
+          </a:ln>
+        </p:spPr>
+        <p:style>
+          <a:lnRef idx="2">
+            <a:schemeClr val="accent1">
+              <a:shade val="50000"/>
+            </a:schemeClr>
+          </a:lnRef>
+          <a:fillRef idx="1">
+            <a:schemeClr val="accent1"/>
+          </a:fillRef>
+          <a:effectRef idx="0">
+            <a:schemeClr val="accent1"/>
+          </a:effectRef>
+          <a:fontRef idx="minor">
+            <a:schemeClr val="lt1"/>
+          </a:fontRef>
+        </p:style>
+        <p:txBody>
+          <a:bodyPr rtlCol="0" anchor="ctr"/>
+          <a:lstStyle/>
+          <a:p>
+            <a:pPr algn="ctr"/>
+            <a:r>
+              <a:rPr lang="en-US" sz="1800" b="1" dirty="0" smtClean="0">
+                <a:latin typeface="Georgia" charset="0"/>
+                <a:ea typeface="Georgia" charset="0"/>
+                <a:cs typeface="Georgia" charset="0"/>
+              </a:rPr>
+              <a:t>Ingest Pipeline</a:t>
+            </a:r>
+            <a:endParaRPr lang="en-US" sz="1800" b="1" dirty="0">
+              <a:latin typeface="Georgia" charset="0"/>
+              <a:ea typeface="Georgia" charset="0"/>
+              <a:cs typeface="Georgia" charset="0"/>
+            </a:endParaRPr>
+          </a:p>
+        </p:txBody>
+      </p:sp>
+      <p:sp>
+        <p:nvSpPr>
+          <p:cNvPr id="6" name="Right Arrow 5"/>
+          <p:cNvSpPr/>
+          <p:nvPr/>
+        </p:nvSpPr>
+        <p:spPr>
+          <a:xfrm>
+            <a:off x="10683762" y="7956372"/>
+            <a:ext cx="3600000" cy="1195754"/>
+          </a:xfrm>
+          <a:prstGeom prst="rightArrow">
+            <a:avLst/>
+          </a:prstGeom>
+          <a:solidFill>
+            <a:schemeClr val="tx2">
+              <a:lumMod val="60000"/>
+              <a:lumOff val="40000"/>
+            </a:schemeClr>
+          </a:solidFill>
+          <a:ln w="38100">
+            <a:solidFill>
+              <a:schemeClr val="tx2"/>
+            </a:solidFill>
+          </a:ln>
+        </p:spPr>
+        <p:style>
+          <a:lnRef idx="2">
+            <a:schemeClr val="accent1">
+              <a:shade val="50000"/>
+            </a:schemeClr>
+          </a:lnRef>
+          <a:fillRef idx="1">
+            <a:schemeClr val="accent1"/>
+          </a:fillRef>
+          <a:effectRef idx="0">
+            <a:schemeClr val="accent1"/>
+          </a:effectRef>
+          <a:fontRef idx="minor">
+            <a:schemeClr val="lt1"/>
+          </a:fontRef>
+        </p:style>
+        <p:txBody>
+          <a:bodyPr rtlCol="0" anchor="ctr"/>
+          <a:lstStyle/>
+          <a:p>
+            <a:pPr algn="ctr"/>
+            <a:r>
+              <a:rPr lang="en-US" sz="1800" b="1" dirty="0" smtClean="0">
+                <a:latin typeface="Georgia" charset="0"/>
+                <a:ea typeface="Georgia" charset="0"/>
+                <a:cs typeface="Georgia" charset="0"/>
+              </a:rPr>
+              <a:t>One Record User</a:t>
+            </a:r>
+            <a:endParaRPr lang="en-US" sz="1800" b="1" dirty="0">
+              <a:latin typeface="Georgia" charset="0"/>
+              <a:ea typeface="Georgia" charset="0"/>
+              <a:cs typeface="Georgia" charset="0"/>
+            </a:endParaRPr>
+          </a:p>
+        </p:txBody>
+      </p:sp>
+      <p:sp>
+        <p:nvSpPr>
+          <p:cNvPr id="8" name="Rectangle 7"/>
+          <p:cNvSpPr/>
+          <p:nvPr/>
+        </p:nvSpPr>
+        <p:spPr>
+          <a:xfrm>
+            <a:off x="14283762" y="7384249"/>
+            <a:ext cx="3600000" cy="2340000"/>
+          </a:xfrm>
+          <a:prstGeom prst="rect">
+            <a:avLst/>
+          </a:prstGeom>
+          <a:solidFill>
+            <a:schemeClr val="accent2"/>
+          </a:solidFill>
+          <a:ln w="38100">
+            <a:solidFill>
+              <a:schemeClr val="tx2"/>
+            </a:solidFill>
+          </a:ln>
+          <a:effectLst/>
+        </p:spPr>
+        <p:style>
+          <a:lnRef idx="2">
+            <a:schemeClr val="accent1">
+              <a:shade val="50000"/>
+            </a:schemeClr>
+          </a:lnRef>
+          <a:fillRef idx="1">
+            <a:schemeClr val="accent1"/>
+          </a:fillRef>
+          <a:effectRef idx="0">
+            <a:schemeClr val="accent1"/>
+          </a:effectRef>
+          <a:fontRef idx="minor">
+            <a:schemeClr val="lt1"/>
+          </a:fontRef>
+        </p:style>
+        <p:txBody>
+          <a:bodyPr rtlCol="0" anchor="ctr"/>
+          <a:lstStyle/>
+          <a:p>
+            <a:pPr algn="ctr"/>
+            <a:r>
+              <a:rPr lang="en-US" sz="1800" b="1" dirty="0" smtClean="0">
+                <a:latin typeface="Georgia" charset="0"/>
+                <a:ea typeface="Georgia" charset="0"/>
+                <a:cs typeface="Georgia" charset="0"/>
+              </a:rPr>
+              <a:t>USER</a:t>
+            </a:r>
+            <a:endParaRPr lang="en-US" sz="1800" b="1" dirty="0">
+              <a:latin typeface="Georgia" charset="0"/>
+              <a:ea typeface="Georgia" charset="0"/>
+              <a:cs typeface="Georgia" charset="0"/>
+            </a:endParaRPr>
+          </a:p>
+        </p:txBody>
+      </p:sp>
+      <p:pic>
+        <p:nvPicPr>
+          <p:cNvPr id="9" name="Picture 8"/>
+          <p:cNvPicPr>
+            <a:picLocks noChangeAspect="1"/>
+          </p:cNvPicPr>
+          <p:nvPr/>
+        </p:nvPicPr>
+        <p:blipFill>
+          <a:blip r:embed="rId2">
+            <a:extLst>
+              <a:ext uri="{28A0092B-C50C-407E-A947-70E740481C1C}">
+                <a14:useLocalDpi xmlns:a14="http://schemas.microsoft.com/office/drawing/2010/main" val="0"/>
+              </a:ext>
+            </a:extLst>
+          </a:blip>
+          <a:stretch>
+            <a:fillRect/>
+          </a:stretch>
+        </p:blipFill>
+        <p:spPr>
+          <a:xfrm>
+            <a:off x="10143762" y="3689599"/>
+            <a:ext cx="1080000" cy="1080000"/>
+          </a:xfrm>
+          <a:prstGeom prst="rect">
+            <a:avLst/>
+          </a:prstGeom>
+        </p:spPr>
+      </p:pic>
+      <p:pic>
+        <p:nvPicPr>
+          <p:cNvPr id="10" name="Picture 9"/>
+          <p:cNvPicPr>
+            <a:picLocks noChangeAspect="1"/>
+          </p:cNvPicPr>
+          <p:nvPr/>
+        </p:nvPicPr>
+        <p:blipFill>
+          <a:blip r:embed="rId2">
+            <a:extLst>
+              <a:ext uri="{28A0092B-C50C-407E-A947-70E740481C1C}">
+                <a14:useLocalDpi xmlns:a14="http://schemas.microsoft.com/office/drawing/2010/main" val="0"/>
+              </a:ext>
+            </a:extLst>
+          </a:blip>
+          <a:stretch>
+            <a:fillRect/>
+          </a:stretch>
+        </p:blipFill>
+        <p:spPr>
+          <a:xfrm>
+            <a:off x="13743762" y="3689599"/>
+            <a:ext cx="1080000" cy="1080000"/>
+          </a:xfrm>
+          <a:prstGeom prst="rect">
+            <a:avLst/>
+          </a:prstGeom>
+        </p:spPr>
+      </p:pic>
+      <p:cxnSp>
+        <p:nvCxnSpPr>
+          <p:cNvPr id="11" name="Straight Connector 10"/>
+          <p:cNvCxnSpPr>
+            <a:stCxn id="9" idx="2"/>
+            <a:endCxn id="4" idx="0"/>
+          </p:cNvCxnSpPr>
+          <p:nvPr/>
+        </p:nvCxnSpPr>
+        <p:spPr>
+          <a:xfrm flipH="1">
+            <a:off x="8883762" y="4769599"/>
+            <a:ext cx="1800000" cy="2614650"/>
+          </a:xfrm>
+          <a:prstGeom prst="line">
+            <a:avLst/>
+          </a:prstGeom>
+          <a:ln w="38100">
+            <a:solidFill>
+              <a:schemeClr val="tx2"/>
+            </a:solidFill>
+            <a:tailEnd type="triangle" w="lg" len="lg"/>
+          </a:ln>
+        </p:spPr>
+        <p:style>
+          <a:lnRef idx="1">
+            <a:schemeClr val="accent1"/>
+          </a:lnRef>
+          <a:fillRef idx="0">
+            <a:schemeClr val="accent1"/>
+          </a:fillRef>
+          <a:effectRef idx="0">
+            <a:schemeClr val="accent1"/>
+          </a:effectRef>
+          <a:fontRef idx="minor">
+            <a:schemeClr val="tx1"/>
+          </a:fontRef>
+        </p:style>
+      </p:cxnSp>
+      <p:cxnSp>
+        <p:nvCxnSpPr>
+          <p:cNvPr id="14" name="Straight Connector 13"/>
+          <p:cNvCxnSpPr>
+            <a:stCxn id="10" idx="2"/>
+            <a:endCxn id="8" idx="0"/>
+          </p:cNvCxnSpPr>
+          <p:nvPr/>
+        </p:nvCxnSpPr>
+        <p:spPr>
+          <a:xfrm>
+            <a:off x="14283762" y="4769599"/>
+            <a:ext cx="1800000" cy="2614650"/>
+          </a:xfrm>
+          <a:prstGeom prst="line">
+            <a:avLst/>
+          </a:prstGeom>
+          <a:ln w="38100">
+            <a:solidFill>
+              <a:schemeClr val="tx2"/>
+            </a:solidFill>
+            <a:tailEnd type="triangle" w="lg" len="lg"/>
+          </a:ln>
+        </p:spPr>
+        <p:style>
+          <a:lnRef idx="1">
+            <a:schemeClr val="accent1"/>
+          </a:lnRef>
+          <a:fillRef idx="0">
+            <a:schemeClr val="accent1"/>
+          </a:fillRef>
+          <a:effectRef idx="0">
+            <a:schemeClr val="accent1"/>
+          </a:effectRef>
+          <a:fontRef idx="minor">
+            <a:schemeClr val="tx1"/>
+          </a:fontRef>
+        </p:style>
+      </p:cxnSp>
+      <p:sp>
+        <p:nvSpPr>
+          <p:cNvPr id="17" name="TextBox 16"/>
+          <p:cNvSpPr txBox="1"/>
+          <p:nvPr/>
+        </p:nvSpPr>
+        <p:spPr>
+          <a:xfrm>
+            <a:off x="9476285" y="3218872"/>
+            <a:ext cx="2414954" cy="369332"/>
+          </a:xfrm>
+          <a:prstGeom prst="rect">
+            <a:avLst/>
+          </a:prstGeom>
+          <a:noFill/>
+        </p:spPr>
+        <p:txBody>
+          <a:bodyPr wrap="square" rtlCol="0" anchor="ctr">
+            <a:spAutoFit/>
+          </a:bodyPr>
+          <a:lstStyle/>
+          <a:p>
+            <a:pPr algn="ctr"/>
+            <a:r>
+              <a:rPr lang="en-US" sz="1800" b="1" dirty="0" smtClean="0">
+                <a:latin typeface="Georgia" charset="0"/>
+                <a:ea typeface="Georgia" charset="0"/>
+                <a:cs typeface="Georgia" charset="0"/>
+              </a:rPr>
+              <a:t>Querying history</a:t>
+            </a:r>
+            <a:endParaRPr lang="en-US" sz="1800" b="1" dirty="0">
+              <a:latin typeface="Georgia" charset="0"/>
+              <a:ea typeface="Georgia" charset="0"/>
+              <a:cs typeface="Georgia" charset="0"/>
+            </a:endParaRPr>
+          </a:p>
+        </p:txBody>
+      </p:sp>
+      <p:sp>
+        <p:nvSpPr>
+          <p:cNvPr id="18" name="TextBox 17"/>
+          <p:cNvSpPr txBox="1"/>
+          <p:nvPr/>
+        </p:nvSpPr>
+        <p:spPr>
+          <a:xfrm>
+            <a:off x="13076285" y="3218872"/>
+            <a:ext cx="2414954" cy="369332"/>
+          </a:xfrm>
+          <a:prstGeom prst="rect">
+            <a:avLst/>
+          </a:prstGeom>
+          <a:noFill/>
+        </p:spPr>
+        <p:txBody>
+          <a:bodyPr wrap="square" rtlCol="0" anchor="ctr">
+            <a:spAutoFit/>
+          </a:bodyPr>
+          <a:lstStyle/>
+          <a:p>
+            <a:pPr algn="ctr"/>
+            <a:r>
+              <a:rPr lang="en-US" sz="1800" b="1" smtClean="0">
+                <a:latin typeface="Georgia" charset="0"/>
+                <a:ea typeface="Georgia" charset="0"/>
+                <a:cs typeface="Georgia" charset="0"/>
+              </a:rPr>
+              <a:t>Querying today</a:t>
+            </a:r>
+            <a:endParaRPr lang="en-US" sz="1800" b="1" dirty="0">
+              <a:latin typeface="Georgia" charset="0"/>
+              <a:ea typeface="Georgia" charset="0"/>
+              <a:cs typeface="Georgia" charset="0"/>
+            </a:endParaRPr>
+          </a:p>
+        </p:txBody>
+      </p:sp>
+    </p:spTree>
+    <p:extLst>
+      <p:ext uri="{BB962C8B-B14F-4D97-AF65-F5344CB8AC3E}">
+        <p14:creationId xmlns:p14="http://schemas.microsoft.com/office/powerpoint/2010/main" val="1022433225"/>
+      </p:ext>
+    </p:extLst>
+  </p:cSld>
+  <p:clrMapOvr>
+    <a:masterClrMapping/>
+  </p:clrMapOvr>
+  <mc:AlternateContent xmlns:mc="http://schemas.openxmlformats.org/markup-compatibility/2006" xmlns:p14="http://schemas.microsoft.com/office/powerpoint/2010/main">
+    <mc:Choice Requires="p14">
+      <p:transition spd="slow" p14:dur="1500" advClick="0" advTm="3000">
+        <p14:reveal/>
+      </p:transition>
+    </mc:Choice>
+    <mc:Fallback xmlns="">
+      <p:transition xmlns:p14="http://schemas.microsoft.com/office/powerpoint/2010/main" spd="slow" advClick="0" advTm="3000">
+        <p:fade/>
+      </p:transition>
+    </mc:Fallback>
+  </mc:AlternateContent>
+  <p:timing>
+    <p:tnLst>
+      <p:par>
+        <p:cTn id="1" dur="indefinite" restart="never" nodeType="tmRoot"/>
+      </p:par>
+    </p:tnLst>
+  </p:timing>
+</p:sld>
+</file>
+
+<file path=ppt/slides/slide6.xml><?xml version="1.0" encoding="utf-8"?>
+<p:sld xmlns:a="http://schemas.openxmlformats.org/drawingml/2006/main" xmlns:r="http://schemas.openxmlformats.org/officeDocument/2006/relationships" xmlns:p="http://schemas.openxmlformats.org/presentationml/2006/main">
+  <p:cSld>
+    <p:spTree>
+      <p:nvGrpSpPr>
+        <p:cNvPr id="1" name=""/>
+        <p:cNvGrpSpPr/>
+        <p:nvPr/>
+      </p:nvGrpSpPr>
+      <p:grpSpPr>
+        <a:xfrm>
+          <a:off x="0" y="0"/>
+          <a:ext cx="0" cy="0"/>
+          <a:chOff x="0" y="0"/>
+          <a:chExt cx="0" cy="0"/>
+        </a:xfrm>
+      </p:grpSpPr>
+      <p:sp>
+        <p:nvSpPr>
+          <p:cNvPr id="3" name="TextBox 2"/>
+          <p:cNvSpPr txBox="1"/>
+          <p:nvPr/>
+        </p:nvSpPr>
+        <p:spPr>
+          <a:xfrm>
+            <a:off x="4988825" y="483017"/>
+            <a:ext cx="14400000" cy="1169533"/>
+          </a:xfrm>
+          <a:prstGeom prst="rect">
+            <a:avLst/>
+          </a:prstGeom>
+          <a:noFill/>
+        </p:spPr>
+        <p:txBody>
+          <a:bodyPr wrap="square" lIns="91422" tIns="45711" rIns="91422" bIns="45711" rtlCol="0">
+            <a:spAutoFit/>
+          </a:bodyPr>
+          <a:lstStyle/>
+          <a:p>
+            <a:pPr algn="ctr"/>
+            <a:r>
               <a:rPr lang="en-US" sz="7000" b="1" smtClean="0"/>
               <a:t>diagram_hadoop201_model4</a:t>
             </a:r>
@@ -9206,7 +11124,7 @@
 </p:sld>
 </file>
 
-<file path=ppt/slides/slide6.xml><?xml version="1.0" encoding="utf-8"?>
+<file path=ppt/slides/slide7.xml><?xml version="1.0" encoding="utf-8"?>
 <p:sld xmlns:a="http://schemas.openxmlformats.org/drawingml/2006/main" xmlns:r="http://schemas.openxmlformats.org/officeDocument/2006/relationships" xmlns:p="http://schemas.openxmlformats.org/presentationml/2006/main">
   <p:cSld>
     <p:spTree>
@@ -10707,6 +12625,7 @@
           <a:solidFill>
             <a:schemeClr val="tx2"/>
           </a:solidFill>
+          <a:tailEnd type="triangle" w="lg" len="lg"/>
         </a:ln>
       </a:spPr>
       <a:bodyPr/>

--- a/graphics/pp_diagrams.pptx
+++ b/graphics/pp_diagrams.pptx
@@ -5,10 +5,10 @@
     <p:sldMasterId id="2147483648" r:id="rId1"/>
   </p:sldMasterIdLst>
   <p:notesMasterIdLst>
-    <p:notesMasterId r:id="rId9"/>
+    <p:notesMasterId r:id="rId10"/>
   </p:notesMasterIdLst>
   <p:handoutMasterIdLst>
-    <p:handoutMasterId r:id="rId10"/>
+    <p:handoutMasterId r:id="rId11"/>
   </p:handoutMasterIdLst>
   <p:sldIdLst>
     <p:sldId id="671" r:id="rId2"/>
@@ -18,6 +18,7 @@
     <p:sldId id="674" r:id="rId6"/>
     <p:sldId id="675" r:id="rId7"/>
     <p:sldId id="676" r:id="rId8"/>
+    <p:sldId id="678" r:id="rId9"/>
   </p:sldIdLst>
   <p:sldSz cx="24377650" cy="13716000"/>
   <p:notesSz cx="6858000" cy="9144000"/>
@@ -12386,6 +12387,1389 @@
 </p:sld>
 </file>
 
+<file path=ppt/slides/slide8.xml><?xml version="1.0" encoding="utf-8"?>
+<p:sld xmlns:a="http://schemas.openxmlformats.org/drawingml/2006/main" xmlns:r="http://schemas.openxmlformats.org/officeDocument/2006/relationships" xmlns:p="http://schemas.openxmlformats.org/presentationml/2006/main">
+  <p:cSld>
+    <p:spTree>
+      <p:nvGrpSpPr>
+        <p:cNvPr id="1" name=""/>
+        <p:cNvGrpSpPr/>
+        <p:nvPr/>
+      </p:nvGrpSpPr>
+      <p:grpSpPr>
+        <a:xfrm>
+          <a:off x="0" y="0"/>
+          <a:ext cx="0" cy="0"/>
+          <a:chOff x="0" y="0"/>
+          <a:chExt cx="0" cy="0"/>
+        </a:xfrm>
+      </p:grpSpPr>
+      <p:sp>
+        <p:nvSpPr>
+          <p:cNvPr id="3" name="TextBox 2"/>
+          <p:cNvSpPr txBox="1"/>
+          <p:nvPr/>
+        </p:nvSpPr>
+        <p:spPr>
+          <a:xfrm>
+            <a:off x="4988825" y="483017"/>
+            <a:ext cx="14400000" cy="1169533"/>
+          </a:xfrm>
+          <a:prstGeom prst="rect">
+            <a:avLst/>
+          </a:prstGeom>
+          <a:noFill/>
+        </p:spPr>
+        <p:txBody>
+          <a:bodyPr wrap="square" lIns="91422" tIns="45711" rIns="91422" bIns="45711" rtlCol="0">
+            <a:spAutoFit/>
+          </a:bodyPr>
+          <a:lstStyle/>
+          <a:p>
+            <a:pPr algn="ctr"/>
+            <a:r>
+              <a:rPr lang="en-US" sz="7000" b="1" dirty="0" smtClean="0"/>
+              <a:t>diagram_hadoop102_model1</a:t>
+            </a:r>
+            <a:endParaRPr lang="id-ID" sz="7000" b="1" dirty="0">
+              <a:solidFill>
+                <a:schemeClr val="tx2"/>
+              </a:solidFill>
+              <a:latin typeface="Lato Regular"/>
+              <a:cs typeface="Lato Regular"/>
+            </a:endParaRPr>
+          </a:p>
+        </p:txBody>
+      </p:sp>
+      <p:sp>
+        <p:nvSpPr>
+          <p:cNvPr id="8" name="Rounded Rectangle 7"/>
+          <p:cNvSpPr/>
+          <p:nvPr/>
+        </p:nvSpPr>
+        <p:spPr>
+          <a:xfrm>
+            <a:off x="1081057" y="2406818"/>
+            <a:ext cx="9921239" cy="5822782"/>
+          </a:xfrm>
+          <a:prstGeom prst="roundRect">
+            <a:avLst/>
+          </a:prstGeom>
+          <a:solidFill>
+            <a:schemeClr val="accent3"/>
+          </a:solidFill>
+          <a:ln w="38100">
+            <a:solidFill>
+              <a:schemeClr val="tx1"/>
+            </a:solidFill>
+          </a:ln>
+        </p:spPr>
+        <p:style>
+          <a:lnRef idx="2">
+            <a:schemeClr val="accent1">
+              <a:shade val="50000"/>
+            </a:schemeClr>
+          </a:lnRef>
+          <a:fillRef idx="1">
+            <a:schemeClr val="accent1"/>
+          </a:fillRef>
+          <a:effectRef idx="0">
+            <a:schemeClr val="accent1"/>
+          </a:effectRef>
+          <a:fontRef idx="minor">
+            <a:schemeClr val="lt1"/>
+          </a:fontRef>
+        </p:style>
+        <p:txBody>
+          <a:bodyPr rtlCol="0" anchor="b"/>
+          <a:lstStyle/>
+          <a:p>
+            <a:pPr algn="ctr"/>
+            <a:r>
+              <a:rPr lang="en-US" sz="1800" dirty="0" smtClean="0">
+                <a:latin typeface="Georgia" charset="0"/>
+                <a:ea typeface="Georgia" charset="0"/>
+                <a:cs typeface="Georgia" charset="0"/>
+              </a:rPr>
+              <a:t>client node</a:t>
+            </a:r>
+            <a:endParaRPr lang="en-US" sz="1800" dirty="0">
+              <a:latin typeface="Georgia" charset="0"/>
+              <a:ea typeface="Georgia" charset="0"/>
+              <a:cs typeface="Georgia" charset="0"/>
+            </a:endParaRPr>
+          </a:p>
+        </p:txBody>
+      </p:sp>
+      <p:sp>
+        <p:nvSpPr>
+          <p:cNvPr id="4" name="Rounded Rectangle 3"/>
+          <p:cNvSpPr/>
+          <p:nvPr/>
+        </p:nvSpPr>
+        <p:spPr>
+          <a:xfrm>
+            <a:off x="1541676" y="2733060"/>
+            <a:ext cx="9000000" cy="4519922"/>
+          </a:xfrm>
+          <a:prstGeom prst="roundRect">
+            <a:avLst/>
+          </a:prstGeom>
+          <a:solidFill>
+            <a:schemeClr val="accent1"/>
+          </a:solidFill>
+          <a:ln w="38100">
+            <a:solidFill>
+              <a:schemeClr val="tx1"/>
+            </a:solidFill>
+          </a:ln>
+        </p:spPr>
+        <p:style>
+          <a:lnRef idx="2">
+            <a:schemeClr val="accent1">
+              <a:shade val="50000"/>
+            </a:schemeClr>
+          </a:lnRef>
+          <a:fillRef idx="1">
+            <a:schemeClr val="accent1"/>
+          </a:fillRef>
+          <a:effectRef idx="0">
+            <a:schemeClr val="accent1"/>
+          </a:effectRef>
+          <a:fontRef idx="minor">
+            <a:schemeClr val="lt1"/>
+          </a:fontRef>
+        </p:style>
+        <p:txBody>
+          <a:bodyPr rtlCol="0" anchor="b"/>
+          <a:lstStyle/>
+          <a:p>
+            <a:pPr algn="ctr"/>
+            <a:r>
+              <a:rPr lang="en-US" sz="1800" dirty="0" smtClean="0">
+                <a:latin typeface="Georgia" charset="0"/>
+                <a:ea typeface="Georgia" charset="0"/>
+                <a:cs typeface="Georgia" charset="0"/>
+              </a:rPr>
+              <a:t>client JVM</a:t>
+            </a:r>
+            <a:endParaRPr lang="en-US" sz="1800" dirty="0">
+              <a:latin typeface="Georgia" charset="0"/>
+              <a:ea typeface="Georgia" charset="0"/>
+              <a:cs typeface="Georgia" charset="0"/>
+            </a:endParaRPr>
+          </a:p>
+        </p:txBody>
+      </p:sp>
+      <p:sp>
+        <p:nvSpPr>
+          <p:cNvPr id="5" name="Rounded Rectangle 4"/>
+          <p:cNvSpPr/>
+          <p:nvPr/>
+        </p:nvSpPr>
+        <p:spPr>
+          <a:xfrm>
+            <a:off x="2075780" y="3228227"/>
+            <a:ext cx="2160000" cy="1440000"/>
+          </a:xfrm>
+          <a:prstGeom prst="roundRect">
+            <a:avLst/>
+          </a:prstGeom>
+          <a:solidFill>
+            <a:schemeClr val="accent2"/>
+          </a:solidFill>
+          <a:ln w="38100">
+            <a:solidFill>
+              <a:schemeClr val="tx1"/>
+            </a:solidFill>
+          </a:ln>
+        </p:spPr>
+        <p:style>
+          <a:lnRef idx="2">
+            <a:schemeClr val="accent1">
+              <a:shade val="50000"/>
+            </a:schemeClr>
+          </a:lnRef>
+          <a:fillRef idx="1">
+            <a:schemeClr val="accent1"/>
+          </a:fillRef>
+          <a:effectRef idx="0">
+            <a:schemeClr val="accent1"/>
+          </a:effectRef>
+          <a:fontRef idx="minor">
+            <a:schemeClr val="lt1"/>
+          </a:fontRef>
+        </p:style>
+        <p:txBody>
+          <a:bodyPr rtlCol="0" anchor="ctr"/>
+          <a:lstStyle/>
+          <a:p>
+            <a:pPr algn="ctr"/>
+            <a:r>
+              <a:rPr lang="en-US" sz="1800" b="1" dirty="0" smtClean="0">
+                <a:latin typeface="Georgia" charset="0"/>
+                <a:ea typeface="Georgia" charset="0"/>
+                <a:cs typeface="Georgia" charset="0"/>
+              </a:rPr>
+              <a:t>HDFS</a:t>
+            </a:r>
+          </a:p>
+          <a:p>
+            <a:pPr algn="ctr"/>
+            <a:r>
+              <a:rPr lang="en-US" sz="1800" b="1" dirty="0" smtClean="0">
+                <a:latin typeface="Georgia" charset="0"/>
+                <a:ea typeface="Georgia" charset="0"/>
+                <a:cs typeface="Georgia" charset="0"/>
+              </a:rPr>
+              <a:t>client</a:t>
+            </a:r>
+            <a:endParaRPr lang="en-US" sz="1800" b="1" dirty="0">
+              <a:latin typeface="Georgia" charset="0"/>
+              <a:ea typeface="Georgia" charset="0"/>
+              <a:cs typeface="Georgia" charset="0"/>
+            </a:endParaRPr>
+          </a:p>
+        </p:txBody>
+      </p:sp>
+      <p:sp>
+        <p:nvSpPr>
+          <p:cNvPr id="6" name="Rounded Rectangle 5"/>
+          <p:cNvSpPr/>
+          <p:nvPr/>
+        </p:nvSpPr>
+        <p:spPr>
+          <a:xfrm>
+            <a:off x="7891561" y="3228227"/>
+            <a:ext cx="2160000" cy="1440000"/>
+          </a:xfrm>
+          <a:prstGeom prst="roundRect">
+            <a:avLst/>
+          </a:prstGeom>
+          <a:solidFill>
+            <a:schemeClr val="accent2"/>
+          </a:solidFill>
+          <a:ln w="38100">
+            <a:solidFill>
+              <a:schemeClr val="tx1"/>
+            </a:solidFill>
+          </a:ln>
+        </p:spPr>
+        <p:style>
+          <a:lnRef idx="2">
+            <a:schemeClr val="accent1">
+              <a:shade val="50000"/>
+            </a:schemeClr>
+          </a:lnRef>
+          <a:fillRef idx="1">
+            <a:schemeClr val="accent1"/>
+          </a:fillRef>
+          <a:effectRef idx="0">
+            <a:schemeClr val="accent1"/>
+          </a:effectRef>
+          <a:fontRef idx="minor">
+            <a:schemeClr val="lt1"/>
+          </a:fontRef>
+        </p:style>
+        <p:txBody>
+          <a:bodyPr rtlCol="0" anchor="ctr"/>
+          <a:lstStyle/>
+          <a:p>
+            <a:pPr algn="ctr"/>
+            <a:r>
+              <a:rPr lang="en-US" sz="1800" b="1" dirty="0" smtClean="0">
+                <a:latin typeface="Georgia" charset="0"/>
+                <a:ea typeface="Georgia" charset="0"/>
+                <a:cs typeface="Georgia" charset="0"/>
+              </a:rPr>
+              <a:t>Distributed</a:t>
+            </a:r>
+          </a:p>
+          <a:p>
+            <a:pPr algn="ctr"/>
+            <a:r>
+              <a:rPr lang="en-US" sz="1800" b="1" dirty="0" err="1" smtClean="0">
+                <a:latin typeface="Georgia" charset="0"/>
+                <a:ea typeface="Georgia" charset="0"/>
+                <a:cs typeface="Georgia" charset="0"/>
+              </a:rPr>
+              <a:t>FileSystem</a:t>
+            </a:r>
+            <a:endParaRPr lang="en-US" sz="1800" b="1" dirty="0">
+              <a:latin typeface="Georgia" charset="0"/>
+              <a:ea typeface="Georgia" charset="0"/>
+              <a:cs typeface="Georgia" charset="0"/>
+            </a:endParaRPr>
+          </a:p>
+        </p:txBody>
+      </p:sp>
+      <p:sp>
+        <p:nvSpPr>
+          <p:cNvPr id="7" name="Rounded Rectangle 6"/>
+          <p:cNvSpPr/>
+          <p:nvPr/>
+        </p:nvSpPr>
+        <p:spPr>
+          <a:xfrm>
+            <a:off x="7891561" y="4993021"/>
+            <a:ext cx="2160000" cy="1440000"/>
+          </a:xfrm>
+          <a:prstGeom prst="roundRect">
+            <a:avLst/>
+          </a:prstGeom>
+          <a:solidFill>
+            <a:schemeClr val="accent2"/>
+          </a:solidFill>
+          <a:ln w="38100">
+            <a:solidFill>
+              <a:schemeClr val="tx1"/>
+            </a:solidFill>
+          </a:ln>
+        </p:spPr>
+        <p:style>
+          <a:lnRef idx="2">
+            <a:schemeClr val="accent1">
+              <a:shade val="50000"/>
+            </a:schemeClr>
+          </a:lnRef>
+          <a:fillRef idx="1">
+            <a:schemeClr val="accent1"/>
+          </a:fillRef>
+          <a:effectRef idx="0">
+            <a:schemeClr val="accent1"/>
+          </a:effectRef>
+          <a:fontRef idx="minor">
+            <a:schemeClr val="lt1"/>
+          </a:fontRef>
+        </p:style>
+        <p:txBody>
+          <a:bodyPr rtlCol="0" anchor="ctr"/>
+          <a:lstStyle/>
+          <a:p>
+            <a:pPr algn="ctr"/>
+            <a:r>
+              <a:rPr lang="en-US" sz="1800" b="1" dirty="0" err="1" smtClean="0">
+                <a:latin typeface="Georgia" charset="0"/>
+                <a:ea typeface="Georgia" charset="0"/>
+                <a:cs typeface="Georgia" charset="0"/>
+              </a:rPr>
+              <a:t>FSData</a:t>
+            </a:r>
+            <a:endParaRPr lang="en-US" sz="1800" b="1" dirty="0" smtClean="0">
+              <a:latin typeface="Georgia" charset="0"/>
+              <a:ea typeface="Georgia" charset="0"/>
+              <a:cs typeface="Georgia" charset="0"/>
+            </a:endParaRPr>
+          </a:p>
+          <a:p>
+            <a:pPr algn="ctr"/>
+            <a:r>
+              <a:rPr lang="en-US" sz="1800" b="1" dirty="0" err="1" smtClean="0">
+                <a:latin typeface="Georgia" charset="0"/>
+                <a:ea typeface="Georgia" charset="0"/>
+                <a:cs typeface="Georgia" charset="0"/>
+              </a:rPr>
+              <a:t>InputStream</a:t>
+            </a:r>
+            <a:endParaRPr lang="en-US" sz="1800" b="1" dirty="0">
+              <a:latin typeface="Georgia" charset="0"/>
+              <a:ea typeface="Georgia" charset="0"/>
+              <a:cs typeface="Georgia" charset="0"/>
+            </a:endParaRPr>
+          </a:p>
+        </p:txBody>
+      </p:sp>
+      <p:grpSp>
+        <p:nvGrpSpPr>
+          <p:cNvPr id="15" name="Group 14"/>
+          <p:cNvGrpSpPr/>
+          <p:nvPr/>
+        </p:nvGrpSpPr>
+        <p:grpSpPr>
+          <a:xfrm>
+            <a:off x="7531561" y="9369047"/>
+            <a:ext cx="2880000" cy="2520000"/>
+            <a:chOff x="7658800" y="9369047"/>
+            <a:chExt cx="2880000" cy="2520000"/>
+          </a:xfrm>
+        </p:grpSpPr>
+        <p:sp>
+          <p:nvSpPr>
+            <p:cNvPr id="10" name="Rounded Rectangle 9"/>
+            <p:cNvSpPr/>
+            <p:nvPr/>
+          </p:nvSpPr>
+          <p:spPr>
+            <a:xfrm>
+              <a:off x="7658800" y="9369047"/>
+              <a:ext cx="2880000" cy="2520000"/>
+            </a:xfrm>
+            <a:prstGeom prst="roundRect">
+              <a:avLst/>
+            </a:prstGeom>
+            <a:solidFill>
+              <a:schemeClr val="accent1"/>
+            </a:solidFill>
+            <a:ln w="38100">
+              <a:solidFill>
+                <a:schemeClr val="tx1"/>
+              </a:solidFill>
+            </a:ln>
+          </p:spPr>
+          <p:style>
+            <a:lnRef idx="2">
+              <a:schemeClr val="accent1">
+                <a:shade val="50000"/>
+              </a:schemeClr>
+            </a:lnRef>
+            <a:fillRef idx="1">
+              <a:schemeClr val="accent1"/>
+            </a:fillRef>
+            <a:effectRef idx="0">
+              <a:schemeClr val="accent1"/>
+            </a:effectRef>
+            <a:fontRef idx="minor">
+              <a:schemeClr val="lt1"/>
+            </a:fontRef>
+          </p:style>
+          <p:txBody>
+            <a:bodyPr rtlCol="0" anchor="b"/>
+            <a:lstStyle/>
+            <a:p>
+              <a:pPr algn="ctr"/>
+              <a:r>
+                <a:rPr lang="en-US" sz="1800" b="1" dirty="0" smtClean="0">
+                  <a:latin typeface="Georgia" charset="0"/>
+                  <a:ea typeface="Georgia" charset="0"/>
+                  <a:cs typeface="Georgia" charset="0"/>
+                </a:rPr>
+                <a:t>data node</a:t>
+              </a:r>
+              <a:endParaRPr lang="en-US" sz="1800" b="1" dirty="0">
+                <a:latin typeface="Georgia" charset="0"/>
+                <a:ea typeface="Georgia" charset="0"/>
+                <a:cs typeface="Georgia" charset="0"/>
+              </a:endParaRPr>
+            </a:p>
+          </p:txBody>
+        </p:sp>
+        <p:sp>
+          <p:nvSpPr>
+            <p:cNvPr id="9" name="Rounded Rectangle 8"/>
+            <p:cNvSpPr/>
+            <p:nvPr/>
+          </p:nvSpPr>
+          <p:spPr>
+            <a:xfrm>
+              <a:off x="8018800" y="9722434"/>
+              <a:ext cx="2160000" cy="1440000"/>
+            </a:xfrm>
+            <a:prstGeom prst="roundRect">
+              <a:avLst/>
+            </a:prstGeom>
+            <a:solidFill>
+              <a:schemeClr val="accent2"/>
+            </a:solidFill>
+            <a:ln w="38100">
+              <a:solidFill>
+                <a:schemeClr val="tx1"/>
+              </a:solidFill>
+            </a:ln>
+          </p:spPr>
+          <p:style>
+            <a:lnRef idx="2">
+              <a:schemeClr val="accent1">
+                <a:shade val="50000"/>
+              </a:schemeClr>
+            </a:lnRef>
+            <a:fillRef idx="1">
+              <a:schemeClr val="accent1"/>
+            </a:fillRef>
+            <a:effectRef idx="0">
+              <a:schemeClr val="accent1"/>
+            </a:effectRef>
+            <a:fontRef idx="minor">
+              <a:schemeClr val="lt1"/>
+            </a:fontRef>
+          </p:style>
+          <p:txBody>
+            <a:bodyPr rtlCol="0" anchor="ctr"/>
+            <a:lstStyle/>
+            <a:p>
+              <a:pPr algn="ctr"/>
+              <a:r>
+                <a:rPr lang="en-US" sz="1800" b="1" dirty="0" err="1" smtClean="0">
+                  <a:latin typeface="Georgia" charset="0"/>
+                  <a:ea typeface="Georgia" charset="0"/>
+                  <a:cs typeface="Georgia" charset="0"/>
+                </a:rPr>
+                <a:t>DataNode</a:t>
+              </a:r>
+              <a:endParaRPr lang="en-US" sz="1800" b="1" dirty="0">
+                <a:latin typeface="Georgia" charset="0"/>
+                <a:ea typeface="Georgia" charset="0"/>
+                <a:cs typeface="Georgia" charset="0"/>
+              </a:endParaRPr>
+            </a:p>
+          </p:txBody>
+        </p:sp>
+      </p:grpSp>
+      <p:grpSp>
+        <p:nvGrpSpPr>
+          <p:cNvPr id="16" name="Group 15"/>
+          <p:cNvGrpSpPr/>
+          <p:nvPr/>
+        </p:nvGrpSpPr>
+        <p:grpSpPr>
+          <a:xfrm>
+            <a:off x="11318147" y="9369047"/>
+            <a:ext cx="2880000" cy="2520000"/>
+            <a:chOff x="11291819" y="9369047"/>
+            <a:chExt cx="2880000" cy="2520000"/>
+          </a:xfrm>
+        </p:grpSpPr>
+        <p:sp>
+          <p:nvSpPr>
+            <p:cNvPr id="11" name="Rounded Rectangle 10"/>
+            <p:cNvSpPr/>
+            <p:nvPr/>
+          </p:nvSpPr>
+          <p:spPr>
+            <a:xfrm>
+              <a:off x="11291819" y="9369047"/>
+              <a:ext cx="2880000" cy="2520000"/>
+            </a:xfrm>
+            <a:prstGeom prst="roundRect">
+              <a:avLst/>
+            </a:prstGeom>
+            <a:solidFill>
+              <a:schemeClr val="accent1"/>
+            </a:solidFill>
+            <a:ln w="38100">
+              <a:solidFill>
+                <a:schemeClr val="tx1"/>
+              </a:solidFill>
+            </a:ln>
+          </p:spPr>
+          <p:style>
+            <a:lnRef idx="2">
+              <a:schemeClr val="accent1">
+                <a:shade val="50000"/>
+              </a:schemeClr>
+            </a:lnRef>
+            <a:fillRef idx="1">
+              <a:schemeClr val="accent1"/>
+            </a:fillRef>
+            <a:effectRef idx="0">
+              <a:schemeClr val="accent1"/>
+            </a:effectRef>
+            <a:fontRef idx="minor">
+              <a:schemeClr val="lt1"/>
+            </a:fontRef>
+          </p:style>
+          <p:txBody>
+            <a:bodyPr rtlCol="0" anchor="b"/>
+            <a:lstStyle/>
+            <a:p>
+              <a:pPr algn="ctr"/>
+              <a:r>
+                <a:rPr lang="en-US" sz="1800" b="1" dirty="0" smtClean="0">
+                  <a:latin typeface="Georgia" charset="0"/>
+                  <a:ea typeface="Georgia" charset="0"/>
+                  <a:cs typeface="Georgia" charset="0"/>
+                </a:rPr>
+                <a:t>data node</a:t>
+              </a:r>
+              <a:endParaRPr lang="en-US" sz="1800" b="1" dirty="0">
+                <a:latin typeface="Georgia" charset="0"/>
+                <a:ea typeface="Georgia" charset="0"/>
+                <a:cs typeface="Georgia" charset="0"/>
+              </a:endParaRPr>
+            </a:p>
+          </p:txBody>
+        </p:sp>
+        <p:sp>
+          <p:nvSpPr>
+            <p:cNvPr id="12" name="Rounded Rectangle 11"/>
+            <p:cNvSpPr/>
+            <p:nvPr/>
+          </p:nvSpPr>
+          <p:spPr>
+            <a:xfrm>
+              <a:off x="11651819" y="9722434"/>
+              <a:ext cx="2160000" cy="1440000"/>
+            </a:xfrm>
+            <a:prstGeom prst="roundRect">
+              <a:avLst/>
+            </a:prstGeom>
+            <a:solidFill>
+              <a:schemeClr val="accent2"/>
+            </a:solidFill>
+            <a:ln w="38100">
+              <a:solidFill>
+                <a:schemeClr val="tx1"/>
+              </a:solidFill>
+            </a:ln>
+          </p:spPr>
+          <p:style>
+            <a:lnRef idx="2">
+              <a:schemeClr val="accent1">
+                <a:shade val="50000"/>
+              </a:schemeClr>
+            </a:lnRef>
+            <a:fillRef idx="1">
+              <a:schemeClr val="accent1"/>
+            </a:fillRef>
+            <a:effectRef idx="0">
+              <a:schemeClr val="accent1"/>
+            </a:effectRef>
+            <a:fontRef idx="minor">
+              <a:schemeClr val="lt1"/>
+            </a:fontRef>
+          </p:style>
+          <p:txBody>
+            <a:bodyPr rtlCol="0" anchor="ctr"/>
+            <a:lstStyle/>
+            <a:p>
+              <a:pPr algn="ctr"/>
+              <a:r>
+                <a:rPr lang="en-US" sz="1800" b="1" dirty="0" err="1" smtClean="0">
+                  <a:latin typeface="Georgia" charset="0"/>
+                  <a:ea typeface="Georgia" charset="0"/>
+                  <a:cs typeface="Georgia" charset="0"/>
+                </a:rPr>
+                <a:t>DataNode</a:t>
+              </a:r>
+              <a:endParaRPr lang="en-US" sz="1800" b="1" dirty="0">
+                <a:latin typeface="Georgia" charset="0"/>
+                <a:ea typeface="Georgia" charset="0"/>
+                <a:cs typeface="Georgia" charset="0"/>
+              </a:endParaRPr>
+            </a:p>
+          </p:txBody>
+        </p:sp>
+      </p:grpSp>
+      <p:grpSp>
+        <p:nvGrpSpPr>
+          <p:cNvPr id="17" name="Group 16"/>
+          <p:cNvGrpSpPr/>
+          <p:nvPr/>
+        </p:nvGrpSpPr>
+        <p:grpSpPr>
+          <a:xfrm>
+            <a:off x="15104734" y="9369047"/>
+            <a:ext cx="2880000" cy="2520000"/>
+            <a:chOff x="15104734" y="9369047"/>
+            <a:chExt cx="2880000" cy="2520000"/>
+          </a:xfrm>
+        </p:grpSpPr>
+        <p:sp>
+          <p:nvSpPr>
+            <p:cNvPr id="13" name="Rounded Rectangle 12"/>
+            <p:cNvSpPr/>
+            <p:nvPr/>
+          </p:nvSpPr>
+          <p:spPr>
+            <a:xfrm>
+              <a:off x="15104734" y="9369047"/>
+              <a:ext cx="2880000" cy="2520000"/>
+            </a:xfrm>
+            <a:prstGeom prst="roundRect">
+              <a:avLst/>
+            </a:prstGeom>
+            <a:solidFill>
+              <a:schemeClr val="accent1"/>
+            </a:solidFill>
+            <a:ln w="38100">
+              <a:solidFill>
+                <a:schemeClr val="tx1"/>
+              </a:solidFill>
+            </a:ln>
+          </p:spPr>
+          <p:style>
+            <a:lnRef idx="2">
+              <a:schemeClr val="accent1">
+                <a:shade val="50000"/>
+              </a:schemeClr>
+            </a:lnRef>
+            <a:fillRef idx="1">
+              <a:schemeClr val="accent1"/>
+            </a:fillRef>
+            <a:effectRef idx="0">
+              <a:schemeClr val="accent1"/>
+            </a:effectRef>
+            <a:fontRef idx="minor">
+              <a:schemeClr val="lt1"/>
+            </a:fontRef>
+          </p:style>
+          <p:txBody>
+            <a:bodyPr rtlCol="0" anchor="b"/>
+            <a:lstStyle/>
+            <a:p>
+              <a:pPr algn="ctr"/>
+              <a:r>
+                <a:rPr lang="en-US" sz="1800" b="1" dirty="0" smtClean="0">
+                  <a:latin typeface="Georgia" charset="0"/>
+                  <a:ea typeface="Georgia" charset="0"/>
+                  <a:cs typeface="Georgia" charset="0"/>
+                </a:rPr>
+                <a:t>data node</a:t>
+              </a:r>
+              <a:endParaRPr lang="en-US" sz="1800" b="1" dirty="0">
+                <a:latin typeface="Georgia" charset="0"/>
+                <a:ea typeface="Georgia" charset="0"/>
+                <a:cs typeface="Georgia" charset="0"/>
+              </a:endParaRPr>
+            </a:p>
+          </p:txBody>
+        </p:sp>
+        <p:sp>
+          <p:nvSpPr>
+            <p:cNvPr id="14" name="Rounded Rectangle 13"/>
+            <p:cNvSpPr/>
+            <p:nvPr/>
+          </p:nvSpPr>
+          <p:spPr>
+            <a:xfrm>
+              <a:off x="15464734" y="9722434"/>
+              <a:ext cx="2160000" cy="1440000"/>
+            </a:xfrm>
+            <a:prstGeom prst="roundRect">
+              <a:avLst/>
+            </a:prstGeom>
+            <a:solidFill>
+              <a:schemeClr val="accent2"/>
+            </a:solidFill>
+            <a:ln w="38100">
+              <a:solidFill>
+                <a:schemeClr val="tx1"/>
+              </a:solidFill>
+            </a:ln>
+          </p:spPr>
+          <p:style>
+            <a:lnRef idx="2">
+              <a:schemeClr val="accent1">
+                <a:shade val="50000"/>
+              </a:schemeClr>
+            </a:lnRef>
+            <a:fillRef idx="1">
+              <a:schemeClr val="accent1"/>
+            </a:fillRef>
+            <a:effectRef idx="0">
+              <a:schemeClr val="accent1"/>
+            </a:effectRef>
+            <a:fontRef idx="minor">
+              <a:schemeClr val="lt1"/>
+            </a:fontRef>
+          </p:style>
+          <p:txBody>
+            <a:bodyPr rtlCol="0" anchor="ctr"/>
+            <a:lstStyle/>
+            <a:p>
+              <a:pPr algn="ctr"/>
+              <a:r>
+                <a:rPr lang="en-US" sz="1800" b="1" dirty="0" err="1" smtClean="0">
+                  <a:latin typeface="Georgia" charset="0"/>
+                  <a:ea typeface="Georgia" charset="0"/>
+                  <a:cs typeface="Georgia" charset="0"/>
+                </a:rPr>
+                <a:t>DataNode</a:t>
+              </a:r>
+              <a:endParaRPr lang="en-US" sz="1800" b="1" dirty="0">
+                <a:latin typeface="Georgia" charset="0"/>
+                <a:ea typeface="Georgia" charset="0"/>
+                <a:cs typeface="Georgia" charset="0"/>
+              </a:endParaRPr>
+            </a:p>
+          </p:txBody>
+        </p:sp>
+      </p:grpSp>
+      <p:grpSp>
+        <p:nvGrpSpPr>
+          <p:cNvPr id="18" name="Group 17"/>
+          <p:cNvGrpSpPr/>
+          <p:nvPr/>
+        </p:nvGrpSpPr>
+        <p:grpSpPr>
+          <a:xfrm>
+            <a:off x="15104734" y="2870355"/>
+            <a:ext cx="2880000" cy="2520000"/>
+            <a:chOff x="15104734" y="9369047"/>
+            <a:chExt cx="2880000" cy="2520000"/>
+          </a:xfrm>
+        </p:grpSpPr>
+        <p:sp>
+          <p:nvSpPr>
+            <p:cNvPr id="19" name="Rounded Rectangle 18"/>
+            <p:cNvSpPr/>
+            <p:nvPr/>
+          </p:nvSpPr>
+          <p:spPr>
+            <a:xfrm>
+              <a:off x="15104734" y="9369047"/>
+              <a:ext cx="2880000" cy="2520000"/>
+            </a:xfrm>
+            <a:prstGeom prst="roundRect">
+              <a:avLst/>
+            </a:prstGeom>
+            <a:solidFill>
+              <a:schemeClr val="accent1"/>
+            </a:solidFill>
+            <a:ln w="38100">
+              <a:solidFill>
+                <a:schemeClr val="tx1"/>
+              </a:solidFill>
+            </a:ln>
+          </p:spPr>
+          <p:style>
+            <a:lnRef idx="2">
+              <a:schemeClr val="accent1">
+                <a:shade val="50000"/>
+              </a:schemeClr>
+            </a:lnRef>
+            <a:fillRef idx="1">
+              <a:schemeClr val="accent1"/>
+            </a:fillRef>
+            <a:effectRef idx="0">
+              <a:schemeClr val="accent1"/>
+            </a:effectRef>
+            <a:fontRef idx="minor">
+              <a:schemeClr val="lt1"/>
+            </a:fontRef>
+          </p:style>
+          <p:txBody>
+            <a:bodyPr rtlCol="0" anchor="b"/>
+            <a:lstStyle/>
+            <a:p>
+              <a:pPr algn="ctr"/>
+              <a:r>
+                <a:rPr lang="en-US" sz="1800" b="1" dirty="0" smtClean="0">
+                  <a:latin typeface="Georgia" charset="0"/>
+                  <a:ea typeface="Georgia" charset="0"/>
+                  <a:cs typeface="Georgia" charset="0"/>
+                </a:rPr>
+                <a:t>name node</a:t>
+              </a:r>
+              <a:endParaRPr lang="en-US" sz="1800" b="1" dirty="0">
+                <a:latin typeface="Georgia" charset="0"/>
+                <a:ea typeface="Georgia" charset="0"/>
+                <a:cs typeface="Georgia" charset="0"/>
+              </a:endParaRPr>
+            </a:p>
+          </p:txBody>
+        </p:sp>
+        <p:sp>
+          <p:nvSpPr>
+            <p:cNvPr id="20" name="Rounded Rectangle 19"/>
+            <p:cNvSpPr/>
+            <p:nvPr/>
+          </p:nvSpPr>
+          <p:spPr>
+            <a:xfrm>
+              <a:off x="15464734" y="9722434"/>
+              <a:ext cx="2160000" cy="1440000"/>
+            </a:xfrm>
+            <a:prstGeom prst="roundRect">
+              <a:avLst/>
+            </a:prstGeom>
+            <a:solidFill>
+              <a:schemeClr val="accent2"/>
+            </a:solidFill>
+            <a:ln w="38100">
+              <a:solidFill>
+                <a:schemeClr val="tx1"/>
+              </a:solidFill>
+            </a:ln>
+          </p:spPr>
+          <p:style>
+            <a:lnRef idx="2">
+              <a:schemeClr val="accent1">
+                <a:shade val="50000"/>
+              </a:schemeClr>
+            </a:lnRef>
+            <a:fillRef idx="1">
+              <a:schemeClr val="accent1"/>
+            </a:fillRef>
+            <a:effectRef idx="0">
+              <a:schemeClr val="accent1"/>
+            </a:effectRef>
+            <a:fontRef idx="minor">
+              <a:schemeClr val="lt1"/>
+            </a:fontRef>
+          </p:style>
+          <p:txBody>
+            <a:bodyPr rtlCol="0" anchor="ctr"/>
+            <a:lstStyle/>
+            <a:p>
+              <a:pPr algn="ctr"/>
+              <a:r>
+                <a:rPr lang="en-US" sz="1800" b="1" dirty="0" err="1" smtClean="0">
+                  <a:latin typeface="Georgia" charset="0"/>
+                  <a:ea typeface="Georgia" charset="0"/>
+                  <a:cs typeface="Georgia" charset="0"/>
+                </a:rPr>
+                <a:t>NameNode</a:t>
+              </a:r>
+              <a:endParaRPr lang="en-US" sz="1800" b="1" dirty="0">
+                <a:latin typeface="Georgia" charset="0"/>
+                <a:ea typeface="Georgia" charset="0"/>
+                <a:cs typeface="Georgia" charset="0"/>
+              </a:endParaRPr>
+            </a:p>
+          </p:txBody>
+        </p:sp>
+      </p:grpSp>
+      <p:cxnSp>
+        <p:nvCxnSpPr>
+          <p:cNvPr id="22" name="Straight Arrow Connector 21"/>
+          <p:cNvCxnSpPr>
+            <a:stCxn id="5" idx="3"/>
+            <a:endCxn id="6" idx="1"/>
+          </p:cNvCxnSpPr>
+          <p:nvPr/>
+        </p:nvCxnSpPr>
+        <p:spPr>
+          <a:xfrm>
+            <a:off x="4235780" y="3948227"/>
+            <a:ext cx="3655781" cy="0"/>
+          </a:xfrm>
+          <a:prstGeom prst="straightConnector1">
+            <a:avLst/>
+          </a:prstGeom>
+          <a:ln w="38100">
+            <a:solidFill>
+              <a:schemeClr val="tx2"/>
+            </a:solidFill>
+            <a:prstDash val="sysDot"/>
+            <a:tailEnd type="triangle"/>
+          </a:ln>
+        </p:spPr>
+        <p:style>
+          <a:lnRef idx="1">
+            <a:schemeClr val="accent1"/>
+          </a:lnRef>
+          <a:fillRef idx="0">
+            <a:schemeClr val="accent1"/>
+          </a:fillRef>
+          <a:effectRef idx="0">
+            <a:schemeClr val="accent1"/>
+          </a:effectRef>
+          <a:fontRef idx="minor">
+            <a:schemeClr val="tx1"/>
+          </a:fontRef>
+        </p:style>
+      </p:cxnSp>
+      <p:cxnSp>
+        <p:nvCxnSpPr>
+          <p:cNvPr id="25" name="Straight Arrow Connector 24"/>
+          <p:cNvCxnSpPr>
+            <a:stCxn id="5" idx="3"/>
+          </p:cNvCxnSpPr>
+          <p:nvPr/>
+        </p:nvCxnSpPr>
+        <p:spPr>
+          <a:xfrm>
+            <a:off x="4235780" y="3948227"/>
+            <a:ext cx="3655781" cy="1764794"/>
+          </a:xfrm>
+          <a:prstGeom prst="straightConnector1">
+            <a:avLst/>
+          </a:prstGeom>
+          <a:ln w="38100">
+            <a:solidFill>
+              <a:schemeClr val="tx2"/>
+            </a:solidFill>
+            <a:prstDash val="sysDot"/>
+            <a:tailEnd type="triangle"/>
+          </a:ln>
+        </p:spPr>
+        <p:style>
+          <a:lnRef idx="1">
+            <a:schemeClr val="accent1"/>
+          </a:lnRef>
+          <a:fillRef idx="0">
+            <a:schemeClr val="accent1"/>
+          </a:fillRef>
+          <a:effectRef idx="0">
+            <a:schemeClr val="accent1"/>
+          </a:effectRef>
+          <a:fontRef idx="minor">
+            <a:schemeClr val="tx1"/>
+          </a:fontRef>
+        </p:style>
+      </p:cxnSp>
+      <p:cxnSp>
+        <p:nvCxnSpPr>
+          <p:cNvPr id="27" name="Straight Arrow Connector 26"/>
+          <p:cNvCxnSpPr>
+            <a:stCxn id="7" idx="2"/>
+            <a:endCxn id="9" idx="0"/>
+          </p:cNvCxnSpPr>
+          <p:nvPr/>
+        </p:nvCxnSpPr>
+        <p:spPr>
+          <a:xfrm>
+            <a:off x="8971561" y="6433021"/>
+            <a:ext cx="0" cy="3289413"/>
+          </a:xfrm>
+          <a:prstGeom prst="straightConnector1">
+            <a:avLst/>
+          </a:prstGeom>
+          <a:ln w="38100">
+            <a:solidFill>
+              <a:schemeClr val="tx2"/>
+            </a:solidFill>
+            <a:prstDash val="sysDot"/>
+            <a:tailEnd type="triangle"/>
+          </a:ln>
+        </p:spPr>
+        <p:style>
+          <a:lnRef idx="1">
+            <a:schemeClr val="accent1"/>
+          </a:lnRef>
+          <a:fillRef idx="0">
+            <a:schemeClr val="accent1"/>
+          </a:fillRef>
+          <a:effectRef idx="0">
+            <a:schemeClr val="accent1"/>
+          </a:effectRef>
+          <a:fontRef idx="minor">
+            <a:schemeClr val="tx1"/>
+          </a:fontRef>
+        </p:style>
+      </p:cxnSp>
+      <p:cxnSp>
+        <p:nvCxnSpPr>
+          <p:cNvPr id="29" name="Straight Arrow Connector 28"/>
+          <p:cNvCxnSpPr>
+            <a:stCxn id="7" idx="2"/>
+          </p:cNvCxnSpPr>
+          <p:nvPr/>
+        </p:nvCxnSpPr>
+        <p:spPr>
+          <a:xfrm>
+            <a:off x="8971561" y="6433021"/>
+            <a:ext cx="7573173" cy="3289413"/>
+          </a:xfrm>
+          <a:prstGeom prst="straightConnector1">
+            <a:avLst/>
+          </a:prstGeom>
+          <a:ln w="38100">
+            <a:solidFill>
+              <a:schemeClr val="tx2"/>
+            </a:solidFill>
+            <a:prstDash val="sysDot"/>
+            <a:tailEnd type="triangle"/>
+          </a:ln>
+        </p:spPr>
+        <p:style>
+          <a:lnRef idx="1">
+            <a:schemeClr val="accent1"/>
+          </a:lnRef>
+          <a:fillRef idx="0">
+            <a:schemeClr val="accent1"/>
+          </a:fillRef>
+          <a:effectRef idx="0">
+            <a:schemeClr val="accent1"/>
+          </a:effectRef>
+          <a:fontRef idx="minor">
+            <a:schemeClr val="tx1"/>
+          </a:fontRef>
+        </p:style>
+      </p:cxnSp>
+      <p:cxnSp>
+        <p:nvCxnSpPr>
+          <p:cNvPr id="31" name="Straight Arrow Connector 30"/>
+          <p:cNvCxnSpPr>
+            <a:stCxn id="6" idx="3"/>
+            <a:endCxn id="20" idx="1"/>
+          </p:cNvCxnSpPr>
+          <p:nvPr/>
+        </p:nvCxnSpPr>
+        <p:spPr>
+          <a:xfrm flipV="1">
+            <a:off x="10051561" y="3943742"/>
+            <a:ext cx="5413173" cy="4485"/>
+          </a:xfrm>
+          <a:prstGeom prst="straightConnector1">
+            <a:avLst/>
+          </a:prstGeom>
+          <a:ln w="38100">
+            <a:solidFill>
+              <a:schemeClr val="tx2"/>
+            </a:solidFill>
+            <a:prstDash val="sysDot"/>
+            <a:tailEnd type="triangle"/>
+          </a:ln>
+        </p:spPr>
+        <p:style>
+          <a:lnRef idx="1">
+            <a:schemeClr val="accent1"/>
+          </a:lnRef>
+          <a:fillRef idx="0">
+            <a:schemeClr val="accent1"/>
+          </a:fillRef>
+          <a:effectRef idx="0">
+            <a:schemeClr val="accent1"/>
+          </a:effectRef>
+          <a:fontRef idx="minor">
+            <a:schemeClr val="tx1"/>
+          </a:fontRef>
+        </p:style>
+      </p:cxnSp>
+      <p:sp>
+        <p:nvSpPr>
+          <p:cNvPr id="33" name="TextBox 32"/>
+          <p:cNvSpPr txBox="1"/>
+          <p:nvPr/>
+        </p:nvSpPr>
+        <p:spPr>
+          <a:xfrm>
+            <a:off x="4355722" y="3561173"/>
+            <a:ext cx="2880000" cy="369332"/>
+          </a:xfrm>
+          <a:prstGeom prst="rect">
+            <a:avLst/>
+          </a:prstGeom>
+          <a:noFill/>
+        </p:spPr>
+        <p:txBody>
+          <a:bodyPr wrap="square" rtlCol="0" anchor="ctr">
+            <a:spAutoFit/>
+          </a:bodyPr>
+          <a:lstStyle/>
+          <a:p>
+            <a:r>
+              <a:rPr lang="en-US" sz="1800" b="1" dirty="0" smtClean="0">
+                <a:latin typeface="Georgia" charset="0"/>
+                <a:ea typeface="Georgia" charset="0"/>
+                <a:cs typeface="Georgia" charset="0"/>
+              </a:rPr>
+              <a:t>1:open</a:t>
+            </a:r>
+            <a:endParaRPr lang="en-US" sz="1800" b="1" dirty="0">
+              <a:latin typeface="Georgia" charset="0"/>
+              <a:ea typeface="Georgia" charset="0"/>
+              <a:cs typeface="Georgia" charset="0"/>
+            </a:endParaRPr>
+          </a:p>
+        </p:txBody>
+      </p:sp>
+      <p:sp>
+        <p:nvSpPr>
+          <p:cNvPr id="34" name="TextBox 33"/>
+          <p:cNvSpPr txBox="1"/>
+          <p:nvPr/>
+        </p:nvSpPr>
+        <p:spPr>
+          <a:xfrm>
+            <a:off x="11590202" y="3549834"/>
+            <a:ext cx="2880000" cy="369332"/>
+          </a:xfrm>
+          <a:prstGeom prst="rect">
+            <a:avLst/>
+          </a:prstGeom>
+          <a:noFill/>
+        </p:spPr>
+        <p:txBody>
+          <a:bodyPr wrap="square" rtlCol="0" anchor="ctr">
+            <a:spAutoFit/>
+          </a:bodyPr>
+          <a:lstStyle/>
+          <a:p>
+            <a:r>
+              <a:rPr lang="en-US" sz="1800" b="1" dirty="0" smtClean="0">
+                <a:latin typeface="Georgia" charset="0"/>
+                <a:ea typeface="Georgia" charset="0"/>
+                <a:cs typeface="Georgia" charset="0"/>
+              </a:rPr>
+              <a:t>2:get block locations</a:t>
+            </a:r>
+            <a:endParaRPr lang="en-US" sz="1800" b="1" dirty="0">
+              <a:latin typeface="Georgia" charset="0"/>
+              <a:ea typeface="Georgia" charset="0"/>
+              <a:cs typeface="Georgia" charset="0"/>
+            </a:endParaRPr>
+          </a:p>
+        </p:txBody>
+      </p:sp>
+      <p:sp>
+        <p:nvSpPr>
+          <p:cNvPr id="35" name="TextBox 34"/>
+          <p:cNvSpPr txBox="1"/>
+          <p:nvPr/>
+        </p:nvSpPr>
+        <p:spPr>
+          <a:xfrm>
+            <a:off x="5911561" y="4443569"/>
+            <a:ext cx="2880000" cy="369332"/>
+          </a:xfrm>
+          <a:prstGeom prst="rect">
+            <a:avLst/>
+          </a:prstGeom>
+          <a:noFill/>
+        </p:spPr>
+        <p:txBody>
+          <a:bodyPr wrap="square" rtlCol="0" anchor="ctr">
+            <a:spAutoFit/>
+          </a:bodyPr>
+          <a:lstStyle/>
+          <a:p>
+            <a:r>
+              <a:rPr lang="en-US" sz="1800" b="1" dirty="0" smtClean="0">
+                <a:latin typeface="Georgia" charset="0"/>
+                <a:ea typeface="Georgia" charset="0"/>
+                <a:cs typeface="Georgia" charset="0"/>
+              </a:rPr>
+              <a:t>3:read</a:t>
+            </a:r>
+            <a:endParaRPr lang="en-US" sz="1800" b="1" dirty="0">
+              <a:latin typeface="Georgia" charset="0"/>
+              <a:ea typeface="Georgia" charset="0"/>
+              <a:cs typeface="Georgia" charset="0"/>
+            </a:endParaRPr>
+          </a:p>
+        </p:txBody>
+      </p:sp>
+      <p:sp>
+        <p:nvSpPr>
+          <p:cNvPr id="36" name="TextBox 35"/>
+          <p:cNvSpPr txBox="1"/>
+          <p:nvPr/>
+        </p:nvSpPr>
+        <p:spPr>
+          <a:xfrm>
+            <a:off x="5040510" y="4893629"/>
+            <a:ext cx="2880000" cy="369332"/>
+          </a:xfrm>
+          <a:prstGeom prst="rect">
+            <a:avLst/>
+          </a:prstGeom>
+          <a:noFill/>
+        </p:spPr>
+        <p:txBody>
+          <a:bodyPr wrap="square" rtlCol="0" anchor="ctr">
+            <a:spAutoFit/>
+          </a:bodyPr>
+          <a:lstStyle/>
+          <a:p>
+            <a:r>
+              <a:rPr lang="en-US" sz="1800" b="1" dirty="0" smtClean="0">
+                <a:latin typeface="Georgia" charset="0"/>
+                <a:ea typeface="Georgia" charset="0"/>
+                <a:cs typeface="Georgia" charset="0"/>
+              </a:rPr>
+              <a:t>6:close</a:t>
+            </a:r>
+            <a:endParaRPr lang="en-US" sz="1800" b="1" dirty="0">
+              <a:latin typeface="Georgia" charset="0"/>
+              <a:ea typeface="Georgia" charset="0"/>
+              <a:cs typeface="Georgia" charset="0"/>
+            </a:endParaRPr>
+          </a:p>
+        </p:txBody>
+      </p:sp>
+      <p:sp>
+        <p:nvSpPr>
+          <p:cNvPr id="37" name="TextBox 36"/>
+          <p:cNvSpPr txBox="1"/>
+          <p:nvPr/>
+        </p:nvSpPr>
+        <p:spPr>
+          <a:xfrm>
+            <a:off x="13982066" y="8095049"/>
+            <a:ext cx="2880000" cy="369332"/>
+          </a:xfrm>
+          <a:prstGeom prst="rect">
+            <a:avLst/>
+          </a:prstGeom>
+          <a:noFill/>
+        </p:spPr>
+        <p:txBody>
+          <a:bodyPr wrap="square" rtlCol="0" anchor="ctr">
+            <a:spAutoFit/>
+          </a:bodyPr>
+          <a:lstStyle/>
+          <a:p>
+            <a:r>
+              <a:rPr lang="en-US" sz="1800" b="1" dirty="0" smtClean="0">
+                <a:latin typeface="Georgia" charset="0"/>
+                <a:ea typeface="Georgia" charset="0"/>
+                <a:cs typeface="Georgia" charset="0"/>
+              </a:rPr>
+              <a:t>5:read</a:t>
+            </a:r>
+            <a:endParaRPr lang="en-US" sz="1800" b="1" dirty="0">
+              <a:latin typeface="Georgia" charset="0"/>
+              <a:ea typeface="Georgia" charset="0"/>
+              <a:cs typeface="Georgia" charset="0"/>
+            </a:endParaRPr>
+          </a:p>
+        </p:txBody>
+      </p:sp>
+      <p:sp>
+        <p:nvSpPr>
+          <p:cNvPr id="38" name="TextBox 37"/>
+          <p:cNvSpPr txBox="1"/>
+          <p:nvPr/>
+        </p:nvSpPr>
+        <p:spPr>
+          <a:xfrm>
+            <a:off x="7857404" y="8724767"/>
+            <a:ext cx="2880000" cy="369332"/>
+          </a:xfrm>
+          <a:prstGeom prst="rect">
+            <a:avLst/>
+          </a:prstGeom>
+          <a:noFill/>
+        </p:spPr>
+        <p:txBody>
+          <a:bodyPr wrap="square" rtlCol="0" anchor="ctr">
+            <a:spAutoFit/>
+          </a:bodyPr>
+          <a:lstStyle/>
+          <a:p>
+            <a:r>
+              <a:rPr lang="en-US" sz="1800" b="1" dirty="0" smtClean="0">
+                <a:latin typeface="Georgia" charset="0"/>
+                <a:ea typeface="Georgia" charset="0"/>
+                <a:cs typeface="Georgia" charset="0"/>
+              </a:rPr>
+              <a:t>4:read</a:t>
+            </a:r>
+            <a:endParaRPr lang="en-US" sz="1800" b="1" dirty="0">
+              <a:latin typeface="Georgia" charset="0"/>
+              <a:ea typeface="Georgia" charset="0"/>
+              <a:cs typeface="Georgia" charset="0"/>
+            </a:endParaRPr>
+          </a:p>
+        </p:txBody>
+      </p:sp>
+    </p:spTree>
+    <p:extLst>
+      <p:ext uri="{BB962C8B-B14F-4D97-AF65-F5344CB8AC3E}">
+        <p14:creationId xmlns:p14="http://schemas.microsoft.com/office/powerpoint/2010/main" val="575472104"/>
+      </p:ext>
+    </p:extLst>
+  </p:cSld>
+  <p:clrMapOvr>
+    <a:masterClrMapping/>
+  </p:clrMapOvr>
+  <mc:AlternateContent xmlns:mc="http://schemas.openxmlformats.org/markup-compatibility/2006" xmlns:p14="http://schemas.microsoft.com/office/powerpoint/2010/main">
+    <mc:Choice Requires="p14">
+      <p:transition spd="slow" p14:dur="1500" advClick="0" advTm="3000">
+        <p14:reveal/>
+      </p:transition>
+    </mc:Choice>
+    <mc:Fallback xmlns="">
+      <p:transition xmlns:p14="http://schemas.microsoft.com/office/powerpoint/2010/main" spd="slow" advClick="0" advTm="3000">
+        <p:fade/>
+      </p:transition>
+    </mc:Fallback>
+  </mc:AlternateContent>
+</p:sld>
+</file>
+
 <file path=ppt/theme/theme1.xml><?xml version="1.0" encoding="utf-8"?>
 <a:theme xmlns:a="http://schemas.openxmlformats.org/drawingml/2006/main" name="Default Theme">
   <a:themeElements>
@@ -12625,7 +14009,8 @@
           <a:solidFill>
             <a:schemeClr val="tx2"/>
           </a:solidFill>
-          <a:tailEnd type="triangle" w="lg" len="lg"/>
+          <a:prstDash val="sysDot"/>
+          <a:tailEnd type="triangle"/>
         </a:ln>
       </a:spPr>
       <a:bodyPr/>

--- a/graphics/pp_diagrams.pptx
+++ b/graphics/pp_diagrams.pptx
@@ -5,10 +5,10 @@
     <p:sldMasterId id="2147483648" r:id="rId1"/>
   </p:sldMasterIdLst>
   <p:notesMasterIdLst>
-    <p:notesMasterId r:id="rId10"/>
+    <p:notesMasterId r:id="rId11"/>
   </p:notesMasterIdLst>
   <p:handoutMasterIdLst>
-    <p:handoutMasterId r:id="rId11"/>
+    <p:handoutMasterId r:id="rId12"/>
   </p:handoutMasterIdLst>
   <p:sldIdLst>
     <p:sldId id="671" r:id="rId2"/>
@@ -19,6 +19,7 @@
     <p:sldId id="675" r:id="rId7"/>
     <p:sldId id="676" r:id="rId8"/>
     <p:sldId id="678" r:id="rId9"/>
+    <p:sldId id="679" r:id="rId10"/>
   </p:sldIdLst>
   <p:sldSz cx="24377650" cy="13716000"/>
   <p:notesSz cx="6858000" cy="9144000"/>
@@ -221,7 +222,7 @@
           <a:p>
             <a:fld id="{BF642B97-7661-5B4E-A65A-7F54031CCA56}" type="datetimeFigureOut">
               <a:rPr lang="en-US" smtClean="0"/>
-              <a:t>10/28/16</a:t>
+              <a:t>11/1/16</a:t>
             </a:fld>
             <a:endParaRPr lang="en-US"/>
           </a:p>
@@ -391,7 +392,7 @@
             <a:fld id="{EFC10EE1-B198-C942-8235-326C972CBB30}" type="datetimeFigureOut">
               <a:rPr lang="en-US" smtClean="0"/>
               <a:pPr/>
-              <a:t>10/28/16</a:t>
+              <a:t>11/1/16</a:t>
             </a:fld>
             <a:endParaRPr lang="en-US" dirty="0"/>
           </a:p>
@@ -13749,6 +13750,902 @@
     <p:extLst>
       <p:ext uri="{BB962C8B-B14F-4D97-AF65-F5344CB8AC3E}">
         <p14:creationId xmlns:p14="http://schemas.microsoft.com/office/powerpoint/2010/main" val="575472104"/>
+      </p:ext>
+    </p:extLst>
+  </p:cSld>
+  <p:clrMapOvr>
+    <a:masterClrMapping/>
+  </p:clrMapOvr>
+  <mc:AlternateContent xmlns:mc="http://schemas.openxmlformats.org/markup-compatibility/2006" xmlns:p14="http://schemas.microsoft.com/office/powerpoint/2010/main">
+    <mc:Choice Requires="p14">
+      <p:transition spd="slow" p14:dur="1500" advClick="0" advTm="3000">
+        <p14:reveal/>
+      </p:transition>
+    </mc:Choice>
+    <mc:Fallback xmlns="">
+      <p:transition xmlns:p14="http://schemas.microsoft.com/office/powerpoint/2010/main" spd="slow" advClick="0" advTm="3000">
+        <p:fade/>
+      </p:transition>
+    </mc:Fallback>
+  </mc:AlternateContent>
+</p:sld>
+</file>
+
+<file path=ppt/slides/slide9.xml><?xml version="1.0" encoding="utf-8"?>
+<p:sld xmlns:a="http://schemas.openxmlformats.org/drawingml/2006/main" xmlns:r="http://schemas.openxmlformats.org/officeDocument/2006/relationships" xmlns:p="http://schemas.openxmlformats.org/presentationml/2006/main">
+  <p:cSld>
+    <p:spTree>
+      <p:nvGrpSpPr>
+        <p:cNvPr id="1" name=""/>
+        <p:cNvGrpSpPr/>
+        <p:nvPr/>
+      </p:nvGrpSpPr>
+      <p:grpSpPr>
+        <a:xfrm>
+          <a:off x="0" y="0"/>
+          <a:ext cx="0" cy="0"/>
+          <a:chOff x="0" y="0"/>
+          <a:chExt cx="0" cy="0"/>
+        </a:xfrm>
+      </p:grpSpPr>
+      <p:sp>
+        <p:nvSpPr>
+          <p:cNvPr id="3" name="TextBox 2"/>
+          <p:cNvSpPr txBox="1"/>
+          <p:nvPr/>
+        </p:nvSpPr>
+        <p:spPr>
+          <a:xfrm>
+            <a:off x="4988825" y="483017"/>
+            <a:ext cx="14400000" cy="1169533"/>
+          </a:xfrm>
+          <a:prstGeom prst="rect">
+            <a:avLst/>
+          </a:prstGeom>
+          <a:noFill/>
+        </p:spPr>
+        <p:txBody>
+          <a:bodyPr wrap="square" lIns="91422" tIns="45711" rIns="91422" bIns="45711" rtlCol="0">
+            <a:spAutoFit/>
+          </a:bodyPr>
+          <a:lstStyle/>
+          <a:p>
+            <a:pPr algn="ctr"/>
+            <a:r>
+              <a:rPr lang="en-US" sz="7000" b="1" dirty="0" smtClean="0"/>
+              <a:t>diagram_hbase_model1</a:t>
+            </a:r>
+            <a:endParaRPr lang="id-ID" sz="7000" b="1" dirty="0">
+              <a:solidFill>
+                <a:schemeClr val="tx2"/>
+              </a:solidFill>
+              <a:latin typeface="Lato Regular"/>
+              <a:cs typeface="Lato Regular"/>
+            </a:endParaRPr>
+          </a:p>
+        </p:txBody>
+      </p:sp>
+      <p:sp>
+        <p:nvSpPr>
+          <p:cNvPr id="4" name="Rounded Rectangle 3"/>
+          <p:cNvSpPr/>
+          <p:nvPr/>
+        </p:nvSpPr>
+        <p:spPr>
+          <a:xfrm>
+            <a:off x="3942599" y="3546137"/>
+            <a:ext cx="1440000" cy="2160000"/>
+          </a:xfrm>
+          <a:prstGeom prst="roundRect">
+            <a:avLst/>
+          </a:prstGeom>
+          <a:solidFill>
+            <a:schemeClr val="accent3"/>
+          </a:solidFill>
+          <a:ln w="38100">
+            <a:solidFill>
+              <a:schemeClr val="tx1"/>
+            </a:solidFill>
+          </a:ln>
+        </p:spPr>
+        <p:style>
+          <a:lnRef idx="2">
+            <a:schemeClr val="accent1">
+              <a:shade val="50000"/>
+            </a:schemeClr>
+          </a:lnRef>
+          <a:fillRef idx="1">
+            <a:schemeClr val="accent1"/>
+          </a:fillRef>
+          <a:effectRef idx="0">
+            <a:schemeClr val="accent1"/>
+          </a:effectRef>
+          <a:fontRef idx="minor">
+            <a:schemeClr val="lt1"/>
+          </a:fontRef>
+        </p:style>
+        <p:txBody>
+          <a:bodyPr rtlCol="0" anchor="ctr"/>
+          <a:lstStyle/>
+          <a:p>
+            <a:pPr algn="ctr"/>
+            <a:r>
+              <a:rPr lang="en-US" sz="1800" b="1" smtClean="0">
+                <a:latin typeface="Georgia" charset="0"/>
+                <a:ea typeface="Georgia" charset="0"/>
+                <a:cs typeface="Georgia" charset="0"/>
+              </a:rPr>
+              <a:t>Master</a:t>
+            </a:r>
+            <a:endParaRPr lang="en-US" sz="1800" b="1" dirty="0">
+              <a:latin typeface="Georgia" charset="0"/>
+              <a:ea typeface="Georgia" charset="0"/>
+              <a:cs typeface="Georgia" charset="0"/>
+            </a:endParaRPr>
+          </a:p>
+        </p:txBody>
+      </p:sp>
+      <p:sp>
+        <p:nvSpPr>
+          <p:cNvPr id="5" name="Rounded Rectangle 4"/>
+          <p:cNvSpPr/>
+          <p:nvPr/>
+        </p:nvSpPr>
+        <p:spPr>
+          <a:xfrm>
+            <a:off x="3942599" y="7193577"/>
+            <a:ext cx="1440000" cy="2160000"/>
+          </a:xfrm>
+          <a:prstGeom prst="roundRect">
+            <a:avLst/>
+          </a:prstGeom>
+          <a:solidFill>
+            <a:schemeClr val="accent3"/>
+          </a:solidFill>
+          <a:ln w="38100">
+            <a:solidFill>
+              <a:schemeClr val="tx1"/>
+            </a:solidFill>
+          </a:ln>
+        </p:spPr>
+        <p:style>
+          <a:lnRef idx="2">
+            <a:schemeClr val="accent1">
+              <a:shade val="50000"/>
+            </a:schemeClr>
+          </a:lnRef>
+          <a:fillRef idx="1">
+            <a:schemeClr val="accent1"/>
+          </a:fillRef>
+          <a:effectRef idx="0">
+            <a:schemeClr val="accent1"/>
+          </a:effectRef>
+          <a:fontRef idx="minor">
+            <a:schemeClr val="lt1"/>
+          </a:fontRef>
+        </p:style>
+        <p:txBody>
+          <a:bodyPr vert="vert270" rtlCol="0" anchor="ctr"/>
+          <a:lstStyle/>
+          <a:p>
+            <a:pPr algn="ctr"/>
+            <a:r>
+              <a:rPr lang="en-US" sz="1800" b="1" dirty="0" err="1" smtClean="0">
+                <a:latin typeface="Georgia" charset="0"/>
+                <a:ea typeface="Georgia" charset="0"/>
+                <a:cs typeface="Georgia" charset="0"/>
+              </a:rPr>
+              <a:t>Regionserver</a:t>
+            </a:r>
+            <a:endParaRPr lang="en-US" sz="1800" b="1" dirty="0">
+              <a:latin typeface="Georgia" charset="0"/>
+              <a:ea typeface="Georgia" charset="0"/>
+              <a:cs typeface="Georgia" charset="0"/>
+            </a:endParaRPr>
+          </a:p>
+        </p:txBody>
+      </p:sp>
+      <p:sp>
+        <p:nvSpPr>
+          <p:cNvPr id="6" name="Rounded Rectangle 5"/>
+          <p:cNvSpPr/>
+          <p:nvPr/>
+        </p:nvSpPr>
+        <p:spPr>
+          <a:xfrm>
+            <a:off x="6086359" y="7193577"/>
+            <a:ext cx="1440000" cy="2160000"/>
+          </a:xfrm>
+          <a:prstGeom prst="roundRect">
+            <a:avLst/>
+          </a:prstGeom>
+          <a:solidFill>
+            <a:schemeClr val="accent3"/>
+          </a:solidFill>
+          <a:ln w="38100">
+            <a:solidFill>
+              <a:schemeClr val="tx1"/>
+            </a:solidFill>
+          </a:ln>
+        </p:spPr>
+        <p:style>
+          <a:lnRef idx="2">
+            <a:schemeClr val="accent1">
+              <a:shade val="50000"/>
+            </a:schemeClr>
+          </a:lnRef>
+          <a:fillRef idx="1">
+            <a:schemeClr val="accent1"/>
+          </a:fillRef>
+          <a:effectRef idx="0">
+            <a:schemeClr val="accent1"/>
+          </a:effectRef>
+          <a:fontRef idx="minor">
+            <a:schemeClr val="lt1"/>
+          </a:fontRef>
+        </p:style>
+        <p:txBody>
+          <a:bodyPr vert="vert270" rtlCol="0" anchor="ctr"/>
+          <a:lstStyle/>
+          <a:p>
+            <a:pPr algn="ctr"/>
+            <a:r>
+              <a:rPr lang="en-US" sz="1800" b="1" dirty="0" err="1" smtClean="0">
+                <a:latin typeface="Georgia" charset="0"/>
+                <a:ea typeface="Georgia" charset="0"/>
+                <a:cs typeface="Georgia" charset="0"/>
+              </a:rPr>
+              <a:t>Regionserver</a:t>
+            </a:r>
+            <a:endParaRPr lang="en-US" sz="1800" b="1" dirty="0">
+              <a:latin typeface="Georgia" charset="0"/>
+              <a:ea typeface="Georgia" charset="0"/>
+              <a:cs typeface="Georgia" charset="0"/>
+            </a:endParaRPr>
+          </a:p>
+        </p:txBody>
+      </p:sp>
+      <p:sp>
+        <p:nvSpPr>
+          <p:cNvPr id="7" name="Rounded Rectangle 6"/>
+          <p:cNvSpPr/>
+          <p:nvPr/>
+        </p:nvSpPr>
+        <p:spPr>
+          <a:xfrm>
+            <a:off x="8230119" y="7193577"/>
+            <a:ext cx="1440000" cy="2160000"/>
+          </a:xfrm>
+          <a:prstGeom prst="roundRect">
+            <a:avLst/>
+          </a:prstGeom>
+          <a:solidFill>
+            <a:schemeClr val="accent3"/>
+          </a:solidFill>
+          <a:ln w="38100">
+            <a:solidFill>
+              <a:schemeClr val="tx1"/>
+            </a:solidFill>
+          </a:ln>
+        </p:spPr>
+        <p:style>
+          <a:lnRef idx="2">
+            <a:schemeClr val="accent1">
+              <a:shade val="50000"/>
+            </a:schemeClr>
+          </a:lnRef>
+          <a:fillRef idx="1">
+            <a:schemeClr val="accent1"/>
+          </a:fillRef>
+          <a:effectRef idx="0">
+            <a:schemeClr val="accent1"/>
+          </a:effectRef>
+          <a:fontRef idx="minor">
+            <a:schemeClr val="lt1"/>
+          </a:fontRef>
+        </p:style>
+        <p:txBody>
+          <a:bodyPr vert="vert270" rtlCol="0" anchor="ctr"/>
+          <a:lstStyle/>
+          <a:p>
+            <a:pPr algn="ctr"/>
+            <a:r>
+              <a:rPr lang="en-US" sz="1800" b="1" dirty="0" err="1" smtClean="0">
+                <a:latin typeface="Georgia" charset="0"/>
+                <a:ea typeface="Georgia" charset="0"/>
+                <a:cs typeface="Georgia" charset="0"/>
+              </a:rPr>
+              <a:t>Regionserver</a:t>
+            </a:r>
+            <a:endParaRPr lang="en-US" sz="1800" b="1" dirty="0">
+              <a:latin typeface="Georgia" charset="0"/>
+              <a:ea typeface="Georgia" charset="0"/>
+              <a:cs typeface="Georgia" charset="0"/>
+            </a:endParaRPr>
+          </a:p>
+        </p:txBody>
+      </p:sp>
+      <p:sp>
+        <p:nvSpPr>
+          <p:cNvPr id="8" name="Rounded Rectangle 7"/>
+          <p:cNvSpPr/>
+          <p:nvPr/>
+        </p:nvSpPr>
+        <p:spPr>
+          <a:xfrm>
+            <a:off x="6430119" y="3726137"/>
+            <a:ext cx="3240000" cy="1800000"/>
+          </a:xfrm>
+          <a:prstGeom prst="roundRect">
+            <a:avLst/>
+          </a:prstGeom>
+          <a:solidFill>
+            <a:schemeClr val="accent2"/>
+          </a:solidFill>
+          <a:ln w="38100">
+            <a:solidFill>
+              <a:schemeClr val="tx1"/>
+            </a:solidFill>
+          </a:ln>
+        </p:spPr>
+        <p:style>
+          <a:lnRef idx="2">
+            <a:schemeClr val="accent1">
+              <a:shade val="50000"/>
+            </a:schemeClr>
+          </a:lnRef>
+          <a:fillRef idx="1">
+            <a:schemeClr val="accent1"/>
+          </a:fillRef>
+          <a:effectRef idx="0">
+            <a:schemeClr val="accent1"/>
+          </a:effectRef>
+          <a:fontRef idx="minor">
+            <a:schemeClr val="lt1"/>
+          </a:fontRef>
+        </p:style>
+        <p:txBody>
+          <a:bodyPr rtlCol="0" anchor="ctr"/>
+          <a:lstStyle/>
+          <a:p>
+            <a:pPr algn="ctr"/>
+            <a:r>
+              <a:rPr lang="en-US" sz="1800" b="1" dirty="0" err="1" smtClean="0">
+                <a:latin typeface="Georgia" charset="0"/>
+                <a:ea typeface="Georgia" charset="0"/>
+                <a:cs typeface="Georgia" charset="0"/>
+              </a:rPr>
+              <a:t>ZooKeeper</a:t>
+            </a:r>
+            <a:endParaRPr lang="en-US" sz="1800" b="1" dirty="0" smtClean="0">
+              <a:latin typeface="Georgia" charset="0"/>
+              <a:ea typeface="Georgia" charset="0"/>
+              <a:cs typeface="Georgia" charset="0"/>
+            </a:endParaRPr>
+          </a:p>
+          <a:p>
+            <a:pPr algn="ctr"/>
+            <a:r>
+              <a:rPr lang="en-US" sz="1800" b="1" dirty="0" smtClean="0">
+                <a:latin typeface="Georgia" charset="0"/>
+                <a:ea typeface="Georgia" charset="0"/>
+                <a:cs typeface="Georgia" charset="0"/>
+              </a:rPr>
+              <a:t>cluster</a:t>
+            </a:r>
+            <a:endParaRPr lang="en-US" sz="1800" b="1" dirty="0">
+              <a:latin typeface="Georgia" charset="0"/>
+              <a:ea typeface="Georgia" charset="0"/>
+              <a:cs typeface="Georgia" charset="0"/>
+            </a:endParaRPr>
+          </a:p>
+        </p:txBody>
+      </p:sp>
+      <p:sp>
+        <p:nvSpPr>
+          <p:cNvPr id="9" name="Rounded Rectangle 8"/>
+          <p:cNvSpPr/>
+          <p:nvPr/>
+        </p:nvSpPr>
+        <p:spPr>
+          <a:xfrm>
+            <a:off x="5186359" y="10841017"/>
+            <a:ext cx="3240000" cy="1800000"/>
+          </a:xfrm>
+          <a:prstGeom prst="roundRect">
+            <a:avLst/>
+          </a:prstGeom>
+          <a:solidFill>
+            <a:schemeClr val="accent1"/>
+          </a:solidFill>
+          <a:ln w="38100">
+            <a:solidFill>
+              <a:schemeClr val="tx1"/>
+            </a:solidFill>
+          </a:ln>
+        </p:spPr>
+        <p:style>
+          <a:lnRef idx="2">
+            <a:schemeClr val="accent1">
+              <a:shade val="50000"/>
+            </a:schemeClr>
+          </a:lnRef>
+          <a:fillRef idx="1">
+            <a:schemeClr val="accent1"/>
+          </a:fillRef>
+          <a:effectRef idx="0">
+            <a:schemeClr val="accent1"/>
+          </a:effectRef>
+          <a:fontRef idx="minor">
+            <a:schemeClr val="lt1"/>
+          </a:fontRef>
+        </p:style>
+        <p:txBody>
+          <a:bodyPr rtlCol="0" anchor="ctr"/>
+          <a:lstStyle/>
+          <a:p>
+            <a:pPr algn="ctr"/>
+            <a:r>
+              <a:rPr lang="en-US" sz="1800" b="1" smtClean="0">
+                <a:latin typeface="Georgia" charset="0"/>
+                <a:ea typeface="Georgia" charset="0"/>
+                <a:cs typeface="Georgia" charset="0"/>
+              </a:rPr>
+              <a:t>HDFS</a:t>
+            </a:r>
+            <a:endParaRPr lang="en-US" sz="1800" b="1" dirty="0">
+              <a:latin typeface="Georgia" charset="0"/>
+              <a:ea typeface="Georgia" charset="0"/>
+              <a:cs typeface="Georgia" charset="0"/>
+            </a:endParaRPr>
+          </a:p>
+        </p:txBody>
+      </p:sp>
+      <p:cxnSp>
+        <p:nvCxnSpPr>
+          <p:cNvPr id="11" name="Straight Arrow Connector 10"/>
+          <p:cNvCxnSpPr>
+            <a:stCxn id="4" idx="3"/>
+            <a:endCxn id="8" idx="1"/>
+          </p:cNvCxnSpPr>
+          <p:nvPr/>
+        </p:nvCxnSpPr>
+        <p:spPr>
+          <a:xfrm>
+            <a:off x="5382599" y="4626137"/>
+            <a:ext cx="1047520" cy="0"/>
+          </a:xfrm>
+          <a:prstGeom prst="straightConnector1">
+            <a:avLst/>
+          </a:prstGeom>
+          <a:ln w="38100">
+            <a:solidFill>
+              <a:schemeClr val="tx2"/>
+            </a:solidFill>
+            <a:prstDash val="sysDot"/>
+            <a:tailEnd type="triangle"/>
+          </a:ln>
+        </p:spPr>
+        <p:style>
+          <a:lnRef idx="1">
+            <a:schemeClr val="accent1"/>
+          </a:lnRef>
+          <a:fillRef idx="0">
+            <a:schemeClr val="accent1"/>
+          </a:fillRef>
+          <a:effectRef idx="0">
+            <a:schemeClr val="accent1"/>
+          </a:effectRef>
+          <a:fontRef idx="minor">
+            <a:schemeClr val="tx1"/>
+          </a:fontRef>
+        </p:style>
+      </p:cxnSp>
+      <p:cxnSp>
+        <p:nvCxnSpPr>
+          <p:cNvPr id="15" name="Straight Arrow Connector 14"/>
+          <p:cNvCxnSpPr>
+            <a:stCxn id="5" idx="0"/>
+          </p:cNvCxnSpPr>
+          <p:nvPr/>
+        </p:nvCxnSpPr>
+        <p:spPr>
+          <a:xfrm flipV="1">
+            <a:off x="4662599" y="5706137"/>
+            <a:ext cx="0" cy="1487440"/>
+          </a:xfrm>
+          <a:prstGeom prst="straightConnector1">
+            <a:avLst/>
+          </a:prstGeom>
+          <a:ln w="38100">
+            <a:solidFill>
+              <a:schemeClr val="tx2"/>
+            </a:solidFill>
+            <a:prstDash val="sysDot"/>
+            <a:tailEnd type="triangle"/>
+          </a:ln>
+        </p:spPr>
+        <p:style>
+          <a:lnRef idx="1">
+            <a:schemeClr val="accent1"/>
+          </a:lnRef>
+          <a:fillRef idx="0">
+            <a:schemeClr val="accent1"/>
+          </a:fillRef>
+          <a:effectRef idx="0">
+            <a:schemeClr val="accent1"/>
+          </a:effectRef>
+          <a:fontRef idx="minor">
+            <a:schemeClr val="tx1"/>
+          </a:fontRef>
+        </p:style>
+      </p:cxnSp>
+      <p:cxnSp>
+        <p:nvCxnSpPr>
+          <p:cNvPr id="17" name="Straight Arrow Connector 16"/>
+          <p:cNvCxnSpPr>
+            <a:stCxn id="5" idx="0"/>
+            <a:endCxn id="8" idx="2"/>
+          </p:cNvCxnSpPr>
+          <p:nvPr/>
+        </p:nvCxnSpPr>
+        <p:spPr>
+          <a:xfrm flipV="1">
+            <a:off x="4662599" y="5526137"/>
+            <a:ext cx="3387520" cy="1667440"/>
+          </a:xfrm>
+          <a:prstGeom prst="straightConnector1">
+            <a:avLst/>
+          </a:prstGeom>
+          <a:ln w="38100">
+            <a:solidFill>
+              <a:schemeClr val="tx2"/>
+            </a:solidFill>
+            <a:prstDash val="sysDot"/>
+            <a:tailEnd type="triangle"/>
+          </a:ln>
+        </p:spPr>
+        <p:style>
+          <a:lnRef idx="1">
+            <a:schemeClr val="accent1"/>
+          </a:lnRef>
+          <a:fillRef idx="0">
+            <a:schemeClr val="accent1"/>
+          </a:fillRef>
+          <a:effectRef idx="0">
+            <a:schemeClr val="accent1"/>
+          </a:effectRef>
+          <a:fontRef idx="minor">
+            <a:schemeClr val="tx1"/>
+          </a:fontRef>
+        </p:style>
+      </p:cxnSp>
+      <p:cxnSp>
+        <p:nvCxnSpPr>
+          <p:cNvPr id="19" name="Straight Arrow Connector 18"/>
+          <p:cNvCxnSpPr>
+            <a:stCxn id="6" idx="0"/>
+            <a:endCxn id="4" idx="2"/>
+          </p:cNvCxnSpPr>
+          <p:nvPr/>
+        </p:nvCxnSpPr>
+        <p:spPr>
+          <a:xfrm flipH="1" flipV="1">
+            <a:off x="4662599" y="5706137"/>
+            <a:ext cx="2143760" cy="1487440"/>
+          </a:xfrm>
+          <a:prstGeom prst="straightConnector1">
+            <a:avLst/>
+          </a:prstGeom>
+          <a:ln w="38100">
+            <a:solidFill>
+              <a:schemeClr val="tx2"/>
+            </a:solidFill>
+            <a:prstDash val="sysDot"/>
+            <a:tailEnd type="triangle"/>
+          </a:ln>
+        </p:spPr>
+        <p:style>
+          <a:lnRef idx="1">
+            <a:schemeClr val="accent1"/>
+          </a:lnRef>
+          <a:fillRef idx="0">
+            <a:schemeClr val="accent1"/>
+          </a:fillRef>
+          <a:effectRef idx="0">
+            <a:schemeClr val="accent1"/>
+          </a:effectRef>
+          <a:fontRef idx="minor">
+            <a:schemeClr val="tx1"/>
+          </a:fontRef>
+        </p:style>
+      </p:cxnSp>
+      <p:cxnSp>
+        <p:nvCxnSpPr>
+          <p:cNvPr id="21" name="Straight Arrow Connector 20"/>
+          <p:cNvCxnSpPr>
+            <a:stCxn id="6" idx="0"/>
+            <a:endCxn id="8" idx="2"/>
+          </p:cNvCxnSpPr>
+          <p:nvPr/>
+        </p:nvCxnSpPr>
+        <p:spPr>
+          <a:xfrm flipV="1">
+            <a:off x="6806359" y="5526137"/>
+            <a:ext cx="1243760" cy="1667440"/>
+          </a:xfrm>
+          <a:prstGeom prst="straightConnector1">
+            <a:avLst/>
+          </a:prstGeom>
+          <a:ln w="38100">
+            <a:solidFill>
+              <a:schemeClr val="tx2"/>
+            </a:solidFill>
+            <a:prstDash val="sysDot"/>
+            <a:tailEnd type="triangle"/>
+          </a:ln>
+        </p:spPr>
+        <p:style>
+          <a:lnRef idx="1">
+            <a:schemeClr val="accent1"/>
+          </a:lnRef>
+          <a:fillRef idx="0">
+            <a:schemeClr val="accent1"/>
+          </a:fillRef>
+          <a:effectRef idx="0">
+            <a:schemeClr val="accent1"/>
+          </a:effectRef>
+          <a:fontRef idx="minor">
+            <a:schemeClr val="tx1"/>
+          </a:fontRef>
+        </p:style>
+      </p:cxnSp>
+      <p:cxnSp>
+        <p:nvCxnSpPr>
+          <p:cNvPr id="23" name="Straight Arrow Connector 22"/>
+          <p:cNvCxnSpPr>
+            <a:stCxn id="7" idx="0"/>
+            <a:endCxn id="4" idx="2"/>
+          </p:cNvCxnSpPr>
+          <p:nvPr/>
+        </p:nvCxnSpPr>
+        <p:spPr>
+          <a:xfrm flipH="1" flipV="1">
+            <a:off x="4662599" y="5706137"/>
+            <a:ext cx="4287520" cy="1487440"/>
+          </a:xfrm>
+          <a:prstGeom prst="straightConnector1">
+            <a:avLst/>
+          </a:prstGeom>
+          <a:ln w="38100">
+            <a:solidFill>
+              <a:schemeClr val="tx2"/>
+            </a:solidFill>
+            <a:prstDash val="sysDot"/>
+            <a:tailEnd type="triangle"/>
+          </a:ln>
+        </p:spPr>
+        <p:style>
+          <a:lnRef idx="1">
+            <a:schemeClr val="accent1"/>
+          </a:lnRef>
+          <a:fillRef idx="0">
+            <a:schemeClr val="accent1"/>
+          </a:fillRef>
+          <a:effectRef idx="0">
+            <a:schemeClr val="accent1"/>
+          </a:effectRef>
+          <a:fontRef idx="minor">
+            <a:schemeClr val="tx1"/>
+          </a:fontRef>
+        </p:style>
+      </p:cxnSp>
+      <p:cxnSp>
+        <p:nvCxnSpPr>
+          <p:cNvPr id="25" name="Straight Arrow Connector 24"/>
+          <p:cNvCxnSpPr>
+            <a:stCxn id="7" idx="0"/>
+            <a:endCxn id="8" idx="2"/>
+          </p:cNvCxnSpPr>
+          <p:nvPr/>
+        </p:nvCxnSpPr>
+        <p:spPr>
+          <a:xfrm flipH="1" flipV="1">
+            <a:off x="8050119" y="5526137"/>
+            <a:ext cx="900000" cy="1667440"/>
+          </a:xfrm>
+          <a:prstGeom prst="straightConnector1">
+            <a:avLst/>
+          </a:prstGeom>
+          <a:ln w="38100">
+            <a:solidFill>
+              <a:schemeClr val="tx2"/>
+            </a:solidFill>
+            <a:prstDash val="sysDot"/>
+            <a:tailEnd type="triangle"/>
+          </a:ln>
+        </p:spPr>
+        <p:style>
+          <a:lnRef idx="1">
+            <a:schemeClr val="accent1"/>
+          </a:lnRef>
+          <a:fillRef idx="0">
+            <a:schemeClr val="accent1"/>
+          </a:fillRef>
+          <a:effectRef idx="0">
+            <a:schemeClr val="accent1"/>
+          </a:effectRef>
+          <a:fontRef idx="minor">
+            <a:schemeClr val="tx1"/>
+          </a:fontRef>
+        </p:style>
+      </p:cxnSp>
+      <p:cxnSp>
+        <p:nvCxnSpPr>
+          <p:cNvPr id="27" name="Straight Arrow Connector 26"/>
+          <p:cNvCxnSpPr>
+            <a:stCxn id="5" idx="2"/>
+            <a:endCxn id="9" idx="0"/>
+          </p:cNvCxnSpPr>
+          <p:nvPr/>
+        </p:nvCxnSpPr>
+        <p:spPr>
+          <a:xfrm>
+            <a:off x="4662599" y="9353577"/>
+            <a:ext cx="2143760" cy="1487440"/>
+          </a:xfrm>
+          <a:prstGeom prst="straightConnector1">
+            <a:avLst/>
+          </a:prstGeom>
+          <a:ln w="38100">
+            <a:solidFill>
+              <a:schemeClr val="tx2"/>
+            </a:solidFill>
+            <a:prstDash val="sysDot"/>
+            <a:tailEnd type="triangle"/>
+          </a:ln>
+        </p:spPr>
+        <p:style>
+          <a:lnRef idx="1">
+            <a:schemeClr val="accent1"/>
+          </a:lnRef>
+          <a:fillRef idx="0">
+            <a:schemeClr val="accent1"/>
+          </a:fillRef>
+          <a:effectRef idx="0">
+            <a:schemeClr val="accent1"/>
+          </a:effectRef>
+          <a:fontRef idx="minor">
+            <a:schemeClr val="tx1"/>
+          </a:fontRef>
+        </p:style>
+      </p:cxnSp>
+      <p:cxnSp>
+        <p:nvCxnSpPr>
+          <p:cNvPr id="29" name="Straight Arrow Connector 28"/>
+          <p:cNvCxnSpPr>
+            <a:stCxn id="6" idx="2"/>
+            <a:endCxn id="9" idx="0"/>
+          </p:cNvCxnSpPr>
+          <p:nvPr/>
+        </p:nvCxnSpPr>
+        <p:spPr>
+          <a:xfrm>
+            <a:off x="6806359" y="9353577"/>
+            <a:ext cx="0" cy="1487440"/>
+          </a:xfrm>
+          <a:prstGeom prst="straightConnector1">
+            <a:avLst/>
+          </a:prstGeom>
+          <a:ln w="38100">
+            <a:solidFill>
+              <a:schemeClr val="tx2"/>
+            </a:solidFill>
+            <a:prstDash val="sysDot"/>
+            <a:tailEnd type="triangle"/>
+          </a:ln>
+        </p:spPr>
+        <p:style>
+          <a:lnRef idx="1">
+            <a:schemeClr val="accent1"/>
+          </a:lnRef>
+          <a:fillRef idx="0">
+            <a:schemeClr val="accent1"/>
+          </a:fillRef>
+          <a:effectRef idx="0">
+            <a:schemeClr val="accent1"/>
+          </a:effectRef>
+          <a:fontRef idx="minor">
+            <a:schemeClr val="tx1"/>
+          </a:fontRef>
+        </p:style>
+      </p:cxnSp>
+      <p:cxnSp>
+        <p:nvCxnSpPr>
+          <p:cNvPr id="31" name="Straight Arrow Connector 30"/>
+          <p:cNvCxnSpPr>
+            <a:stCxn id="7" idx="2"/>
+            <a:endCxn id="9" idx="0"/>
+          </p:cNvCxnSpPr>
+          <p:nvPr/>
+        </p:nvCxnSpPr>
+        <p:spPr>
+          <a:xfrm flipH="1">
+            <a:off x="6806359" y="9353577"/>
+            <a:ext cx="2143760" cy="1487440"/>
+          </a:xfrm>
+          <a:prstGeom prst="straightConnector1">
+            <a:avLst/>
+          </a:prstGeom>
+          <a:ln w="38100">
+            <a:solidFill>
+              <a:schemeClr val="tx2"/>
+            </a:solidFill>
+            <a:prstDash val="sysDot"/>
+            <a:tailEnd type="triangle"/>
+          </a:ln>
+        </p:spPr>
+        <p:style>
+          <a:lnRef idx="1">
+            <a:schemeClr val="accent1"/>
+          </a:lnRef>
+          <a:fillRef idx="0">
+            <a:schemeClr val="accent1"/>
+          </a:fillRef>
+          <a:effectRef idx="0">
+            <a:schemeClr val="accent1"/>
+          </a:effectRef>
+          <a:fontRef idx="minor">
+            <a:schemeClr val="tx1"/>
+          </a:fontRef>
+        </p:style>
+      </p:cxnSp>
+      <p:cxnSp>
+        <p:nvCxnSpPr>
+          <p:cNvPr id="33" name="Curved Connector 32"/>
+          <p:cNvCxnSpPr>
+            <a:stCxn id="4" idx="1"/>
+            <a:endCxn id="9" idx="1"/>
+          </p:cNvCxnSpPr>
+          <p:nvPr/>
+        </p:nvCxnSpPr>
+        <p:spPr>
+          <a:xfrm rot="10800000" flipH="1" flipV="1">
+            <a:off x="3942599" y="4626137"/>
+            <a:ext cx="1243760" cy="7114880"/>
+          </a:xfrm>
+          <a:prstGeom prst="curvedConnector3">
+            <a:avLst>
+              <a:gd name="adj1" fmla="val -119673"/>
+            </a:avLst>
+          </a:prstGeom>
+          <a:ln w="38100">
+            <a:solidFill>
+              <a:schemeClr val="tx2"/>
+            </a:solidFill>
+            <a:prstDash val="sysDot"/>
+            <a:tailEnd type="triangle"/>
+          </a:ln>
+        </p:spPr>
+        <p:style>
+          <a:lnRef idx="1">
+            <a:schemeClr val="accent1"/>
+          </a:lnRef>
+          <a:fillRef idx="0">
+            <a:schemeClr val="accent1"/>
+          </a:fillRef>
+          <a:effectRef idx="0">
+            <a:schemeClr val="accent1"/>
+          </a:effectRef>
+          <a:fontRef idx="minor">
+            <a:schemeClr val="tx1"/>
+          </a:fontRef>
+        </p:style>
+      </p:cxnSp>
+    </p:spTree>
+    <p:extLst>
+      <p:ext uri="{BB962C8B-B14F-4D97-AF65-F5344CB8AC3E}">
+        <p14:creationId xmlns:p14="http://schemas.microsoft.com/office/powerpoint/2010/main" val="887381868"/>
       </p:ext>
     </p:extLst>
   </p:cSld>
